--- a/WebContent/jhk/프로젝트5_jhk.pptx
+++ b/WebContent/jhk/프로젝트5_jhk.pptx
@@ -24,12 +24,15 @@
     <p:sldId id="327" r:id="rId18"/>
     <p:sldId id="328" r:id="rId19"/>
     <p:sldId id="326" r:id="rId20"/>
-    <p:sldId id="321" r:id="rId21"/>
-    <p:sldId id="311" r:id="rId22"/>
-    <p:sldId id="312" r:id="rId23"/>
-    <p:sldId id="313" r:id="rId24"/>
-    <p:sldId id="314" r:id="rId25"/>
-    <p:sldId id="315" r:id="rId26"/>
+    <p:sldId id="331" r:id="rId21"/>
+    <p:sldId id="329" r:id="rId22"/>
+    <p:sldId id="330" r:id="rId23"/>
+    <p:sldId id="321" r:id="rId24"/>
+    <p:sldId id="311" r:id="rId25"/>
+    <p:sldId id="312" r:id="rId26"/>
+    <p:sldId id="313" r:id="rId27"/>
+    <p:sldId id="314" r:id="rId28"/>
+    <p:sldId id="315" r:id="rId29"/>
   </p:sldIdLst>
   <p:sldSz cx="12192000" cy="6858000"/>
   <p:notesSz cx="6858000" cy="9144000"/>
@@ -130,7 +133,7 @@
   </p:defaultTextStyle>
   <p:extLst>
     <p:ext uri="{EFAFB233-063F-42B5-8137-9DF3F51BA10A}">
-      <p15:sldGuideLst xmlns:p15="http://schemas.microsoft.com/office/powerpoint/2012/main" xmlns=""/>
+      <p15:sldGuideLst xmlns="" xmlns:p15="http://schemas.microsoft.com/office/powerpoint/2012/main"/>
     </p:ext>
   </p:extLst>
 </p:presentation>
@@ -7000,7 +7003,7 @@
           <p:cNvPr id="22" name="그림 21">
             <a:extLst>
               <a:ext uri="{FF2B5EF4-FFF2-40B4-BE49-F238E27FC236}">
-                <a16:creationId xmlns="" xmlns:a16="http://schemas.microsoft.com/office/drawing/2014/main" id="{928BE64D-A24F-42CB-B298-FBF49719BA30}"/>
+                <a16:creationId xmlns:a16="http://schemas.microsoft.com/office/drawing/2014/main" xmlns="" id="{928BE64D-A24F-42CB-B298-FBF49719BA30}"/>
               </a:ext>
             </a:extLst>
           </p:cNvPr>
@@ -19040,11 +19043,6 @@
               </a:rPr>
               <a:t>주변기기</a:t>
             </a:r>
-            <a:endParaRPr lang="ko-KR" altLang="en-US" sz="1400">
-              <a:solidFill>
-                <a:schemeClr val="tx1"/>
-              </a:solidFill>
-            </a:endParaRPr>
           </a:p>
         </p:txBody>
       </p:sp>
@@ -20434,11 +20432,7 @@
           <a:p>
             <a:r>
               <a:rPr lang="ko-KR" altLang="en-US" smtClean="0"/>
-              <a:t>관리자 </a:t>
-            </a:r>
-            <a:r>
-              <a:rPr lang="ko-KR" altLang="en-US" smtClean="0"/>
-              <a:t>페이지</a:t>
+              <a:t>관리자 페이지</a:t>
             </a:r>
             <a:endParaRPr lang="ko-KR" altLang="en-US" dirty="0"/>
           </a:p>
@@ -20490,6 +20484,636 @@
               </a:rPr>
               <a:t>Wire Frame</a:t>
             </a:r>
+          </a:p>
+        </p:txBody>
+      </p:sp>
+      <p:cxnSp>
+        <p:nvCxnSpPr>
+          <p:cNvPr id="22" name="직선 연결선 21"/>
+          <p:cNvCxnSpPr/>
+          <p:nvPr/>
+        </p:nvCxnSpPr>
+        <p:spPr>
+          <a:xfrm>
+            <a:off x="1713470" y="3406693"/>
+            <a:ext cx="5791200" cy="0"/>
+          </a:xfrm>
+          <a:prstGeom prst="line">
+            <a:avLst/>
+          </a:prstGeom>
+        </p:spPr>
+        <p:style>
+          <a:lnRef idx="1">
+            <a:schemeClr val="dk1"/>
+          </a:lnRef>
+          <a:fillRef idx="0">
+            <a:schemeClr val="dk1"/>
+          </a:fillRef>
+          <a:effectRef idx="0">
+            <a:schemeClr val="dk1"/>
+          </a:effectRef>
+          <a:fontRef idx="minor">
+            <a:schemeClr val="tx1"/>
+          </a:fontRef>
+        </p:style>
+      </p:cxnSp>
+      <p:sp>
+        <p:nvSpPr>
+          <p:cNvPr id="23" name="TextBox 22"/>
+          <p:cNvSpPr txBox="1"/>
+          <p:nvPr/>
+        </p:nvSpPr>
+        <p:spPr>
+          <a:xfrm>
+            <a:off x="3219295" y="3459283"/>
+            <a:ext cx="551935" cy="215444"/>
+          </a:xfrm>
+          <a:prstGeom prst="rect">
+            <a:avLst/>
+          </a:prstGeom>
+          <a:noFill/>
+        </p:spPr>
+        <p:txBody>
+          <a:bodyPr wrap="square" rtlCol="0">
+            <a:spAutoFit/>
+          </a:bodyPr>
+          <a:lstStyle/>
+          <a:p>
+            <a:r>
+              <a:rPr lang="ko-KR" altLang="en-US" sz="800" smtClean="0"/>
+              <a:t>상품</a:t>
+            </a:r>
+            <a:r>
+              <a:rPr lang="ko-KR" altLang="en-US" sz="800"/>
+              <a:t>명</a:t>
+            </a:r>
+            <a:endParaRPr lang="ko-KR" altLang="en-US" sz="800" dirty="0"/>
+          </a:p>
+        </p:txBody>
+      </p:sp>
+      <p:sp>
+        <p:nvSpPr>
+          <p:cNvPr id="24" name="TextBox 23"/>
+          <p:cNvSpPr txBox="1"/>
+          <p:nvPr/>
+        </p:nvSpPr>
+        <p:spPr>
+          <a:xfrm>
+            <a:off x="1713470" y="3464091"/>
+            <a:ext cx="643976" cy="215444"/>
+          </a:xfrm>
+          <a:prstGeom prst="rect">
+            <a:avLst/>
+          </a:prstGeom>
+          <a:noFill/>
+        </p:spPr>
+        <p:txBody>
+          <a:bodyPr wrap="square" rtlCol="0">
+            <a:spAutoFit/>
+          </a:bodyPr>
+          <a:lstStyle/>
+          <a:p>
+            <a:r>
+              <a:rPr lang="ko-KR" altLang="en-US" sz="800" smtClean="0"/>
+              <a:t>상품번호</a:t>
+            </a:r>
+            <a:endParaRPr lang="ko-KR" altLang="en-US" sz="800" dirty="0"/>
+          </a:p>
+        </p:txBody>
+      </p:sp>
+      <p:sp>
+        <p:nvSpPr>
+          <p:cNvPr id="25" name="TextBox 24"/>
+          <p:cNvSpPr txBox="1"/>
+          <p:nvPr/>
+        </p:nvSpPr>
+        <p:spPr>
+          <a:xfrm>
+            <a:off x="4806069" y="3464091"/>
+            <a:ext cx="551935" cy="215444"/>
+          </a:xfrm>
+          <a:prstGeom prst="rect">
+            <a:avLst/>
+          </a:prstGeom>
+          <a:noFill/>
+        </p:spPr>
+        <p:txBody>
+          <a:bodyPr wrap="square" rtlCol="0">
+            <a:spAutoFit/>
+          </a:bodyPr>
+          <a:lstStyle/>
+          <a:p>
+            <a:r>
+              <a:rPr lang="ko-KR" altLang="en-US" sz="800" smtClean="0"/>
+              <a:t>분</a:t>
+            </a:r>
+            <a:r>
+              <a:rPr lang="ko-KR" altLang="en-US" sz="800"/>
+              <a:t>류</a:t>
+            </a:r>
+            <a:endParaRPr lang="ko-KR" altLang="en-US" sz="800" dirty="0"/>
+          </a:p>
+        </p:txBody>
+      </p:sp>
+      <p:sp>
+        <p:nvSpPr>
+          <p:cNvPr id="28" name="TextBox 27"/>
+          <p:cNvSpPr txBox="1"/>
+          <p:nvPr/>
+        </p:nvSpPr>
+        <p:spPr>
+          <a:xfrm>
+            <a:off x="6466710" y="3464091"/>
+            <a:ext cx="551935" cy="215444"/>
+          </a:xfrm>
+          <a:prstGeom prst="rect">
+            <a:avLst/>
+          </a:prstGeom>
+          <a:noFill/>
+        </p:spPr>
+        <p:txBody>
+          <a:bodyPr wrap="square" rtlCol="0">
+            <a:spAutoFit/>
+          </a:bodyPr>
+          <a:lstStyle/>
+          <a:p>
+            <a:r>
+              <a:rPr lang="ko-KR" altLang="en-US" sz="800" smtClean="0"/>
+              <a:t>등록</a:t>
+            </a:r>
+            <a:r>
+              <a:rPr lang="ko-KR" altLang="en-US" sz="800"/>
+              <a:t>일</a:t>
+            </a:r>
+            <a:endParaRPr lang="ko-KR" altLang="en-US" sz="800" dirty="0"/>
+          </a:p>
+        </p:txBody>
+      </p:sp>
+      <p:cxnSp>
+        <p:nvCxnSpPr>
+          <p:cNvPr id="29" name="직선 연결선 28"/>
+          <p:cNvCxnSpPr/>
+          <p:nvPr/>
+        </p:nvCxnSpPr>
+        <p:spPr>
+          <a:xfrm>
+            <a:off x="1713470" y="3718839"/>
+            <a:ext cx="5791200" cy="0"/>
+          </a:xfrm>
+          <a:prstGeom prst="line">
+            <a:avLst/>
+          </a:prstGeom>
+        </p:spPr>
+        <p:style>
+          <a:lnRef idx="1">
+            <a:schemeClr val="dk1"/>
+          </a:lnRef>
+          <a:fillRef idx="0">
+            <a:schemeClr val="dk1"/>
+          </a:fillRef>
+          <a:effectRef idx="0">
+            <a:schemeClr val="dk1"/>
+          </a:effectRef>
+          <a:fontRef idx="minor">
+            <a:schemeClr val="tx1"/>
+          </a:fontRef>
+        </p:style>
+      </p:cxnSp>
+      <p:cxnSp>
+        <p:nvCxnSpPr>
+          <p:cNvPr id="30" name="직선 연결선 29"/>
+          <p:cNvCxnSpPr/>
+          <p:nvPr/>
+        </p:nvCxnSpPr>
+        <p:spPr>
+          <a:xfrm>
+            <a:off x="1713470" y="3962747"/>
+            <a:ext cx="5791200" cy="0"/>
+          </a:xfrm>
+          <a:prstGeom prst="line">
+            <a:avLst/>
+          </a:prstGeom>
+        </p:spPr>
+        <p:style>
+          <a:lnRef idx="1">
+            <a:schemeClr val="dk1"/>
+          </a:lnRef>
+          <a:fillRef idx="0">
+            <a:schemeClr val="dk1"/>
+          </a:fillRef>
+          <a:effectRef idx="0">
+            <a:schemeClr val="dk1"/>
+          </a:effectRef>
+          <a:fontRef idx="minor">
+            <a:schemeClr val="tx1"/>
+          </a:fontRef>
+        </p:style>
+      </p:cxnSp>
+      <p:cxnSp>
+        <p:nvCxnSpPr>
+          <p:cNvPr id="31" name="직선 연결선 30"/>
+          <p:cNvCxnSpPr/>
+          <p:nvPr/>
+        </p:nvCxnSpPr>
+        <p:spPr>
+          <a:xfrm>
+            <a:off x="1713470" y="4201644"/>
+            <a:ext cx="5791200" cy="0"/>
+          </a:xfrm>
+          <a:prstGeom prst="line">
+            <a:avLst/>
+          </a:prstGeom>
+        </p:spPr>
+        <p:style>
+          <a:lnRef idx="1">
+            <a:schemeClr val="dk1"/>
+          </a:lnRef>
+          <a:fillRef idx="0">
+            <a:schemeClr val="dk1"/>
+          </a:fillRef>
+          <a:effectRef idx="0">
+            <a:schemeClr val="dk1"/>
+          </a:effectRef>
+          <a:fontRef idx="minor">
+            <a:schemeClr val="tx1"/>
+          </a:fontRef>
+        </p:style>
+      </p:cxnSp>
+      <p:cxnSp>
+        <p:nvCxnSpPr>
+          <p:cNvPr id="32" name="직선 연결선 31"/>
+          <p:cNvCxnSpPr/>
+          <p:nvPr/>
+        </p:nvCxnSpPr>
+        <p:spPr>
+          <a:xfrm>
+            <a:off x="1713470" y="4448780"/>
+            <a:ext cx="5791200" cy="0"/>
+          </a:xfrm>
+          <a:prstGeom prst="line">
+            <a:avLst/>
+          </a:prstGeom>
+        </p:spPr>
+        <p:style>
+          <a:lnRef idx="1">
+            <a:schemeClr val="dk1"/>
+          </a:lnRef>
+          <a:fillRef idx="0">
+            <a:schemeClr val="dk1"/>
+          </a:fillRef>
+          <a:effectRef idx="0">
+            <a:schemeClr val="dk1"/>
+          </a:effectRef>
+          <a:fontRef idx="minor">
+            <a:schemeClr val="tx1"/>
+          </a:fontRef>
+        </p:style>
+      </p:cxnSp>
+      <p:cxnSp>
+        <p:nvCxnSpPr>
+          <p:cNvPr id="33" name="직선 연결선 32"/>
+          <p:cNvCxnSpPr/>
+          <p:nvPr/>
+        </p:nvCxnSpPr>
+        <p:spPr>
+          <a:xfrm>
+            <a:off x="1713470" y="4679439"/>
+            <a:ext cx="5791200" cy="0"/>
+          </a:xfrm>
+          <a:prstGeom prst="line">
+            <a:avLst/>
+          </a:prstGeom>
+        </p:spPr>
+        <p:style>
+          <a:lnRef idx="1">
+            <a:schemeClr val="dk1"/>
+          </a:lnRef>
+          <a:fillRef idx="0">
+            <a:schemeClr val="dk1"/>
+          </a:fillRef>
+          <a:effectRef idx="0">
+            <a:schemeClr val="dk1"/>
+          </a:effectRef>
+          <a:fontRef idx="minor">
+            <a:schemeClr val="tx1"/>
+          </a:fontRef>
+        </p:style>
+      </p:cxnSp>
+      <p:cxnSp>
+        <p:nvCxnSpPr>
+          <p:cNvPr id="34" name="직선 연결선 33"/>
+          <p:cNvCxnSpPr/>
+          <p:nvPr/>
+        </p:nvCxnSpPr>
+        <p:spPr>
+          <a:xfrm>
+            <a:off x="1713470" y="4903300"/>
+            <a:ext cx="5791200" cy="0"/>
+          </a:xfrm>
+          <a:prstGeom prst="line">
+            <a:avLst/>
+          </a:prstGeom>
+        </p:spPr>
+        <p:style>
+          <a:lnRef idx="1">
+            <a:schemeClr val="dk1"/>
+          </a:lnRef>
+          <a:fillRef idx="0">
+            <a:schemeClr val="dk1"/>
+          </a:fillRef>
+          <a:effectRef idx="0">
+            <a:schemeClr val="dk1"/>
+          </a:effectRef>
+          <a:fontRef idx="minor">
+            <a:schemeClr val="tx1"/>
+          </a:fontRef>
+        </p:style>
+      </p:cxnSp>
+      <p:cxnSp>
+        <p:nvCxnSpPr>
+          <p:cNvPr id="35" name="직선 연결선 34"/>
+          <p:cNvCxnSpPr/>
+          <p:nvPr/>
+        </p:nvCxnSpPr>
+        <p:spPr>
+          <a:xfrm>
+            <a:off x="1713470" y="5132520"/>
+            <a:ext cx="5791200" cy="0"/>
+          </a:xfrm>
+          <a:prstGeom prst="line">
+            <a:avLst/>
+          </a:prstGeom>
+        </p:spPr>
+        <p:style>
+          <a:lnRef idx="1">
+            <a:schemeClr val="dk1"/>
+          </a:lnRef>
+          <a:fillRef idx="0">
+            <a:schemeClr val="dk1"/>
+          </a:fillRef>
+          <a:effectRef idx="0">
+            <a:schemeClr val="dk1"/>
+          </a:effectRef>
+          <a:fontRef idx="minor">
+            <a:schemeClr val="tx1"/>
+          </a:fontRef>
+        </p:style>
+      </p:cxnSp>
+      <p:cxnSp>
+        <p:nvCxnSpPr>
+          <p:cNvPr id="36" name="직선 연결선 35"/>
+          <p:cNvCxnSpPr/>
+          <p:nvPr/>
+        </p:nvCxnSpPr>
+        <p:spPr>
+          <a:xfrm>
+            <a:off x="1713470" y="5363179"/>
+            <a:ext cx="5791200" cy="0"/>
+          </a:xfrm>
+          <a:prstGeom prst="line">
+            <a:avLst/>
+          </a:prstGeom>
+        </p:spPr>
+        <p:style>
+          <a:lnRef idx="1">
+            <a:schemeClr val="dk1"/>
+          </a:lnRef>
+          <a:fillRef idx="0">
+            <a:schemeClr val="dk1"/>
+          </a:fillRef>
+          <a:effectRef idx="0">
+            <a:schemeClr val="dk1"/>
+          </a:effectRef>
+          <a:fontRef idx="minor">
+            <a:schemeClr val="tx1"/>
+          </a:fontRef>
+        </p:style>
+      </p:cxnSp>
+      <p:sp>
+        <p:nvSpPr>
+          <p:cNvPr id="37" name="TextBox 36"/>
+          <p:cNvSpPr txBox="1"/>
+          <p:nvPr/>
+        </p:nvSpPr>
+        <p:spPr>
+          <a:xfrm>
+            <a:off x="3468130" y="5445211"/>
+            <a:ext cx="2347784" cy="215444"/>
+          </a:xfrm>
+          <a:prstGeom prst="rect">
+            <a:avLst/>
+          </a:prstGeom>
+          <a:noFill/>
+        </p:spPr>
+        <p:txBody>
+          <a:bodyPr wrap="square" rtlCol="0">
+            <a:spAutoFit/>
+          </a:bodyPr>
+          <a:lstStyle/>
+          <a:p>
+            <a:pPr algn="ctr"/>
+            <a:r>
+              <a:rPr lang="en-US" altLang="ko-KR" sz="800" dirty="0" smtClean="0"/>
+              <a:t>1 2 3 4</a:t>
+            </a:r>
+            <a:endParaRPr lang="ko-KR" altLang="en-US" sz="800" dirty="0"/>
+          </a:p>
+        </p:txBody>
+      </p:sp>
+      <p:sp>
+        <p:nvSpPr>
+          <p:cNvPr id="38" name="TextBox 37"/>
+          <p:cNvSpPr txBox="1"/>
+          <p:nvPr/>
+        </p:nvSpPr>
+        <p:spPr>
+          <a:xfrm>
+            <a:off x="1713470" y="2576410"/>
+            <a:ext cx="1112108" cy="276999"/>
+          </a:xfrm>
+          <a:prstGeom prst="rect">
+            <a:avLst/>
+          </a:prstGeom>
+          <a:noFill/>
+        </p:spPr>
+        <p:txBody>
+          <a:bodyPr wrap="square" rtlCol="0">
+            <a:spAutoFit/>
+          </a:bodyPr>
+          <a:lstStyle/>
+          <a:p>
+            <a:r>
+              <a:rPr lang="ko-KR" altLang="en-US" sz="1200" smtClean="0"/>
+              <a:t>상품관리</a:t>
+            </a:r>
+            <a:endParaRPr lang="ko-KR" altLang="en-US" sz="1200" dirty="0"/>
+          </a:p>
+        </p:txBody>
+      </p:sp>
+      <p:sp>
+        <p:nvSpPr>
+          <p:cNvPr id="41" name="직사각형 40"/>
+          <p:cNvSpPr/>
+          <p:nvPr/>
+        </p:nvSpPr>
+        <p:spPr>
+          <a:xfrm>
+            <a:off x="1713470" y="2951708"/>
+            <a:ext cx="1112108" cy="249674"/>
+          </a:xfrm>
+          <a:prstGeom prst="rect">
+            <a:avLst/>
+          </a:prstGeom>
+          <a:solidFill>
+            <a:schemeClr val="bg1"/>
+          </a:solidFill>
+          <a:ln>
+            <a:solidFill>
+              <a:schemeClr val="tx1"/>
+            </a:solidFill>
+          </a:ln>
+        </p:spPr>
+        <p:style>
+          <a:lnRef idx="2">
+            <a:schemeClr val="accent1">
+              <a:shade val="50000"/>
+            </a:schemeClr>
+          </a:lnRef>
+          <a:fillRef idx="1">
+            <a:schemeClr val="accent1"/>
+          </a:fillRef>
+          <a:effectRef idx="0">
+            <a:schemeClr val="accent1"/>
+          </a:effectRef>
+          <a:fontRef idx="minor">
+            <a:schemeClr val="lt1"/>
+          </a:fontRef>
+        </p:style>
+        <p:txBody>
+          <a:bodyPr rtlCol="0" anchor="ctr"/>
+          <a:lstStyle/>
+          <a:p>
+            <a:r>
+              <a:rPr lang="ko-KR" altLang="en-US" sz="1000" smtClean="0">
+                <a:solidFill>
+                  <a:schemeClr val="tx1"/>
+                </a:solidFill>
+              </a:rPr>
+              <a:t>전체</a:t>
+            </a:r>
+            <a:endParaRPr lang="ko-KR" altLang="en-US" sz="1000" dirty="0">
+              <a:solidFill>
+                <a:schemeClr val="tx1"/>
+              </a:solidFill>
+            </a:endParaRPr>
+          </a:p>
+        </p:txBody>
+      </p:sp>
+      <p:sp>
+        <p:nvSpPr>
+          <p:cNvPr id="42" name="아래쪽 화살표 41"/>
+          <p:cNvSpPr/>
+          <p:nvPr/>
+        </p:nvSpPr>
+        <p:spPr>
+          <a:xfrm>
+            <a:off x="2619635" y="3023286"/>
+            <a:ext cx="131805" cy="123568"/>
+          </a:xfrm>
+          <a:prstGeom prst="downArrow">
+            <a:avLst/>
+          </a:prstGeom>
+          <a:solidFill>
+            <a:schemeClr val="bg1"/>
+          </a:solidFill>
+          <a:ln>
+            <a:solidFill>
+              <a:schemeClr val="tx1"/>
+            </a:solidFill>
+          </a:ln>
+        </p:spPr>
+        <p:style>
+          <a:lnRef idx="2">
+            <a:schemeClr val="accent1">
+              <a:shade val="50000"/>
+            </a:schemeClr>
+          </a:lnRef>
+          <a:fillRef idx="1">
+            <a:schemeClr val="accent1"/>
+          </a:fillRef>
+          <a:effectRef idx="0">
+            <a:schemeClr val="accent1"/>
+          </a:effectRef>
+          <a:fontRef idx="minor">
+            <a:schemeClr val="lt1"/>
+          </a:fontRef>
+        </p:style>
+        <p:txBody>
+          <a:bodyPr rtlCol="0" anchor="ctr"/>
+          <a:lstStyle/>
+          <a:p>
+            <a:pPr algn="ctr"/>
+            <a:endParaRPr lang="ko-KR" altLang="en-US"/>
+          </a:p>
+        </p:txBody>
+      </p:sp>
+      <p:sp>
+        <p:nvSpPr>
+          <p:cNvPr id="43" name="직사각형 42"/>
+          <p:cNvSpPr/>
+          <p:nvPr/>
+        </p:nvSpPr>
+        <p:spPr>
+          <a:xfrm>
+            <a:off x="6911548" y="5459256"/>
+            <a:ext cx="464612" cy="249674"/>
+          </a:xfrm>
+          <a:prstGeom prst="rect">
+            <a:avLst/>
+          </a:prstGeom>
+          <a:solidFill>
+            <a:schemeClr val="tx1"/>
+          </a:solidFill>
+          <a:ln>
+            <a:solidFill>
+              <a:schemeClr val="tx1"/>
+            </a:solidFill>
+          </a:ln>
+        </p:spPr>
+        <p:style>
+          <a:lnRef idx="2">
+            <a:schemeClr val="accent1">
+              <a:shade val="50000"/>
+            </a:schemeClr>
+          </a:lnRef>
+          <a:fillRef idx="1">
+            <a:schemeClr val="accent1"/>
+          </a:fillRef>
+          <a:effectRef idx="0">
+            <a:schemeClr val="accent1"/>
+          </a:effectRef>
+          <a:fontRef idx="minor">
+            <a:schemeClr val="lt1"/>
+          </a:fontRef>
+        </p:style>
+        <p:txBody>
+          <a:bodyPr rtlCol="0" anchor="ctr"/>
+          <a:lstStyle/>
+          <a:p>
+            <a:pPr algn="ctr"/>
+            <a:r>
+              <a:rPr lang="ko-KR" altLang="en-US" sz="1000" smtClean="0">
+                <a:solidFill>
+                  <a:schemeClr val="bg1"/>
+                </a:solidFill>
+              </a:rPr>
+              <a:t>등록</a:t>
+            </a:r>
+            <a:endParaRPr lang="ko-KR" altLang="en-US" sz="1000" dirty="0">
+              <a:solidFill>
+                <a:schemeClr val="bg1"/>
+              </a:solidFill>
+            </a:endParaRPr>
           </a:p>
         </p:txBody>
       </p:sp>
@@ -21191,7 +21815,7 @@
           <p:cNvPr id="16" name="그룹 15">
             <a:extLst>
               <a:ext uri="{FF2B5EF4-FFF2-40B4-BE49-F238E27FC236}">
-                <a16:creationId xmlns="" xmlns:a16="http://schemas.microsoft.com/office/drawing/2014/main" id="{1592706D-EFAE-4144-BFA1-6735E09271FD}"/>
+                <a16:creationId xmlns:a16="http://schemas.microsoft.com/office/drawing/2014/main" xmlns="" id="{1592706D-EFAE-4144-BFA1-6735E09271FD}"/>
               </a:ext>
             </a:extLst>
           </p:cNvPr>
@@ -21211,7 +21835,7 @@
             <p:cNvPr id="17" name="양쪽 모서리가 둥근 사각형 5">
               <a:extLst>
                 <a:ext uri="{FF2B5EF4-FFF2-40B4-BE49-F238E27FC236}">
-                  <a16:creationId xmlns="" xmlns:a16="http://schemas.microsoft.com/office/drawing/2014/main" id="{8078EBE2-80A2-4C73-B338-3BF0725D8C61}"/>
+                  <a16:creationId xmlns:a16="http://schemas.microsoft.com/office/drawing/2014/main" xmlns="" id="{8078EBE2-80A2-4C73-B338-3BF0725D8C61}"/>
                 </a:ext>
               </a:extLst>
             </p:cNvPr>
@@ -21377,7 +22001,7 @@
             <p:cNvPr id="18" name="양쪽 모서리가 둥근 사각형 4">
               <a:extLst>
                 <a:ext uri="{FF2B5EF4-FFF2-40B4-BE49-F238E27FC236}">
-                  <a16:creationId xmlns="" xmlns:a16="http://schemas.microsoft.com/office/drawing/2014/main" id="{39BAB469-719B-4B91-8479-8CE11BC8E6B9}"/>
+                  <a16:creationId xmlns:a16="http://schemas.microsoft.com/office/drawing/2014/main" xmlns="" id="{39BAB469-719B-4B91-8479-8CE11BC8E6B9}"/>
                 </a:ext>
               </a:extLst>
             </p:cNvPr>
@@ -21443,7 +22067,7 @@
             <p:cNvPr id="19" name="직사각형 18">
               <a:extLst>
                 <a:ext uri="{FF2B5EF4-FFF2-40B4-BE49-F238E27FC236}">
-                  <a16:creationId xmlns="" xmlns:a16="http://schemas.microsoft.com/office/drawing/2014/main" id="{39F1B524-4CC7-4E30-816B-3723A5813198}"/>
+                  <a16:creationId xmlns:a16="http://schemas.microsoft.com/office/drawing/2014/main" xmlns="" id="{39F1B524-4CC7-4E30-816B-3723A5813198}"/>
                 </a:ext>
               </a:extLst>
             </p:cNvPr>
@@ -21499,7 +22123,7 @@
             <p:cNvPr id="20" name="타원 19">
               <a:extLst>
                 <a:ext uri="{FF2B5EF4-FFF2-40B4-BE49-F238E27FC236}">
-                  <a16:creationId xmlns="" xmlns:a16="http://schemas.microsoft.com/office/drawing/2014/main" id="{9F7C7939-334C-4B6E-8334-1DAF6166C2BD}"/>
+                  <a16:creationId xmlns:a16="http://schemas.microsoft.com/office/drawing/2014/main" xmlns="" id="{9F7C7939-334C-4B6E-8334-1DAF6166C2BD}"/>
                 </a:ext>
               </a:extLst>
             </p:cNvPr>
@@ -21555,7 +22179,7 @@
             <p:cNvPr id="21" name="타원 20">
               <a:extLst>
                 <a:ext uri="{FF2B5EF4-FFF2-40B4-BE49-F238E27FC236}">
-                  <a16:creationId xmlns="" xmlns:a16="http://schemas.microsoft.com/office/drawing/2014/main" id="{3ACF8C7F-31C0-4E48-9500-11CA0520BEC1}"/>
+                  <a16:creationId xmlns:a16="http://schemas.microsoft.com/office/drawing/2014/main" xmlns="" id="{3ACF8C7F-31C0-4E48-9500-11CA0520BEC1}"/>
                 </a:ext>
               </a:extLst>
             </p:cNvPr>
@@ -21611,7 +22235,7 @@
             <p:cNvPr id="22" name="타원 21">
               <a:extLst>
                 <a:ext uri="{FF2B5EF4-FFF2-40B4-BE49-F238E27FC236}">
-                  <a16:creationId xmlns="" xmlns:a16="http://schemas.microsoft.com/office/drawing/2014/main" id="{CDF524C5-87D1-45D8-B459-FDB2C64EC2DD}"/>
+                  <a16:creationId xmlns:a16="http://schemas.microsoft.com/office/drawing/2014/main" xmlns="" id="{CDF524C5-87D1-45D8-B459-FDB2C64EC2DD}"/>
                 </a:ext>
               </a:extLst>
             </p:cNvPr>
@@ -22296,6 +22920,6553 @@
       </p:grpSp>
       <p:sp>
         <p:nvSpPr>
+          <p:cNvPr id="3" name="직사각형 2"/>
+          <p:cNvSpPr/>
+          <p:nvPr/>
+        </p:nvSpPr>
+        <p:spPr>
+          <a:xfrm>
+            <a:off x="8602764" y="1664043"/>
+            <a:ext cx="2811968" cy="4423719"/>
+          </a:xfrm>
+          <a:prstGeom prst="rect">
+            <a:avLst/>
+          </a:prstGeom>
+          <a:solidFill>
+            <a:schemeClr val="bg1"/>
+          </a:solidFill>
+          <a:ln>
+            <a:solidFill>
+              <a:schemeClr val="tx1"/>
+            </a:solidFill>
+          </a:ln>
+        </p:spPr>
+        <p:style>
+          <a:lnRef idx="2">
+            <a:schemeClr val="accent1">
+              <a:shade val="50000"/>
+            </a:schemeClr>
+          </a:lnRef>
+          <a:fillRef idx="1">
+            <a:schemeClr val="accent1"/>
+          </a:fillRef>
+          <a:effectRef idx="0">
+            <a:schemeClr val="accent1"/>
+          </a:effectRef>
+          <a:fontRef idx="minor">
+            <a:schemeClr val="lt1"/>
+          </a:fontRef>
+        </p:style>
+        <p:txBody>
+          <a:bodyPr rtlCol="0" anchor="ctr"/>
+          <a:lstStyle/>
+          <a:p>
+            <a:pPr algn="ctr"/>
+            <a:endParaRPr lang="ko-KR" altLang="en-US"/>
+          </a:p>
+        </p:txBody>
+      </p:sp>
+      <p:sp>
+        <p:nvSpPr>
+          <p:cNvPr id="16" name="직사각형 15"/>
+          <p:cNvSpPr/>
+          <p:nvPr/>
+        </p:nvSpPr>
+        <p:spPr>
+          <a:xfrm>
+            <a:off x="777269" y="1664044"/>
+            <a:ext cx="7569580" cy="4423719"/>
+          </a:xfrm>
+          <a:prstGeom prst="rect">
+            <a:avLst/>
+          </a:prstGeom>
+          <a:solidFill>
+            <a:schemeClr val="bg1"/>
+          </a:solidFill>
+          <a:ln>
+            <a:solidFill>
+              <a:schemeClr val="tx1"/>
+            </a:solidFill>
+          </a:ln>
+        </p:spPr>
+        <p:style>
+          <a:lnRef idx="2">
+            <a:schemeClr val="accent1">
+              <a:shade val="50000"/>
+            </a:schemeClr>
+          </a:lnRef>
+          <a:fillRef idx="1">
+            <a:schemeClr val="accent1"/>
+          </a:fillRef>
+          <a:effectRef idx="0">
+            <a:schemeClr val="accent1"/>
+          </a:effectRef>
+          <a:fontRef idx="minor">
+            <a:schemeClr val="lt1"/>
+          </a:fontRef>
+        </p:style>
+        <p:txBody>
+          <a:bodyPr rtlCol="0" anchor="ctr"/>
+          <a:lstStyle/>
+          <a:p>
+            <a:pPr algn="ctr"/>
+            <a:endParaRPr lang="ko-KR" altLang="en-US"/>
+          </a:p>
+        </p:txBody>
+      </p:sp>
+      <p:sp>
+        <p:nvSpPr>
+          <p:cNvPr id="17" name="직사각형 16"/>
+          <p:cNvSpPr/>
+          <p:nvPr/>
+        </p:nvSpPr>
+        <p:spPr>
+          <a:xfrm>
+            <a:off x="777269" y="1664042"/>
+            <a:ext cx="7569580" cy="398177"/>
+          </a:xfrm>
+          <a:prstGeom prst="rect">
+            <a:avLst/>
+          </a:prstGeom>
+          <a:solidFill>
+            <a:schemeClr val="bg1"/>
+          </a:solidFill>
+          <a:ln>
+            <a:solidFill>
+              <a:schemeClr val="tx1"/>
+            </a:solidFill>
+          </a:ln>
+        </p:spPr>
+        <p:style>
+          <a:lnRef idx="2">
+            <a:schemeClr val="accent1">
+              <a:shade val="50000"/>
+            </a:schemeClr>
+          </a:lnRef>
+          <a:fillRef idx="1">
+            <a:schemeClr val="accent1"/>
+          </a:fillRef>
+          <a:effectRef idx="0">
+            <a:schemeClr val="accent1"/>
+          </a:effectRef>
+          <a:fontRef idx="minor">
+            <a:schemeClr val="lt1"/>
+          </a:fontRef>
+        </p:style>
+        <p:txBody>
+          <a:bodyPr rtlCol="0" anchor="ctr"/>
+          <a:lstStyle/>
+          <a:p>
+            <a:pPr algn="ctr"/>
+            <a:endParaRPr lang="ko-KR" altLang="en-US"/>
+          </a:p>
+        </p:txBody>
+      </p:sp>
+      <p:sp>
+        <p:nvSpPr>
+          <p:cNvPr id="19" name="TextBox 18"/>
+          <p:cNvSpPr txBox="1"/>
+          <p:nvPr/>
+        </p:nvSpPr>
+        <p:spPr>
+          <a:xfrm>
+            <a:off x="5494638" y="1738640"/>
+            <a:ext cx="2833819" cy="246221"/>
+          </a:xfrm>
+          <a:prstGeom prst="rect">
+            <a:avLst/>
+          </a:prstGeom>
+          <a:noFill/>
+        </p:spPr>
+        <p:txBody>
+          <a:bodyPr wrap="square" rtlCol="0">
+            <a:spAutoFit/>
+          </a:bodyPr>
+          <a:lstStyle/>
+          <a:p>
+            <a:pPr algn="r"/>
+            <a:r>
+              <a:rPr lang="ko-KR" altLang="en-US" sz="1000" dirty="0" smtClean="0"/>
+              <a:t>로그아웃</a:t>
+            </a:r>
+            <a:endParaRPr lang="ko-KR" altLang="en-US" sz="1000" dirty="0"/>
+          </a:p>
+        </p:txBody>
+      </p:sp>
+      <p:sp>
+        <p:nvSpPr>
+          <p:cNvPr id="20" name="TextBox 19"/>
+          <p:cNvSpPr txBox="1"/>
+          <p:nvPr/>
+        </p:nvSpPr>
+        <p:spPr>
+          <a:xfrm>
+            <a:off x="885586" y="1739098"/>
+            <a:ext cx="2207742" cy="246221"/>
+          </a:xfrm>
+          <a:prstGeom prst="rect">
+            <a:avLst/>
+          </a:prstGeom>
+          <a:noFill/>
+        </p:spPr>
+        <p:txBody>
+          <a:bodyPr wrap="square" rtlCol="0">
+            <a:spAutoFit/>
+          </a:bodyPr>
+          <a:lstStyle/>
+          <a:p>
+            <a:r>
+              <a:rPr lang="ko-KR" altLang="en-US" sz="1000" dirty="0" smtClean="0"/>
+              <a:t>로고</a:t>
+            </a:r>
+            <a:endParaRPr lang="ko-KR" altLang="en-US" sz="1000" dirty="0"/>
+          </a:p>
+        </p:txBody>
+      </p:sp>
+      <p:cxnSp>
+        <p:nvCxnSpPr>
+          <p:cNvPr id="8" name="직선 연결선 7"/>
+          <p:cNvCxnSpPr/>
+          <p:nvPr/>
+        </p:nvCxnSpPr>
+        <p:spPr>
+          <a:xfrm>
+            <a:off x="777269" y="2517203"/>
+            <a:ext cx="7551188" cy="0"/>
+          </a:xfrm>
+          <a:prstGeom prst="line">
+            <a:avLst/>
+          </a:prstGeom>
+          <a:ln>
+            <a:solidFill>
+              <a:schemeClr val="tx1">
+                <a:lumMod val="95000"/>
+                <a:lumOff val="5000"/>
+              </a:schemeClr>
+            </a:solidFill>
+          </a:ln>
+        </p:spPr>
+        <p:style>
+          <a:lnRef idx="1">
+            <a:schemeClr val="accent1"/>
+          </a:lnRef>
+          <a:fillRef idx="0">
+            <a:schemeClr val="accent1"/>
+          </a:fillRef>
+          <a:effectRef idx="0">
+            <a:schemeClr val="accent1"/>
+          </a:effectRef>
+          <a:fontRef idx="minor">
+            <a:schemeClr val="tx1"/>
+          </a:fontRef>
+        </p:style>
+      </p:cxnSp>
+      <p:sp>
+        <p:nvSpPr>
+          <p:cNvPr id="2" name="TextBox 1"/>
+          <p:cNvSpPr txBox="1"/>
+          <p:nvPr/>
+        </p:nvSpPr>
+        <p:spPr>
+          <a:xfrm>
+            <a:off x="892601" y="2103409"/>
+            <a:ext cx="7312285" cy="369332"/>
+          </a:xfrm>
+          <a:prstGeom prst="rect">
+            <a:avLst/>
+          </a:prstGeom>
+          <a:noFill/>
+        </p:spPr>
+        <p:txBody>
+          <a:bodyPr wrap="square" rtlCol="0">
+            <a:spAutoFit/>
+          </a:bodyPr>
+          <a:lstStyle/>
+          <a:p>
+            <a:r>
+              <a:rPr lang="ko-KR" altLang="en-US" dirty="0" smtClean="0"/>
+              <a:t>회원관리</a:t>
+            </a:r>
+            <a:r>
+              <a:rPr lang="en-US" altLang="ko-KR" dirty="0"/>
+              <a:t> </a:t>
+            </a:r>
+            <a:r>
+              <a:rPr lang="en-US" altLang="ko-KR" dirty="0" smtClean="0"/>
+              <a:t>      </a:t>
+            </a:r>
+            <a:r>
+              <a:rPr lang="ko-KR" altLang="en-US" dirty="0" smtClean="0"/>
+              <a:t>상품관리       견적문의관리       주문관리       </a:t>
+            </a:r>
+            <a:r>
+              <a:rPr lang="en-US" altLang="ko-KR" dirty="0" smtClean="0"/>
+              <a:t>AS</a:t>
+            </a:r>
+            <a:r>
+              <a:rPr lang="ko-KR" altLang="en-US" dirty="0" smtClean="0"/>
+              <a:t>관리</a:t>
+            </a:r>
+            <a:endParaRPr lang="ko-KR" altLang="en-US" dirty="0"/>
+          </a:p>
+        </p:txBody>
+      </p:sp>
+      <p:sp>
+        <p:nvSpPr>
+          <p:cNvPr id="27" name="TextBox 26"/>
+          <p:cNvSpPr txBox="1"/>
+          <p:nvPr/>
+        </p:nvSpPr>
+        <p:spPr>
+          <a:xfrm>
+            <a:off x="777269" y="1243914"/>
+            <a:ext cx="2847380" cy="369332"/>
+          </a:xfrm>
+          <a:prstGeom prst="rect">
+            <a:avLst/>
+          </a:prstGeom>
+          <a:noFill/>
+        </p:spPr>
+        <p:txBody>
+          <a:bodyPr wrap="square" rtlCol="0">
+            <a:spAutoFit/>
+          </a:bodyPr>
+          <a:lstStyle/>
+          <a:p>
+            <a:r>
+              <a:rPr lang="ko-KR" altLang="en-US" smtClean="0"/>
+              <a:t>관리자 페이지</a:t>
+            </a:r>
+            <a:endParaRPr lang="ko-KR" altLang="en-US" dirty="0"/>
+          </a:p>
+        </p:txBody>
+      </p:sp>
+      <p:sp>
+        <p:nvSpPr>
+          <p:cNvPr id="21" name="직사각형 20"/>
+          <p:cNvSpPr/>
+          <p:nvPr/>
+        </p:nvSpPr>
+        <p:spPr>
+          <a:xfrm>
+            <a:off x="3353610" y="228600"/>
+            <a:ext cx="5484781" cy="738664"/>
+          </a:xfrm>
+          <a:prstGeom prst="rect">
+            <a:avLst/>
+          </a:prstGeom>
+        </p:spPr>
+        <p:txBody>
+          <a:bodyPr wrap="square">
+            <a:spAutoFit/>
+          </a:bodyPr>
+          <a:lstStyle/>
+          <a:p>
+            <a:pPr algn="ctr">
+              <a:lnSpc>
+                <a:spcPct val="150000"/>
+              </a:lnSpc>
+            </a:pPr>
+            <a:r>
+              <a:rPr lang="ko-KR" altLang="en-US" sz="2000" i="1" dirty="0">
+                <a:solidFill>
+                  <a:schemeClr val="bg1">
+                    <a:lumMod val="50000"/>
+                  </a:schemeClr>
+                </a:solidFill>
+              </a:rPr>
+              <a:t>화면설계서 </a:t>
+            </a:r>
+            <a:r>
+              <a:rPr lang="en-US" altLang="ko-KR" sz="2800" b="1" i="1" dirty="0">
+                <a:solidFill>
+                  <a:schemeClr val="bg1">
+                    <a:lumMod val="50000"/>
+                  </a:schemeClr>
+                </a:solidFill>
+              </a:rPr>
+              <a:t>Wire Frame</a:t>
+            </a:r>
+          </a:p>
+        </p:txBody>
+      </p:sp>
+      <p:cxnSp>
+        <p:nvCxnSpPr>
+          <p:cNvPr id="22" name="직선 연결선 21"/>
+          <p:cNvCxnSpPr/>
+          <p:nvPr/>
+        </p:nvCxnSpPr>
+        <p:spPr>
+          <a:xfrm>
+            <a:off x="1713470" y="3406693"/>
+            <a:ext cx="5791200" cy="0"/>
+          </a:xfrm>
+          <a:prstGeom prst="line">
+            <a:avLst/>
+          </a:prstGeom>
+        </p:spPr>
+        <p:style>
+          <a:lnRef idx="1">
+            <a:schemeClr val="dk1"/>
+          </a:lnRef>
+          <a:fillRef idx="0">
+            <a:schemeClr val="dk1"/>
+          </a:fillRef>
+          <a:effectRef idx="0">
+            <a:schemeClr val="dk1"/>
+          </a:effectRef>
+          <a:fontRef idx="minor">
+            <a:schemeClr val="tx1"/>
+          </a:fontRef>
+        </p:style>
+      </p:cxnSp>
+      <p:sp>
+        <p:nvSpPr>
+          <p:cNvPr id="23" name="TextBox 22"/>
+          <p:cNvSpPr txBox="1"/>
+          <p:nvPr/>
+        </p:nvSpPr>
+        <p:spPr>
+          <a:xfrm>
+            <a:off x="3219295" y="3459283"/>
+            <a:ext cx="551935" cy="215444"/>
+          </a:xfrm>
+          <a:prstGeom prst="rect">
+            <a:avLst/>
+          </a:prstGeom>
+          <a:noFill/>
+        </p:spPr>
+        <p:txBody>
+          <a:bodyPr wrap="square" rtlCol="0">
+            <a:spAutoFit/>
+          </a:bodyPr>
+          <a:lstStyle/>
+          <a:p>
+            <a:r>
+              <a:rPr lang="ko-KR" altLang="en-US" sz="800" smtClean="0"/>
+              <a:t>상품</a:t>
+            </a:r>
+            <a:r>
+              <a:rPr lang="ko-KR" altLang="en-US" sz="800"/>
+              <a:t>명</a:t>
+            </a:r>
+            <a:endParaRPr lang="ko-KR" altLang="en-US" sz="800" dirty="0"/>
+          </a:p>
+        </p:txBody>
+      </p:sp>
+      <p:sp>
+        <p:nvSpPr>
+          <p:cNvPr id="24" name="TextBox 23"/>
+          <p:cNvSpPr txBox="1"/>
+          <p:nvPr/>
+        </p:nvSpPr>
+        <p:spPr>
+          <a:xfrm>
+            <a:off x="1713470" y="3464091"/>
+            <a:ext cx="643976" cy="215444"/>
+          </a:xfrm>
+          <a:prstGeom prst="rect">
+            <a:avLst/>
+          </a:prstGeom>
+          <a:noFill/>
+        </p:spPr>
+        <p:txBody>
+          <a:bodyPr wrap="square" rtlCol="0">
+            <a:spAutoFit/>
+          </a:bodyPr>
+          <a:lstStyle/>
+          <a:p>
+            <a:r>
+              <a:rPr lang="ko-KR" altLang="en-US" sz="800" smtClean="0"/>
+              <a:t>상품번호</a:t>
+            </a:r>
+            <a:endParaRPr lang="ko-KR" altLang="en-US" sz="800" dirty="0"/>
+          </a:p>
+        </p:txBody>
+      </p:sp>
+      <p:sp>
+        <p:nvSpPr>
+          <p:cNvPr id="25" name="TextBox 24"/>
+          <p:cNvSpPr txBox="1"/>
+          <p:nvPr/>
+        </p:nvSpPr>
+        <p:spPr>
+          <a:xfrm>
+            <a:off x="4806069" y="3464091"/>
+            <a:ext cx="551935" cy="215444"/>
+          </a:xfrm>
+          <a:prstGeom prst="rect">
+            <a:avLst/>
+          </a:prstGeom>
+          <a:noFill/>
+        </p:spPr>
+        <p:txBody>
+          <a:bodyPr wrap="square" rtlCol="0">
+            <a:spAutoFit/>
+          </a:bodyPr>
+          <a:lstStyle/>
+          <a:p>
+            <a:r>
+              <a:rPr lang="ko-KR" altLang="en-US" sz="800" smtClean="0"/>
+              <a:t>분</a:t>
+            </a:r>
+            <a:r>
+              <a:rPr lang="ko-KR" altLang="en-US" sz="800"/>
+              <a:t>류</a:t>
+            </a:r>
+            <a:endParaRPr lang="ko-KR" altLang="en-US" sz="800" dirty="0"/>
+          </a:p>
+        </p:txBody>
+      </p:sp>
+      <p:sp>
+        <p:nvSpPr>
+          <p:cNvPr id="28" name="TextBox 27"/>
+          <p:cNvSpPr txBox="1"/>
+          <p:nvPr/>
+        </p:nvSpPr>
+        <p:spPr>
+          <a:xfrm>
+            <a:off x="6466710" y="3464091"/>
+            <a:ext cx="551935" cy="215444"/>
+          </a:xfrm>
+          <a:prstGeom prst="rect">
+            <a:avLst/>
+          </a:prstGeom>
+          <a:noFill/>
+        </p:spPr>
+        <p:txBody>
+          <a:bodyPr wrap="square" rtlCol="0">
+            <a:spAutoFit/>
+          </a:bodyPr>
+          <a:lstStyle/>
+          <a:p>
+            <a:r>
+              <a:rPr lang="ko-KR" altLang="en-US" sz="800" smtClean="0"/>
+              <a:t>등록</a:t>
+            </a:r>
+            <a:r>
+              <a:rPr lang="ko-KR" altLang="en-US" sz="800"/>
+              <a:t>일</a:t>
+            </a:r>
+            <a:endParaRPr lang="ko-KR" altLang="en-US" sz="800" dirty="0"/>
+          </a:p>
+        </p:txBody>
+      </p:sp>
+      <p:cxnSp>
+        <p:nvCxnSpPr>
+          <p:cNvPr id="29" name="직선 연결선 28"/>
+          <p:cNvCxnSpPr/>
+          <p:nvPr/>
+        </p:nvCxnSpPr>
+        <p:spPr>
+          <a:xfrm>
+            <a:off x="1713470" y="3718839"/>
+            <a:ext cx="5791200" cy="0"/>
+          </a:xfrm>
+          <a:prstGeom prst="line">
+            <a:avLst/>
+          </a:prstGeom>
+        </p:spPr>
+        <p:style>
+          <a:lnRef idx="1">
+            <a:schemeClr val="dk1"/>
+          </a:lnRef>
+          <a:fillRef idx="0">
+            <a:schemeClr val="dk1"/>
+          </a:fillRef>
+          <a:effectRef idx="0">
+            <a:schemeClr val="dk1"/>
+          </a:effectRef>
+          <a:fontRef idx="minor">
+            <a:schemeClr val="tx1"/>
+          </a:fontRef>
+        </p:style>
+      </p:cxnSp>
+      <p:cxnSp>
+        <p:nvCxnSpPr>
+          <p:cNvPr id="30" name="직선 연결선 29"/>
+          <p:cNvCxnSpPr/>
+          <p:nvPr/>
+        </p:nvCxnSpPr>
+        <p:spPr>
+          <a:xfrm>
+            <a:off x="1713470" y="3962747"/>
+            <a:ext cx="5791200" cy="0"/>
+          </a:xfrm>
+          <a:prstGeom prst="line">
+            <a:avLst/>
+          </a:prstGeom>
+        </p:spPr>
+        <p:style>
+          <a:lnRef idx="1">
+            <a:schemeClr val="dk1"/>
+          </a:lnRef>
+          <a:fillRef idx="0">
+            <a:schemeClr val="dk1"/>
+          </a:fillRef>
+          <a:effectRef idx="0">
+            <a:schemeClr val="dk1"/>
+          </a:effectRef>
+          <a:fontRef idx="minor">
+            <a:schemeClr val="tx1"/>
+          </a:fontRef>
+        </p:style>
+      </p:cxnSp>
+      <p:cxnSp>
+        <p:nvCxnSpPr>
+          <p:cNvPr id="31" name="직선 연결선 30"/>
+          <p:cNvCxnSpPr/>
+          <p:nvPr/>
+        </p:nvCxnSpPr>
+        <p:spPr>
+          <a:xfrm>
+            <a:off x="1713470" y="4201644"/>
+            <a:ext cx="5791200" cy="0"/>
+          </a:xfrm>
+          <a:prstGeom prst="line">
+            <a:avLst/>
+          </a:prstGeom>
+        </p:spPr>
+        <p:style>
+          <a:lnRef idx="1">
+            <a:schemeClr val="dk1"/>
+          </a:lnRef>
+          <a:fillRef idx="0">
+            <a:schemeClr val="dk1"/>
+          </a:fillRef>
+          <a:effectRef idx="0">
+            <a:schemeClr val="dk1"/>
+          </a:effectRef>
+          <a:fontRef idx="minor">
+            <a:schemeClr val="tx1"/>
+          </a:fontRef>
+        </p:style>
+      </p:cxnSp>
+      <p:cxnSp>
+        <p:nvCxnSpPr>
+          <p:cNvPr id="32" name="직선 연결선 31"/>
+          <p:cNvCxnSpPr/>
+          <p:nvPr/>
+        </p:nvCxnSpPr>
+        <p:spPr>
+          <a:xfrm>
+            <a:off x="1713470" y="4448780"/>
+            <a:ext cx="5791200" cy="0"/>
+          </a:xfrm>
+          <a:prstGeom prst="line">
+            <a:avLst/>
+          </a:prstGeom>
+        </p:spPr>
+        <p:style>
+          <a:lnRef idx="1">
+            <a:schemeClr val="dk1"/>
+          </a:lnRef>
+          <a:fillRef idx="0">
+            <a:schemeClr val="dk1"/>
+          </a:fillRef>
+          <a:effectRef idx="0">
+            <a:schemeClr val="dk1"/>
+          </a:effectRef>
+          <a:fontRef idx="minor">
+            <a:schemeClr val="tx1"/>
+          </a:fontRef>
+        </p:style>
+      </p:cxnSp>
+      <p:cxnSp>
+        <p:nvCxnSpPr>
+          <p:cNvPr id="33" name="직선 연결선 32"/>
+          <p:cNvCxnSpPr/>
+          <p:nvPr/>
+        </p:nvCxnSpPr>
+        <p:spPr>
+          <a:xfrm>
+            <a:off x="1713470" y="4679439"/>
+            <a:ext cx="5791200" cy="0"/>
+          </a:xfrm>
+          <a:prstGeom prst="line">
+            <a:avLst/>
+          </a:prstGeom>
+        </p:spPr>
+        <p:style>
+          <a:lnRef idx="1">
+            <a:schemeClr val="dk1"/>
+          </a:lnRef>
+          <a:fillRef idx="0">
+            <a:schemeClr val="dk1"/>
+          </a:fillRef>
+          <a:effectRef idx="0">
+            <a:schemeClr val="dk1"/>
+          </a:effectRef>
+          <a:fontRef idx="minor">
+            <a:schemeClr val="tx1"/>
+          </a:fontRef>
+        </p:style>
+      </p:cxnSp>
+      <p:cxnSp>
+        <p:nvCxnSpPr>
+          <p:cNvPr id="34" name="직선 연결선 33"/>
+          <p:cNvCxnSpPr/>
+          <p:nvPr/>
+        </p:nvCxnSpPr>
+        <p:spPr>
+          <a:xfrm>
+            <a:off x="1713470" y="4903300"/>
+            <a:ext cx="5791200" cy="0"/>
+          </a:xfrm>
+          <a:prstGeom prst="line">
+            <a:avLst/>
+          </a:prstGeom>
+        </p:spPr>
+        <p:style>
+          <a:lnRef idx="1">
+            <a:schemeClr val="dk1"/>
+          </a:lnRef>
+          <a:fillRef idx="0">
+            <a:schemeClr val="dk1"/>
+          </a:fillRef>
+          <a:effectRef idx="0">
+            <a:schemeClr val="dk1"/>
+          </a:effectRef>
+          <a:fontRef idx="minor">
+            <a:schemeClr val="tx1"/>
+          </a:fontRef>
+        </p:style>
+      </p:cxnSp>
+      <p:cxnSp>
+        <p:nvCxnSpPr>
+          <p:cNvPr id="35" name="직선 연결선 34"/>
+          <p:cNvCxnSpPr/>
+          <p:nvPr/>
+        </p:nvCxnSpPr>
+        <p:spPr>
+          <a:xfrm>
+            <a:off x="1713470" y="5132520"/>
+            <a:ext cx="5791200" cy="0"/>
+          </a:xfrm>
+          <a:prstGeom prst="line">
+            <a:avLst/>
+          </a:prstGeom>
+        </p:spPr>
+        <p:style>
+          <a:lnRef idx="1">
+            <a:schemeClr val="dk1"/>
+          </a:lnRef>
+          <a:fillRef idx="0">
+            <a:schemeClr val="dk1"/>
+          </a:fillRef>
+          <a:effectRef idx="0">
+            <a:schemeClr val="dk1"/>
+          </a:effectRef>
+          <a:fontRef idx="minor">
+            <a:schemeClr val="tx1"/>
+          </a:fontRef>
+        </p:style>
+      </p:cxnSp>
+      <p:cxnSp>
+        <p:nvCxnSpPr>
+          <p:cNvPr id="36" name="직선 연결선 35"/>
+          <p:cNvCxnSpPr/>
+          <p:nvPr/>
+        </p:nvCxnSpPr>
+        <p:spPr>
+          <a:xfrm>
+            <a:off x="1713470" y="5363179"/>
+            <a:ext cx="5791200" cy="0"/>
+          </a:xfrm>
+          <a:prstGeom prst="line">
+            <a:avLst/>
+          </a:prstGeom>
+        </p:spPr>
+        <p:style>
+          <a:lnRef idx="1">
+            <a:schemeClr val="dk1"/>
+          </a:lnRef>
+          <a:fillRef idx="0">
+            <a:schemeClr val="dk1"/>
+          </a:fillRef>
+          <a:effectRef idx="0">
+            <a:schemeClr val="dk1"/>
+          </a:effectRef>
+          <a:fontRef idx="minor">
+            <a:schemeClr val="tx1"/>
+          </a:fontRef>
+        </p:style>
+      </p:cxnSp>
+      <p:sp>
+        <p:nvSpPr>
+          <p:cNvPr id="37" name="TextBox 36"/>
+          <p:cNvSpPr txBox="1"/>
+          <p:nvPr/>
+        </p:nvSpPr>
+        <p:spPr>
+          <a:xfrm>
+            <a:off x="3468130" y="5445211"/>
+            <a:ext cx="2347784" cy="215444"/>
+          </a:xfrm>
+          <a:prstGeom prst="rect">
+            <a:avLst/>
+          </a:prstGeom>
+          <a:noFill/>
+        </p:spPr>
+        <p:txBody>
+          <a:bodyPr wrap="square" rtlCol="0">
+            <a:spAutoFit/>
+          </a:bodyPr>
+          <a:lstStyle/>
+          <a:p>
+            <a:pPr algn="ctr"/>
+            <a:r>
+              <a:rPr lang="en-US" altLang="ko-KR" sz="800" dirty="0" smtClean="0"/>
+              <a:t>1 2 3 4</a:t>
+            </a:r>
+            <a:endParaRPr lang="ko-KR" altLang="en-US" sz="800" dirty="0"/>
+          </a:p>
+        </p:txBody>
+      </p:sp>
+      <p:sp>
+        <p:nvSpPr>
+          <p:cNvPr id="38" name="TextBox 37"/>
+          <p:cNvSpPr txBox="1"/>
+          <p:nvPr/>
+        </p:nvSpPr>
+        <p:spPr>
+          <a:xfrm>
+            <a:off x="1713470" y="2576410"/>
+            <a:ext cx="1112108" cy="276999"/>
+          </a:xfrm>
+          <a:prstGeom prst="rect">
+            <a:avLst/>
+          </a:prstGeom>
+          <a:noFill/>
+        </p:spPr>
+        <p:txBody>
+          <a:bodyPr wrap="square" rtlCol="0">
+            <a:spAutoFit/>
+          </a:bodyPr>
+          <a:lstStyle/>
+          <a:p>
+            <a:r>
+              <a:rPr lang="ko-KR" altLang="en-US" sz="1200" smtClean="0"/>
+              <a:t>상품관리</a:t>
+            </a:r>
+            <a:endParaRPr lang="ko-KR" altLang="en-US" sz="1200" dirty="0"/>
+          </a:p>
+        </p:txBody>
+      </p:sp>
+      <p:sp>
+        <p:nvSpPr>
+          <p:cNvPr id="41" name="직사각형 40"/>
+          <p:cNvSpPr/>
+          <p:nvPr/>
+        </p:nvSpPr>
+        <p:spPr>
+          <a:xfrm>
+            <a:off x="1713470" y="2951708"/>
+            <a:ext cx="1112108" cy="249674"/>
+          </a:xfrm>
+          <a:prstGeom prst="rect">
+            <a:avLst/>
+          </a:prstGeom>
+          <a:solidFill>
+            <a:schemeClr val="bg1"/>
+          </a:solidFill>
+          <a:ln>
+            <a:solidFill>
+              <a:schemeClr val="tx1"/>
+            </a:solidFill>
+          </a:ln>
+        </p:spPr>
+        <p:style>
+          <a:lnRef idx="2">
+            <a:schemeClr val="accent1">
+              <a:shade val="50000"/>
+            </a:schemeClr>
+          </a:lnRef>
+          <a:fillRef idx="1">
+            <a:schemeClr val="accent1"/>
+          </a:fillRef>
+          <a:effectRef idx="0">
+            <a:schemeClr val="accent1"/>
+          </a:effectRef>
+          <a:fontRef idx="minor">
+            <a:schemeClr val="lt1"/>
+          </a:fontRef>
+        </p:style>
+        <p:txBody>
+          <a:bodyPr rtlCol="0" anchor="ctr"/>
+          <a:lstStyle/>
+          <a:p>
+            <a:r>
+              <a:rPr lang="ko-KR" altLang="en-US" sz="1000" smtClean="0">
+                <a:solidFill>
+                  <a:schemeClr val="tx1"/>
+                </a:solidFill>
+              </a:rPr>
+              <a:t>전체</a:t>
+            </a:r>
+            <a:endParaRPr lang="ko-KR" altLang="en-US" sz="1000" dirty="0">
+              <a:solidFill>
+                <a:schemeClr val="tx1"/>
+              </a:solidFill>
+            </a:endParaRPr>
+          </a:p>
+        </p:txBody>
+      </p:sp>
+      <p:sp>
+        <p:nvSpPr>
+          <p:cNvPr id="42" name="아래쪽 화살표 41"/>
+          <p:cNvSpPr/>
+          <p:nvPr/>
+        </p:nvSpPr>
+        <p:spPr>
+          <a:xfrm>
+            <a:off x="2619635" y="3023286"/>
+            <a:ext cx="131805" cy="123568"/>
+          </a:xfrm>
+          <a:prstGeom prst="downArrow">
+            <a:avLst/>
+          </a:prstGeom>
+          <a:solidFill>
+            <a:schemeClr val="bg1"/>
+          </a:solidFill>
+          <a:ln>
+            <a:solidFill>
+              <a:schemeClr val="tx1"/>
+            </a:solidFill>
+          </a:ln>
+        </p:spPr>
+        <p:style>
+          <a:lnRef idx="2">
+            <a:schemeClr val="accent1">
+              <a:shade val="50000"/>
+            </a:schemeClr>
+          </a:lnRef>
+          <a:fillRef idx="1">
+            <a:schemeClr val="accent1"/>
+          </a:fillRef>
+          <a:effectRef idx="0">
+            <a:schemeClr val="accent1"/>
+          </a:effectRef>
+          <a:fontRef idx="minor">
+            <a:schemeClr val="lt1"/>
+          </a:fontRef>
+        </p:style>
+        <p:txBody>
+          <a:bodyPr rtlCol="0" anchor="ctr"/>
+          <a:lstStyle/>
+          <a:p>
+            <a:pPr algn="ctr"/>
+            <a:endParaRPr lang="ko-KR" altLang="en-US"/>
+          </a:p>
+        </p:txBody>
+      </p:sp>
+      <p:sp>
+        <p:nvSpPr>
+          <p:cNvPr id="43" name="직사각형 42"/>
+          <p:cNvSpPr/>
+          <p:nvPr/>
+        </p:nvSpPr>
+        <p:spPr>
+          <a:xfrm>
+            <a:off x="6911548" y="5459256"/>
+            <a:ext cx="464612" cy="249674"/>
+          </a:xfrm>
+          <a:prstGeom prst="rect">
+            <a:avLst/>
+          </a:prstGeom>
+          <a:solidFill>
+            <a:schemeClr val="tx1"/>
+          </a:solidFill>
+          <a:ln>
+            <a:solidFill>
+              <a:schemeClr val="tx1"/>
+            </a:solidFill>
+          </a:ln>
+        </p:spPr>
+        <p:style>
+          <a:lnRef idx="2">
+            <a:schemeClr val="accent1">
+              <a:shade val="50000"/>
+            </a:schemeClr>
+          </a:lnRef>
+          <a:fillRef idx="1">
+            <a:schemeClr val="accent1"/>
+          </a:fillRef>
+          <a:effectRef idx="0">
+            <a:schemeClr val="accent1"/>
+          </a:effectRef>
+          <a:fontRef idx="minor">
+            <a:schemeClr val="lt1"/>
+          </a:fontRef>
+        </p:style>
+        <p:txBody>
+          <a:bodyPr rtlCol="0" anchor="ctr"/>
+          <a:lstStyle/>
+          <a:p>
+            <a:pPr algn="ctr"/>
+            <a:r>
+              <a:rPr lang="ko-KR" altLang="en-US" sz="1000" smtClean="0">
+                <a:solidFill>
+                  <a:schemeClr val="bg1"/>
+                </a:solidFill>
+              </a:rPr>
+              <a:t>등록</a:t>
+            </a:r>
+            <a:endParaRPr lang="ko-KR" altLang="en-US" sz="1000" dirty="0">
+              <a:solidFill>
+                <a:schemeClr val="bg1"/>
+              </a:solidFill>
+            </a:endParaRPr>
+          </a:p>
+        </p:txBody>
+      </p:sp>
+      <p:sp>
+        <p:nvSpPr>
+          <p:cNvPr id="5" name="직사각형 4"/>
+          <p:cNvSpPr/>
+          <p:nvPr/>
+        </p:nvSpPr>
+        <p:spPr>
+          <a:xfrm>
+            <a:off x="2035458" y="2853408"/>
+            <a:ext cx="5108396" cy="2855521"/>
+          </a:xfrm>
+          <a:prstGeom prst="rect">
+            <a:avLst/>
+          </a:prstGeom>
+          <a:solidFill>
+            <a:schemeClr val="bg1"/>
+          </a:solidFill>
+          <a:ln>
+            <a:solidFill>
+              <a:schemeClr val="tx1"/>
+            </a:solidFill>
+          </a:ln>
+        </p:spPr>
+        <p:style>
+          <a:lnRef idx="2">
+            <a:schemeClr val="accent1">
+              <a:shade val="50000"/>
+            </a:schemeClr>
+          </a:lnRef>
+          <a:fillRef idx="1">
+            <a:schemeClr val="accent1"/>
+          </a:fillRef>
+          <a:effectRef idx="0">
+            <a:schemeClr val="accent1"/>
+          </a:effectRef>
+          <a:fontRef idx="minor">
+            <a:schemeClr val="lt1"/>
+          </a:fontRef>
+        </p:style>
+        <p:txBody>
+          <a:bodyPr rtlCol="0" anchor="t"/>
+          <a:lstStyle/>
+          <a:p>
+            <a:r>
+              <a:rPr lang="ko-KR" altLang="en-US" smtClean="0">
+                <a:solidFill>
+                  <a:schemeClr val="tx1"/>
+                </a:solidFill>
+              </a:rPr>
+              <a:t>상품 등록</a:t>
+            </a:r>
+            <a:endParaRPr lang="ko-KR" altLang="en-US">
+              <a:solidFill>
+                <a:schemeClr val="tx1"/>
+              </a:solidFill>
+            </a:endParaRPr>
+          </a:p>
+        </p:txBody>
+      </p:sp>
+      <p:sp>
+        <p:nvSpPr>
+          <p:cNvPr id="39" name="직사각형 38"/>
+          <p:cNvSpPr/>
+          <p:nvPr/>
+        </p:nvSpPr>
+        <p:spPr>
+          <a:xfrm>
+            <a:off x="2848295" y="3308012"/>
+            <a:ext cx="1793727" cy="227830"/>
+          </a:xfrm>
+          <a:prstGeom prst="rect">
+            <a:avLst/>
+          </a:prstGeom>
+          <a:solidFill>
+            <a:schemeClr val="bg1"/>
+          </a:solidFill>
+          <a:ln>
+            <a:solidFill>
+              <a:schemeClr val="tx1"/>
+            </a:solidFill>
+          </a:ln>
+        </p:spPr>
+        <p:style>
+          <a:lnRef idx="2">
+            <a:schemeClr val="accent1">
+              <a:shade val="50000"/>
+            </a:schemeClr>
+          </a:lnRef>
+          <a:fillRef idx="1">
+            <a:schemeClr val="accent1"/>
+          </a:fillRef>
+          <a:effectRef idx="0">
+            <a:schemeClr val="accent1"/>
+          </a:effectRef>
+          <a:fontRef idx="minor">
+            <a:schemeClr val="lt1"/>
+          </a:fontRef>
+        </p:style>
+        <p:txBody>
+          <a:bodyPr rtlCol="0" anchor="ctr"/>
+          <a:lstStyle/>
+          <a:p>
+            <a:r>
+              <a:rPr lang="ko-KR" altLang="en-US" sz="900" smtClean="0">
+                <a:solidFill>
+                  <a:schemeClr val="bg1">
+                    <a:lumMod val="75000"/>
+                  </a:schemeClr>
+                </a:solidFill>
+              </a:rPr>
+              <a:t>상품</a:t>
+            </a:r>
+            <a:r>
+              <a:rPr lang="ko-KR" altLang="en-US" sz="900">
+                <a:solidFill>
+                  <a:schemeClr val="bg1">
+                    <a:lumMod val="75000"/>
+                  </a:schemeClr>
+                </a:solidFill>
+              </a:rPr>
+              <a:t>명</a:t>
+            </a:r>
+            <a:endParaRPr lang="ko-KR" altLang="en-US" sz="900" dirty="0">
+              <a:solidFill>
+                <a:schemeClr val="bg1">
+                  <a:lumMod val="75000"/>
+                </a:schemeClr>
+              </a:solidFill>
+            </a:endParaRPr>
+          </a:p>
+        </p:txBody>
+      </p:sp>
+      <p:sp>
+        <p:nvSpPr>
+          <p:cNvPr id="56" name="TextBox 55"/>
+          <p:cNvSpPr txBox="1"/>
+          <p:nvPr/>
+        </p:nvSpPr>
+        <p:spPr>
+          <a:xfrm>
+            <a:off x="2129504" y="3305009"/>
+            <a:ext cx="621935" cy="230832"/>
+          </a:xfrm>
+          <a:prstGeom prst="rect">
+            <a:avLst/>
+          </a:prstGeom>
+          <a:noFill/>
+        </p:spPr>
+        <p:txBody>
+          <a:bodyPr wrap="square" rtlCol="0">
+            <a:spAutoFit/>
+          </a:bodyPr>
+          <a:lstStyle/>
+          <a:p>
+            <a:r>
+              <a:rPr lang="ko-KR" altLang="en-US" sz="900" smtClean="0"/>
+              <a:t>상품명</a:t>
+            </a:r>
+            <a:endParaRPr lang="ko-KR" altLang="en-US" sz="900" dirty="0"/>
+          </a:p>
+        </p:txBody>
+      </p:sp>
+      <p:sp>
+        <p:nvSpPr>
+          <p:cNvPr id="57" name="TextBox 56"/>
+          <p:cNvSpPr txBox="1"/>
+          <p:nvPr/>
+        </p:nvSpPr>
+        <p:spPr>
+          <a:xfrm>
+            <a:off x="3219295" y="2970550"/>
+            <a:ext cx="847608" cy="230832"/>
+          </a:xfrm>
+          <a:prstGeom prst="rect">
+            <a:avLst/>
+          </a:prstGeom>
+          <a:noFill/>
+        </p:spPr>
+        <p:txBody>
+          <a:bodyPr wrap="square" rtlCol="0">
+            <a:spAutoFit/>
+          </a:bodyPr>
+          <a:lstStyle/>
+          <a:p>
+            <a:pPr algn="ctr"/>
+            <a:r>
+              <a:rPr lang="ko-KR" altLang="en-US" sz="900" b="1" smtClean="0"/>
+              <a:t>조립컴퓨터</a:t>
+            </a:r>
+            <a:endParaRPr lang="ko-KR" altLang="en-US" sz="900" b="1" dirty="0"/>
+          </a:p>
+        </p:txBody>
+      </p:sp>
+      <p:sp>
+        <p:nvSpPr>
+          <p:cNvPr id="58" name="TextBox 57"/>
+          <p:cNvSpPr txBox="1"/>
+          <p:nvPr/>
+        </p:nvSpPr>
+        <p:spPr>
+          <a:xfrm>
+            <a:off x="3970038" y="2970550"/>
+            <a:ext cx="847608" cy="230832"/>
+          </a:xfrm>
+          <a:prstGeom prst="rect">
+            <a:avLst/>
+          </a:prstGeom>
+          <a:noFill/>
+        </p:spPr>
+        <p:txBody>
+          <a:bodyPr wrap="square" rtlCol="0">
+            <a:spAutoFit/>
+          </a:bodyPr>
+          <a:lstStyle/>
+          <a:p>
+            <a:pPr algn="ctr"/>
+            <a:r>
+              <a:rPr lang="ko-KR" altLang="en-US" sz="900" smtClean="0"/>
+              <a:t>컴퓨터부품</a:t>
+            </a:r>
+            <a:endParaRPr lang="ko-KR" altLang="en-US" sz="900" dirty="0"/>
+          </a:p>
+        </p:txBody>
+      </p:sp>
+      <p:sp>
+        <p:nvSpPr>
+          <p:cNvPr id="59" name="직사각형 58"/>
+          <p:cNvSpPr/>
+          <p:nvPr/>
+        </p:nvSpPr>
+        <p:spPr>
+          <a:xfrm>
+            <a:off x="2848295" y="3604924"/>
+            <a:ext cx="1793727" cy="227830"/>
+          </a:xfrm>
+          <a:prstGeom prst="rect">
+            <a:avLst/>
+          </a:prstGeom>
+          <a:solidFill>
+            <a:schemeClr val="bg1"/>
+          </a:solidFill>
+          <a:ln>
+            <a:solidFill>
+              <a:schemeClr val="tx1"/>
+            </a:solidFill>
+          </a:ln>
+        </p:spPr>
+        <p:style>
+          <a:lnRef idx="2">
+            <a:schemeClr val="accent1">
+              <a:shade val="50000"/>
+            </a:schemeClr>
+          </a:lnRef>
+          <a:fillRef idx="1">
+            <a:schemeClr val="accent1"/>
+          </a:fillRef>
+          <a:effectRef idx="0">
+            <a:schemeClr val="accent1"/>
+          </a:effectRef>
+          <a:fontRef idx="minor">
+            <a:schemeClr val="lt1"/>
+          </a:fontRef>
+        </p:style>
+        <p:txBody>
+          <a:bodyPr rtlCol="0" anchor="ctr"/>
+          <a:lstStyle/>
+          <a:p>
+            <a:r>
+              <a:rPr lang="ko-KR" altLang="en-US" sz="900" smtClean="0">
+                <a:solidFill>
+                  <a:schemeClr val="bg1">
+                    <a:lumMod val="75000"/>
+                  </a:schemeClr>
+                </a:solidFill>
+              </a:rPr>
+              <a:t>상품</a:t>
+            </a:r>
+            <a:r>
+              <a:rPr lang="ko-KR" altLang="en-US" sz="900">
+                <a:solidFill>
+                  <a:schemeClr val="bg1">
+                    <a:lumMod val="75000"/>
+                  </a:schemeClr>
+                </a:solidFill>
+              </a:rPr>
+              <a:t>명</a:t>
+            </a:r>
+            <a:endParaRPr lang="ko-KR" altLang="en-US" sz="900" dirty="0">
+              <a:solidFill>
+                <a:schemeClr val="bg1">
+                  <a:lumMod val="75000"/>
+                </a:schemeClr>
+              </a:solidFill>
+            </a:endParaRPr>
+          </a:p>
+        </p:txBody>
+      </p:sp>
+      <p:sp>
+        <p:nvSpPr>
+          <p:cNvPr id="60" name="TextBox 59"/>
+          <p:cNvSpPr txBox="1"/>
+          <p:nvPr/>
+        </p:nvSpPr>
+        <p:spPr>
+          <a:xfrm>
+            <a:off x="2129504" y="3601921"/>
+            <a:ext cx="621935" cy="230832"/>
+          </a:xfrm>
+          <a:prstGeom prst="rect">
+            <a:avLst/>
+          </a:prstGeom>
+          <a:noFill/>
+        </p:spPr>
+        <p:txBody>
+          <a:bodyPr wrap="square" rtlCol="0">
+            <a:spAutoFit/>
+          </a:bodyPr>
+          <a:lstStyle/>
+          <a:p>
+            <a:r>
+              <a:rPr lang="en-US" altLang="ko-KR" sz="900" smtClean="0"/>
+              <a:t>CPU</a:t>
+            </a:r>
+            <a:endParaRPr lang="ko-KR" altLang="en-US" sz="900" dirty="0"/>
+          </a:p>
+        </p:txBody>
+      </p:sp>
+      <p:sp>
+        <p:nvSpPr>
+          <p:cNvPr id="61" name="직사각형 60"/>
+          <p:cNvSpPr/>
+          <p:nvPr/>
+        </p:nvSpPr>
+        <p:spPr>
+          <a:xfrm>
+            <a:off x="2848294" y="3881446"/>
+            <a:ext cx="1793727" cy="227830"/>
+          </a:xfrm>
+          <a:prstGeom prst="rect">
+            <a:avLst/>
+          </a:prstGeom>
+          <a:solidFill>
+            <a:schemeClr val="bg1"/>
+          </a:solidFill>
+          <a:ln>
+            <a:solidFill>
+              <a:schemeClr val="tx1"/>
+            </a:solidFill>
+          </a:ln>
+        </p:spPr>
+        <p:style>
+          <a:lnRef idx="2">
+            <a:schemeClr val="accent1">
+              <a:shade val="50000"/>
+            </a:schemeClr>
+          </a:lnRef>
+          <a:fillRef idx="1">
+            <a:schemeClr val="accent1"/>
+          </a:fillRef>
+          <a:effectRef idx="0">
+            <a:schemeClr val="accent1"/>
+          </a:effectRef>
+          <a:fontRef idx="minor">
+            <a:schemeClr val="lt1"/>
+          </a:fontRef>
+        </p:style>
+        <p:txBody>
+          <a:bodyPr rtlCol="0" anchor="ctr"/>
+          <a:lstStyle/>
+          <a:p>
+            <a:r>
+              <a:rPr lang="ko-KR" altLang="en-US" sz="900" smtClean="0">
+                <a:solidFill>
+                  <a:schemeClr val="bg1">
+                    <a:lumMod val="75000"/>
+                  </a:schemeClr>
+                </a:solidFill>
+              </a:rPr>
+              <a:t>상품</a:t>
+            </a:r>
+            <a:r>
+              <a:rPr lang="ko-KR" altLang="en-US" sz="900">
+                <a:solidFill>
+                  <a:schemeClr val="bg1">
+                    <a:lumMod val="75000"/>
+                  </a:schemeClr>
+                </a:solidFill>
+              </a:rPr>
+              <a:t>명</a:t>
+            </a:r>
+            <a:endParaRPr lang="ko-KR" altLang="en-US" sz="900" dirty="0">
+              <a:solidFill>
+                <a:schemeClr val="bg1">
+                  <a:lumMod val="75000"/>
+                </a:schemeClr>
+              </a:solidFill>
+            </a:endParaRPr>
+          </a:p>
+        </p:txBody>
+      </p:sp>
+      <p:sp>
+        <p:nvSpPr>
+          <p:cNvPr id="62" name="TextBox 61"/>
+          <p:cNvSpPr txBox="1"/>
+          <p:nvPr/>
+        </p:nvSpPr>
+        <p:spPr>
+          <a:xfrm>
+            <a:off x="2129503" y="3878443"/>
+            <a:ext cx="696075" cy="230832"/>
+          </a:xfrm>
+          <a:prstGeom prst="rect">
+            <a:avLst/>
+          </a:prstGeom>
+          <a:noFill/>
+        </p:spPr>
+        <p:txBody>
+          <a:bodyPr wrap="square" rtlCol="0">
+            <a:spAutoFit/>
+          </a:bodyPr>
+          <a:lstStyle/>
+          <a:p>
+            <a:r>
+              <a:rPr lang="ko-KR" altLang="en-US" sz="900"/>
+              <a:t>메인보드</a:t>
+            </a:r>
+            <a:endParaRPr lang="ko-KR" altLang="en-US" sz="900" dirty="0"/>
+          </a:p>
+        </p:txBody>
+      </p:sp>
+      <p:sp>
+        <p:nvSpPr>
+          <p:cNvPr id="63" name="직사각형 62"/>
+          <p:cNvSpPr/>
+          <p:nvPr/>
+        </p:nvSpPr>
+        <p:spPr>
+          <a:xfrm>
+            <a:off x="2848294" y="4201644"/>
+            <a:ext cx="1793727" cy="227830"/>
+          </a:xfrm>
+          <a:prstGeom prst="rect">
+            <a:avLst/>
+          </a:prstGeom>
+          <a:solidFill>
+            <a:schemeClr val="bg1"/>
+          </a:solidFill>
+          <a:ln>
+            <a:solidFill>
+              <a:schemeClr val="tx1"/>
+            </a:solidFill>
+          </a:ln>
+        </p:spPr>
+        <p:style>
+          <a:lnRef idx="2">
+            <a:schemeClr val="accent1">
+              <a:shade val="50000"/>
+            </a:schemeClr>
+          </a:lnRef>
+          <a:fillRef idx="1">
+            <a:schemeClr val="accent1"/>
+          </a:fillRef>
+          <a:effectRef idx="0">
+            <a:schemeClr val="accent1"/>
+          </a:effectRef>
+          <a:fontRef idx="minor">
+            <a:schemeClr val="lt1"/>
+          </a:fontRef>
+        </p:style>
+        <p:txBody>
+          <a:bodyPr rtlCol="0" anchor="ctr"/>
+          <a:lstStyle/>
+          <a:p>
+            <a:r>
+              <a:rPr lang="ko-KR" altLang="en-US" sz="900" smtClean="0">
+                <a:solidFill>
+                  <a:schemeClr val="bg1">
+                    <a:lumMod val="75000"/>
+                  </a:schemeClr>
+                </a:solidFill>
+              </a:rPr>
+              <a:t>상품</a:t>
+            </a:r>
+            <a:r>
+              <a:rPr lang="ko-KR" altLang="en-US" sz="900">
+                <a:solidFill>
+                  <a:schemeClr val="bg1">
+                    <a:lumMod val="75000"/>
+                  </a:schemeClr>
+                </a:solidFill>
+              </a:rPr>
+              <a:t>명</a:t>
+            </a:r>
+            <a:endParaRPr lang="ko-KR" altLang="en-US" sz="900" dirty="0">
+              <a:solidFill>
+                <a:schemeClr val="bg1">
+                  <a:lumMod val="75000"/>
+                </a:schemeClr>
+              </a:solidFill>
+            </a:endParaRPr>
+          </a:p>
+        </p:txBody>
+      </p:sp>
+      <p:sp>
+        <p:nvSpPr>
+          <p:cNvPr id="64" name="TextBox 63"/>
+          <p:cNvSpPr txBox="1"/>
+          <p:nvPr/>
+        </p:nvSpPr>
+        <p:spPr>
+          <a:xfrm>
+            <a:off x="2129503" y="4198641"/>
+            <a:ext cx="621935" cy="230832"/>
+          </a:xfrm>
+          <a:prstGeom prst="rect">
+            <a:avLst/>
+          </a:prstGeom>
+          <a:noFill/>
+        </p:spPr>
+        <p:txBody>
+          <a:bodyPr wrap="square" rtlCol="0">
+            <a:spAutoFit/>
+          </a:bodyPr>
+          <a:lstStyle/>
+          <a:p>
+            <a:r>
+              <a:rPr lang="en-US" altLang="ko-KR" sz="900" smtClean="0"/>
+              <a:t>RAM</a:t>
+            </a:r>
+            <a:endParaRPr lang="ko-KR" altLang="en-US" sz="900" dirty="0"/>
+          </a:p>
+        </p:txBody>
+      </p:sp>
+      <p:sp>
+        <p:nvSpPr>
+          <p:cNvPr id="65" name="직사각형 64"/>
+          <p:cNvSpPr/>
+          <p:nvPr/>
+        </p:nvSpPr>
+        <p:spPr>
+          <a:xfrm>
+            <a:off x="2848294" y="4492136"/>
+            <a:ext cx="1793727" cy="227830"/>
+          </a:xfrm>
+          <a:prstGeom prst="rect">
+            <a:avLst/>
+          </a:prstGeom>
+          <a:solidFill>
+            <a:schemeClr val="bg1"/>
+          </a:solidFill>
+          <a:ln>
+            <a:solidFill>
+              <a:schemeClr val="tx1"/>
+            </a:solidFill>
+          </a:ln>
+        </p:spPr>
+        <p:style>
+          <a:lnRef idx="2">
+            <a:schemeClr val="accent1">
+              <a:shade val="50000"/>
+            </a:schemeClr>
+          </a:lnRef>
+          <a:fillRef idx="1">
+            <a:schemeClr val="accent1"/>
+          </a:fillRef>
+          <a:effectRef idx="0">
+            <a:schemeClr val="accent1"/>
+          </a:effectRef>
+          <a:fontRef idx="minor">
+            <a:schemeClr val="lt1"/>
+          </a:fontRef>
+        </p:style>
+        <p:txBody>
+          <a:bodyPr rtlCol="0" anchor="ctr"/>
+          <a:lstStyle/>
+          <a:p>
+            <a:r>
+              <a:rPr lang="ko-KR" altLang="en-US" sz="900" smtClean="0">
+                <a:solidFill>
+                  <a:schemeClr val="bg1">
+                    <a:lumMod val="75000"/>
+                  </a:schemeClr>
+                </a:solidFill>
+              </a:rPr>
+              <a:t>상품</a:t>
+            </a:r>
+            <a:r>
+              <a:rPr lang="ko-KR" altLang="en-US" sz="900">
+                <a:solidFill>
+                  <a:schemeClr val="bg1">
+                    <a:lumMod val="75000"/>
+                  </a:schemeClr>
+                </a:solidFill>
+              </a:rPr>
+              <a:t>명</a:t>
+            </a:r>
+            <a:endParaRPr lang="ko-KR" altLang="en-US" sz="900" dirty="0">
+              <a:solidFill>
+                <a:schemeClr val="bg1">
+                  <a:lumMod val="75000"/>
+                </a:schemeClr>
+              </a:solidFill>
+            </a:endParaRPr>
+          </a:p>
+        </p:txBody>
+      </p:sp>
+      <p:sp>
+        <p:nvSpPr>
+          <p:cNvPr id="66" name="TextBox 65"/>
+          <p:cNvSpPr txBox="1"/>
+          <p:nvPr/>
+        </p:nvSpPr>
+        <p:spPr>
+          <a:xfrm>
+            <a:off x="2129503" y="4489133"/>
+            <a:ext cx="696075" cy="230832"/>
+          </a:xfrm>
+          <a:prstGeom prst="rect">
+            <a:avLst/>
+          </a:prstGeom>
+          <a:noFill/>
+        </p:spPr>
+        <p:txBody>
+          <a:bodyPr wrap="square" rtlCol="0">
+            <a:spAutoFit/>
+          </a:bodyPr>
+          <a:lstStyle/>
+          <a:p>
+            <a:r>
+              <a:rPr lang="ko-KR" altLang="en-US" sz="900" smtClean="0"/>
+              <a:t>저장</a:t>
+            </a:r>
+            <a:r>
+              <a:rPr lang="ko-KR" altLang="en-US" sz="900"/>
+              <a:t>소</a:t>
+            </a:r>
+            <a:endParaRPr lang="ko-KR" altLang="en-US" sz="900" dirty="0"/>
+          </a:p>
+        </p:txBody>
+      </p:sp>
+      <p:sp>
+        <p:nvSpPr>
+          <p:cNvPr id="67" name="직사각형 66"/>
+          <p:cNvSpPr/>
+          <p:nvPr/>
+        </p:nvSpPr>
+        <p:spPr>
+          <a:xfrm>
+            <a:off x="2848294" y="4789385"/>
+            <a:ext cx="1793727" cy="227830"/>
+          </a:xfrm>
+          <a:prstGeom prst="rect">
+            <a:avLst/>
+          </a:prstGeom>
+          <a:solidFill>
+            <a:schemeClr val="bg1"/>
+          </a:solidFill>
+          <a:ln>
+            <a:solidFill>
+              <a:schemeClr val="tx1"/>
+            </a:solidFill>
+          </a:ln>
+        </p:spPr>
+        <p:style>
+          <a:lnRef idx="2">
+            <a:schemeClr val="accent1">
+              <a:shade val="50000"/>
+            </a:schemeClr>
+          </a:lnRef>
+          <a:fillRef idx="1">
+            <a:schemeClr val="accent1"/>
+          </a:fillRef>
+          <a:effectRef idx="0">
+            <a:schemeClr val="accent1"/>
+          </a:effectRef>
+          <a:fontRef idx="minor">
+            <a:schemeClr val="lt1"/>
+          </a:fontRef>
+        </p:style>
+        <p:txBody>
+          <a:bodyPr rtlCol="0" anchor="ctr"/>
+          <a:lstStyle/>
+          <a:p>
+            <a:r>
+              <a:rPr lang="ko-KR" altLang="en-US" sz="900" smtClean="0">
+                <a:solidFill>
+                  <a:schemeClr val="bg1">
+                    <a:lumMod val="75000"/>
+                  </a:schemeClr>
+                </a:solidFill>
+              </a:rPr>
+              <a:t>상품</a:t>
+            </a:r>
+            <a:r>
+              <a:rPr lang="ko-KR" altLang="en-US" sz="900">
+                <a:solidFill>
+                  <a:schemeClr val="bg1">
+                    <a:lumMod val="75000"/>
+                  </a:schemeClr>
+                </a:solidFill>
+              </a:rPr>
+              <a:t>명</a:t>
+            </a:r>
+            <a:endParaRPr lang="ko-KR" altLang="en-US" sz="900" dirty="0">
+              <a:solidFill>
+                <a:schemeClr val="bg1">
+                  <a:lumMod val="75000"/>
+                </a:schemeClr>
+              </a:solidFill>
+            </a:endParaRPr>
+          </a:p>
+        </p:txBody>
+      </p:sp>
+      <p:sp>
+        <p:nvSpPr>
+          <p:cNvPr id="70" name="TextBox 69"/>
+          <p:cNvSpPr txBox="1"/>
+          <p:nvPr/>
+        </p:nvSpPr>
+        <p:spPr>
+          <a:xfrm>
+            <a:off x="2129503" y="4786382"/>
+            <a:ext cx="718792" cy="230832"/>
+          </a:xfrm>
+          <a:prstGeom prst="rect">
+            <a:avLst/>
+          </a:prstGeom>
+          <a:noFill/>
+        </p:spPr>
+        <p:txBody>
+          <a:bodyPr wrap="square" rtlCol="0">
+            <a:spAutoFit/>
+          </a:bodyPr>
+          <a:lstStyle/>
+          <a:p>
+            <a:r>
+              <a:rPr lang="ko-KR" altLang="en-US" sz="900" smtClean="0"/>
+              <a:t>그래픽</a:t>
+            </a:r>
+            <a:endParaRPr lang="ko-KR" altLang="en-US" sz="900" dirty="0"/>
+          </a:p>
+        </p:txBody>
+      </p:sp>
+      <p:sp>
+        <p:nvSpPr>
+          <p:cNvPr id="71" name="직사각형 70"/>
+          <p:cNvSpPr/>
+          <p:nvPr/>
+        </p:nvSpPr>
+        <p:spPr>
+          <a:xfrm>
+            <a:off x="2848294" y="5064840"/>
+            <a:ext cx="1793727" cy="227830"/>
+          </a:xfrm>
+          <a:prstGeom prst="rect">
+            <a:avLst/>
+          </a:prstGeom>
+          <a:solidFill>
+            <a:schemeClr val="bg1"/>
+          </a:solidFill>
+          <a:ln>
+            <a:solidFill>
+              <a:schemeClr val="tx1"/>
+            </a:solidFill>
+          </a:ln>
+        </p:spPr>
+        <p:style>
+          <a:lnRef idx="2">
+            <a:schemeClr val="accent1">
+              <a:shade val="50000"/>
+            </a:schemeClr>
+          </a:lnRef>
+          <a:fillRef idx="1">
+            <a:schemeClr val="accent1"/>
+          </a:fillRef>
+          <a:effectRef idx="0">
+            <a:schemeClr val="accent1"/>
+          </a:effectRef>
+          <a:fontRef idx="minor">
+            <a:schemeClr val="lt1"/>
+          </a:fontRef>
+        </p:style>
+        <p:txBody>
+          <a:bodyPr rtlCol="0" anchor="ctr"/>
+          <a:lstStyle/>
+          <a:p>
+            <a:r>
+              <a:rPr lang="ko-KR" altLang="en-US" sz="900" smtClean="0">
+                <a:solidFill>
+                  <a:schemeClr val="bg1">
+                    <a:lumMod val="75000"/>
+                  </a:schemeClr>
+                </a:solidFill>
+              </a:rPr>
+              <a:t>상품</a:t>
+            </a:r>
+            <a:r>
+              <a:rPr lang="ko-KR" altLang="en-US" sz="900">
+                <a:solidFill>
+                  <a:schemeClr val="bg1">
+                    <a:lumMod val="75000"/>
+                  </a:schemeClr>
+                </a:solidFill>
+              </a:rPr>
+              <a:t>명</a:t>
+            </a:r>
+            <a:endParaRPr lang="ko-KR" altLang="en-US" sz="900" dirty="0">
+              <a:solidFill>
+                <a:schemeClr val="bg1">
+                  <a:lumMod val="75000"/>
+                </a:schemeClr>
+              </a:solidFill>
+            </a:endParaRPr>
+          </a:p>
+        </p:txBody>
+      </p:sp>
+      <p:sp>
+        <p:nvSpPr>
+          <p:cNvPr id="72" name="TextBox 71"/>
+          <p:cNvSpPr txBox="1"/>
+          <p:nvPr/>
+        </p:nvSpPr>
+        <p:spPr>
+          <a:xfrm>
+            <a:off x="2129503" y="5061837"/>
+            <a:ext cx="621935" cy="230832"/>
+          </a:xfrm>
+          <a:prstGeom prst="rect">
+            <a:avLst/>
+          </a:prstGeom>
+          <a:noFill/>
+        </p:spPr>
+        <p:txBody>
+          <a:bodyPr wrap="square" rtlCol="0">
+            <a:spAutoFit/>
+          </a:bodyPr>
+          <a:lstStyle/>
+          <a:p>
+            <a:r>
+              <a:rPr lang="ko-KR" altLang="en-US" sz="900" smtClean="0"/>
+              <a:t>파워</a:t>
+            </a:r>
+            <a:endParaRPr lang="ko-KR" altLang="en-US" sz="900" dirty="0"/>
+          </a:p>
+        </p:txBody>
+      </p:sp>
+      <p:sp>
+        <p:nvSpPr>
+          <p:cNvPr id="6" name="직사각형 5"/>
+          <p:cNvSpPr/>
+          <p:nvPr/>
+        </p:nvSpPr>
+        <p:spPr>
+          <a:xfrm>
+            <a:off x="4806069" y="3604924"/>
+            <a:ext cx="2038868" cy="1687745"/>
+          </a:xfrm>
+          <a:prstGeom prst="rect">
+            <a:avLst/>
+          </a:prstGeom>
+          <a:solidFill>
+            <a:schemeClr val="bg1"/>
+          </a:solidFill>
+          <a:ln>
+            <a:solidFill>
+              <a:schemeClr val="tx1"/>
+            </a:solidFill>
+          </a:ln>
+        </p:spPr>
+        <p:style>
+          <a:lnRef idx="2">
+            <a:schemeClr val="accent1">
+              <a:shade val="50000"/>
+            </a:schemeClr>
+          </a:lnRef>
+          <a:fillRef idx="1">
+            <a:schemeClr val="accent1"/>
+          </a:fillRef>
+          <a:effectRef idx="0">
+            <a:schemeClr val="accent1"/>
+          </a:effectRef>
+          <a:fontRef idx="minor">
+            <a:schemeClr val="lt1"/>
+          </a:fontRef>
+        </p:style>
+        <p:txBody>
+          <a:bodyPr rtlCol="0" anchor="ctr"/>
+          <a:lstStyle/>
+          <a:p>
+            <a:pPr algn="ctr"/>
+            <a:r>
+              <a:rPr lang="ko-KR" altLang="en-US" smtClean="0">
+                <a:solidFill>
+                  <a:schemeClr val="tx1"/>
+                </a:solidFill>
+              </a:rPr>
+              <a:t>상품</a:t>
+            </a:r>
+            <a:endParaRPr lang="en-US" altLang="ko-KR" smtClean="0">
+              <a:solidFill>
+                <a:schemeClr val="tx1"/>
+              </a:solidFill>
+            </a:endParaRPr>
+          </a:p>
+          <a:p>
+            <a:pPr algn="ctr"/>
+            <a:r>
+              <a:rPr lang="ko-KR" altLang="en-US" smtClean="0">
+                <a:solidFill>
+                  <a:schemeClr val="tx1"/>
+                </a:solidFill>
+              </a:rPr>
+              <a:t>이미지등록</a:t>
+            </a:r>
+            <a:endParaRPr lang="ko-KR" altLang="en-US">
+              <a:solidFill>
+                <a:schemeClr val="tx1"/>
+              </a:solidFill>
+            </a:endParaRPr>
+          </a:p>
+        </p:txBody>
+      </p:sp>
+      <p:sp>
+        <p:nvSpPr>
+          <p:cNvPr id="74" name="직사각형 73"/>
+          <p:cNvSpPr/>
+          <p:nvPr/>
+        </p:nvSpPr>
+        <p:spPr>
+          <a:xfrm>
+            <a:off x="4177410" y="5363179"/>
+            <a:ext cx="464612" cy="249674"/>
+          </a:xfrm>
+          <a:prstGeom prst="rect">
+            <a:avLst/>
+          </a:prstGeom>
+          <a:solidFill>
+            <a:schemeClr val="tx1"/>
+          </a:solidFill>
+          <a:ln>
+            <a:solidFill>
+              <a:schemeClr val="tx1"/>
+            </a:solidFill>
+          </a:ln>
+        </p:spPr>
+        <p:style>
+          <a:lnRef idx="2">
+            <a:schemeClr val="accent1">
+              <a:shade val="50000"/>
+            </a:schemeClr>
+          </a:lnRef>
+          <a:fillRef idx="1">
+            <a:schemeClr val="accent1"/>
+          </a:fillRef>
+          <a:effectRef idx="0">
+            <a:schemeClr val="accent1"/>
+          </a:effectRef>
+          <a:fontRef idx="minor">
+            <a:schemeClr val="lt1"/>
+          </a:fontRef>
+        </p:style>
+        <p:txBody>
+          <a:bodyPr rtlCol="0" anchor="ctr"/>
+          <a:lstStyle/>
+          <a:p>
+            <a:pPr algn="ctr"/>
+            <a:r>
+              <a:rPr lang="ko-KR" altLang="en-US" sz="1000" smtClean="0">
+                <a:solidFill>
+                  <a:schemeClr val="bg1"/>
+                </a:solidFill>
+              </a:rPr>
+              <a:t>등록</a:t>
+            </a:r>
+            <a:endParaRPr lang="ko-KR" altLang="en-US" sz="1000" dirty="0">
+              <a:solidFill>
+                <a:schemeClr val="bg1"/>
+              </a:solidFill>
+            </a:endParaRPr>
+          </a:p>
+        </p:txBody>
+      </p:sp>
+      <p:sp>
+        <p:nvSpPr>
+          <p:cNvPr id="75" name="직사각형 74"/>
+          <p:cNvSpPr/>
+          <p:nvPr/>
+        </p:nvSpPr>
+        <p:spPr>
+          <a:xfrm>
+            <a:off x="4756996" y="5363179"/>
+            <a:ext cx="464612" cy="249674"/>
+          </a:xfrm>
+          <a:prstGeom prst="rect">
+            <a:avLst/>
+          </a:prstGeom>
+          <a:solidFill>
+            <a:schemeClr val="tx1"/>
+          </a:solidFill>
+          <a:ln>
+            <a:solidFill>
+              <a:schemeClr val="tx1"/>
+            </a:solidFill>
+          </a:ln>
+        </p:spPr>
+        <p:style>
+          <a:lnRef idx="2">
+            <a:schemeClr val="accent1">
+              <a:shade val="50000"/>
+            </a:schemeClr>
+          </a:lnRef>
+          <a:fillRef idx="1">
+            <a:schemeClr val="accent1"/>
+          </a:fillRef>
+          <a:effectRef idx="0">
+            <a:schemeClr val="accent1"/>
+          </a:effectRef>
+          <a:fontRef idx="minor">
+            <a:schemeClr val="lt1"/>
+          </a:fontRef>
+        </p:style>
+        <p:txBody>
+          <a:bodyPr rtlCol="0" anchor="ctr"/>
+          <a:lstStyle/>
+          <a:p>
+            <a:pPr algn="ctr"/>
+            <a:r>
+              <a:rPr lang="ko-KR" altLang="en-US" sz="1000" smtClean="0">
+                <a:solidFill>
+                  <a:schemeClr val="bg1"/>
+                </a:solidFill>
+              </a:rPr>
+              <a:t>취소</a:t>
+            </a:r>
+            <a:endParaRPr lang="ko-KR" altLang="en-US" sz="1000" dirty="0">
+              <a:solidFill>
+                <a:schemeClr val="bg1"/>
+              </a:solidFill>
+            </a:endParaRPr>
+          </a:p>
+        </p:txBody>
+      </p:sp>
+      <p:sp>
+        <p:nvSpPr>
+          <p:cNvPr id="73" name="직사각형 72"/>
+          <p:cNvSpPr/>
+          <p:nvPr/>
+        </p:nvSpPr>
+        <p:spPr>
+          <a:xfrm>
+            <a:off x="5524860" y="3308012"/>
+            <a:ext cx="1320077" cy="227830"/>
+          </a:xfrm>
+          <a:prstGeom prst="rect">
+            <a:avLst/>
+          </a:prstGeom>
+          <a:solidFill>
+            <a:schemeClr val="bg1"/>
+          </a:solidFill>
+          <a:ln>
+            <a:solidFill>
+              <a:schemeClr val="tx1"/>
+            </a:solidFill>
+          </a:ln>
+        </p:spPr>
+        <p:style>
+          <a:lnRef idx="2">
+            <a:schemeClr val="accent1">
+              <a:shade val="50000"/>
+            </a:schemeClr>
+          </a:lnRef>
+          <a:fillRef idx="1">
+            <a:schemeClr val="accent1"/>
+          </a:fillRef>
+          <a:effectRef idx="0">
+            <a:schemeClr val="accent1"/>
+          </a:effectRef>
+          <a:fontRef idx="minor">
+            <a:schemeClr val="lt1"/>
+          </a:fontRef>
+        </p:style>
+        <p:txBody>
+          <a:bodyPr rtlCol="0" anchor="ctr"/>
+          <a:lstStyle/>
+          <a:p>
+            <a:r>
+              <a:rPr lang="ko-KR" altLang="en-US" sz="900" smtClean="0">
+                <a:solidFill>
+                  <a:schemeClr val="bg1">
+                    <a:lumMod val="75000"/>
+                  </a:schemeClr>
+                </a:solidFill>
+              </a:rPr>
+              <a:t>상품분류</a:t>
+            </a:r>
+            <a:endParaRPr lang="ko-KR" altLang="en-US" sz="900" dirty="0">
+              <a:solidFill>
+                <a:schemeClr val="bg1">
+                  <a:lumMod val="75000"/>
+                </a:schemeClr>
+              </a:solidFill>
+            </a:endParaRPr>
+          </a:p>
+        </p:txBody>
+      </p:sp>
+      <p:sp>
+        <p:nvSpPr>
+          <p:cNvPr id="76" name="TextBox 75"/>
+          <p:cNvSpPr txBox="1"/>
+          <p:nvPr/>
+        </p:nvSpPr>
+        <p:spPr>
+          <a:xfrm>
+            <a:off x="4806069" y="3305009"/>
+            <a:ext cx="688569" cy="230832"/>
+          </a:xfrm>
+          <a:prstGeom prst="rect">
+            <a:avLst/>
+          </a:prstGeom>
+          <a:noFill/>
+        </p:spPr>
+        <p:txBody>
+          <a:bodyPr wrap="square" rtlCol="0">
+            <a:spAutoFit/>
+          </a:bodyPr>
+          <a:lstStyle/>
+          <a:p>
+            <a:r>
+              <a:rPr lang="ko-KR" altLang="en-US" sz="900" smtClean="0"/>
+              <a:t>상품분류</a:t>
+            </a:r>
+            <a:endParaRPr lang="ko-KR" altLang="en-US" sz="900" dirty="0"/>
+          </a:p>
+        </p:txBody>
+      </p:sp>
+    </p:spTree>
+    <p:extLst>
+      <p:ext uri="{BB962C8B-B14F-4D97-AF65-F5344CB8AC3E}">
+        <p14:creationId xmlns:p14="http://schemas.microsoft.com/office/powerpoint/2010/main" val="3538818462"/>
+      </p:ext>
+    </p:extLst>
+  </p:cSld>
+  <p:clrMapOvr>
+    <a:masterClrMapping/>
+  </p:clrMapOvr>
+</p:sld>
+</file>
+
+<file path=ppt/slides/slide21.xml><?xml version="1.0" encoding="utf-8"?>
+<p:sld xmlns:a="http://schemas.openxmlformats.org/drawingml/2006/main" xmlns:r="http://schemas.openxmlformats.org/officeDocument/2006/relationships" xmlns:p="http://schemas.openxmlformats.org/presentationml/2006/main">
+  <p:cSld>
+    <p:spTree>
+      <p:nvGrpSpPr>
+        <p:cNvPr id="1" name=""/>
+        <p:cNvGrpSpPr/>
+        <p:nvPr/>
+      </p:nvGrpSpPr>
+      <p:grpSpPr>
+        <a:xfrm>
+          <a:off x="0" y="0"/>
+          <a:ext cx="0" cy="0"/>
+          <a:chOff x="0" y="0"/>
+          <a:chExt cx="0" cy="0"/>
+        </a:xfrm>
+      </p:grpSpPr>
+      <p:grpSp>
+        <p:nvGrpSpPr>
+          <p:cNvPr id="4" name="그룹 3"/>
+          <p:cNvGrpSpPr/>
+          <p:nvPr/>
+        </p:nvGrpSpPr>
+        <p:grpSpPr>
+          <a:xfrm>
+            <a:off x="152400" y="83680"/>
+            <a:ext cx="11903770" cy="6774320"/>
+            <a:chOff x="152400" y="83680"/>
+            <a:chExt cx="11903770" cy="6774320"/>
+          </a:xfrm>
+        </p:grpSpPr>
+        <p:sp>
+          <p:nvSpPr>
+            <p:cNvPr id="68" name="양쪽 모서리가 둥근 사각형 67"/>
+            <p:cNvSpPr/>
+            <p:nvPr/>
+          </p:nvSpPr>
+          <p:spPr>
+            <a:xfrm>
+              <a:off x="338203" y="83680"/>
+              <a:ext cx="11548997" cy="6482219"/>
+            </a:xfrm>
+            <a:prstGeom prst="round2SameRect">
+              <a:avLst>
+                <a:gd name="adj1" fmla="val 4566"/>
+                <a:gd name="adj2" fmla="val 0"/>
+              </a:avLst>
+            </a:prstGeom>
+            <a:pattFill prst="ltDnDiag">
+              <a:fgClr>
+                <a:schemeClr val="bg1">
+                  <a:lumMod val="75000"/>
+                </a:schemeClr>
+              </a:fgClr>
+              <a:bgClr>
+                <a:schemeClr val="bg1">
+                  <a:lumMod val="95000"/>
+                </a:schemeClr>
+              </a:bgClr>
+            </a:pattFill>
+            <a:ln w="28575">
+              <a:solidFill>
+                <a:schemeClr val="bg1">
+                  <a:lumMod val="50000"/>
+                </a:schemeClr>
+              </a:solidFill>
+            </a:ln>
+          </p:spPr>
+          <p:style>
+            <a:lnRef idx="2">
+              <a:schemeClr val="accent1">
+                <a:shade val="50000"/>
+              </a:schemeClr>
+            </a:lnRef>
+            <a:fillRef idx="1">
+              <a:schemeClr val="accent1"/>
+            </a:fillRef>
+            <a:effectRef idx="0">
+              <a:schemeClr val="accent1"/>
+            </a:effectRef>
+            <a:fontRef idx="minor">
+              <a:schemeClr val="lt1"/>
+            </a:fontRef>
+          </p:style>
+          <p:txBody>
+            <a:bodyPr rtlCol="0" anchor="ctr"/>
+            <a:lstStyle/>
+            <a:p>
+              <a:pPr algn="ctr"/>
+              <a:endParaRPr lang="ko-KR" altLang="en-US"/>
+            </a:p>
+          </p:txBody>
+        </p:sp>
+        <p:sp>
+          <p:nvSpPr>
+            <p:cNvPr id="69" name="양쪽 모서리가 둥근 사각형 68"/>
+            <p:cNvSpPr/>
+            <p:nvPr/>
+          </p:nvSpPr>
+          <p:spPr>
+            <a:xfrm>
+              <a:off x="524266" y="241300"/>
+              <a:ext cx="11176871" cy="6133424"/>
+            </a:xfrm>
+            <a:prstGeom prst="round2SameRect">
+              <a:avLst>
+                <a:gd name="adj1" fmla="val 3284"/>
+                <a:gd name="adj2" fmla="val 0"/>
+              </a:avLst>
+            </a:prstGeom>
+            <a:solidFill>
+              <a:schemeClr val="bg1"/>
+            </a:solidFill>
+            <a:ln w="19050">
+              <a:solidFill>
+                <a:schemeClr val="bg1">
+                  <a:lumMod val="50000"/>
+                </a:schemeClr>
+              </a:solidFill>
+            </a:ln>
+          </p:spPr>
+          <p:style>
+            <a:lnRef idx="2">
+              <a:schemeClr val="accent1">
+                <a:shade val="50000"/>
+              </a:schemeClr>
+            </a:lnRef>
+            <a:fillRef idx="1">
+              <a:schemeClr val="accent1"/>
+            </a:fillRef>
+            <a:effectRef idx="0">
+              <a:schemeClr val="accent1"/>
+            </a:effectRef>
+            <a:fontRef idx="minor">
+              <a:schemeClr val="lt1"/>
+            </a:fontRef>
+          </p:style>
+          <p:txBody>
+            <a:bodyPr rtlCol="0" anchor="ctr"/>
+            <a:lstStyle/>
+            <a:p>
+              <a:pPr algn="ctr"/>
+              <a:endParaRPr lang="ko-KR" altLang="en-US"/>
+            </a:p>
+          </p:txBody>
+        </p:sp>
+        <p:sp>
+          <p:nvSpPr>
+            <p:cNvPr id="84" name="양쪽 모서리가 둥근 사각형 83"/>
+            <p:cNvSpPr/>
+            <p:nvPr/>
+          </p:nvSpPr>
+          <p:spPr>
+            <a:xfrm rot="16200000">
+              <a:off x="1176083" y="5641873"/>
+              <a:ext cx="108000" cy="1798840"/>
+            </a:xfrm>
+            <a:prstGeom prst="round2SameRect">
+              <a:avLst>
+                <a:gd name="adj1" fmla="val 19304"/>
+                <a:gd name="adj2" fmla="val 0"/>
+              </a:avLst>
+            </a:prstGeom>
+            <a:gradFill flip="none" rotWithShape="1">
+              <a:gsLst>
+                <a:gs pos="17000">
+                  <a:schemeClr val="bg1">
+                    <a:lumMod val="50000"/>
+                  </a:schemeClr>
+                </a:gs>
+                <a:gs pos="59000">
+                  <a:schemeClr val="bg1">
+                    <a:shade val="100000"/>
+                    <a:satMod val="115000"/>
+                  </a:schemeClr>
+                </a:gs>
+              </a:gsLst>
+              <a:lin ang="0" scaled="1"/>
+              <a:tileRect/>
+            </a:gradFill>
+            <a:ln w="19050">
+              <a:solidFill>
+                <a:schemeClr val="bg1">
+                  <a:lumMod val="50000"/>
+                </a:schemeClr>
+              </a:solidFill>
+            </a:ln>
+          </p:spPr>
+          <p:style>
+            <a:lnRef idx="2">
+              <a:schemeClr val="accent1">
+                <a:shade val="50000"/>
+              </a:schemeClr>
+            </a:lnRef>
+            <a:fillRef idx="1">
+              <a:schemeClr val="accent1"/>
+            </a:fillRef>
+            <a:effectRef idx="0">
+              <a:schemeClr val="accent1"/>
+            </a:effectRef>
+            <a:fontRef idx="minor">
+              <a:schemeClr val="lt1"/>
+            </a:fontRef>
+          </p:style>
+          <p:txBody>
+            <a:bodyPr rtlCol="0" anchor="ctr"/>
+            <a:lstStyle/>
+            <a:p>
+              <a:pPr algn="ctr"/>
+              <a:endParaRPr lang="ko-KR" altLang="en-US">
+                <a:solidFill>
+                  <a:prstClr val="white"/>
+                </a:solidFill>
+              </a:endParaRPr>
+            </a:p>
+          </p:txBody>
+        </p:sp>
+        <p:sp>
+          <p:nvSpPr>
+            <p:cNvPr id="85" name="양쪽 모서리가 둥근 사각형 84"/>
+            <p:cNvSpPr/>
+            <p:nvPr/>
+          </p:nvSpPr>
+          <p:spPr>
+            <a:xfrm rot="5400000" flipH="1">
+              <a:off x="10930593" y="5641871"/>
+              <a:ext cx="108000" cy="1798840"/>
+            </a:xfrm>
+            <a:prstGeom prst="round2SameRect">
+              <a:avLst>
+                <a:gd name="adj1" fmla="val 19304"/>
+                <a:gd name="adj2" fmla="val 0"/>
+              </a:avLst>
+            </a:prstGeom>
+            <a:gradFill flip="none" rotWithShape="1">
+              <a:gsLst>
+                <a:gs pos="17000">
+                  <a:schemeClr val="bg1">
+                    <a:lumMod val="50000"/>
+                  </a:schemeClr>
+                </a:gs>
+                <a:gs pos="59000">
+                  <a:schemeClr val="bg1">
+                    <a:shade val="100000"/>
+                    <a:satMod val="115000"/>
+                  </a:schemeClr>
+                </a:gs>
+              </a:gsLst>
+              <a:lin ang="0" scaled="1"/>
+              <a:tileRect/>
+            </a:gradFill>
+            <a:ln w="19050">
+              <a:solidFill>
+                <a:schemeClr val="bg1">
+                  <a:lumMod val="50000"/>
+                </a:schemeClr>
+              </a:solidFill>
+            </a:ln>
+          </p:spPr>
+          <p:style>
+            <a:lnRef idx="2">
+              <a:schemeClr val="accent1">
+                <a:shade val="50000"/>
+              </a:schemeClr>
+            </a:lnRef>
+            <a:fillRef idx="1">
+              <a:schemeClr val="accent1"/>
+            </a:fillRef>
+            <a:effectRef idx="0">
+              <a:schemeClr val="accent1"/>
+            </a:effectRef>
+            <a:fontRef idx="minor">
+              <a:schemeClr val="lt1"/>
+            </a:fontRef>
+          </p:style>
+          <p:txBody>
+            <a:bodyPr rtlCol="0" anchor="ctr"/>
+            <a:lstStyle/>
+            <a:p>
+              <a:pPr algn="ctr"/>
+              <a:endParaRPr lang="ko-KR" altLang="en-US">
+                <a:solidFill>
+                  <a:prstClr val="white"/>
+                </a:solidFill>
+              </a:endParaRPr>
+            </a:p>
+          </p:txBody>
+        </p:sp>
+        <p:sp>
+          <p:nvSpPr>
+            <p:cNvPr id="86" name="양쪽 모서리가 둥근 사각형 85"/>
+            <p:cNvSpPr/>
+            <p:nvPr/>
+          </p:nvSpPr>
+          <p:spPr>
+            <a:xfrm rot="16200000">
+              <a:off x="6053339" y="2563457"/>
+              <a:ext cx="108000" cy="7955668"/>
+            </a:xfrm>
+            <a:prstGeom prst="round2SameRect">
+              <a:avLst>
+                <a:gd name="adj1" fmla="val 0"/>
+                <a:gd name="adj2" fmla="val 0"/>
+              </a:avLst>
+            </a:prstGeom>
+            <a:gradFill flip="none" rotWithShape="1">
+              <a:gsLst>
+                <a:gs pos="17000">
+                  <a:schemeClr val="bg1">
+                    <a:lumMod val="50000"/>
+                  </a:schemeClr>
+                </a:gs>
+                <a:gs pos="59000">
+                  <a:schemeClr val="bg1">
+                    <a:shade val="100000"/>
+                    <a:satMod val="115000"/>
+                  </a:schemeClr>
+                </a:gs>
+              </a:gsLst>
+              <a:lin ang="0" scaled="1"/>
+              <a:tileRect/>
+            </a:gradFill>
+            <a:ln w="19050">
+              <a:solidFill>
+                <a:schemeClr val="bg1">
+                  <a:lumMod val="50000"/>
+                </a:schemeClr>
+              </a:solidFill>
+            </a:ln>
+          </p:spPr>
+          <p:style>
+            <a:lnRef idx="2">
+              <a:schemeClr val="accent1">
+                <a:shade val="50000"/>
+              </a:schemeClr>
+            </a:lnRef>
+            <a:fillRef idx="1">
+              <a:schemeClr val="accent1"/>
+            </a:fillRef>
+            <a:effectRef idx="0">
+              <a:schemeClr val="accent1"/>
+            </a:effectRef>
+            <a:fontRef idx="minor">
+              <a:schemeClr val="lt1"/>
+            </a:fontRef>
+          </p:style>
+          <p:txBody>
+            <a:bodyPr rtlCol="0" anchor="ctr"/>
+            <a:lstStyle/>
+            <a:p>
+              <a:pPr algn="ctr"/>
+              <a:endParaRPr lang="ko-KR" altLang="en-US">
+                <a:solidFill>
+                  <a:prstClr val="white"/>
+                </a:solidFill>
+              </a:endParaRPr>
+            </a:p>
+          </p:txBody>
+        </p:sp>
+        <p:sp>
+          <p:nvSpPr>
+            <p:cNvPr id="14" name="자유형 13"/>
+            <p:cNvSpPr/>
+            <p:nvPr/>
+          </p:nvSpPr>
+          <p:spPr>
+            <a:xfrm>
+              <a:off x="158507" y="6590451"/>
+              <a:ext cx="11897663" cy="267549"/>
+            </a:xfrm>
+            <a:custGeom>
+              <a:avLst/>
+              <a:gdLst>
+                <a:gd name="connsiteX0" fmla="*/ 195955 w 11897663"/>
+                <a:gd name="connsiteY0" fmla="*/ 0 h 267549"/>
+                <a:gd name="connsiteX1" fmla="*/ 11701708 w 11897663"/>
+                <a:gd name="connsiteY1" fmla="*/ 0 h 267549"/>
+                <a:gd name="connsiteX2" fmla="*/ 11897663 w 11897663"/>
+                <a:gd name="connsiteY2" fmla="*/ 267549 h 267549"/>
+                <a:gd name="connsiteX3" fmla="*/ 0 w 11897663"/>
+                <a:gd name="connsiteY3" fmla="*/ 267549 h 267549"/>
+              </a:gdLst>
+              <a:ahLst/>
+              <a:cxnLst>
+                <a:cxn ang="0">
+                  <a:pos x="connsiteX0" y="connsiteY0"/>
+                </a:cxn>
+                <a:cxn ang="0">
+                  <a:pos x="connsiteX1" y="connsiteY1"/>
+                </a:cxn>
+                <a:cxn ang="0">
+                  <a:pos x="connsiteX2" y="connsiteY2"/>
+                </a:cxn>
+                <a:cxn ang="0">
+                  <a:pos x="connsiteX3" y="connsiteY3"/>
+                </a:cxn>
+              </a:cxnLst>
+              <a:rect l="l" t="t" r="r" b="b"/>
+              <a:pathLst>
+                <a:path w="11897663" h="267549">
+                  <a:moveTo>
+                    <a:pt x="195955" y="0"/>
+                  </a:moveTo>
+                  <a:lnTo>
+                    <a:pt x="11701708" y="0"/>
+                  </a:lnTo>
+                  <a:lnTo>
+                    <a:pt x="11897663" y="267549"/>
+                  </a:lnTo>
+                  <a:lnTo>
+                    <a:pt x="0" y="267549"/>
+                  </a:lnTo>
+                  <a:close/>
+                </a:path>
+              </a:pathLst>
+            </a:custGeom>
+            <a:solidFill>
+              <a:schemeClr val="bg1"/>
+            </a:solidFill>
+            <a:ln w="19050">
+              <a:solidFill>
+                <a:schemeClr val="bg1">
+                  <a:lumMod val="50000"/>
+                </a:schemeClr>
+              </a:solidFill>
+            </a:ln>
+          </p:spPr>
+          <p:style>
+            <a:lnRef idx="2">
+              <a:schemeClr val="accent1">
+                <a:shade val="50000"/>
+              </a:schemeClr>
+            </a:lnRef>
+            <a:fillRef idx="1">
+              <a:schemeClr val="accent1"/>
+            </a:fillRef>
+            <a:effectRef idx="0">
+              <a:schemeClr val="accent1"/>
+            </a:effectRef>
+            <a:fontRef idx="minor">
+              <a:schemeClr val="lt1"/>
+            </a:fontRef>
+          </p:style>
+          <p:txBody>
+            <a:bodyPr wrap="square" rtlCol="0" anchor="ctr">
+              <a:noAutofit/>
+            </a:bodyPr>
+            <a:lstStyle/>
+            <a:p>
+              <a:pPr algn="ctr"/>
+              <a:endParaRPr lang="ko-KR" altLang="en-US">
+                <a:solidFill>
+                  <a:prstClr val="white"/>
+                </a:solidFill>
+              </a:endParaRPr>
+            </a:p>
+          </p:txBody>
+        </p:sp>
+        <p:sp>
+          <p:nvSpPr>
+            <p:cNvPr id="26" name="자유형 25"/>
+            <p:cNvSpPr/>
+            <p:nvPr/>
+          </p:nvSpPr>
+          <p:spPr>
+            <a:xfrm>
+              <a:off x="152400" y="6565900"/>
+              <a:ext cx="11750381" cy="292100"/>
+            </a:xfrm>
+            <a:custGeom>
+              <a:avLst/>
+              <a:gdLst>
+                <a:gd name="connsiteX0" fmla="*/ 177800 w 11722100"/>
+                <a:gd name="connsiteY0" fmla="*/ 0 h 292100"/>
+                <a:gd name="connsiteX1" fmla="*/ 0 w 11722100"/>
+                <a:gd name="connsiteY1" fmla="*/ 292100 h 292100"/>
+                <a:gd name="connsiteX2" fmla="*/ 11722100 w 11722100"/>
+                <a:gd name="connsiteY2" fmla="*/ 50800 h 292100"/>
+                <a:gd name="connsiteX3" fmla="*/ 177800 w 11722100"/>
+                <a:gd name="connsiteY3" fmla="*/ 0 h 292100"/>
+                <a:gd name="connsiteX0" fmla="*/ 206081 w 11722100"/>
+                <a:gd name="connsiteY0" fmla="*/ 0 h 292100"/>
+                <a:gd name="connsiteX1" fmla="*/ 0 w 11722100"/>
+                <a:gd name="connsiteY1" fmla="*/ 292100 h 292100"/>
+                <a:gd name="connsiteX2" fmla="*/ 11722100 w 11722100"/>
+                <a:gd name="connsiteY2" fmla="*/ 50800 h 292100"/>
+                <a:gd name="connsiteX3" fmla="*/ 206081 w 11722100"/>
+                <a:gd name="connsiteY3" fmla="*/ 0 h 292100"/>
+                <a:gd name="connsiteX0" fmla="*/ 206081 w 11750381"/>
+                <a:gd name="connsiteY0" fmla="*/ 0 h 292100"/>
+                <a:gd name="connsiteX1" fmla="*/ 0 w 11750381"/>
+                <a:gd name="connsiteY1" fmla="*/ 292100 h 292100"/>
+                <a:gd name="connsiteX2" fmla="*/ 11750381 w 11750381"/>
+                <a:gd name="connsiteY2" fmla="*/ 31947 h 292100"/>
+                <a:gd name="connsiteX3" fmla="*/ 206081 w 11750381"/>
+                <a:gd name="connsiteY3" fmla="*/ 0 h 292100"/>
+              </a:gdLst>
+              <a:ahLst/>
+              <a:cxnLst>
+                <a:cxn ang="0">
+                  <a:pos x="connsiteX0" y="connsiteY0"/>
+                </a:cxn>
+                <a:cxn ang="0">
+                  <a:pos x="connsiteX1" y="connsiteY1"/>
+                </a:cxn>
+                <a:cxn ang="0">
+                  <a:pos x="connsiteX2" y="connsiteY2"/>
+                </a:cxn>
+                <a:cxn ang="0">
+                  <a:pos x="connsiteX3" y="connsiteY3"/>
+                </a:cxn>
+              </a:cxnLst>
+              <a:rect l="l" t="t" r="r" b="b"/>
+              <a:pathLst>
+                <a:path w="11750381" h="292100">
+                  <a:moveTo>
+                    <a:pt x="206081" y="0"/>
+                  </a:moveTo>
+                  <a:lnTo>
+                    <a:pt x="0" y="292100"/>
+                  </a:lnTo>
+                  <a:lnTo>
+                    <a:pt x="11750381" y="31947"/>
+                  </a:lnTo>
+                  <a:lnTo>
+                    <a:pt x="206081" y="0"/>
+                  </a:lnTo>
+                  <a:close/>
+                </a:path>
+              </a:pathLst>
+            </a:custGeom>
+            <a:solidFill>
+              <a:schemeClr val="tx1">
+                <a:alpha val="13000"/>
+              </a:schemeClr>
+            </a:solidFill>
+            <a:ln>
+              <a:noFill/>
+            </a:ln>
+          </p:spPr>
+          <p:style>
+            <a:lnRef idx="2">
+              <a:schemeClr val="accent1">
+                <a:shade val="50000"/>
+              </a:schemeClr>
+            </a:lnRef>
+            <a:fillRef idx="1">
+              <a:schemeClr val="accent1"/>
+            </a:fillRef>
+            <a:effectRef idx="0">
+              <a:schemeClr val="accent1"/>
+            </a:effectRef>
+            <a:fontRef idx="minor">
+              <a:schemeClr val="lt1"/>
+            </a:fontRef>
+          </p:style>
+          <p:txBody>
+            <a:bodyPr rtlCol="0" anchor="ctr"/>
+            <a:lstStyle/>
+            <a:p>
+              <a:pPr algn="ctr"/>
+              <a:endParaRPr lang="ko-KR" altLang="en-US"/>
+            </a:p>
+          </p:txBody>
+        </p:sp>
+        <p:sp>
+          <p:nvSpPr>
+            <p:cNvPr id="15" name="모서리가 둥근 직사각형 14"/>
+            <p:cNvSpPr/>
+            <p:nvPr/>
+          </p:nvSpPr>
+          <p:spPr>
+            <a:xfrm>
+              <a:off x="524266" y="6670585"/>
+              <a:ext cx="597524" cy="64121"/>
+            </a:xfrm>
+            <a:prstGeom prst="roundRect">
+              <a:avLst>
+                <a:gd name="adj" fmla="val 50000"/>
+              </a:avLst>
+            </a:prstGeom>
+            <a:solidFill>
+              <a:srgbClr val="00B0F0"/>
+            </a:solidFill>
+            <a:ln>
+              <a:solidFill>
+                <a:schemeClr val="bg1">
+                  <a:lumMod val="50000"/>
+                </a:schemeClr>
+              </a:solidFill>
+            </a:ln>
+          </p:spPr>
+          <p:style>
+            <a:lnRef idx="2">
+              <a:schemeClr val="accent1">
+                <a:shade val="50000"/>
+              </a:schemeClr>
+            </a:lnRef>
+            <a:fillRef idx="1">
+              <a:schemeClr val="accent1"/>
+            </a:fillRef>
+            <a:effectRef idx="0">
+              <a:schemeClr val="accent1"/>
+            </a:effectRef>
+            <a:fontRef idx="minor">
+              <a:schemeClr val="lt1"/>
+            </a:fontRef>
+          </p:style>
+          <p:txBody>
+            <a:bodyPr rtlCol="0" anchor="ctr"/>
+            <a:lstStyle/>
+            <a:p>
+              <a:pPr algn="ctr"/>
+              <a:endParaRPr lang="ko-KR" altLang="en-US"/>
+            </a:p>
+          </p:txBody>
+        </p:sp>
+      </p:grpSp>
+      <p:sp>
+        <p:nvSpPr>
+          <p:cNvPr id="3" name="직사각형 2"/>
+          <p:cNvSpPr/>
+          <p:nvPr/>
+        </p:nvSpPr>
+        <p:spPr>
+          <a:xfrm>
+            <a:off x="8602764" y="1664043"/>
+            <a:ext cx="2811968" cy="4423719"/>
+          </a:xfrm>
+          <a:prstGeom prst="rect">
+            <a:avLst/>
+          </a:prstGeom>
+          <a:solidFill>
+            <a:schemeClr val="bg1"/>
+          </a:solidFill>
+          <a:ln>
+            <a:solidFill>
+              <a:schemeClr val="tx1"/>
+            </a:solidFill>
+          </a:ln>
+        </p:spPr>
+        <p:style>
+          <a:lnRef idx="2">
+            <a:schemeClr val="accent1">
+              <a:shade val="50000"/>
+            </a:schemeClr>
+          </a:lnRef>
+          <a:fillRef idx="1">
+            <a:schemeClr val="accent1"/>
+          </a:fillRef>
+          <a:effectRef idx="0">
+            <a:schemeClr val="accent1"/>
+          </a:effectRef>
+          <a:fontRef idx="minor">
+            <a:schemeClr val="lt1"/>
+          </a:fontRef>
+        </p:style>
+        <p:txBody>
+          <a:bodyPr rtlCol="0" anchor="ctr"/>
+          <a:lstStyle/>
+          <a:p>
+            <a:pPr algn="ctr"/>
+            <a:endParaRPr lang="ko-KR" altLang="en-US"/>
+          </a:p>
+        </p:txBody>
+      </p:sp>
+      <p:sp>
+        <p:nvSpPr>
+          <p:cNvPr id="16" name="직사각형 15"/>
+          <p:cNvSpPr/>
+          <p:nvPr/>
+        </p:nvSpPr>
+        <p:spPr>
+          <a:xfrm>
+            <a:off x="777269" y="1664044"/>
+            <a:ext cx="7569580" cy="4423719"/>
+          </a:xfrm>
+          <a:prstGeom prst="rect">
+            <a:avLst/>
+          </a:prstGeom>
+          <a:solidFill>
+            <a:schemeClr val="bg1"/>
+          </a:solidFill>
+          <a:ln>
+            <a:solidFill>
+              <a:schemeClr val="tx1"/>
+            </a:solidFill>
+          </a:ln>
+        </p:spPr>
+        <p:style>
+          <a:lnRef idx="2">
+            <a:schemeClr val="accent1">
+              <a:shade val="50000"/>
+            </a:schemeClr>
+          </a:lnRef>
+          <a:fillRef idx="1">
+            <a:schemeClr val="accent1"/>
+          </a:fillRef>
+          <a:effectRef idx="0">
+            <a:schemeClr val="accent1"/>
+          </a:effectRef>
+          <a:fontRef idx="minor">
+            <a:schemeClr val="lt1"/>
+          </a:fontRef>
+        </p:style>
+        <p:txBody>
+          <a:bodyPr rtlCol="0" anchor="ctr"/>
+          <a:lstStyle/>
+          <a:p>
+            <a:pPr algn="ctr"/>
+            <a:endParaRPr lang="ko-KR" altLang="en-US"/>
+          </a:p>
+        </p:txBody>
+      </p:sp>
+      <p:sp>
+        <p:nvSpPr>
+          <p:cNvPr id="17" name="직사각형 16"/>
+          <p:cNvSpPr/>
+          <p:nvPr/>
+        </p:nvSpPr>
+        <p:spPr>
+          <a:xfrm>
+            <a:off x="777269" y="1664042"/>
+            <a:ext cx="7569580" cy="398177"/>
+          </a:xfrm>
+          <a:prstGeom prst="rect">
+            <a:avLst/>
+          </a:prstGeom>
+          <a:solidFill>
+            <a:schemeClr val="bg1"/>
+          </a:solidFill>
+          <a:ln>
+            <a:solidFill>
+              <a:schemeClr val="tx1"/>
+            </a:solidFill>
+          </a:ln>
+        </p:spPr>
+        <p:style>
+          <a:lnRef idx="2">
+            <a:schemeClr val="accent1">
+              <a:shade val="50000"/>
+            </a:schemeClr>
+          </a:lnRef>
+          <a:fillRef idx="1">
+            <a:schemeClr val="accent1"/>
+          </a:fillRef>
+          <a:effectRef idx="0">
+            <a:schemeClr val="accent1"/>
+          </a:effectRef>
+          <a:fontRef idx="minor">
+            <a:schemeClr val="lt1"/>
+          </a:fontRef>
+        </p:style>
+        <p:txBody>
+          <a:bodyPr rtlCol="0" anchor="ctr"/>
+          <a:lstStyle/>
+          <a:p>
+            <a:pPr algn="ctr"/>
+            <a:endParaRPr lang="ko-KR" altLang="en-US"/>
+          </a:p>
+        </p:txBody>
+      </p:sp>
+      <p:sp>
+        <p:nvSpPr>
+          <p:cNvPr id="19" name="TextBox 18"/>
+          <p:cNvSpPr txBox="1"/>
+          <p:nvPr/>
+        </p:nvSpPr>
+        <p:spPr>
+          <a:xfrm>
+            <a:off x="5494638" y="1738640"/>
+            <a:ext cx="2833819" cy="246221"/>
+          </a:xfrm>
+          <a:prstGeom prst="rect">
+            <a:avLst/>
+          </a:prstGeom>
+          <a:noFill/>
+        </p:spPr>
+        <p:txBody>
+          <a:bodyPr wrap="square" rtlCol="0">
+            <a:spAutoFit/>
+          </a:bodyPr>
+          <a:lstStyle/>
+          <a:p>
+            <a:pPr algn="r"/>
+            <a:r>
+              <a:rPr lang="ko-KR" altLang="en-US" sz="1000" dirty="0" smtClean="0"/>
+              <a:t>로그아웃</a:t>
+            </a:r>
+            <a:endParaRPr lang="ko-KR" altLang="en-US" sz="1000" dirty="0"/>
+          </a:p>
+        </p:txBody>
+      </p:sp>
+      <p:sp>
+        <p:nvSpPr>
+          <p:cNvPr id="20" name="TextBox 19"/>
+          <p:cNvSpPr txBox="1"/>
+          <p:nvPr/>
+        </p:nvSpPr>
+        <p:spPr>
+          <a:xfrm>
+            <a:off x="885586" y="1739098"/>
+            <a:ext cx="2207742" cy="246221"/>
+          </a:xfrm>
+          <a:prstGeom prst="rect">
+            <a:avLst/>
+          </a:prstGeom>
+          <a:noFill/>
+        </p:spPr>
+        <p:txBody>
+          <a:bodyPr wrap="square" rtlCol="0">
+            <a:spAutoFit/>
+          </a:bodyPr>
+          <a:lstStyle/>
+          <a:p>
+            <a:r>
+              <a:rPr lang="ko-KR" altLang="en-US" sz="1000" dirty="0" smtClean="0"/>
+              <a:t>로고</a:t>
+            </a:r>
+            <a:endParaRPr lang="ko-KR" altLang="en-US" sz="1000" dirty="0"/>
+          </a:p>
+        </p:txBody>
+      </p:sp>
+      <p:cxnSp>
+        <p:nvCxnSpPr>
+          <p:cNvPr id="8" name="직선 연결선 7"/>
+          <p:cNvCxnSpPr/>
+          <p:nvPr/>
+        </p:nvCxnSpPr>
+        <p:spPr>
+          <a:xfrm>
+            <a:off x="777269" y="2517203"/>
+            <a:ext cx="7551188" cy="0"/>
+          </a:xfrm>
+          <a:prstGeom prst="line">
+            <a:avLst/>
+          </a:prstGeom>
+          <a:ln>
+            <a:solidFill>
+              <a:schemeClr val="tx1">
+                <a:lumMod val="95000"/>
+                <a:lumOff val="5000"/>
+              </a:schemeClr>
+            </a:solidFill>
+          </a:ln>
+        </p:spPr>
+        <p:style>
+          <a:lnRef idx="1">
+            <a:schemeClr val="accent1"/>
+          </a:lnRef>
+          <a:fillRef idx="0">
+            <a:schemeClr val="accent1"/>
+          </a:fillRef>
+          <a:effectRef idx="0">
+            <a:schemeClr val="accent1"/>
+          </a:effectRef>
+          <a:fontRef idx="minor">
+            <a:schemeClr val="tx1"/>
+          </a:fontRef>
+        </p:style>
+      </p:cxnSp>
+      <p:sp>
+        <p:nvSpPr>
+          <p:cNvPr id="2" name="TextBox 1"/>
+          <p:cNvSpPr txBox="1"/>
+          <p:nvPr/>
+        </p:nvSpPr>
+        <p:spPr>
+          <a:xfrm>
+            <a:off x="892601" y="2103409"/>
+            <a:ext cx="7312285" cy="369332"/>
+          </a:xfrm>
+          <a:prstGeom prst="rect">
+            <a:avLst/>
+          </a:prstGeom>
+          <a:noFill/>
+        </p:spPr>
+        <p:txBody>
+          <a:bodyPr wrap="square" rtlCol="0">
+            <a:spAutoFit/>
+          </a:bodyPr>
+          <a:lstStyle/>
+          <a:p>
+            <a:r>
+              <a:rPr lang="ko-KR" altLang="en-US" dirty="0" smtClean="0"/>
+              <a:t>회원관리</a:t>
+            </a:r>
+            <a:r>
+              <a:rPr lang="en-US" altLang="ko-KR" dirty="0"/>
+              <a:t> </a:t>
+            </a:r>
+            <a:r>
+              <a:rPr lang="en-US" altLang="ko-KR" dirty="0" smtClean="0"/>
+              <a:t>      </a:t>
+            </a:r>
+            <a:r>
+              <a:rPr lang="ko-KR" altLang="en-US" dirty="0" smtClean="0"/>
+              <a:t>상품관리       견적문의관리       주문관리       </a:t>
+            </a:r>
+            <a:r>
+              <a:rPr lang="en-US" altLang="ko-KR" dirty="0" smtClean="0"/>
+              <a:t>AS</a:t>
+            </a:r>
+            <a:r>
+              <a:rPr lang="ko-KR" altLang="en-US" dirty="0" smtClean="0"/>
+              <a:t>관리</a:t>
+            </a:r>
+            <a:endParaRPr lang="ko-KR" altLang="en-US" dirty="0"/>
+          </a:p>
+        </p:txBody>
+      </p:sp>
+      <p:sp>
+        <p:nvSpPr>
+          <p:cNvPr id="27" name="TextBox 26"/>
+          <p:cNvSpPr txBox="1"/>
+          <p:nvPr/>
+        </p:nvSpPr>
+        <p:spPr>
+          <a:xfrm>
+            <a:off x="777269" y="1243914"/>
+            <a:ext cx="2847380" cy="369332"/>
+          </a:xfrm>
+          <a:prstGeom prst="rect">
+            <a:avLst/>
+          </a:prstGeom>
+          <a:noFill/>
+        </p:spPr>
+        <p:txBody>
+          <a:bodyPr wrap="square" rtlCol="0">
+            <a:spAutoFit/>
+          </a:bodyPr>
+          <a:lstStyle/>
+          <a:p>
+            <a:r>
+              <a:rPr lang="ko-KR" altLang="en-US" smtClean="0"/>
+              <a:t>관리자 페이지</a:t>
+            </a:r>
+            <a:endParaRPr lang="ko-KR" altLang="en-US" dirty="0"/>
+          </a:p>
+        </p:txBody>
+      </p:sp>
+      <p:sp>
+        <p:nvSpPr>
+          <p:cNvPr id="21" name="직사각형 20"/>
+          <p:cNvSpPr/>
+          <p:nvPr/>
+        </p:nvSpPr>
+        <p:spPr>
+          <a:xfrm>
+            <a:off x="3353610" y="228600"/>
+            <a:ext cx="5484781" cy="738664"/>
+          </a:xfrm>
+          <a:prstGeom prst="rect">
+            <a:avLst/>
+          </a:prstGeom>
+        </p:spPr>
+        <p:txBody>
+          <a:bodyPr wrap="square">
+            <a:spAutoFit/>
+          </a:bodyPr>
+          <a:lstStyle/>
+          <a:p>
+            <a:pPr algn="ctr">
+              <a:lnSpc>
+                <a:spcPct val="150000"/>
+              </a:lnSpc>
+            </a:pPr>
+            <a:r>
+              <a:rPr lang="ko-KR" altLang="en-US" sz="2000" i="1" dirty="0">
+                <a:solidFill>
+                  <a:schemeClr val="bg1">
+                    <a:lumMod val="50000"/>
+                  </a:schemeClr>
+                </a:solidFill>
+              </a:rPr>
+              <a:t>화면설계서 </a:t>
+            </a:r>
+            <a:r>
+              <a:rPr lang="en-US" altLang="ko-KR" sz="2800" b="1" i="1" dirty="0">
+                <a:solidFill>
+                  <a:schemeClr val="bg1">
+                    <a:lumMod val="50000"/>
+                  </a:schemeClr>
+                </a:solidFill>
+              </a:rPr>
+              <a:t>Wire Frame</a:t>
+            </a:r>
+          </a:p>
+        </p:txBody>
+      </p:sp>
+      <p:cxnSp>
+        <p:nvCxnSpPr>
+          <p:cNvPr id="22" name="직선 연결선 21"/>
+          <p:cNvCxnSpPr/>
+          <p:nvPr/>
+        </p:nvCxnSpPr>
+        <p:spPr>
+          <a:xfrm>
+            <a:off x="1713470" y="3406693"/>
+            <a:ext cx="5791200" cy="0"/>
+          </a:xfrm>
+          <a:prstGeom prst="line">
+            <a:avLst/>
+          </a:prstGeom>
+        </p:spPr>
+        <p:style>
+          <a:lnRef idx="1">
+            <a:schemeClr val="dk1"/>
+          </a:lnRef>
+          <a:fillRef idx="0">
+            <a:schemeClr val="dk1"/>
+          </a:fillRef>
+          <a:effectRef idx="0">
+            <a:schemeClr val="dk1"/>
+          </a:effectRef>
+          <a:fontRef idx="minor">
+            <a:schemeClr val="tx1"/>
+          </a:fontRef>
+        </p:style>
+      </p:cxnSp>
+      <p:sp>
+        <p:nvSpPr>
+          <p:cNvPr id="23" name="TextBox 22"/>
+          <p:cNvSpPr txBox="1"/>
+          <p:nvPr/>
+        </p:nvSpPr>
+        <p:spPr>
+          <a:xfrm>
+            <a:off x="3219295" y="3459283"/>
+            <a:ext cx="551935" cy="215444"/>
+          </a:xfrm>
+          <a:prstGeom prst="rect">
+            <a:avLst/>
+          </a:prstGeom>
+          <a:noFill/>
+        </p:spPr>
+        <p:txBody>
+          <a:bodyPr wrap="square" rtlCol="0">
+            <a:spAutoFit/>
+          </a:bodyPr>
+          <a:lstStyle/>
+          <a:p>
+            <a:r>
+              <a:rPr lang="ko-KR" altLang="en-US" sz="800" smtClean="0"/>
+              <a:t>상품</a:t>
+            </a:r>
+            <a:r>
+              <a:rPr lang="ko-KR" altLang="en-US" sz="800"/>
+              <a:t>명</a:t>
+            </a:r>
+            <a:endParaRPr lang="ko-KR" altLang="en-US" sz="800" dirty="0"/>
+          </a:p>
+        </p:txBody>
+      </p:sp>
+      <p:sp>
+        <p:nvSpPr>
+          <p:cNvPr id="24" name="TextBox 23"/>
+          <p:cNvSpPr txBox="1"/>
+          <p:nvPr/>
+        </p:nvSpPr>
+        <p:spPr>
+          <a:xfrm>
+            <a:off x="1713470" y="3464091"/>
+            <a:ext cx="643976" cy="215444"/>
+          </a:xfrm>
+          <a:prstGeom prst="rect">
+            <a:avLst/>
+          </a:prstGeom>
+          <a:noFill/>
+        </p:spPr>
+        <p:txBody>
+          <a:bodyPr wrap="square" rtlCol="0">
+            <a:spAutoFit/>
+          </a:bodyPr>
+          <a:lstStyle/>
+          <a:p>
+            <a:r>
+              <a:rPr lang="ko-KR" altLang="en-US" sz="800" smtClean="0"/>
+              <a:t>상품번호</a:t>
+            </a:r>
+            <a:endParaRPr lang="ko-KR" altLang="en-US" sz="800" dirty="0"/>
+          </a:p>
+        </p:txBody>
+      </p:sp>
+      <p:sp>
+        <p:nvSpPr>
+          <p:cNvPr id="25" name="TextBox 24"/>
+          <p:cNvSpPr txBox="1"/>
+          <p:nvPr/>
+        </p:nvSpPr>
+        <p:spPr>
+          <a:xfrm>
+            <a:off x="4806069" y="3464091"/>
+            <a:ext cx="551935" cy="215444"/>
+          </a:xfrm>
+          <a:prstGeom prst="rect">
+            <a:avLst/>
+          </a:prstGeom>
+          <a:noFill/>
+        </p:spPr>
+        <p:txBody>
+          <a:bodyPr wrap="square" rtlCol="0">
+            <a:spAutoFit/>
+          </a:bodyPr>
+          <a:lstStyle/>
+          <a:p>
+            <a:r>
+              <a:rPr lang="ko-KR" altLang="en-US" sz="800" smtClean="0"/>
+              <a:t>분</a:t>
+            </a:r>
+            <a:r>
+              <a:rPr lang="ko-KR" altLang="en-US" sz="800"/>
+              <a:t>류</a:t>
+            </a:r>
+            <a:endParaRPr lang="ko-KR" altLang="en-US" sz="800" dirty="0"/>
+          </a:p>
+        </p:txBody>
+      </p:sp>
+      <p:sp>
+        <p:nvSpPr>
+          <p:cNvPr id="28" name="TextBox 27"/>
+          <p:cNvSpPr txBox="1"/>
+          <p:nvPr/>
+        </p:nvSpPr>
+        <p:spPr>
+          <a:xfrm>
+            <a:off x="6466710" y="3464091"/>
+            <a:ext cx="551935" cy="215444"/>
+          </a:xfrm>
+          <a:prstGeom prst="rect">
+            <a:avLst/>
+          </a:prstGeom>
+          <a:noFill/>
+        </p:spPr>
+        <p:txBody>
+          <a:bodyPr wrap="square" rtlCol="0">
+            <a:spAutoFit/>
+          </a:bodyPr>
+          <a:lstStyle/>
+          <a:p>
+            <a:r>
+              <a:rPr lang="ko-KR" altLang="en-US" sz="800" smtClean="0"/>
+              <a:t>등록</a:t>
+            </a:r>
+            <a:r>
+              <a:rPr lang="ko-KR" altLang="en-US" sz="800"/>
+              <a:t>일</a:t>
+            </a:r>
+            <a:endParaRPr lang="ko-KR" altLang="en-US" sz="800" dirty="0"/>
+          </a:p>
+        </p:txBody>
+      </p:sp>
+      <p:cxnSp>
+        <p:nvCxnSpPr>
+          <p:cNvPr id="29" name="직선 연결선 28"/>
+          <p:cNvCxnSpPr/>
+          <p:nvPr/>
+        </p:nvCxnSpPr>
+        <p:spPr>
+          <a:xfrm>
+            <a:off x="1713470" y="3718839"/>
+            <a:ext cx="5791200" cy="0"/>
+          </a:xfrm>
+          <a:prstGeom prst="line">
+            <a:avLst/>
+          </a:prstGeom>
+        </p:spPr>
+        <p:style>
+          <a:lnRef idx="1">
+            <a:schemeClr val="dk1"/>
+          </a:lnRef>
+          <a:fillRef idx="0">
+            <a:schemeClr val="dk1"/>
+          </a:fillRef>
+          <a:effectRef idx="0">
+            <a:schemeClr val="dk1"/>
+          </a:effectRef>
+          <a:fontRef idx="minor">
+            <a:schemeClr val="tx1"/>
+          </a:fontRef>
+        </p:style>
+      </p:cxnSp>
+      <p:cxnSp>
+        <p:nvCxnSpPr>
+          <p:cNvPr id="30" name="직선 연결선 29"/>
+          <p:cNvCxnSpPr/>
+          <p:nvPr/>
+        </p:nvCxnSpPr>
+        <p:spPr>
+          <a:xfrm>
+            <a:off x="1713470" y="3962747"/>
+            <a:ext cx="5791200" cy="0"/>
+          </a:xfrm>
+          <a:prstGeom prst="line">
+            <a:avLst/>
+          </a:prstGeom>
+        </p:spPr>
+        <p:style>
+          <a:lnRef idx="1">
+            <a:schemeClr val="dk1"/>
+          </a:lnRef>
+          <a:fillRef idx="0">
+            <a:schemeClr val="dk1"/>
+          </a:fillRef>
+          <a:effectRef idx="0">
+            <a:schemeClr val="dk1"/>
+          </a:effectRef>
+          <a:fontRef idx="minor">
+            <a:schemeClr val="tx1"/>
+          </a:fontRef>
+        </p:style>
+      </p:cxnSp>
+      <p:cxnSp>
+        <p:nvCxnSpPr>
+          <p:cNvPr id="31" name="직선 연결선 30"/>
+          <p:cNvCxnSpPr/>
+          <p:nvPr/>
+        </p:nvCxnSpPr>
+        <p:spPr>
+          <a:xfrm>
+            <a:off x="1713470" y="4201644"/>
+            <a:ext cx="5791200" cy="0"/>
+          </a:xfrm>
+          <a:prstGeom prst="line">
+            <a:avLst/>
+          </a:prstGeom>
+        </p:spPr>
+        <p:style>
+          <a:lnRef idx="1">
+            <a:schemeClr val="dk1"/>
+          </a:lnRef>
+          <a:fillRef idx="0">
+            <a:schemeClr val="dk1"/>
+          </a:fillRef>
+          <a:effectRef idx="0">
+            <a:schemeClr val="dk1"/>
+          </a:effectRef>
+          <a:fontRef idx="minor">
+            <a:schemeClr val="tx1"/>
+          </a:fontRef>
+        </p:style>
+      </p:cxnSp>
+      <p:cxnSp>
+        <p:nvCxnSpPr>
+          <p:cNvPr id="32" name="직선 연결선 31"/>
+          <p:cNvCxnSpPr/>
+          <p:nvPr/>
+        </p:nvCxnSpPr>
+        <p:spPr>
+          <a:xfrm>
+            <a:off x="1713470" y="4448780"/>
+            <a:ext cx="5791200" cy="0"/>
+          </a:xfrm>
+          <a:prstGeom prst="line">
+            <a:avLst/>
+          </a:prstGeom>
+        </p:spPr>
+        <p:style>
+          <a:lnRef idx="1">
+            <a:schemeClr val="dk1"/>
+          </a:lnRef>
+          <a:fillRef idx="0">
+            <a:schemeClr val="dk1"/>
+          </a:fillRef>
+          <a:effectRef idx="0">
+            <a:schemeClr val="dk1"/>
+          </a:effectRef>
+          <a:fontRef idx="minor">
+            <a:schemeClr val="tx1"/>
+          </a:fontRef>
+        </p:style>
+      </p:cxnSp>
+      <p:cxnSp>
+        <p:nvCxnSpPr>
+          <p:cNvPr id="33" name="직선 연결선 32"/>
+          <p:cNvCxnSpPr/>
+          <p:nvPr/>
+        </p:nvCxnSpPr>
+        <p:spPr>
+          <a:xfrm>
+            <a:off x="1713470" y="4679439"/>
+            <a:ext cx="5791200" cy="0"/>
+          </a:xfrm>
+          <a:prstGeom prst="line">
+            <a:avLst/>
+          </a:prstGeom>
+        </p:spPr>
+        <p:style>
+          <a:lnRef idx="1">
+            <a:schemeClr val="dk1"/>
+          </a:lnRef>
+          <a:fillRef idx="0">
+            <a:schemeClr val="dk1"/>
+          </a:fillRef>
+          <a:effectRef idx="0">
+            <a:schemeClr val="dk1"/>
+          </a:effectRef>
+          <a:fontRef idx="minor">
+            <a:schemeClr val="tx1"/>
+          </a:fontRef>
+        </p:style>
+      </p:cxnSp>
+      <p:cxnSp>
+        <p:nvCxnSpPr>
+          <p:cNvPr id="34" name="직선 연결선 33"/>
+          <p:cNvCxnSpPr/>
+          <p:nvPr/>
+        </p:nvCxnSpPr>
+        <p:spPr>
+          <a:xfrm>
+            <a:off x="1713470" y="4903300"/>
+            <a:ext cx="5791200" cy="0"/>
+          </a:xfrm>
+          <a:prstGeom prst="line">
+            <a:avLst/>
+          </a:prstGeom>
+        </p:spPr>
+        <p:style>
+          <a:lnRef idx="1">
+            <a:schemeClr val="dk1"/>
+          </a:lnRef>
+          <a:fillRef idx="0">
+            <a:schemeClr val="dk1"/>
+          </a:fillRef>
+          <a:effectRef idx="0">
+            <a:schemeClr val="dk1"/>
+          </a:effectRef>
+          <a:fontRef idx="minor">
+            <a:schemeClr val="tx1"/>
+          </a:fontRef>
+        </p:style>
+      </p:cxnSp>
+      <p:cxnSp>
+        <p:nvCxnSpPr>
+          <p:cNvPr id="35" name="직선 연결선 34"/>
+          <p:cNvCxnSpPr/>
+          <p:nvPr/>
+        </p:nvCxnSpPr>
+        <p:spPr>
+          <a:xfrm>
+            <a:off x="1713470" y="5132520"/>
+            <a:ext cx="5791200" cy="0"/>
+          </a:xfrm>
+          <a:prstGeom prst="line">
+            <a:avLst/>
+          </a:prstGeom>
+        </p:spPr>
+        <p:style>
+          <a:lnRef idx="1">
+            <a:schemeClr val="dk1"/>
+          </a:lnRef>
+          <a:fillRef idx="0">
+            <a:schemeClr val="dk1"/>
+          </a:fillRef>
+          <a:effectRef idx="0">
+            <a:schemeClr val="dk1"/>
+          </a:effectRef>
+          <a:fontRef idx="minor">
+            <a:schemeClr val="tx1"/>
+          </a:fontRef>
+        </p:style>
+      </p:cxnSp>
+      <p:cxnSp>
+        <p:nvCxnSpPr>
+          <p:cNvPr id="36" name="직선 연결선 35"/>
+          <p:cNvCxnSpPr/>
+          <p:nvPr/>
+        </p:nvCxnSpPr>
+        <p:spPr>
+          <a:xfrm>
+            <a:off x="1713470" y="5363179"/>
+            <a:ext cx="5791200" cy="0"/>
+          </a:xfrm>
+          <a:prstGeom prst="line">
+            <a:avLst/>
+          </a:prstGeom>
+        </p:spPr>
+        <p:style>
+          <a:lnRef idx="1">
+            <a:schemeClr val="dk1"/>
+          </a:lnRef>
+          <a:fillRef idx="0">
+            <a:schemeClr val="dk1"/>
+          </a:fillRef>
+          <a:effectRef idx="0">
+            <a:schemeClr val="dk1"/>
+          </a:effectRef>
+          <a:fontRef idx="minor">
+            <a:schemeClr val="tx1"/>
+          </a:fontRef>
+        </p:style>
+      </p:cxnSp>
+      <p:sp>
+        <p:nvSpPr>
+          <p:cNvPr id="37" name="TextBox 36"/>
+          <p:cNvSpPr txBox="1"/>
+          <p:nvPr/>
+        </p:nvSpPr>
+        <p:spPr>
+          <a:xfrm>
+            <a:off x="3468130" y="5445211"/>
+            <a:ext cx="2347784" cy="215444"/>
+          </a:xfrm>
+          <a:prstGeom prst="rect">
+            <a:avLst/>
+          </a:prstGeom>
+          <a:noFill/>
+        </p:spPr>
+        <p:txBody>
+          <a:bodyPr wrap="square" rtlCol="0">
+            <a:spAutoFit/>
+          </a:bodyPr>
+          <a:lstStyle/>
+          <a:p>
+            <a:pPr algn="ctr"/>
+            <a:r>
+              <a:rPr lang="en-US" altLang="ko-KR" sz="800" dirty="0" smtClean="0"/>
+              <a:t>1 2 3 4</a:t>
+            </a:r>
+            <a:endParaRPr lang="ko-KR" altLang="en-US" sz="800" dirty="0"/>
+          </a:p>
+        </p:txBody>
+      </p:sp>
+      <p:sp>
+        <p:nvSpPr>
+          <p:cNvPr id="38" name="TextBox 37"/>
+          <p:cNvSpPr txBox="1"/>
+          <p:nvPr/>
+        </p:nvSpPr>
+        <p:spPr>
+          <a:xfrm>
+            <a:off x="1713470" y="2576410"/>
+            <a:ext cx="1112108" cy="276999"/>
+          </a:xfrm>
+          <a:prstGeom prst="rect">
+            <a:avLst/>
+          </a:prstGeom>
+          <a:noFill/>
+        </p:spPr>
+        <p:txBody>
+          <a:bodyPr wrap="square" rtlCol="0">
+            <a:spAutoFit/>
+          </a:bodyPr>
+          <a:lstStyle/>
+          <a:p>
+            <a:r>
+              <a:rPr lang="ko-KR" altLang="en-US" sz="1200" smtClean="0"/>
+              <a:t>상품관리</a:t>
+            </a:r>
+            <a:endParaRPr lang="ko-KR" altLang="en-US" sz="1200" dirty="0"/>
+          </a:p>
+        </p:txBody>
+      </p:sp>
+      <p:sp>
+        <p:nvSpPr>
+          <p:cNvPr id="41" name="직사각형 40"/>
+          <p:cNvSpPr/>
+          <p:nvPr/>
+        </p:nvSpPr>
+        <p:spPr>
+          <a:xfrm>
+            <a:off x="1713470" y="2951708"/>
+            <a:ext cx="1112108" cy="249674"/>
+          </a:xfrm>
+          <a:prstGeom prst="rect">
+            <a:avLst/>
+          </a:prstGeom>
+          <a:solidFill>
+            <a:schemeClr val="bg1"/>
+          </a:solidFill>
+          <a:ln>
+            <a:solidFill>
+              <a:schemeClr val="tx1"/>
+            </a:solidFill>
+          </a:ln>
+        </p:spPr>
+        <p:style>
+          <a:lnRef idx="2">
+            <a:schemeClr val="accent1">
+              <a:shade val="50000"/>
+            </a:schemeClr>
+          </a:lnRef>
+          <a:fillRef idx="1">
+            <a:schemeClr val="accent1"/>
+          </a:fillRef>
+          <a:effectRef idx="0">
+            <a:schemeClr val="accent1"/>
+          </a:effectRef>
+          <a:fontRef idx="minor">
+            <a:schemeClr val="lt1"/>
+          </a:fontRef>
+        </p:style>
+        <p:txBody>
+          <a:bodyPr rtlCol="0" anchor="ctr"/>
+          <a:lstStyle/>
+          <a:p>
+            <a:r>
+              <a:rPr lang="ko-KR" altLang="en-US" sz="1000" smtClean="0">
+                <a:solidFill>
+                  <a:schemeClr val="tx1"/>
+                </a:solidFill>
+              </a:rPr>
+              <a:t>전체</a:t>
+            </a:r>
+            <a:endParaRPr lang="ko-KR" altLang="en-US" sz="1000" dirty="0">
+              <a:solidFill>
+                <a:schemeClr val="tx1"/>
+              </a:solidFill>
+            </a:endParaRPr>
+          </a:p>
+        </p:txBody>
+      </p:sp>
+      <p:sp>
+        <p:nvSpPr>
+          <p:cNvPr id="42" name="아래쪽 화살표 41"/>
+          <p:cNvSpPr/>
+          <p:nvPr/>
+        </p:nvSpPr>
+        <p:spPr>
+          <a:xfrm>
+            <a:off x="2619635" y="3023286"/>
+            <a:ext cx="131805" cy="123568"/>
+          </a:xfrm>
+          <a:prstGeom prst="downArrow">
+            <a:avLst/>
+          </a:prstGeom>
+          <a:solidFill>
+            <a:schemeClr val="bg1"/>
+          </a:solidFill>
+          <a:ln>
+            <a:solidFill>
+              <a:schemeClr val="tx1"/>
+            </a:solidFill>
+          </a:ln>
+        </p:spPr>
+        <p:style>
+          <a:lnRef idx="2">
+            <a:schemeClr val="accent1">
+              <a:shade val="50000"/>
+            </a:schemeClr>
+          </a:lnRef>
+          <a:fillRef idx="1">
+            <a:schemeClr val="accent1"/>
+          </a:fillRef>
+          <a:effectRef idx="0">
+            <a:schemeClr val="accent1"/>
+          </a:effectRef>
+          <a:fontRef idx="minor">
+            <a:schemeClr val="lt1"/>
+          </a:fontRef>
+        </p:style>
+        <p:txBody>
+          <a:bodyPr rtlCol="0" anchor="ctr"/>
+          <a:lstStyle/>
+          <a:p>
+            <a:pPr algn="ctr"/>
+            <a:endParaRPr lang="ko-KR" altLang="en-US"/>
+          </a:p>
+        </p:txBody>
+      </p:sp>
+      <p:sp>
+        <p:nvSpPr>
+          <p:cNvPr id="43" name="직사각형 42"/>
+          <p:cNvSpPr/>
+          <p:nvPr/>
+        </p:nvSpPr>
+        <p:spPr>
+          <a:xfrm>
+            <a:off x="6911548" y="5459256"/>
+            <a:ext cx="464612" cy="249674"/>
+          </a:xfrm>
+          <a:prstGeom prst="rect">
+            <a:avLst/>
+          </a:prstGeom>
+          <a:solidFill>
+            <a:schemeClr val="tx1"/>
+          </a:solidFill>
+          <a:ln>
+            <a:solidFill>
+              <a:schemeClr val="tx1"/>
+            </a:solidFill>
+          </a:ln>
+        </p:spPr>
+        <p:style>
+          <a:lnRef idx="2">
+            <a:schemeClr val="accent1">
+              <a:shade val="50000"/>
+            </a:schemeClr>
+          </a:lnRef>
+          <a:fillRef idx="1">
+            <a:schemeClr val="accent1"/>
+          </a:fillRef>
+          <a:effectRef idx="0">
+            <a:schemeClr val="accent1"/>
+          </a:effectRef>
+          <a:fontRef idx="minor">
+            <a:schemeClr val="lt1"/>
+          </a:fontRef>
+        </p:style>
+        <p:txBody>
+          <a:bodyPr rtlCol="0" anchor="ctr"/>
+          <a:lstStyle/>
+          <a:p>
+            <a:pPr algn="ctr"/>
+            <a:r>
+              <a:rPr lang="ko-KR" altLang="en-US" sz="1000" smtClean="0">
+                <a:solidFill>
+                  <a:schemeClr val="bg1"/>
+                </a:solidFill>
+              </a:rPr>
+              <a:t>등록</a:t>
+            </a:r>
+            <a:endParaRPr lang="ko-KR" altLang="en-US" sz="1000" dirty="0">
+              <a:solidFill>
+                <a:schemeClr val="bg1"/>
+              </a:solidFill>
+            </a:endParaRPr>
+          </a:p>
+        </p:txBody>
+      </p:sp>
+      <p:sp>
+        <p:nvSpPr>
+          <p:cNvPr id="5" name="직사각형 4"/>
+          <p:cNvSpPr/>
+          <p:nvPr/>
+        </p:nvSpPr>
+        <p:spPr>
+          <a:xfrm>
+            <a:off x="2035458" y="2853408"/>
+            <a:ext cx="5108396" cy="2855521"/>
+          </a:xfrm>
+          <a:prstGeom prst="rect">
+            <a:avLst/>
+          </a:prstGeom>
+          <a:solidFill>
+            <a:schemeClr val="bg1"/>
+          </a:solidFill>
+          <a:ln>
+            <a:solidFill>
+              <a:schemeClr val="tx1"/>
+            </a:solidFill>
+          </a:ln>
+        </p:spPr>
+        <p:style>
+          <a:lnRef idx="2">
+            <a:schemeClr val="accent1">
+              <a:shade val="50000"/>
+            </a:schemeClr>
+          </a:lnRef>
+          <a:fillRef idx="1">
+            <a:schemeClr val="accent1"/>
+          </a:fillRef>
+          <a:effectRef idx="0">
+            <a:schemeClr val="accent1"/>
+          </a:effectRef>
+          <a:fontRef idx="minor">
+            <a:schemeClr val="lt1"/>
+          </a:fontRef>
+        </p:style>
+        <p:txBody>
+          <a:bodyPr rtlCol="0" anchor="t"/>
+          <a:lstStyle/>
+          <a:p>
+            <a:r>
+              <a:rPr lang="ko-KR" altLang="en-US" smtClean="0">
+                <a:solidFill>
+                  <a:schemeClr val="tx1"/>
+                </a:solidFill>
+              </a:rPr>
+              <a:t>상품 등록</a:t>
+            </a:r>
+            <a:endParaRPr lang="ko-KR" altLang="en-US">
+              <a:solidFill>
+                <a:schemeClr val="tx1"/>
+              </a:solidFill>
+            </a:endParaRPr>
+          </a:p>
+        </p:txBody>
+      </p:sp>
+      <p:sp>
+        <p:nvSpPr>
+          <p:cNvPr id="39" name="직사각형 38"/>
+          <p:cNvSpPr/>
+          <p:nvPr/>
+        </p:nvSpPr>
+        <p:spPr>
+          <a:xfrm>
+            <a:off x="2848295" y="3308012"/>
+            <a:ext cx="1793727" cy="227830"/>
+          </a:xfrm>
+          <a:prstGeom prst="rect">
+            <a:avLst/>
+          </a:prstGeom>
+          <a:solidFill>
+            <a:schemeClr val="bg1"/>
+          </a:solidFill>
+          <a:ln>
+            <a:solidFill>
+              <a:schemeClr val="tx1"/>
+            </a:solidFill>
+          </a:ln>
+        </p:spPr>
+        <p:style>
+          <a:lnRef idx="2">
+            <a:schemeClr val="accent1">
+              <a:shade val="50000"/>
+            </a:schemeClr>
+          </a:lnRef>
+          <a:fillRef idx="1">
+            <a:schemeClr val="accent1"/>
+          </a:fillRef>
+          <a:effectRef idx="0">
+            <a:schemeClr val="accent1"/>
+          </a:effectRef>
+          <a:fontRef idx="minor">
+            <a:schemeClr val="lt1"/>
+          </a:fontRef>
+        </p:style>
+        <p:txBody>
+          <a:bodyPr rtlCol="0" anchor="ctr"/>
+          <a:lstStyle/>
+          <a:p>
+            <a:r>
+              <a:rPr lang="ko-KR" altLang="en-US" sz="900" smtClean="0">
+                <a:solidFill>
+                  <a:schemeClr val="bg1">
+                    <a:lumMod val="75000"/>
+                  </a:schemeClr>
+                </a:solidFill>
+              </a:rPr>
+              <a:t>상품</a:t>
+            </a:r>
+            <a:r>
+              <a:rPr lang="ko-KR" altLang="en-US" sz="900">
+                <a:solidFill>
+                  <a:schemeClr val="bg1">
+                    <a:lumMod val="75000"/>
+                  </a:schemeClr>
+                </a:solidFill>
+              </a:rPr>
+              <a:t>명</a:t>
+            </a:r>
+            <a:endParaRPr lang="ko-KR" altLang="en-US" sz="900" dirty="0">
+              <a:solidFill>
+                <a:schemeClr val="bg1">
+                  <a:lumMod val="75000"/>
+                </a:schemeClr>
+              </a:solidFill>
+            </a:endParaRPr>
+          </a:p>
+        </p:txBody>
+      </p:sp>
+      <p:sp>
+        <p:nvSpPr>
+          <p:cNvPr id="56" name="TextBox 55"/>
+          <p:cNvSpPr txBox="1"/>
+          <p:nvPr/>
+        </p:nvSpPr>
+        <p:spPr>
+          <a:xfrm>
+            <a:off x="2129504" y="3305009"/>
+            <a:ext cx="621935" cy="230832"/>
+          </a:xfrm>
+          <a:prstGeom prst="rect">
+            <a:avLst/>
+          </a:prstGeom>
+          <a:noFill/>
+        </p:spPr>
+        <p:txBody>
+          <a:bodyPr wrap="square" rtlCol="0">
+            <a:spAutoFit/>
+          </a:bodyPr>
+          <a:lstStyle/>
+          <a:p>
+            <a:r>
+              <a:rPr lang="ko-KR" altLang="en-US" sz="900" smtClean="0"/>
+              <a:t>상품명</a:t>
+            </a:r>
+            <a:endParaRPr lang="ko-KR" altLang="en-US" sz="900" dirty="0"/>
+          </a:p>
+        </p:txBody>
+      </p:sp>
+      <p:sp>
+        <p:nvSpPr>
+          <p:cNvPr id="57" name="TextBox 56"/>
+          <p:cNvSpPr txBox="1"/>
+          <p:nvPr/>
+        </p:nvSpPr>
+        <p:spPr>
+          <a:xfrm>
+            <a:off x="3219295" y="2970550"/>
+            <a:ext cx="847608" cy="230832"/>
+          </a:xfrm>
+          <a:prstGeom prst="rect">
+            <a:avLst/>
+          </a:prstGeom>
+          <a:noFill/>
+        </p:spPr>
+        <p:txBody>
+          <a:bodyPr wrap="square" rtlCol="0">
+            <a:spAutoFit/>
+          </a:bodyPr>
+          <a:lstStyle/>
+          <a:p>
+            <a:pPr algn="ctr"/>
+            <a:r>
+              <a:rPr lang="ko-KR" altLang="en-US" sz="900" smtClean="0"/>
+              <a:t>조립컴퓨터</a:t>
+            </a:r>
+            <a:endParaRPr lang="ko-KR" altLang="en-US" sz="900" dirty="0"/>
+          </a:p>
+        </p:txBody>
+      </p:sp>
+      <p:sp>
+        <p:nvSpPr>
+          <p:cNvPr id="58" name="TextBox 57"/>
+          <p:cNvSpPr txBox="1"/>
+          <p:nvPr/>
+        </p:nvSpPr>
+        <p:spPr>
+          <a:xfrm>
+            <a:off x="3970038" y="2970550"/>
+            <a:ext cx="847608" cy="230832"/>
+          </a:xfrm>
+          <a:prstGeom prst="rect">
+            <a:avLst/>
+          </a:prstGeom>
+          <a:noFill/>
+        </p:spPr>
+        <p:txBody>
+          <a:bodyPr wrap="square" rtlCol="0">
+            <a:spAutoFit/>
+          </a:bodyPr>
+          <a:lstStyle/>
+          <a:p>
+            <a:pPr algn="ctr"/>
+            <a:r>
+              <a:rPr lang="ko-KR" altLang="en-US" sz="900" b="1" smtClean="0"/>
+              <a:t>컴퓨터부품</a:t>
+            </a:r>
+            <a:endParaRPr lang="ko-KR" altLang="en-US" sz="900" b="1" dirty="0"/>
+          </a:p>
+        </p:txBody>
+      </p:sp>
+      <p:sp>
+        <p:nvSpPr>
+          <p:cNvPr id="59" name="직사각형 58"/>
+          <p:cNvSpPr/>
+          <p:nvPr/>
+        </p:nvSpPr>
+        <p:spPr>
+          <a:xfrm>
+            <a:off x="2848295" y="3604924"/>
+            <a:ext cx="1793727" cy="227830"/>
+          </a:xfrm>
+          <a:prstGeom prst="rect">
+            <a:avLst/>
+          </a:prstGeom>
+          <a:solidFill>
+            <a:schemeClr val="bg1"/>
+          </a:solidFill>
+          <a:ln>
+            <a:solidFill>
+              <a:schemeClr val="tx1"/>
+            </a:solidFill>
+          </a:ln>
+        </p:spPr>
+        <p:style>
+          <a:lnRef idx="2">
+            <a:schemeClr val="accent1">
+              <a:shade val="50000"/>
+            </a:schemeClr>
+          </a:lnRef>
+          <a:fillRef idx="1">
+            <a:schemeClr val="accent1"/>
+          </a:fillRef>
+          <a:effectRef idx="0">
+            <a:schemeClr val="accent1"/>
+          </a:effectRef>
+          <a:fontRef idx="minor">
+            <a:schemeClr val="lt1"/>
+          </a:fontRef>
+        </p:style>
+        <p:txBody>
+          <a:bodyPr rtlCol="0" anchor="ctr"/>
+          <a:lstStyle/>
+          <a:p>
+            <a:r>
+              <a:rPr lang="ko-KR" altLang="en-US" sz="900" smtClean="0">
+                <a:solidFill>
+                  <a:schemeClr val="bg1">
+                    <a:lumMod val="75000"/>
+                  </a:schemeClr>
+                </a:solidFill>
+              </a:rPr>
+              <a:t>상품분류</a:t>
+            </a:r>
+            <a:endParaRPr lang="ko-KR" altLang="en-US" sz="900" dirty="0">
+              <a:solidFill>
+                <a:schemeClr val="bg1">
+                  <a:lumMod val="75000"/>
+                </a:schemeClr>
+              </a:solidFill>
+            </a:endParaRPr>
+          </a:p>
+        </p:txBody>
+      </p:sp>
+      <p:sp>
+        <p:nvSpPr>
+          <p:cNvPr id="60" name="TextBox 59"/>
+          <p:cNvSpPr txBox="1"/>
+          <p:nvPr/>
+        </p:nvSpPr>
+        <p:spPr>
+          <a:xfrm>
+            <a:off x="2129504" y="3601921"/>
+            <a:ext cx="696074" cy="230832"/>
+          </a:xfrm>
+          <a:prstGeom prst="rect">
+            <a:avLst/>
+          </a:prstGeom>
+          <a:noFill/>
+        </p:spPr>
+        <p:txBody>
+          <a:bodyPr wrap="square" rtlCol="0">
+            <a:spAutoFit/>
+          </a:bodyPr>
+          <a:lstStyle/>
+          <a:p>
+            <a:r>
+              <a:rPr lang="ko-KR" altLang="en-US" sz="900" smtClean="0"/>
+              <a:t>상품분류</a:t>
+            </a:r>
+            <a:endParaRPr lang="ko-KR" altLang="en-US" sz="900" dirty="0"/>
+          </a:p>
+        </p:txBody>
+      </p:sp>
+      <p:sp>
+        <p:nvSpPr>
+          <p:cNvPr id="6" name="직사각형 5"/>
+          <p:cNvSpPr/>
+          <p:nvPr/>
+        </p:nvSpPr>
+        <p:spPr>
+          <a:xfrm>
+            <a:off x="4806069" y="3305009"/>
+            <a:ext cx="2038868" cy="1987660"/>
+          </a:xfrm>
+          <a:prstGeom prst="rect">
+            <a:avLst/>
+          </a:prstGeom>
+          <a:solidFill>
+            <a:schemeClr val="bg1"/>
+          </a:solidFill>
+          <a:ln>
+            <a:solidFill>
+              <a:schemeClr val="tx1"/>
+            </a:solidFill>
+          </a:ln>
+        </p:spPr>
+        <p:style>
+          <a:lnRef idx="2">
+            <a:schemeClr val="accent1">
+              <a:shade val="50000"/>
+            </a:schemeClr>
+          </a:lnRef>
+          <a:fillRef idx="1">
+            <a:schemeClr val="accent1"/>
+          </a:fillRef>
+          <a:effectRef idx="0">
+            <a:schemeClr val="accent1"/>
+          </a:effectRef>
+          <a:fontRef idx="minor">
+            <a:schemeClr val="lt1"/>
+          </a:fontRef>
+        </p:style>
+        <p:txBody>
+          <a:bodyPr rtlCol="0" anchor="ctr"/>
+          <a:lstStyle/>
+          <a:p>
+            <a:pPr algn="ctr"/>
+            <a:r>
+              <a:rPr lang="ko-KR" altLang="en-US" smtClean="0">
+                <a:solidFill>
+                  <a:schemeClr val="tx1"/>
+                </a:solidFill>
+              </a:rPr>
+              <a:t>상품</a:t>
+            </a:r>
+            <a:endParaRPr lang="en-US" altLang="ko-KR" smtClean="0">
+              <a:solidFill>
+                <a:schemeClr val="tx1"/>
+              </a:solidFill>
+            </a:endParaRPr>
+          </a:p>
+          <a:p>
+            <a:pPr algn="ctr"/>
+            <a:r>
+              <a:rPr lang="ko-KR" altLang="en-US" smtClean="0">
+                <a:solidFill>
+                  <a:schemeClr val="tx1"/>
+                </a:solidFill>
+              </a:rPr>
+              <a:t>이미지등록</a:t>
+            </a:r>
+            <a:endParaRPr lang="ko-KR" altLang="en-US">
+              <a:solidFill>
+                <a:schemeClr val="tx1"/>
+              </a:solidFill>
+            </a:endParaRPr>
+          </a:p>
+        </p:txBody>
+      </p:sp>
+      <p:sp>
+        <p:nvSpPr>
+          <p:cNvPr id="74" name="직사각형 73"/>
+          <p:cNvSpPr/>
+          <p:nvPr/>
+        </p:nvSpPr>
+        <p:spPr>
+          <a:xfrm>
+            <a:off x="4177410" y="5363179"/>
+            <a:ext cx="464612" cy="249674"/>
+          </a:xfrm>
+          <a:prstGeom prst="rect">
+            <a:avLst/>
+          </a:prstGeom>
+          <a:solidFill>
+            <a:schemeClr val="tx1"/>
+          </a:solidFill>
+          <a:ln>
+            <a:solidFill>
+              <a:schemeClr val="tx1"/>
+            </a:solidFill>
+          </a:ln>
+        </p:spPr>
+        <p:style>
+          <a:lnRef idx="2">
+            <a:schemeClr val="accent1">
+              <a:shade val="50000"/>
+            </a:schemeClr>
+          </a:lnRef>
+          <a:fillRef idx="1">
+            <a:schemeClr val="accent1"/>
+          </a:fillRef>
+          <a:effectRef idx="0">
+            <a:schemeClr val="accent1"/>
+          </a:effectRef>
+          <a:fontRef idx="minor">
+            <a:schemeClr val="lt1"/>
+          </a:fontRef>
+        </p:style>
+        <p:txBody>
+          <a:bodyPr rtlCol="0" anchor="ctr"/>
+          <a:lstStyle/>
+          <a:p>
+            <a:pPr algn="ctr"/>
+            <a:r>
+              <a:rPr lang="ko-KR" altLang="en-US" sz="1000" smtClean="0">
+                <a:solidFill>
+                  <a:schemeClr val="bg1"/>
+                </a:solidFill>
+              </a:rPr>
+              <a:t>등록</a:t>
+            </a:r>
+            <a:endParaRPr lang="ko-KR" altLang="en-US" sz="1000" dirty="0">
+              <a:solidFill>
+                <a:schemeClr val="bg1"/>
+              </a:solidFill>
+            </a:endParaRPr>
+          </a:p>
+        </p:txBody>
+      </p:sp>
+      <p:sp>
+        <p:nvSpPr>
+          <p:cNvPr id="75" name="직사각형 74"/>
+          <p:cNvSpPr/>
+          <p:nvPr/>
+        </p:nvSpPr>
+        <p:spPr>
+          <a:xfrm>
+            <a:off x="4756996" y="5363179"/>
+            <a:ext cx="464612" cy="249674"/>
+          </a:xfrm>
+          <a:prstGeom prst="rect">
+            <a:avLst/>
+          </a:prstGeom>
+          <a:solidFill>
+            <a:schemeClr val="tx1"/>
+          </a:solidFill>
+          <a:ln>
+            <a:solidFill>
+              <a:schemeClr val="tx1"/>
+            </a:solidFill>
+          </a:ln>
+        </p:spPr>
+        <p:style>
+          <a:lnRef idx="2">
+            <a:schemeClr val="accent1">
+              <a:shade val="50000"/>
+            </a:schemeClr>
+          </a:lnRef>
+          <a:fillRef idx="1">
+            <a:schemeClr val="accent1"/>
+          </a:fillRef>
+          <a:effectRef idx="0">
+            <a:schemeClr val="accent1"/>
+          </a:effectRef>
+          <a:fontRef idx="minor">
+            <a:schemeClr val="lt1"/>
+          </a:fontRef>
+        </p:style>
+        <p:txBody>
+          <a:bodyPr rtlCol="0" anchor="ctr"/>
+          <a:lstStyle/>
+          <a:p>
+            <a:pPr algn="ctr"/>
+            <a:r>
+              <a:rPr lang="ko-KR" altLang="en-US" sz="1000" smtClean="0">
+                <a:solidFill>
+                  <a:schemeClr val="bg1"/>
+                </a:solidFill>
+              </a:rPr>
+              <a:t>취소</a:t>
+            </a:r>
+            <a:endParaRPr lang="ko-KR" altLang="en-US" sz="1000" dirty="0">
+              <a:solidFill>
+                <a:schemeClr val="bg1"/>
+              </a:solidFill>
+            </a:endParaRPr>
+          </a:p>
+        </p:txBody>
+      </p:sp>
+    </p:spTree>
+    <p:extLst>
+      <p:ext uri="{BB962C8B-B14F-4D97-AF65-F5344CB8AC3E}">
+        <p14:creationId xmlns:p14="http://schemas.microsoft.com/office/powerpoint/2010/main" val="617683220"/>
+      </p:ext>
+    </p:extLst>
+  </p:cSld>
+  <p:clrMapOvr>
+    <a:masterClrMapping/>
+  </p:clrMapOvr>
+</p:sld>
+</file>
+
+<file path=ppt/slides/slide22.xml><?xml version="1.0" encoding="utf-8"?>
+<p:sld xmlns:a="http://schemas.openxmlformats.org/drawingml/2006/main" xmlns:r="http://schemas.openxmlformats.org/officeDocument/2006/relationships" xmlns:p="http://schemas.openxmlformats.org/presentationml/2006/main">
+  <p:cSld>
+    <p:spTree>
+      <p:nvGrpSpPr>
+        <p:cNvPr id="1" name=""/>
+        <p:cNvGrpSpPr/>
+        <p:nvPr/>
+      </p:nvGrpSpPr>
+      <p:grpSpPr>
+        <a:xfrm>
+          <a:off x="0" y="0"/>
+          <a:ext cx="0" cy="0"/>
+          <a:chOff x="0" y="0"/>
+          <a:chExt cx="0" cy="0"/>
+        </a:xfrm>
+      </p:grpSpPr>
+      <p:grpSp>
+        <p:nvGrpSpPr>
+          <p:cNvPr id="4" name="그룹 3"/>
+          <p:cNvGrpSpPr/>
+          <p:nvPr/>
+        </p:nvGrpSpPr>
+        <p:grpSpPr>
+          <a:xfrm>
+            <a:off x="152400" y="83680"/>
+            <a:ext cx="11903770" cy="6774320"/>
+            <a:chOff x="152400" y="83680"/>
+            <a:chExt cx="11903770" cy="6774320"/>
+          </a:xfrm>
+        </p:grpSpPr>
+        <p:sp>
+          <p:nvSpPr>
+            <p:cNvPr id="68" name="양쪽 모서리가 둥근 사각형 67"/>
+            <p:cNvSpPr/>
+            <p:nvPr/>
+          </p:nvSpPr>
+          <p:spPr>
+            <a:xfrm>
+              <a:off x="338203" y="83680"/>
+              <a:ext cx="11548997" cy="6482219"/>
+            </a:xfrm>
+            <a:prstGeom prst="round2SameRect">
+              <a:avLst>
+                <a:gd name="adj1" fmla="val 4566"/>
+                <a:gd name="adj2" fmla="val 0"/>
+              </a:avLst>
+            </a:prstGeom>
+            <a:pattFill prst="ltDnDiag">
+              <a:fgClr>
+                <a:schemeClr val="bg1">
+                  <a:lumMod val="75000"/>
+                </a:schemeClr>
+              </a:fgClr>
+              <a:bgClr>
+                <a:schemeClr val="bg1">
+                  <a:lumMod val="95000"/>
+                </a:schemeClr>
+              </a:bgClr>
+            </a:pattFill>
+            <a:ln w="28575">
+              <a:solidFill>
+                <a:schemeClr val="bg1">
+                  <a:lumMod val="50000"/>
+                </a:schemeClr>
+              </a:solidFill>
+            </a:ln>
+          </p:spPr>
+          <p:style>
+            <a:lnRef idx="2">
+              <a:schemeClr val="accent1">
+                <a:shade val="50000"/>
+              </a:schemeClr>
+            </a:lnRef>
+            <a:fillRef idx="1">
+              <a:schemeClr val="accent1"/>
+            </a:fillRef>
+            <a:effectRef idx="0">
+              <a:schemeClr val="accent1"/>
+            </a:effectRef>
+            <a:fontRef idx="minor">
+              <a:schemeClr val="lt1"/>
+            </a:fontRef>
+          </p:style>
+          <p:txBody>
+            <a:bodyPr rtlCol="0" anchor="ctr"/>
+            <a:lstStyle/>
+            <a:p>
+              <a:pPr algn="ctr"/>
+              <a:endParaRPr lang="ko-KR" altLang="en-US"/>
+            </a:p>
+          </p:txBody>
+        </p:sp>
+        <p:sp>
+          <p:nvSpPr>
+            <p:cNvPr id="69" name="양쪽 모서리가 둥근 사각형 68"/>
+            <p:cNvSpPr/>
+            <p:nvPr/>
+          </p:nvSpPr>
+          <p:spPr>
+            <a:xfrm>
+              <a:off x="524266" y="241300"/>
+              <a:ext cx="11176871" cy="6133424"/>
+            </a:xfrm>
+            <a:prstGeom prst="round2SameRect">
+              <a:avLst>
+                <a:gd name="adj1" fmla="val 3284"/>
+                <a:gd name="adj2" fmla="val 0"/>
+              </a:avLst>
+            </a:prstGeom>
+            <a:solidFill>
+              <a:schemeClr val="bg1"/>
+            </a:solidFill>
+            <a:ln w="19050">
+              <a:solidFill>
+                <a:schemeClr val="bg1">
+                  <a:lumMod val="50000"/>
+                </a:schemeClr>
+              </a:solidFill>
+            </a:ln>
+          </p:spPr>
+          <p:style>
+            <a:lnRef idx="2">
+              <a:schemeClr val="accent1">
+                <a:shade val="50000"/>
+              </a:schemeClr>
+            </a:lnRef>
+            <a:fillRef idx="1">
+              <a:schemeClr val="accent1"/>
+            </a:fillRef>
+            <a:effectRef idx="0">
+              <a:schemeClr val="accent1"/>
+            </a:effectRef>
+            <a:fontRef idx="minor">
+              <a:schemeClr val="lt1"/>
+            </a:fontRef>
+          </p:style>
+          <p:txBody>
+            <a:bodyPr rtlCol="0" anchor="ctr"/>
+            <a:lstStyle/>
+            <a:p>
+              <a:pPr algn="ctr"/>
+              <a:endParaRPr lang="ko-KR" altLang="en-US"/>
+            </a:p>
+          </p:txBody>
+        </p:sp>
+        <p:sp>
+          <p:nvSpPr>
+            <p:cNvPr id="84" name="양쪽 모서리가 둥근 사각형 83"/>
+            <p:cNvSpPr/>
+            <p:nvPr/>
+          </p:nvSpPr>
+          <p:spPr>
+            <a:xfrm rot="16200000">
+              <a:off x="1176083" y="5641873"/>
+              <a:ext cx="108000" cy="1798840"/>
+            </a:xfrm>
+            <a:prstGeom prst="round2SameRect">
+              <a:avLst>
+                <a:gd name="adj1" fmla="val 19304"/>
+                <a:gd name="adj2" fmla="val 0"/>
+              </a:avLst>
+            </a:prstGeom>
+            <a:gradFill flip="none" rotWithShape="1">
+              <a:gsLst>
+                <a:gs pos="17000">
+                  <a:schemeClr val="bg1">
+                    <a:lumMod val="50000"/>
+                  </a:schemeClr>
+                </a:gs>
+                <a:gs pos="59000">
+                  <a:schemeClr val="bg1">
+                    <a:shade val="100000"/>
+                    <a:satMod val="115000"/>
+                  </a:schemeClr>
+                </a:gs>
+              </a:gsLst>
+              <a:lin ang="0" scaled="1"/>
+              <a:tileRect/>
+            </a:gradFill>
+            <a:ln w="19050">
+              <a:solidFill>
+                <a:schemeClr val="bg1">
+                  <a:lumMod val="50000"/>
+                </a:schemeClr>
+              </a:solidFill>
+            </a:ln>
+          </p:spPr>
+          <p:style>
+            <a:lnRef idx="2">
+              <a:schemeClr val="accent1">
+                <a:shade val="50000"/>
+              </a:schemeClr>
+            </a:lnRef>
+            <a:fillRef idx="1">
+              <a:schemeClr val="accent1"/>
+            </a:fillRef>
+            <a:effectRef idx="0">
+              <a:schemeClr val="accent1"/>
+            </a:effectRef>
+            <a:fontRef idx="minor">
+              <a:schemeClr val="lt1"/>
+            </a:fontRef>
+          </p:style>
+          <p:txBody>
+            <a:bodyPr rtlCol="0" anchor="ctr"/>
+            <a:lstStyle/>
+            <a:p>
+              <a:pPr algn="ctr"/>
+              <a:endParaRPr lang="ko-KR" altLang="en-US">
+                <a:solidFill>
+                  <a:prstClr val="white"/>
+                </a:solidFill>
+              </a:endParaRPr>
+            </a:p>
+          </p:txBody>
+        </p:sp>
+        <p:sp>
+          <p:nvSpPr>
+            <p:cNvPr id="85" name="양쪽 모서리가 둥근 사각형 84"/>
+            <p:cNvSpPr/>
+            <p:nvPr/>
+          </p:nvSpPr>
+          <p:spPr>
+            <a:xfrm rot="5400000" flipH="1">
+              <a:off x="10930593" y="5641871"/>
+              <a:ext cx="108000" cy="1798840"/>
+            </a:xfrm>
+            <a:prstGeom prst="round2SameRect">
+              <a:avLst>
+                <a:gd name="adj1" fmla="val 19304"/>
+                <a:gd name="adj2" fmla="val 0"/>
+              </a:avLst>
+            </a:prstGeom>
+            <a:gradFill flip="none" rotWithShape="1">
+              <a:gsLst>
+                <a:gs pos="17000">
+                  <a:schemeClr val="bg1">
+                    <a:lumMod val="50000"/>
+                  </a:schemeClr>
+                </a:gs>
+                <a:gs pos="59000">
+                  <a:schemeClr val="bg1">
+                    <a:shade val="100000"/>
+                    <a:satMod val="115000"/>
+                  </a:schemeClr>
+                </a:gs>
+              </a:gsLst>
+              <a:lin ang="0" scaled="1"/>
+              <a:tileRect/>
+            </a:gradFill>
+            <a:ln w="19050">
+              <a:solidFill>
+                <a:schemeClr val="bg1">
+                  <a:lumMod val="50000"/>
+                </a:schemeClr>
+              </a:solidFill>
+            </a:ln>
+          </p:spPr>
+          <p:style>
+            <a:lnRef idx="2">
+              <a:schemeClr val="accent1">
+                <a:shade val="50000"/>
+              </a:schemeClr>
+            </a:lnRef>
+            <a:fillRef idx="1">
+              <a:schemeClr val="accent1"/>
+            </a:fillRef>
+            <a:effectRef idx="0">
+              <a:schemeClr val="accent1"/>
+            </a:effectRef>
+            <a:fontRef idx="minor">
+              <a:schemeClr val="lt1"/>
+            </a:fontRef>
+          </p:style>
+          <p:txBody>
+            <a:bodyPr rtlCol="0" anchor="ctr"/>
+            <a:lstStyle/>
+            <a:p>
+              <a:pPr algn="ctr"/>
+              <a:endParaRPr lang="ko-KR" altLang="en-US">
+                <a:solidFill>
+                  <a:prstClr val="white"/>
+                </a:solidFill>
+              </a:endParaRPr>
+            </a:p>
+          </p:txBody>
+        </p:sp>
+        <p:sp>
+          <p:nvSpPr>
+            <p:cNvPr id="86" name="양쪽 모서리가 둥근 사각형 85"/>
+            <p:cNvSpPr/>
+            <p:nvPr/>
+          </p:nvSpPr>
+          <p:spPr>
+            <a:xfrm rot="16200000">
+              <a:off x="6053339" y="2563457"/>
+              <a:ext cx="108000" cy="7955668"/>
+            </a:xfrm>
+            <a:prstGeom prst="round2SameRect">
+              <a:avLst>
+                <a:gd name="adj1" fmla="val 0"/>
+                <a:gd name="adj2" fmla="val 0"/>
+              </a:avLst>
+            </a:prstGeom>
+            <a:gradFill flip="none" rotWithShape="1">
+              <a:gsLst>
+                <a:gs pos="17000">
+                  <a:schemeClr val="bg1">
+                    <a:lumMod val="50000"/>
+                  </a:schemeClr>
+                </a:gs>
+                <a:gs pos="59000">
+                  <a:schemeClr val="bg1">
+                    <a:shade val="100000"/>
+                    <a:satMod val="115000"/>
+                  </a:schemeClr>
+                </a:gs>
+              </a:gsLst>
+              <a:lin ang="0" scaled="1"/>
+              <a:tileRect/>
+            </a:gradFill>
+            <a:ln w="19050">
+              <a:solidFill>
+                <a:schemeClr val="bg1">
+                  <a:lumMod val="50000"/>
+                </a:schemeClr>
+              </a:solidFill>
+            </a:ln>
+          </p:spPr>
+          <p:style>
+            <a:lnRef idx="2">
+              <a:schemeClr val="accent1">
+                <a:shade val="50000"/>
+              </a:schemeClr>
+            </a:lnRef>
+            <a:fillRef idx="1">
+              <a:schemeClr val="accent1"/>
+            </a:fillRef>
+            <a:effectRef idx="0">
+              <a:schemeClr val="accent1"/>
+            </a:effectRef>
+            <a:fontRef idx="minor">
+              <a:schemeClr val="lt1"/>
+            </a:fontRef>
+          </p:style>
+          <p:txBody>
+            <a:bodyPr rtlCol="0" anchor="ctr"/>
+            <a:lstStyle/>
+            <a:p>
+              <a:pPr algn="ctr"/>
+              <a:endParaRPr lang="ko-KR" altLang="en-US">
+                <a:solidFill>
+                  <a:prstClr val="white"/>
+                </a:solidFill>
+              </a:endParaRPr>
+            </a:p>
+          </p:txBody>
+        </p:sp>
+        <p:sp>
+          <p:nvSpPr>
+            <p:cNvPr id="14" name="자유형 13"/>
+            <p:cNvSpPr/>
+            <p:nvPr/>
+          </p:nvSpPr>
+          <p:spPr>
+            <a:xfrm>
+              <a:off x="158507" y="6590451"/>
+              <a:ext cx="11897663" cy="267549"/>
+            </a:xfrm>
+            <a:custGeom>
+              <a:avLst/>
+              <a:gdLst>
+                <a:gd name="connsiteX0" fmla="*/ 195955 w 11897663"/>
+                <a:gd name="connsiteY0" fmla="*/ 0 h 267549"/>
+                <a:gd name="connsiteX1" fmla="*/ 11701708 w 11897663"/>
+                <a:gd name="connsiteY1" fmla="*/ 0 h 267549"/>
+                <a:gd name="connsiteX2" fmla="*/ 11897663 w 11897663"/>
+                <a:gd name="connsiteY2" fmla="*/ 267549 h 267549"/>
+                <a:gd name="connsiteX3" fmla="*/ 0 w 11897663"/>
+                <a:gd name="connsiteY3" fmla="*/ 267549 h 267549"/>
+              </a:gdLst>
+              <a:ahLst/>
+              <a:cxnLst>
+                <a:cxn ang="0">
+                  <a:pos x="connsiteX0" y="connsiteY0"/>
+                </a:cxn>
+                <a:cxn ang="0">
+                  <a:pos x="connsiteX1" y="connsiteY1"/>
+                </a:cxn>
+                <a:cxn ang="0">
+                  <a:pos x="connsiteX2" y="connsiteY2"/>
+                </a:cxn>
+                <a:cxn ang="0">
+                  <a:pos x="connsiteX3" y="connsiteY3"/>
+                </a:cxn>
+              </a:cxnLst>
+              <a:rect l="l" t="t" r="r" b="b"/>
+              <a:pathLst>
+                <a:path w="11897663" h="267549">
+                  <a:moveTo>
+                    <a:pt x="195955" y="0"/>
+                  </a:moveTo>
+                  <a:lnTo>
+                    <a:pt x="11701708" y="0"/>
+                  </a:lnTo>
+                  <a:lnTo>
+                    <a:pt x="11897663" y="267549"/>
+                  </a:lnTo>
+                  <a:lnTo>
+                    <a:pt x="0" y="267549"/>
+                  </a:lnTo>
+                  <a:close/>
+                </a:path>
+              </a:pathLst>
+            </a:custGeom>
+            <a:solidFill>
+              <a:schemeClr val="bg1"/>
+            </a:solidFill>
+            <a:ln w="19050">
+              <a:solidFill>
+                <a:schemeClr val="bg1">
+                  <a:lumMod val="50000"/>
+                </a:schemeClr>
+              </a:solidFill>
+            </a:ln>
+          </p:spPr>
+          <p:style>
+            <a:lnRef idx="2">
+              <a:schemeClr val="accent1">
+                <a:shade val="50000"/>
+              </a:schemeClr>
+            </a:lnRef>
+            <a:fillRef idx="1">
+              <a:schemeClr val="accent1"/>
+            </a:fillRef>
+            <a:effectRef idx="0">
+              <a:schemeClr val="accent1"/>
+            </a:effectRef>
+            <a:fontRef idx="minor">
+              <a:schemeClr val="lt1"/>
+            </a:fontRef>
+          </p:style>
+          <p:txBody>
+            <a:bodyPr wrap="square" rtlCol="0" anchor="ctr">
+              <a:noAutofit/>
+            </a:bodyPr>
+            <a:lstStyle/>
+            <a:p>
+              <a:pPr algn="ctr"/>
+              <a:endParaRPr lang="ko-KR" altLang="en-US">
+                <a:solidFill>
+                  <a:prstClr val="white"/>
+                </a:solidFill>
+              </a:endParaRPr>
+            </a:p>
+          </p:txBody>
+        </p:sp>
+        <p:sp>
+          <p:nvSpPr>
+            <p:cNvPr id="26" name="자유형 25"/>
+            <p:cNvSpPr/>
+            <p:nvPr/>
+          </p:nvSpPr>
+          <p:spPr>
+            <a:xfrm>
+              <a:off x="152400" y="6565900"/>
+              <a:ext cx="11750381" cy="292100"/>
+            </a:xfrm>
+            <a:custGeom>
+              <a:avLst/>
+              <a:gdLst>
+                <a:gd name="connsiteX0" fmla="*/ 177800 w 11722100"/>
+                <a:gd name="connsiteY0" fmla="*/ 0 h 292100"/>
+                <a:gd name="connsiteX1" fmla="*/ 0 w 11722100"/>
+                <a:gd name="connsiteY1" fmla="*/ 292100 h 292100"/>
+                <a:gd name="connsiteX2" fmla="*/ 11722100 w 11722100"/>
+                <a:gd name="connsiteY2" fmla="*/ 50800 h 292100"/>
+                <a:gd name="connsiteX3" fmla="*/ 177800 w 11722100"/>
+                <a:gd name="connsiteY3" fmla="*/ 0 h 292100"/>
+                <a:gd name="connsiteX0" fmla="*/ 206081 w 11722100"/>
+                <a:gd name="connsiteY0" fmla="*/ 0 h 292100"/>
+                <a:gd name="connsiteX1" fmla="*/ 0 w 11722100"/>
+                <a:gd name="connsiteY1" fmla="*/ 292100 h 292100"/>
+                <a:gd name="connsiteX2" fmla="*/ 11722100 w 11722100"/>
+                <a:gd name="connsiteY2" fmla="*/ 50800 h 292100"/>
+                <a:gd name="connsiteX3" fmla="*/ 206081 w 11722100"/>
+                <a:gd name="connsiteY3" fmla="*/ 0 h 292100"/>
+                <a:gd name="connsiteX0" fmla="*/ 206081 w 11750381"/>
+                <a:gd name="connsiteY0" fmla="*/ 0 h 292100"/>
+                <a:gd name="connsiteX1" fmla="*/ 0 w 11750381"/>
+                <a:gd name="connsiteY1" fmla="*/ 292100 h 292100"/>
+                <a:gd name="connsiteX2" fmla="*/ 11750381 w 11750381"/>
+                <a:gd name="connsiteY2" fmla="*/ 31947 h 292100"/>
+                <a:gd name="connsiteX3" fmla="*/ 206081 w 11750381"/>
+                <a:gd name="connsiteY3" fmla="*/ 0 h 292100"/>
+              </a:gdLst>
+              <a:ahLst/>
+              <a:cxnLst>
+                <a:cxn ang="0">
+                  <a:pos x="connsiteX0" y="connsiteY0"/>
+                </a:cxn>
+                <a:cxn ang="0">
+                  <a:pos x="connsiteX1" y="connsiteY1"/>
+                </a:cxn>
+                <a:cxn ang="0">
+                  <a:pos x="connsiteX2" y="connsiteY2"/>
+                </a:cxn>
+                <a:cxn ang="0">
+                  <a:pos x="connsiteX3" y="connsiteY3"/>
+                </a:cxn>
+              </a:cxnLst>
+              <a:rect l="l" t="t" r="r" b="b"/>
+              <a:pathLst>
+                <a:path w="11750381" h="292100">
+                  <a:moveTo>
+                    <a:pt x="206081" y="0"/>
+                  </a:moveTo>
+                  <a:lnTo>
+                    <a:pt x="0" y="292100"/>
+                  </a:lnTo>
+                  <a:lnTo>
+                    <a:pt x="11750381" y="31947"/>
+                  </a:lnTo>
+                  <a:lnTo>
+                    <a:pt x="206081" y="0"/>
+                  </a:lnTo>
+                  <a:close/>
+                </a:path>
+              </a:pathLst>
+            </a:custGeom>
+            <a:solidFill>
+              <a:schemeClr val="tx1">
+                <a:alpha val="13000"/>
+              </a:schemeClr>
+            </a:solidFill>
+            <a:ln>
+              <a:noFill/>
+            </a:ln>
+          </p:spPr>
+          <p:style>
+            <a:lnRef idx="2">
+              <a:schemeClr val="accent1">
+                <a:shade val="50000"/>
+              </a:schemeClr>
+            </a:lnRef>
+            <a:fillRef idx="1">
+              <a:schemeClr val="accent1"/>
+            </a:fillRef>
+            <a:effectRef idx="0">
+              <a:schemeClr val="accent1"/>
+            </a:effectRef>
+            <a:fontRef idx="minor">
+              <a:schemeClr val="lt1"/>
+            </a:fontRef>
+          </p:style>
+          <p:txBody>
+            <a:bodyPr rtlCol="0" anchor="ctr"/>
+            <a:lstStyle/>
+            <a:p>
+              <a:pPr algn="ctr"/>
+              <a:endParaRPr lang="ko-KR" altLang="en-US"/>
+            </a:p>
+          </p:txBody>
+        </p:sp>
+        <p:sp>
+          <p:nvSpPr>
+            <p:cNvPr id="15" name="모서리가 둥근 직사각형 14"/>
+            <p:cNvSpPr/>
+            <p:nvPr/>
+          </p:nvSpPr>
+          <p:spPr>
+            <a:xfrm>
+              <a:off x="524266" y="6670585"/>
+              <a:ext cx="597524" cy="64121"/>
+            </a:xfrm>
+            <a:prstGeom prst="roundRect">
+              <a:avLst>
+                <a:gd name="adj" fmla="val 50000"/>
+              </a:avLst>
+            </a:prstGeom>
+            <a:solidFill>
+              <a:srgbClr val="00B0F0"/>
+            </a:solidFill>
+            <a:ln>
+              <a:solidFill>
+                <a:schemeClr val="bg1">
+                  <a:lumMod val="50000"/>
+                </a:schemeClr>
+              </a:solidFill>
+            </a:ln>
+          </p:spPr>
+          <p:style>
+            <a:lnRef idx="2">
+              <a:schemeClr val="accent1">
+                <a:shade val="50000"/>
+              </a:schemeClr>
+            </a:lnRef>
+            <a:fillRef idx="1">
+              <a:schemeClr val="accent1"/>
+            </a:fillRef>
+            <a:effectRef idx="0">
+              <a:schemeClr val="accent1"/>
+            </a:effectRef>
+            <a:fontRef idx="minor">
+              <a:schemeClr val="lt1"/>
+            </a:fontRef>
+          </p:style>
+          <p:txBody>
+            <a:bodyPr rtlCol="0" anchor="ctr"/>
+            <a:lstStyle/>
+            <a:p>
+              <a:pPr algn="ctr"/>
+              <a:endParaRPr lang="ko-KR" altLang="en-US"/>
+            </a:p>
+          </p:txBody>
+        </p:sp>
+      </p:grpSp>
+      <p:sp>
+        <p:nvSpPr>
+          <p:cNvPr id="3" name="직사각형 2"/>
+          <p:cNvSpPr/>
+          <p:nvPr/>
+        </p:nvSpPr>
+        <p:spPr>
+          <a:xfrm>
+            <a:off x="8602764" y="1664043"/>
+            <a:ext cx="2811968" cy="4423719"/>
+          </a:xfrm>
+          <a:prstGeom prst="rect">
+            <a:avLst/>
+          </a:prstGeom>
+          <a:solidFill>
+            <a:schemeClr val="bg1"/>
+          </a:solidFill>
+          <a:ln>
+            <a:solidFill>
+              <a:schemeClr val="tx1"/>
+            </a:solidFill>
+          </a:ln>
+        </p:spPr>
+        <p:style>
+          <a:lnRef idx="2">
+            <a:schemeClr val="accent1">
+              <a:shade val="50000"/>
+            </a:schemeClr>
+          </a:lnRef>
+          <a:fillRef idx="1">
+            <a:schemeClr val="accent1"/>
+          </a:fillRef>
+          <a:effectRef idx="0">
+            <a:schemeClr val="accent1"/>
+          </a:effectRef>
+          <a:fontRef idx="minor">
+            <a:schemeClr val="lt1"/>
+          </a:fontRef>
+        </p:style>
+        <p:txBody>
+          <a:bodyPr rtlCol="0" anchor="ctr"/>
+          <a:lstStyle/>
+          <a:p>
+            <a:pPr algn="ctr"/>
+            <a:endParaRPr lang="ko-KR" altLang="en-US"/>
+          </a:p>
+        </p:txBody>
+      </p:sp>
+      <p:sp>
+        <p:nvSpPr>
+          <p:cNvPr id="16" name="직사각형 15"/>
+          <p:cNvSpPr/>
+          <p:nvPr/>
+        </p:nvSpPr>
+        <p:spPr>
+          <a:xfrm>
+            <a:off x="777269" y="1664044"/>
+            <a:ext cx="7569580" cy="4423719"/>
+          </a:xfrm>
+          <a:prstGeom prst="rect">
+            <a:avLst/>
+          </a:prstGeom>
+          <a:solidFill>
+            <a:schemeClr val="bg1"/>
+          </a:solidFill>
+          <a:ln>
+            <a:solidFill>
+              <a:schemeClr val="tx1"/>
+            </a:solidFill>
+          </a:ln>
+        </p:spPr>
+        <p:style>
+          <a:lnRef idx="2">
+            <a:schemeClr val="accent1">
+              <a:shade val="50000"/>
+            </a:schemeClr>
+          </a:lnRef>
+          <a:fillRef idx="1">
+            <a:schemeClr val="accent1"/>
+          </a:fillRef>
+          <a:effectRef idx="0">
+            <a:schemeClr val="accent1"/>
+          </a:effectRef>
+          <a:fontRef idx="minor">
+            <a:schemeClr val="lt1"/>
+          </a:fontRef>
+        </p:style>
+        <p:txBody>
+          <a:bodyPr rtlCol="0" anchor="ctr"/>
+          <a:lstStyle/>
+          <a:p>
+            <a:pPr algn="ctr"/>
+            <a:endParaRPr lang="ko-KR" altLang="en-US"/>
+          </a:p>
+        </p:txBody>
+      </p:sp>
+      <p:sp>
+        <p:nvSpPr>
+          <p:cNvPr id="17" name="직사각형 16"/>
+          <p:cNvSpPr/>
+          <p:nvPr/>
+        </p:nvSpPr>
+        <p:spPr>
+          <a:xfrm>
+            <a:off x="777269" y="1664042"/>
+            <a:ext cx="7569580" cy="398177"/>
+          </a:xfrm>
+          <a:prstGeom prst="rect">
+            <a:avLst/>
+          </a:prstGeom>
+          <a:solidFill>
+            <a:schemeClr val="bg1"/>
+          </a:solidFill>
+          <a:ln>
+            <a:solidFill>
+              <a:schemeClr val="tx1"/>
+            </a:solidFill>
+          </a:ln>
+        </p:spPr>
+        <p:style>
+          <a:lnRef idx="2">
+            <a:schemeClr val="accent1">
+              <a:shade val="50000"/>
+            </a:schemeClr>
+          </a:lnRef>
+          <a:fillRef idx="1">
+            <a:schemeClr val="accent1"/>
+          </a:fillRef>
+          <a:effectRef idx="0">
+            <a:schemeClr val="accent1"/>
+          </a:effectRef>
+          <a:fontRef idx="minor">
+            <a:schemeClr val="lt1"/>
+          </a:fontRef>
+        </p:style>
+        <p:txBody>
+          <a:bodyPr rtlCol="0" anchor="ctr"/>
+          <a:lstStyle/>
+          <a:p>
+            <a:pPr algn="ctr"/>
+            <a:endParaRPr lang="ko-KR" altLang="en-US"/>
+          </a:p>
+        </p:txBody>
+      </p:sp>
+      <p:sp>
+        <p:nvSpPr>
+          <p:cNvPr id="19" name="TextBox 18"/>
+          <p:cNvSpPr txBox="1"/>
+          <p:nvPr/>
+        </p:nvSpPr>
+        <p:spPr>
+          <a:xfrm>
+            <a:off x="5494638" y="1738640"/>
+            <a:ext cx="2833819" cy="246221"/>
+          </a:xfrm>
+          <a:prstGeom prst="rect">
+            <a:avLst/>
+          </a:prstGeom>
+          <a:noFill/>
+        </p:spPr>
+        <p:txBody>
+          <a:bodyPr wrap="square" rtlCol="0">
+            <a:spAutoFit/>
+          </a:bodyPr>
+          <a:lstStyle/>
+          <a:p>
+            <a:pPr algn="r"/>
+            <a:r>
+              <a:rPr lang="ko-KR" altLang="en-US" sz="1000" dirty="0" smtClean="0"/>
+              <a:t>로그아웃</a:t>
+            </a:r>
+            <a:endParaRPr lang="ko-KR" altLang="en-US" sz="1000" dirty="0"/>
+          </a:p>
+        </p:txBody>
+      </p:sp>
+      <p:sp>
+        <p:nvSpPr>
+          <p:cNvPr id="20" name="TextBox 19"/>
+          <p:cNvSpPr txBox="1"/>
+          <p:nvPr/>
+        </p:nvSpPr>
+        <p:spPr>
+          <a:xfrm>
+            <a:off x="885586" y="1739098"/>
+            <a:ext cx="2207742" cy="246221"/>
+          </a:xfrm>
+          <a:prstGeom prst="rect">
+            <a:avLst/>
+          </a:prstGeom>
+          <a:noFill/>
+        </p:spPr>
+        <p:txBody>
+          <a:bodyPr wrap="square" rtlCol="0">
+            <a:spAutoFit/>
+          </a:bodyPr>
+          <a:lstStyle/>
+          <a:p>
+            <a:r>
+              <a:rPr lang="ko-KR" altLang="en-US" sz="1000" dirty="0" smtClean="0"/>
+              <a:t>로고</a:t>
+            </a:r>
+            <a:endParaRPr lang="ko-KR" altLang="en-US" sz="1000" dirty="0"/>
+          </a:p>
+        </p:txBody>
+      </p:sp>
+      <p:cxnSp>
+        <p:nvCxnSpPr>
+          <p:cNvPr id="8" name="직선 연결선 7"/>
+          <p:cNvCxnSpPr/>
+          <p:nvPr/>
+        </p:nvCxnSpPr>
+        <p:spPr>
+          <a:xfrm>
+            <a:off x="777269" y="2517203"/>
+            <a:ext cx="7551188" cy="0"/>
+          </a:xfrm>
+          <a:prstGeom prst="line">
+            <a:avLst/>
+          </a:prstGeom>
+          <a:ln>
+            <a:solidFill>
+              <a:schemeClr val="tx1">
+                <a:lumMod val="95000"/>
+                <a:lumOff val="5000"/>
+              </a:schemeClr>
+            </a:solidFill>
+          </a:ln>
+        </p:spPr>
+        <p:style>
+          <a:lnRef idx="1">
+            <a:schemeClr val="accent1"/>
+          </a:lnRef>
+          <a:fillRef idx="0">
+            <a:schemeClr val="accent1"/>
+          </a:fillRef>
+          <a:effectRef idx="0">
+            <a:schemeClr val="accent1"/>
+          </a:effectRef>
+          <a:fontRef idx="minor">
+            <a:schemeClr val="tx1"/>
+          </a:fontRef>
+        </p:style>
+      </p:cxnSp>
+      <p:sp>
+        <p:nvSpPr>
+          <p:cNvPr id="2" name="TextBox 1"/>
+          <p:cNvSpPr txBox="1"/>
+          <p:nvPr/>
+        </p:nvSpPr>
+        <p:spPr>
+          <a:xfrm>
+            <a:off x="892601" y="2103409"/>
+            <a:ext cx="7312285" cy="369332"/>
+          </a:xfrm>
+          <a:prstGeom prst="rect">
+            <a:avLst/>
+          </a:prstGeom>
+          <a:noFill/>
+        </p:spPr>
+        <p:txBody>
+          <a:bodyPr wrap="square" rtlCol="0">
+            <a:spAutoFit/>
+          </a:bodyPr>
+          <a:lstStyle/>
+          <a:p>
+            <a:r>
+              <a:rPr lang="ko-KR" altLang="en-US" dirty="0" smtClean="0"/>
+              <a:t>회원관리</a:t>
+            </a:r>
+            <a:r>
+              <a:rPr lang="en-US" altLang="ko-KR" dirty="0"/>
+              <a:t> </a:t>
+            </a:r>
+            <a:r>
+              <a:rPr lang="en-US" altLang="ko-KR" dirty="0" smtClean="0"/>
+              <a:t>      </a:t>
+            </a:r>
+            <a:r>
+              <a:rPr lang="ko-KR" altLang="en-US" dirty="0" smtClean="0"/>
+              <a:t>상품관리       견적문의관리       주문관리       </a:t>
+            </a:r>
+            <a:r>
+              <a:rPr lang="en-US" altLang="ko-KR" dirty="0" smtClean="0"/>
+              <a:t>AS</a:t>
+            </a:r>
+            <a:r>
+              <a:rPr lang="ko-KR" altLang="en-US" dirty="0" smtClean="0"/>
+              <a:t>관리</a:t>
+            </a:r>
+            <a:endParaRPr lang="ko-KR" altLang="en-US" dirty="0"/>
+          </a:p>
+        </p:txBody>
+      </p:sp>
+      <p:sp>
+        <p:nvSpPr>
+          <p:cNvPr id="27" name="TextBox 26"/>
+          <p:cNvSpPr txBox="1"/>
+          <p:nvPr/>
+        </p:nvSpPr>
+        <p:spPr>
+          <a:xfrm>
+            <a:off x="777269" y="1243914"/>
+            <a:ext cx="2847380" cy="369332"/>
+          </a:xfrm>
+          <a:prstGeom prst="rect">
+            <a:avLst/>
+          </a:prstGeom>
+          <a:noFill/>
+        </p:spPr>
+        <p:txBody>
+          <a:bodyPr wrap="square" rtlCol="0">
+            <a:spAutoFit/>
+          </a:bodyPr>
+          <a:lstStyle/>
+          <a:p>
+            <a:r>
+              <a:rPr lang="ko-KR" altLang="en-US" smtClean="0"/>
+              <a:t>관리자 페이지</a:t>
+            </a:r>
+            <a:endParaRPr lang="ko-KR" altLang="en-US" dirty="0"/>
+          </a:p>
+        </p:txBody>
+      </p:sp>
+      <p:sp>
+        <p:nvSpPr>
+          <p:cNvPr id="21" name="직사각형 20"/>
+          <p:cNvSpPr/>
+          <p:nvPr/>
+        </p:nvSpPr>
+        <p:spPr>
+          <a:xfrm>
+            <a:off x="3353610" y="228600"/>
+            <a:ext cx="5484781" cy="738664"/>
+          </a:xfrm>
+          <a:prstGeom prst="rect">
+            <a:avLst/>
+          </a:prstGeom>
+        </p:spPr>
+        <p:txBody>
+          <a:bodyPr wrap="square">
+            <a:spAutoFit/>
+          </a:bodyPr>
+          <a:lstStyle/>
+          <a:p>
+            <a:pPr algn="ctr">
+              <a:lnSpc>
+                <a:spcPct val="150000"/>
+              </a:lnSpc>
+            </a:pPr>
+            <a:r>
+              <a:rPr lang="ko-KR" altLang="en-US" sz="2000" i="1" dirty="0">
+                <a:solidFill>
+                  <a:schemeClr val="bg1">
+                    <a:lumMod val="50000"/>
+                  </a:schemeClr>
+                </a:solidFill>
+              </a:rPr>
+              <a:t>화면설계서 </a:t>
+            </a:r>
+            <a:r>
+              <a:rPr lang="en-US" altLang="ko-KR" sz="2800" b="1" i="1" dirty="0">
+                <a:solidFill>
+                  <a:schemeClr val="bg1">
+                    <a:lumMod val="50000"/>
+                  </a:schemeClr>
+                </a:solidFill>
+              </a:rPr>
+              <a:t>Wire Frame</a:t>
+            </a:r>
+          </a:p>
+        </p:txBody>
+      </p:sp>
+      <p:cxnSp>
+        <p:nvCxnSpPr>
+          <p:cNvPr id="22" name="직선 연결선 21"/>
+          <p:cNvCxnSpPr/>
+          <p:nvPr/>
+        </p:nvCxnSpPr>
+        <p:spPr>
+          <a:xfrm>
+            <a:off x="1713470" y="3406693"/>
+            <a:ext cx="5791200" cy="0"/>
+          </a:xfrm>
+          <a:prstGeom prst="line">
+            <a:avLst/>
+          </a:prstGeom>
+        </p:spPr>
+        <p:style>
+          <a:lnRef idx="1">
+            <a:schemeClr val="dk1"/>
+          </a:lnRef>
+          <a:fillRef idx="0">
+            <a:schemeClr val="dk1"/>
+          </a:fillRef>
+          <a:effectRef idx="0">
+            <a:schemeClr val="dk1"/>
+          </a:effectRef>
+          <a:fontRef idx="minor">
+            <a:schemeClr val="tx1"/>
+          </a:fontRef>
+        </p:style>
+      </p:cxnSp>
+      <p:sp>
+        <p:nvSpPr>
+          <p:cNvPr id="23" name="TextBox 22"/>
+          <p:cNvSpPr txBox="1"/>
+          <p:nvPr/>
+        </p:nvSpPr>
+        <p:spPr>
+          <a:xfrm>
+            <a:off x="3219295" y="3459283"/>
+            <a:ext cx="551935" cy="215444"/>
+          </a:xfrm>
+          <a:prstGeom prst="rect">
+            <a:avLst/>
+          </a:prstGeom>
+          <a:noFill/>
+        </p:spPr>
+        <p:txBody>
+          <a:bodyPr wrap="square" rtlCol="0">
+            <a:spAutoFit/>
+          </a:bodyPr>
+          <a:lstStyle/>
+          <a:p>
+            <a:r>
+              <a:rPr lang="ko-KR" altLang="en-US" sz="800" smtClean="0"/>
+              <a:t>상품</a:t>
+            </a:r>
+            <a:r>
+              <a:rPr lang="ko-KR" altLang="en-US" sz="800"/>
+              <a:t>명</a:t>
+            </a:r>
+            <a:endParaRPr lang="ko-KR" altLang="en-US" sz="800" dirty="0"/>
+          </a:p>
+        </p:txBody>
+      </p:sp>
+      <p:sp>
+        <p:nvSpPr>
+          <p:cNvPr id="24" name="TextBox 23"/>
+          <p:cNvSpPr txBox="1"/>
+          <p:nvPr/>
+        </p:nvSpPr>
+        <p:spPr>
+          <a:xfrm>
+            <a:off x="1713470" y="3464091"/>
+            <a:ext cx="643976" cy="215444"/>
+          </a:xfrm>
+          <a:prstGeom prst="rect">
+            <a:avLst/>
+          </a:prstGeom>
+          <a:noFill/>
+        </p:spPr>
+        <p:txBody>
+          <a:bodyPr wrap="square" rtlCol="0">
+            <a:spAutoFit/>
+          </a:bodyPr>
+          <a:lstStyle/>
+          <a:p>
+            <a:r>
+              <a:rPr lang="ko-KR" altLang="en-US" sz="800" smtClean="0"/>
+              <a:t>상품번호</a:t>
+            </a:r>
+            <a:endParaRPr lang="ko-KR" altLang="en-US" sz="800" dirty="0"/>
+          </a:p>
+        </p:txBody>
+      </p:sp>
+      <p:sp>
+        <p:nvSpPr>
+          <p:cNvPr id="25" name="TextBox 24"/>
+          <p:cNvSpPr txBox="1"/>
+          <p:nvPr/>
+        </p:nvSpPr>
+        <p:spPr>
+          <a:xfrm>
+            <a:off x="4806069" y="3464091"/>
+            <a:ext cx="551935" cy="215444"/>
+          </a:xfrm>
+          <a:prstGeom prst="rect">
+            <a:avLst/>
+          </a:prstGeom>
+          <a:noFill/>
+        </p:spPr>
+        <p:txBody>
+          <a:bodyPr wrap="square" rtlCol="0">
+            <a:spAutoFit/>
+          </a:bodyPr>
+          <a:lstStyle/>
+          <a:p>
+            <a:r>
+              <a:rPr lang="ko-KR" altLang="en-US" sz="800" smtClean="0"/>
+              <a:t>분</a:t>
+            </a:r>
+            <a:r>
+              <a:rPr lang="ko-KR" altLang="en-US" sz="800"/>
+              <a:t>류</a:t>
+            </a:r>
+            <a:endParaRPr lang="ko-KR" altLang="en-US" sz="800" dirty="0"/>
+          </a:p>
+        </p:txBody>
+      </p:sp>
+      <p:sp>
+        <p:nvSpPr>
+          <p:cNvPr id="28" name="TextBox 27"/>
+          <p:cNvSpPr txBox="1"/>
+          <p:nvPr/>
+        </p:nvSpPr>
+        <p:spPr>
+          <a:xfrm>
+            <a:off x="6466710" y="3464091"/>
+            <a:ext cx="551935" cy="215444"/>
+          </a:xfrm>
+          <a:prstGeom prst="rect">
+            <a:avLst/>
+          </a:prstGeom>
+          <a:noFill/>
+        </p:spPr>
+        <p:txBody>
+          <a:bodyPr wrap="square" rtlCol="0">
+            <a:spAutoFit/>
+          </a:bodyPr>
+          <a:lstStyle/>
+          <a:p>
+            <a:r>
+              <a:rPr lang="ko-KR" altLang="en-US" sz="800" smtClean="0"/>
+              <a:t>등록</a:t>
+            </a:r>
+            <a:r>
+              <a:rPr lang="ko-KR" altLang="en-US" sz="800"/>
+              <a:t>일</a:t>
+            </a:r>
+            <a:endParaRPr lang="ko-KR" altLang="en-US" sz="800" dirty="0"/>
+          </a:p>
+        </p:txBody>
+      </p:sp>
+      <p:cxnSp>
+        <p:nvCxnSpPr>
+          <p:cNvPr id="29" name="직선 연결선 28"/>
+          <p:cNvCxnSpPr/>
+          <p:nvPr/>
+        </p:nvCxnSpPr>
+        <p:spPr>
+          <a:xfrm>
+            <a:off x="1713470" y="3718839"/>
+            <a:ext cx="5791200" cy="0"/>
+          </a:xfrm>
+          <a:prstGeom prst="line">
+            <a:avLst/>
+          </a:prstGeom>
+        </p:spPr>
+        <p:style>
+          <a:lnRef idx="1">
+            <a:schemeClr val="dk1"/>
+          </a:lnRef>
+          <a:fillRef idx="0">
+            <a:schemeClr val="dk1"/>
+          </a:fillRef>
+          <a:effectRef idx="0">
+            <a:schemeClr val="dk1"/>
+          </a:effectRef>
+          <a:fontRef idx="minor">
+            <a:schemeClr val="tx1"/>
+          </a:fontRef>
+        </p:style>
+      </p:cxnSp>
+      <p:cxnSp>
+        <p:nvCxnSpPr>
+          <p:cNvPr id="30" name="직선 연결선 29"/>
+          <p:cNvCxnSpPr/>
+          <p:nvPr/>
+        </p:nvCxnSpPr>
+        <p:spPr>
+          <a:xfrm>
+            <a:off x="1713470" y="3962747"/>
+            <a:ext cx="5791200" cy="0"/>
+          </a:xfrm>
+          <a:prstGeom prst="line">
+            <a:avLst/>
+          </a:prstGeom>
+        </p:spPr>
+        <p:style>
+          <a:lnRef idx="1">
+            <a:schemeClr val="dk1"/>
+          </a:lnRef>
+          <a:fillRef idx="0">
+            <a:schemeClr val="dk1"/>
+          </a:fillRef>
+          <a:effectRef idx="0">
+            <a:schemeClr val="dk1"/>
+          </a:effectRef>
+          <a:fontRef idx="minor">
+            <a:schemeClr val="tx1"/>
+          </a:fontRef>
+        </p:style>
+      </p:cxnSp>
+      <p:cxnSp>
+        <p:nvCxnSpPr>
+          <p:cNvPr id="31" name="직선 연결선 30"/>
+          <p:cNvCxnSpPr/>
+          <p:nvPr/>
+        </p:nvCxnSpPr>
+        <p:spPr>
+          <a:xfrm>
+            <a:off x="1713470" y="4201644"/>
+            <a:ext cx="5791200" cy="0"/>
+          </a:xfrm>
+          <a:prstGeom prst="line">
+            <a:avLst/>
+          </a:prstGeom>
+        </p:spPr>
+        <p:style>
+          <a:lnRef idx="1">
+            <a:schemeClr val="dk1"/>
+          </a:lnRef>
+          <a:fillRef idx="0">
+            <a:schemeClr val="dk1"/>
+          </a:fillRef>
+          <a:effectRef idx="0">
+            <a:schemeClr val="dk1"/>
+          </a:effectRef>
+          <a:fontRef idx="minor">
+            <a:schemeClr val="tx1"/>
+          </a:fontRef>
+        </p:style>
+      </p:cxnSp>
+      <p:cxnSp>
+        <p:nvCxnSpPr>
+          <p:cNvPr id="32" name="직선 연결선 31"/>
+          <p:cNvCxnSpPr/>
+          <p:nvPr/>
+        </p:nvCxnSpPr>
+        <p:spPr>
+          <a:xfrm>
+            <a:off x="1713470" y="4448780"/>
+            <a:ext cx="5791200" cy="0"/>
+          </a:xfrm>
+          <a:prstGeom prst="line">
+            <a:avLst/>
+          </a:prstGeom>
+        </p:spPr>
+        <p:style>
+          <a:lnRef idx="1">
+            <a:schemeClr val="dk1"/>
+          </a:lnRef>
+          <a:fillRef idx="0">
+            <a:schemeClr val="dk1"/>
+          </a:fillRef>
+          <a:effectRef idx="0">
+            <a:schemeClr val="dk1"/>
+          </a:effectRef>
+          <a:fontRef idx="minor">
+            <a:schemeClr val="tx1"/>
+          </a:fontRef>
+        </p:style>
+      </p:cxnSp>
+      <p:cxnSp>
+        <p:nvCxnSpPr>
+          <p:cNvPr id="33" name="직선 연결선 32"/>
+          <p:cNvCxnSpPr/>
+          <p:nvPr/>
+        </p:nvCxnSpPr>
+        <p:spPr>
+          <a:xfrm>
+            <a:off x="1713470" y="4679439"/>
+            <a:ext cx="5791200" cy="0"/>
+          </a:xfrm>
+          <a:prstGeom prst="line">
+            <a:avLst/>
+          </a:prstGeom>
+        </p:spPr>
+        <p:style>
+          <a:lnRef idx="1">
+            <a:schemeClr val="dk1"/>
+          </a:lnRef>
+          <a:fillRef idx="0">
+            <a:schemeClr val="dk1"/>
+          </a:fillRef>
+          <a:effectRef idx="0">
+            <a:schemeClr val="dk1"/>
+          </a:effectRef>
+          <a:fontRef idx="minor">
+            <a:schemeClr val="tx1"/>
+          </a:fontRef>
+        </p:style>
+      </p:cxnSp>
+      <p:cxnSp>
+        <p:nvCxnSpPr>
+          <p:cNvPr id="34" name="직선 연결선 33"/>
+          <p:cNvCxnSpPr/>
+          <p:nvPr/>
+        </p:nvCxnSpPr>
+        <p:spPr>
+          <a:xfrm>
+            <a:off x="1713470" y="4903300"/>
+            <a:ext cx="5791200" cy="0"/>
+          </a:xfrm>
+          <a:prstGeom prst="line">
+            <a:avLst/>
+          </a:prstGeom>
+        </p:spPr>
+        <p:style>
+          <a:lnRef idx="1">
+            <a:schemeClr val="dk1"/>
+          </a:lnRef>
+          <a:fillRef idx="0">
+            <a:schemeClr val="dk1"/>
+          </a:fillRef>
+          <a:effectRef idx="0">
+            <a:schemeClr val="dk1"/>
+          </a:effectRef>
+          <a:fontRef idx="minor">
+            <a:schemeClr val="tx1"/>
+          </a:fontRef>
+        </p:style>
+      </p:cxnSp>
+      <p:cxnSp>
+        <p:nvCxnSpPr>
+          <p:cNvPr id="35" name="직선 연결선 34"/>
+          <p:cNvCxnSpPr/>
+          <p:nvPr/>
+        </p:nvCxnSpPr>
+        <p:spPr>
+          <a:xfrm>
+            <a:off x="1713470" y="5132520"/>
+            <a:ext cx="5791200" cy="0"/>
+          </a:xfrm>
+          <a:prstGeom prst="line">
+            <a:avLst/>
+          </a:prstGeom>
+        </p:spPr>
+        <p:style>
+          <a:lnRef idx="1">
+            <a:schemeClr val="dk1"/>
+          </a:lnRef>
+          <a:fillRef idx="0">
+            <a:schemeClr val="dk1"/>
+          </a:fillRef>
+          <a:effectRef idx="0">
+            <a:schemeClr val="dk1"/>
+          </a:effectRef>
+          <a:fontRef idx="minor">
+            <a:schemeClr val="tx1"/>
+          </a:fontRef>
+        </p:style>
+      </p:cxnSp>
+      <p:cxnSp>
+        <p:nvCxnSpPr>
+          <p:cNvPr id="36" name="직선 연결선 35"/>
+          <p:cNvCxnSpPr/>
+          <p:nvPr/>
+        </p:nvCxnSpPr>
+        <p:spPr>
+          <a:xfrm>
+            <a:off x="1713470" y="5363179"/>
+            <a:ext cx="5791200" cy="0"/>
+          </a:xfrm>
+          <a:prstGeom prst="line">
+            <a:avLst/>
+          </a:prstGeom>
+        </p:spPr>
+        <p:style>
+          <a:lnRef idx="1">
+            <a:schemeClr val="dk1"/>
+          </a:lnRef>
+          <a:fillRef idx="0">
+            <a:schemeClr val="dk1"/>
+          </a:fillRef>
+          <a:effectRef idx="0">
+            <a:schemeClr val="dk1"/>
+          </a:effectRef>
+          <a:fontRef idx="minor">
+            <a:schemeClr val="tx1"/>
+          </a:fontRef>
+        </p:style>
+      </p:cxnSp>
+      <p:sp>
+        <p:nvSpPr>
+          <p:cNvPr id="37" name="TextBox 36"/>
+          <p:cNvSpPr txBox="1"/>
+          <p:nvPr/>
+        </p:nvSpPr>
+        <p:spPr>
+          <a:xfrm>
+            <a:off x="3468130" y="5445211"/>
+            <a:ext cx="2347784" cy="215444"/>
+          </a:xfrm>
+          <a:prstGeom prst="rect">
+            <a:avLst/>
+          </a:prstGeom>
+          <a:noFill/>
+        </p:spPr>
+        <p:txBody>
+          <a:bodyPr wrap="square" rtlCol="0">
+            <a:spAutoFit/>
+          </a:bodyPr>
+          <a:lstStyle/>
+          <a:p>
+            <a:pPr algn="ctr"/>
+            <a:r>
+              <a:rPr lang="en-US" altLang="ko-KR" sz="800" dirty="0" smtClean="0"/>
+              <a:t>1 2 3 4</a:t>
+            </a:r>
+            <a:endParaRPr lang="ko-KR" altLang="en-US" sz="800" dirty="0"/>
+          </a:p>
+        </p:txBody>
+      </p:sp>
+      <p:sp>
+        <p:nvSpPr>
+          <p:cNvPr id="38" name="TextBox 37"/>
+          <p:cNvSpPr txBox="1"/>
+          <p:nvPr/>
+        </p:nvSpPr>
+        <p:spPr>
+          <a:xfrm>
+            <a:off x="1713470" y="2576410"/>
+            <a:ext cx="1112108" cy="276999"/>
+          </a:xfrm>
+          <a:prstGeom prst="rect">
+            <a:avLst/>
+          </a:prstGeom>
+          <a:noFill/>
+        </p:spPr>
+        <p:txBody>
+          <a:bodyPr wrap="square" rtlCol="0">
+            <a:spAutoFit/>
+          </a:bodyPr>
+          <a:lstStyle/>
+          <a:p>
+            <a:r>
+              <a:rPr lang="ko-KR" altLang="en-US" sz="1200" smtClean="0"/>
+              <a:t>상품관리</a:t>
+            </a:r>
+            <a:endParaRPr lang="ko-KR" altLang="en-US" sz="1200" dirty="0"/>
+          </a:p>
+        </p:txBody>
+      </p:sp>
+      <p:sp>
+        <p:nvSpPr>
+          <p:cNvPr id="41" name="직사각형 40"/>
+          <p:cNvSpPr/>
+          <p:nvPr/>
+        </p:nvSpPr>
+        <p:spPr>
+          <a:xfrm>
+            <a:off x="1713470" y="2951708"/>
+            <a:ext cx="1112108" cy="249674"/>
+          </a:xfrm>
+          <a:prstGeom prst="rect">
+            <a:avLst/>
+          </a:prstGeom>
+          <a:solidFill>
+            <a:schemeClr val="bg1"/>
+          </a:solidFill>
+          <a:ln>
+            <a:solidFill>
+              <a:schemeClr val="tx1"/>
+            </a:solidFill>
+          </a:ln>
+        </p:spPr>
+        <p:style>
+          <a:lnRef idx="2">
+            <a:schemeClr val="accent1">
+              <a:shade val="50000"/>
+            </a:schemeClr>
+          </a:lnRef>
+          <a:fillRef idx="1">
+            <a:schemeClr val="accent1"/>
+          </a:fillRef>
+          <a:effectRef idx="0">
+            <a:schemeClr val="accent1"/>
+          </a:effectRef>
+          <a:fontRef idx="minor">
+            <a:schemeClr val="lt1"/>
+          </a:fontRef>
+        </p:style>
+        <p:txBody>
+          <a:bodyPr rtlCol="0" anchor="ctr"/>
+          <a:lstStyle/>
+          <a:p>
+            <a:r>
+              <a:rPr lang="ko-KR" altLang="en-US" sz="1000" smtClean="0">
+                <a:solidFill>
+                  <a:schemeClr val="tx1"/>
+                </a:solidFill>
+              </a:rPr>
+              <a:t>전체</a:t>
+            </a:r>
+            <a:endParaRPr lang="ko-KR" altLang="en-US" sz="1000" dirty="0">
+              <a:solidFill>
+                <a:schemeClr val="tx1"/>
+              </a:solidFill>
+            </a:endParaRPr>
+          </a:p>
+        </p:txBody>
+      </p:sp>
+      <p:sp>
+        <p:nvSpPr>
+          <p:cNvPr id="42" name="아래쪽 화살표 41"/>
+          <p:cNvSpPr/>
+          <p:nvPr/>
+        </p:nvSpPr>
+        <p:spPr>
+          <a:xfrm>
+            <a:off x="2619635" y="3023286"/>
+            <a:ext cx="131805" cy="123568"/>
+          </a:xfrm>
+          <a:prstGeom prst="downArrow">
+            <a:avLst/>
+          </a:prstGeom>
+          <a:solidFill>
+            <a:schemeClr val="bg1"/>
+          </a:solidFill>
+          <a:ln>
+            <a:solidFill>
+              <a:schemeClr val="tx1"/>
+            </a:solidFill>
+          </a:ln>
+        </p:spPr>
+        <p:style>
+          <a:lnRef idx="2">
+            <a:schemeClr val="accent1">
+              <a:shade val="50000"/>
+            </a:schemeClr>
+          </a:lnRef>
+          <a:fillRef idx="1">
+            <a:schemeClr val="accent1"/>
+          </a:fillRef>
+          <a:effectRef idx="0">
+            <a:schemeClr val="accent1"/>
+          </a:effectRef>
+          <a:fontRef idx="minor">
+            <a:schemeClr val="lt1"/>
+          </a:fontRef>
+        </p:style>
+        <p:txBody>
+          <a:bodyPr rtlCol="0" anchor="ctr"/>
+          <a:lstStyle/>
+          <a:p>
+            <a:pPr algn="ctr"/>
+            <a:endParaRPr lang="ko-KR" altLang="en-US"/>
+          </a:p>
+        </p:txBody>
+      </p:sp>
+      <p:sp>
+        <p:nvSpPr>
+          <p:cNvPr id="43" name="직사각형 42"/>
+          <p:cNvSpPr/>
+          <p:nvPr/>
+        </p:nvSpPr>
+        <p:spPr>
+          <a:xfrm>
+            <a:off x="6911548" y="5459256"/>
+            <a:ext cx="464612" cy="249674"/>
+          </a:xfrm>
+          <a:prstGeom prst="rect">
+            <a:avLst/>
+          </a:prstGeom>
+          <a:solidFill>
+            <a:schemeClr val="tx1"/>
+          </a:solidFill>
+          <a:ln>
+            <a:solidFill>
+              <a:schemeClr val="tx1"/>
+            </a:solidFill>
+          </a:ln>
+        </p:spPr>
+        <p:style>
+          <a:lnRef idx="2">
+            <a:schemeClr val="accent1">
+              <a:shade val="50000"/>
+            </a:schemeClr>
+          </a:lnRef>
+          <a:fillRef idx="1">
+            <a:schemeClr val="accent1"/>
+          </a:fillRef>
+          <a:effectRef idx="0">
+            <a:schemeClr val="accent1"/>
+          </a:effectRef>
+          <a:fontRef idx="minor">
+            <a:schemeClr val="lt1"/>
+          </a:fontRef>
+        </p:style>
+        <p:txBody>
+          <a:bodyPr rtlCol="0" anchor="ctr"/>
+          <a:lstStyle/>
+          <a:p>
+            <a:pPr algn="ctr"/>
+            <a:r>
+              <a:rPr lang="ko-KR" altLang="en-US" sz="1000" smtClean="0">
+                <a:solidFill>
+                  <a:schemeClr val="bg1"/>
+                </a:solidFill>
+              </a:rPr>
+              <a:t>등록</a:t>
+            </a:r>
+            <a:endParaRPr lang="ko-KR" altLang="en-US" sz="1000" dirty="0">
+              <a:solidFill>
+                <a:schemeClr val="bg1"/>
+              </a:solidFill>
+            </a:endParaRPr>
+          </a:p>
+        </p:txBody>
+      </p:sp>
+    </p:spTree>
+    <p:extLst>
+      <p:ext uri="{BB962C8B-B14F-4D97-AF65-F5344CB8AC3E}">
+        <p14:creationId xmlns:p14="http://schemas.microsoft.com/office/powerpoint/2010/main" val="617683220"/>
+      </p:ext>
+    </p:extLst>
+  </p:cSld>
+  <p:clrMapOvr>
+    <a:masterClrMapping/>
+  </p:clrMapOvr>
+</p:sld>
+</file>
+
+<file path=ppt/slides/slide23.xml><?xml version="1.0" encoding="utf-8"?>
+<p:sld xmlns:a="http://schemas.openxmlformats.org/drawingml/2006/main" xmlns:r="http://schemas.openxmlformats.org/officeDocument/2006/relationships" xmlns:p="http://schemas.openxmlformats.org/presentationml/2006/main">
+  <p:cSld>
+    <p:spTree>
+      <p:nvGrpSpPr>
+        <p:cNvPr id="1" name=""/>
+        <p:cNvGrpSpPr/>
+        <p:nvPr/>
+      </p:nvGrpSpPr>
+      <p:grpSpPr>
+        <a:xfrm>
+          <a:off x="0" y="0"/>
+          <a:ext cx="0" cy="0"/>
+          <a:chOff x="0" y="0"/>
+          <a:chExt cx="0" cy="0"/>
+        </a:xfrm>
+      </p:grpSpPr>
+      <p:grpSp>
+        <p:nvGrpSpPr>
+          <p:cNvPr id="4" name="그룹 3"/>
+          <p:cNvGrpSpPr/>
+          <p:nvPr/>
+        </p:nvGrpSpPr>
+        <p:grpSpPr>
+          <a:xfrm>
+            <a:off x="152400" y="83680"/>
+            <a:ext cx="11903770" cy="6774320"/>
+            <a:chOff x="152400" y="83680"/>
+            <a:chExt cx="11903770" cy="6774320"/>
+          </a:xfrm>
+        </p:grpSpPr>
+        <p:sp>
+          <p:nvSpPr>
+            <p:cNvPr id="68" name="양쪽 모서리가 둥근 사각형 67"/>
+            <p:cNvSpPr/>
+            <p:nvPr/>
+          </p:nvSpPr>
+          <p:spPr>
+            <a:xfrm>
+              <a:off x="338203" y="83680"/>
+              <a:ext cx="11548997" cy="6482219"/>
+            </a:xfrm>
+            <a:prstGeom prst="round2SameRect">
+              <a:avLst>
+                <a:gd name="adj1" fmla="val 4566"/>
+                <a:gd name="adj2" fmla="val 0"/>
+              </a:avLst>
+            </a:prstGeom>
+            <a:pattFill prst="ltDnDiag">
+              <a:fgClr>
+                <a:schemeClr val="bg1">
+                  <a:lumMod val="75000"/>
+                </a:schemeClr>
+              </a:fgClr>
+              <a:bgClr>
+                <a:schemeClr val="bg1">
+                  <a:lumMod val="95000"/>
+                </a:schemeClr>
+              </a:bgClr>
+            </a:pattFill>
+            <a:ln w="28575">
+              <a:solidFill>
+                <a:schemeClr val="bg1">
+                  <a:lumMod val="50000"/>
+                </a:schemeClr>
+              </a:solidFill>
+            </a:ln>
+          </p:spPr>
+          <p:style>
+            <a:lnRef idx="2">
+              <a:schemeClr val="accent1">
+                <a:shade val="50000"/>
+              </a:schemeClr>
+            </a:lnRef>
+            <a:fillRef idx="1">
+              <a:schemeClr val="accent1"/>
+            </a:fillRef>
+            <a:effectRef idx="0">
+              <a:schemeClr val="accent1"/>
+            </a:effectRef>
+            <a:fontRef idx="minor">
+              <a:schemeClr val="lt1"/>
+            </a:fontRef>
+          </p:style>
+          <p:txBody>
+            <a:bodyPr rtlCol="0" anchor="ctr"/>
+            <a:lstStyle/>
+            <a:p>
+              <a:pPr algn="ctr"/>
+              <a:endParaRPr lang="ko-KR" altLang="en-US"/>
+            </a:p>
+          </p:txBody>
+        </p:sp>
+        <p:sp>
+          <p:nvSpPr>
+            <p:cNvPr id="69" name="양쪽 모서리가 둥근 사각형 68"/>
+            <p:cNvSpPr/>
+            <p:nvPr/>
+          </p:nvSpPr>
+          <p:spPr>
+            <a:xfrm>
+              <a:off x="524266" y="241300"/>
+              <a:ext cx="11176871" cy="6133424"/>
+            </a:xfrm>
+            <a:prstGeom prst="round2SameRect">
+              <a:avLst>
+                <a:gd name="adj1" fmla="val 3284"/>
+                <a:gd name="adj2" fmla="val 0"/>
+              </a:avLst>
+            </a:prstGeom>
+            <a:solidFill>
+              <a:schemeClr val="bg1"/>
+            </a:solidFill>
+            <a:ln w="19050">
+              <a:solidFill>
+                <a:schemeClr val="bg1">
+                  <a:lumMod val="50000"/>
+                </a:schemeClr>
+              </a:solidFill>
+            </a:ln>
+          </p:spPr>
+          <p:style>
+            <a:lnRef idx="2">
+              <a:schemeClr val="accent1">
+                <a:shade val="50000"/>
+              </a:schemeClr>
+            </a:lnRef>
+            <a:fillRef idx="1">
+              <a:schemeClr val="accent1"/>
+            </a:fillRef>
+            <a:effectRef idx="0">
+              <a:schemeClr val="accent1"/>
+            </a:effectRef>
+            <a:fontRef idx="minor">
+              <a:schemeClr val="lt1"/>
+            </a:fontRef>
+          </p:style>
+          <p:txBody>
+            <a:bodyPr rtlCol="0" anchor="ctr"/>
+            <a:lstStyle/>
+            <a:p>
+              <a:pPr algn="ctr"/>
+              <a:endParaRPr lang="ko-KR" altLang="en-US"/>
+            </a:p>
+          </p:txBody>
+        </p:sp>
+        <p:sp>
+          <p:nvSpPr>
+            <p:cNvPr id="84" name="양쪽 모서리가 둥근 사각형 83"/>
+            <p:cNvSpPr/>
+            <p:nvPr/>
+          </p:nvSpPr>
+          <p:spPr>
+            <a:xfrm rot="16200000">
+              <a:off x="1176083" y="5641873"/>
+              <a:ext cx="108000" cy="1798840"/>
+            </a:xfrm>
+            <a:prstGeom prst="round2SameRect">
+              <a:avLst>
+                <a:gd name="adj1" fmla="val 19304"/>
+                <a:gd name="adj2" fmla="val 0"/>
+              </a:avLst>
+            </a:prstGeom>
+            <a:gradFill flip="none" rotWithShape="1">
+              <a:gsLst>
+                <a:gs pos="17000">
+                  <a:schemeClr val="bg1">
+                    <a:lumMod val="50000"/>
+                  </a:schemeClr>
+                </a:gs>
+                <a:gs pos="59000">
+                  <a:schemeClr val="bg1">
+                    <a:shade val="100000"/>
+                    <a:satMod val="115000"/>
+                  </a:schemeClr>
+                </a:gs>
+              </a:gsLst>
+              <a:lin ang="0" scaled="1"/>
+              <a:tileRect/>
+            </a:gradFill>
+            <a:ln w="19050">
+              <a:solidFill>
+                <a:schemeClr val="bg1">
+                  <a:lumMod val="50000"/>
+                </a:schemeClr>
+              </a:solidFill>
+            </a:ln>
+          </p:spPr>
+          <p:style>
+            <a:lnRef idx="2">
+              <a:schemeClr val="accent1">
+                <a:shade val="50000"/>
+              </a:schemeClr>
+            </a:lnRef>
+            <a:fillRef idx="1">
+              <a:schemeClr val="accent1"/>
+            </a:fillRef>
+            <a:effectRef idx="0">
+              <a:schemeClr val="accent1"/>
+            </a:effectRef>
+            <a:fontRef idx="minor">
+              <a:schemeClr val="lt1"/>
+            </a:fontRef>
+          </p:style>
+          <p:txBody>
+            <a:bodyPr rtlCol="0" anchor="ctr"/>
+            <a:lstStyle/>
+            <a:p>
+              <a:pPr algn="ctr"/>
+              <a:endParaRPr lang="ko-KR" altLang="en-US">
+                <a:solidFill>
+                  <a:prstClr val="white"/>
+                </a:solidFill>
+              </a:endParaRPr>
+            </a:p>
+          </p:txBody>
+        </p:sp>
+        <p:sp>
+          <p:nvSpPr>
+            <p:cNvPr id="85" name="양쪽 모서리가 둥근 사각형 84"/>
+            <p:cNvSpPr/>
+            <p:nvPr/>
+          </p:nvSpPr>
+          <p:spPr>
+            <a:xfrm rot="5400000" flipH="1">
+              <a:off x="10930593" y="5641871"/>
+              <a:ext cx="108000" cy="1798840"/>
+            </a:xfrm>
+            <a:prstGeom prst="round2SameRect">
+              <a:avLst>
+                <a:gd name="adj1" fmla="val 19304"/>
+                <a:gd name="adj2" fmla="val 0"/>
+              </a:avLst>
+            </a:prstGeom>
+            <a:gradFill flip="none" rotWithShape="1">
+              <a:gsLst>
+                <a:gs pos="17000">
+                  <a:schemeClr val="bg1">
+                    <a:lumMod val="50000"/>
+                  </a:schemeClr>
+                </a:gs>
+                <a:gs pos="59000">
+                  <a:schemeClr val="bg1">
+                    <a:shade val="100000"/>
+                    <a:satMod val="115000"/>
+                  </a:schemeClr>
+                </a:gs>
+              </a:gsLst>
+              <a:lin ang="0" scaled="1"/>
+              <a:tileRect/>
+            </a:gradFill>
+            <a:ln w="19050">
+              <a:solidFill>
+                <a:schemeClr val="bg1">
+                  <a:lumMod val="50000"/>
+                </a:schemeClr>
+              </a:solidFill>
+            </a:ln>
+          </p:spPr>
+          <p:style>
+            <a:lnRef idx="2">
+              <a:schemeClr val="accent1">
+                <a:shade val="50000"/>
+              </a:schemeClr>
+            </a:lnRef>
+            <a:fillRef idx="1">
+              <a:schemeClr val="accent1"/>
+            </a:fillRef>
+            <a:effectRef idx="0">
+              <a:schemeClr val="accent1"/>
+            </a:effectRef>
+            <a:fontRef idx="minor">
+              <a:schemeClr val="lt1"/>
+            </a:fontRef>
+          </p:style>
+          <p:txBody>
+            <a:bodyPr rtlCol="0" anchor="ctr"/>
+            <a:lstStyle/>
+            <a:p>
+              <a:pPr algn="ctr"/>
+              <a:endParaRPr lang="ko-KR" altLang="en-US">
+                <a:solidFill>
+                  <a:prstClr val="white"/>
+                </a:solidFill>
+              </a:endParaRPr>
+            </a:p>
+          </p:txBody>
+        </p:sp>
+        <p:sp>
+          <p:nvSpPr>
+            <p:cNvPr id="86" name="양쪽 모서리가 둥근 사각형 85"/>
+            <p:cNvSpPr/>
+            <p:nvPr/>
+          </p:nvSpPr>
+          <p:spPr>
+            <a:xfrm rot="16200000">
+              <a:off x="6053339" y="2563457"/>
+              <a:ext cx="108000" cy="7955668"/>
+            </a:xfrm>
+            <a:prstGeom prst="round2SameRect">
+              <a:avLst>
+                <a:gd name="adj1" fmla="val 0"/>
+                <a:gd name="adj2" fmla="val 0"/>
+              </a:avLst>
+            </a:prstGeom>
+            <a:gradFill flip="none" rotWithShape="1">
+              <a:gsLst>
+                <a:gs pos="17000">
+                  <a:schemeClr val="bg1">
+                    <a:lumMod val="50000"/>
+                  </a:schemeClr>
+                </a:gs>
+                <a:gs pos="59000">
+                  <a:schemeClr val="bg1">
+                    <a:shade val="100000"/>
+                    <a:satMod val="115000"/>
+                  </a:schemeClr>
+                </a:gs>
+              </a:gsLst>
+              <a:lin ang="0" scaled="1"/>
+              <a:tileRect/>
+            </a:gradFill>
+            <a:ln w="19050">
+              <a:solidFill>
+                <a:schemeClr val="bg1">
+                  <a:lumMod val="50000"/>
+                </a:schemeClr>
+              </a:solidFill>
+            </a:ln>
+          </p:spPr>
+          <p:style>
+            <a:lnRef idx="2">
+              <a:schemeClr val="accent1">
+                <a:shade val="50000"/>
+              </a:schemeClr>
+            </a:lnRef>
+            <a:fillRef idx="1">
+              <a:schemeClr val="accent1"/>
+            </a:fillRef>
+            <a:effectRef idx="0">
+              <a:schemeClr val="accent1"/>
+            </a:effectRef>
+            <a:fontRef idx="minor">
+              <a:schemeClr val="lt1"/>
+            </a:fontRef>
+          </p:style>
+          <p:txBody>
+            <a:bodyPr rtlCol="0" anchor="ctr"/>
+            <a:lstStyle/>
+            <a:p>
+              <a:pPr algn="ctr"/>
+              <a:endParaRPr lang="ko-KR" altLang="en-US">
+                <a:solidFill>
+                  <a:prstClr val="white"/>
+                </a:solidFill>
+              </a:endParaRPr>
+            </a:p>
+          </p:txBody>
+        </p:sp>
+        <p:sp>
+          <p:nvSpPr>
+            <p:cNvPr id="14" name="자유형 13"/>
+            <p:cNvSpPr/>
+            <p:nvPr/>
+          </p:nvSpPr>
+          <p:spPr>
+            <a:xfrm>
+              <a:off x="158507" y="6590451"/>
+              <a:ext cx="11897663" cy="267549"/>
+            </a:xfrm>
+            <a:custGeom>
+              <a:avLst/>
+              <a:gdLst>
+                <a:gd name="connsiteX0" fmla="*/ 195955 w 11897663"/>
+                <a:gd name="connsiteY0" fmla="*/ 0 h 267549"/>
+                <a:gd name="connsiteX1" fmla="*/ 11701708 w 11897663"/>
+                <a:gd name="connsiteY1" fmla="*/ 0 h 267549"/>
+                <a:gd name="connsiteX2" fmla="*/ 11897663 w 11897663"/>
+                <a:gd name="connsiteY2" fmla="*/ 267549 h 267549"/>
+                <a:gd name="connsiteX3" fmla="*/ 0 w 11897663"/>
+                <a:gd name="connsiteY3" fmla="*/ 267549 h 267549"/>
+              </a:gdLst>
+              <a:ahLst/>
+              <a:cxnLst>
+                <a:cxn ang="0">
+                  <a:pos x="connsiteX0" y="connsiteY0"/>
+                </a:cxn>
+                <a:cxn ang="0">
+                  <a:pos x="connsiteX1" y="connsiteY1"/>
+                </a:cxn>
+                <a:cxn ang="0">
+                  <a:pos x="connsiteX2" y="connsiteY2"/>
+                </a:cxn>
+                <a:cxn ang="0">
+                  <a:pos x="connsiteX3" y="connsiteY3"/>
+                </a:cxn>
+              </a:cxnLst>
+              <a:rect l="l" t="t" r="r" b="b"/>
+              <a:pathLst>
+                <a:path w="11897663" h="267549">
+                  <a:moveTo>
+                    <a:pt x="195955" y="0"/>
+                  </a:moveTo>
+                  <a:lnTo>
+                    <a:pt x="11701708" y="0"/>
+                  </a:lnTo>
+                  <a:lnTo>
+                    <a:pt x="11897663" y="267549"/>
+                  </a:lnTo>
+                  <a:lnTo>
+                    <a:pt x="0" y="267549"/>
+                  </a:lnTo>
+                  <a:close/>
+                </a:path>
+              </a:pathLst>
+            </a:custGeom>
+            <a:solidFill>
+              <a:schemeClr val="bg1"/>
+            </a:solidFill>
+            <a:ln w="19050">
+              <a:solidFill>
+                <a:schemeClr val="bg1">
+                  <a:lumMod val="50000"/>
+                </a:schemeClr>
+              </a:solidFill>
+            </a:ln>
+          </p:spPr>
+          <p:style>
+            <a:lnRef idx="2">
+              <a:schemeClr val="accent1">
+                <a:shade val="50000"/>
+              </a:schemeClr>
+            </a:lnRef>
+            <a:fillRef idx="1">
+              <a:schemeClr val="accent1"/>
+            </a:fillRef>
+            <a:effectRef idx="0">
+              <a:schemeClr val="accent1"/>
+            </a:effectRef>
+            <a:fontRef idx="minor">
+              <a:schemeClr val="lt1"/>
+            </a:fontRef>
+          </p:style>
+          <p:txBody>
+            <a:bodyPr wrap="square" rtlCol="0" anchor="ctr">
+              <a:noAutofit/>
+            </a:bodyPr>
+            <a:lstStyle/>
+            <a:p>
+              <a:pPr algn="ctr"/>
+              <a:endParaRPr lang="ko-KR" altLang="en-US">
+                <a:solidFill>
+                  <a:prstClr val="white"/>
+                </a:solidFill>
+              </a:endParaRPr>
+            </a:p>
+          </p:txBody>
+        </p:sp>
+        <p:sp>
+          <p:nvSpPr>
+            <p:cNvPr id="26" name="자유형 25"/>
+            <p:cNvSpPr/>
+            <p:nvPr/>
+          </p:nvSpPr>
+          <p:spPr>
+            <a:xfrm>
+              <a:off x="152400" y="6565900"/>
+              <a:ext cx="11750381" cy="292100"/>
+            </a:xfrm>
+            <a:custGeom>
+              <a:avLst/>
+              <a:gdLst>
+                <a:gd name="connsiteX0" fmla="*/ 177800 w 11722100"/>
+                <a:gd name="connsiteY0" fmla="*/ 0 h 292100"/>
+                <a:gd name="connsiteX1" fmla="*/ 0 w 11722100"/>
+                <a:gd name="connsiteY1" fmla="*/ 292100 h 292100"/>
+                <a:gd name="connsiteX2" fmla="*/ 11722100 w 11722100"/>
+                <a:gd name="connsiteY2" fmla="*/ 50800 h 292100"/>
+                <a:gd name="connsiteX3" fmla="*/ 177800 w 11722100"/>
+                <a:gd name="connsiteY3" fmla="*/ 0 h 292100"/>
+                <a:gd name="connsiteX0" fmla="*/ 206081 w 11722100"/>
+                <a:gd name="connsiteY0" fmla="*/ 0 h 292100"/>
+                <a:gd name="connsiteX1" fmla="*/ 0 w 11722100"/>
+                <a:gd name="connsiteY1" fmla="*/ 292100 h 292100"/>
+                <a:gd name="connsiteX2" fmla="*/ 11722100 w 11722100"/>
+                <a:gd name="connsiteY2" fmla="*/ 50800 h 292100"/>
+                <a:gd name="connsiteX3" fmla="*/ 206081 w 11722100"/>
+                <a:gd name="connsiteY3" fmla="*/ 0 h 292100"/>
+                <a:gd name="connsiteX0" fmla="*/ 206081 w 11750381"/>
+                <a:gd name="connsiteY0" fmla="*/ 0 h 292100"/>
+                <a:gd name="connsiteX1" fmla="*/ 0 w 11750381"/>
+                <a:gd name="connsiteY1" fmla="*/ 292100 h 292100"/>
+                <a:gd name="connsiteX2" fmla="*/ 11750381 w 11750381"/>
+                <a:gd name="connsiteY2" fmla="*/ 31947 h 292100"/>
+                <a:gd name="connsiteX3" fmla="*/ 206081 w 11750381"/>
+                <a:gd name="connsiteY3" fmla="*/ 0 h 292100"/>
+              </a:gdLst>
+              <a:ahLst/>
+              <a:cxnLst>
+                <a:cxn ang="0">
+                  <a:pos x="connsiteX0" y="connsiteY0"/>
+                </a:cxn>
+                <a:cxn ang="0">
+                  <a:pos x="connsiteX1" y="connsiteY1"/>
+                </a:cxn>
+                <a:cxn ang="0">
+                  <a:pos x="connsiteX2" y="connsiteY2"/>
+                </a:cxn>
+                <a:cxn ang="0">
+                  <a:pos x="connsiteX3" y="connsiteY3"/>
+                </a:cxn>
+              </a:cxnLst>
+              <a:rect l="l" t="t" r="r" b="b"/>
+              <a:pathLst>
+                <a:path w="11750381" h="292100">
+                  <a:moveTo>
+                    <a:pt x="206081" y="0"/>
+                  </a:moveTo>
+                  <a:lnTo>
+                    <a:pt x="0" y="292100"/>
+                  </a:lnTo>
+                  <a:lnTo>
+                    <a:pt x="11750381" y="31947"/>
+                  </a:lnTo>
+                  <a:lnTo>
+                    <a:pt x="206081" y="0"/>
+                  </a:lnTo>
+                  <a:close/>
+                </a:path>
+              </a:pathLst>
+            </a:custGeom>
+            <a:solidFill>
+              <a:schemeClr val="tx1">
+                <a:alpha val="13000"/>
+              </a:schemeClr>
+            </a:solidFill>
+            <a:ln>
+              <a:noFill/>
+            </a:ln>
+          </p:spPr>
+          <p:style>
+            <a:lnRef idx="2">
+              <a:schemeClr val="accent1">
+                <a:shade val="50000"/>
+              </a:schemeClr>
+            </a:lnRef>
+            <a:fillRef idx="1">
+              <a:schemeClr val="accent1"/>
+            </a:fillRef>
+            <a:effectRef idx="0">
+              <a:schemeClr val="accent1"/>
+            </a:effectRef>
+            <a:fontRef idx="minor">
+              <a:schemeClr val="lt1"/>
+            </a:fontRef>
+          </p:style>
+          <p:txBody>
+            <a:bodyPr rtlCol="0" anchor="ctr"/>
+            <a:lstStyle/>
+            <a:p>
+              <a:pPr algn="ctr"/>
+              <a:endParaRPr lang="ko-KR" altLang="en-US"/>
+            </a:p>
+          </p:txBody>
+        </p:sp>
+        <p:sp>
+          <p:nvSpPr>
+            <p:cNvPr id="15" name="모서리가 둥근 직사각형 14"/>
+            <p:cNvSpPr/>
+            <p:nvPr/>
+          </p:nvSpPr>
+          <p:spPr>
+            <a:xfrm>
+              <a:off x="524266" y="6670585"/>
+              <a:ext cx="597524" cy="64121"/>
+            </a:xfrm>
+            <a:prstGeom prst="roundRect">
+              <a:avLst>
+                <a:gd name="adj" fmla="val 50000"/>
+              </a:avLst>
+            </a:prstGeom>
+            <a:solidFill>
+              <a:srgbClr val="00B0F0"/>
+            </a:solidFill>
+            <a:ln>
+              <a:solidFill>
+                <a:schemeClr val="bg1">
+                  <a:lumMod val="50000"/>
+                </a:schemeClr>
+              </a:solidFill>
+            </a:ln>
+          </p:spPr>
+          <p:style>
+            <a:lnRef idx="2">
+              <a:schemeClr val="accent1">
+                <a:shade val="50000"/>
+              </a:schemeClr>
+            </a:lnRef>
+            <a:fillRef idx="1">
+              <a:schemeClr val="accent1"/>
+            </a:fillRef>
+            <a:effectRef idx="0">
+              <a:schemeClr val="accent1"/>
+            </a:effectRef>
+            <a:fontRef idx="minor">
+              <a:schemeClr val="lt1"/>
+            </a:fontRef>
+          </p:style>
+          <p:txBody>
+            <a:bodyPr rtlCol="0" anchor="ctr"/>
+            <a:lstStyle/>
+            <a:p>
+              <a:pPr algn="ctr"/>
+              <a:endParaRPr lang="ko-KR" altLang="en-US"/>
+            </a:p>
+          </p:txBody>
+        </p:sp>
+      </p:grpSp>
+      <p:sp>
+        <p:nvSpPr>
           <p:cNvPr id="82" name="직사각형 81"/>
           <p:cNvSpPr/>
           <p:nvPr/>
@@ -22418,7 +29589,7 @@
 </p:sld>
 </file>
 
-<file path=ppt/slides/slide21.xml><?xml version="1.0" encoding="utf-8"?>
+<file path=ppt/slides/slide24.xml><?xml version="1.0" encoding="utf-8"?>
 <p:sld xmlns:a="http://schemas.openxmlformats.org/drawingml/2006/main" xmlns:r="http://schemas.openxmlformats.org/officeDocument/2006/relationships" xmlns:p="http://schemas.openxmlformats.org/presentationml/2006/main">
   <p:cSld>
     <p:bg>
@@ -23207,7 +30378,7 @@
 </p:sld>
 </file>
 
-<file path=ppt/slides/slide22.xml><?xml version="1.0" encoding="utf-8"?>
+<file path=ppt/slides/slide25.xml><?xml version="1.0" encoding="utf-8"?>
 <p:sld xmlns:a="http://schemas.openxmlformats.org/drawingml/2006/main" xmlns:r="http://schemas.openxmlformats.org/officeDocument/2006/relationships" xmlns:p="http://schemas.openxmlformats.org/presentationml/2006/main">
   <p:cSld>
     <p:spTree>
@@ -23993,7 +31164,7 @@
 </p:sld>
 </file>
 
-<file path=ppt/slides/slide23.xml><?xml version="1.0" encoding="utf-8"?>
+<file path=ppt/slides/slide26.xml><?xml version="1.0" encoding="utf-8"?>
 <p:sld xmlns:a="http://schemas.openxmlformats.org/drawingml/2006/main" xmlns:r="http://schemas.openxmlformats.org/officeDocument/2006/relationships" xmlns:p="http://schemas.openxmlformats.org/presentationml/2006/main">
   <p:cSld>
     <p:spTree>
@@ -24806,7 +31977,7 @@
 </p:sld>
 </file>
 
-<file path=ppt/slides/slide24.xml><?xml version="1.0" encoding="utf-8"?>
+<file path=ppt/slides/slide27.xml><?xml version="1.0" encoding="utf-8"?>
 <p:sld xmlns:a="http://schemas.openxmlformats.org/drawingml/2006/main" xmlns:r="http://schemas.openxmlformats.org/officeDocument/2006/relationships" xmlns:p="http://schemas.openxmlformats.org/presentationml/2006/main">
   <p:cSld>
     <p:spTree>
@@ -25486,7 +32657,7 @@
 </p:sld>
 </file>
 
-<file path=ppt/slides/slide25.xml><?xml version="1.0" encoding="utf-8"?>
+<file path=ppt/slides/slide28.xml><?xml version="1.0" encoding="utf-8"?>
 <p:sld xmlns:a="http://schemas.openxmlformats.org/drawingml/2006/main" xmlns:r="http://schemas.openxmlformats.org/officeDocument/2006/relationships" xmlns:p="http://schemas.openxmlformats.org/presentationml/2006/main">
   <p:cSld>
     <p:spTree>
@@ -31402,7 +38573,7 @@
   <a:extraClrSchemeLst/>
   <a:extLst>
     <a:ext uri="{05A4C25C-085E-4340-85A3-A5531E510DB2}">
-      <thm15:themeFamily xmlns:thm15="http://schemas.microsoft.com/office/thememl/2012/main" xmlns="" name="Office Theme" id="{62F939B6-93AF-4DB8-9C6B-D6C7DFDC589F}" vid="{4A3C46E8-61CC-4603-A589-7422A47A8E4A}"/>
+      <thm15:themeFamily xmlns="" xmlns:thm15="http://schemas.microsoft.com/office/thememl/2012/main" name="Office Theme" id="{62F939B6-93AF-4DB8-9C6B-D6C7DFDC589F}" vid="{4A3C46E8-61CC-4603-A589-7422A47A8E4A}"/>
     </a:ext>
   </a:extLst>
 </a:theme>

--- a/WebContent/jhk/프로젝트5_jhk.pptx
+++ b/WebContent/jhk/프로젝트5_jhk.pptx
@@ -26,13 +26,15 @@
     <p:sldId id="326" r:id="rId20"/>
     <p:sldId id="331" r:id="rId21"/>
     <p:sldId id="329" r:id="rId22"/>
-    <p:sldId id="330" r:id="rId23"/>
-    <p:sldId id="321" r:id="rId24"/>
-    <p:sldId id="311" r:id="rId25"/>
-    <p:sldId id="312" r:id="rId26"/>
-    <p:sldId id="313" r:id="rId27"/>
-    <p:sldId id="314" r:id="rId28"/>
-    <p:sldId id="315" r:id="rId29"/>
+    <p:sldId id="332" r:id="rId23"/>
+    <p:sldId id="333" r:id="rId24"/>
+    <p:sldId id="330" r:id="rId25"/>
+    <p:sldId id="321" r:id="rId26"/>
+    <p:sldId id="311" r:id="rId27"/>
+    <p:sldId id="312" r:id="rId28"/>
+    <p:sldId id="313" r:id="rId29"/>
+    <p:sldId id="314" r:id="rId30"/>
+    <p:sldId id="315" r:id="rId31"/>
   </p:sldIdLst>
   <p:sldSz cx="12192000" cy="6858000"/>
   <p:notesSz cx="6858000" cy="9144000"/>
@@ -133,7 +135,7 @@
   </p:defaultTextStyle>
   <p:extLst>
     <p:ext uri="{EFAFB233-063F-42B5-8137-9DF3F51BA10A}">
-      <p15:sldGuideLst xmlns="" xmlns:p15="http://schemas.microsoft.com/office/powerpoint/2012/main"/>
+      <p15:sldGuideLst xmlns:p15="http://schemas.microsoft.com/office/powerpoint/2012/main" xmlns=""/>
     </p:ext>
   </p:extLst>
 </p:presentation>
@@ -275,7 +277,7 @@
                 </a:solidFill>
               </a:rPr>
               <a:pPr/>
-              <a:t>2020-03-31</a:t>
+              <a:t>2020-04-02</a:t>
             </a:fld>
             <a:endParaRPr lang="ko-KR" altLang="en-US">
               <a:solidFill>
@@ -475,7 +477,7 @@
                 </a:solidFill>
               </a:rPr>
               <a:pPr/>
-              <a:t>2020-03-31</a:t>
+              <a:t>2020-04-02</a:t>
             </a:fld>
             <a:endParaRPr lang="ko-KR" altLang="en-US">
               <a:solidFill>
@@ -685,7 +687,7 @@
                 </a:solidFill>
               </a:rPr>
               <a:pPr/>
-              <a:t>2020-03-31</a:t>
+              <a:t>2020-04-02</a:t>
             </a:fld>
             <a:endParaRPr lang="ko-KR" altLang="en-US">
               <a:solidFill>
@@ -885,7 +887,7 @@
                 </a:solidFill>
               </a:rPr>
               <a:pPr/>
-              <a:t>2020-03-31</a:t>
+              <a:t>2020-04-02</a:t>
             </a:fld>
             <a:endParaRPr lang="ko-KR" altLang="en-US">
               <a:solidFill>
@@ -1162,7 +1164,7 @@
                 </a:solidFill>
               </a:rPr>
               <a:pPr/>
-              <a:t>2020-03-31</a:t>
+              <a:t>2020-04-02</a:t>
             </a:fld>
             <a:endParaRPr lang="ko-KR" altLang="en-US">
               <a:solidFill>
@@ -1423,7 +1425,7 @@
                 </a:solidFill>
               </a:rPr>
               <a:pPr/>
-              <a:t>2020-03-31</a:t>
+              <a:t>2020-04-02</a:t>
             </a:fld>
             <a:endParaRPr lang="ko-KR" altLang="en-US">
               <a:solidFill>
@@ -1819,7 +1821,7 @@
                 </a:solidFill>
               </a:rPr>
               <a:pPr/>
-              <a:t>2020-03-31</a:t>
+              <a:t>2020-04-02</a:t>
             </a:fld>
             <a:endParaRPr lang="ko-KR" altLang="en-US">
               <a:solidFill>
@@ -1968,7 +1970,7 @@
                 </a:solidFill>
               </a:rPr>
               <a:pPr/>
-              <a:t>2020-03-31</a:t>
+              <a:t>2020-04-02</a:t>
             </a:fld>
             <a:endParaRPr lang="ko-KR" altLang="en-US">
               <a:solidFill>
@@ -2095,7 +2097,7 @@
                 </a:solidFill>
               </a:rPr>
               <a:pPr/>
-              <a:t>2020-03-31</a:t>
+              <a:t>2020-04-02</a:t>
             </a:fld>
             <a:endParaRPr lang="ko-KR" altLang="en-US">
               <a:solidFill>
@@ -2402,7 +2404,7 @@
                 </a:solidFill>
               </a:rPr>
               <a:pPr/>
-              <a:t>2020-03-31</a:t>
+              <a:t>2020-04-02</a:t>
             </a:fld>
             <a:endParaRPr lang="ko-KR" altLang="en-US">
               <a:solidFill>
@@ -2686,7 +2688,7 @@
                 </a:solidFill>
               </a:rPr>
               <a:pPr/>
-              <a:t>2020-03-31</a:t>
+              <a:t>2020-04-02</a:t>
             </a:fld>
             <a:endParaRPr lang="ko-KR" altLang="en-US">
               <a:solidFill>
@@ -2929,7 +2931,7 @@
                 </a:solidFill>
               </a:rPr>
               <a:pPr/>
-              <a:t>2020-03-31</a:t>
+              <a:t>2020-04-02</a:t>
             </a:fld>
             <a:endParaRPr lang="ko-KR" altLang="en-US">
               <a:solidFill>
@@ -7003,7 +7005,7 @@
           <p:cNvPr id="22" name="그림 21">
             <a:extLst>
               <a:ext uri="{FF2B5EF4-FFF2-40B4-BE49-F238E27FC236}">
-                <a16:creationId xmlns:a16="http://schemas.microsoft.com/office/drawing/2014/main" xmlns="" id="{928BE64D-A24F-42CB-B298-FBF49719BA30}"/>
+                <a16:creationId xmlns="" xmlns:a16="http://schemas.microsoft.com/office/drawing/2014/main" id="{928BE64D-A24F-42CB-B298-FBF49719BA30}"/>
               </a:ext>
             </a:extLst>
           </p:cNvPr>
@@ -12809,20 +12811,8 @@
           <a:lstStyle/>
           <a:p>
             <a:r>
-              <a:rPr lang="ko-KR" altLang="en-US" dirty="0" err="1" smtClean="0"/>
-              <a:t>메인페이지</a:t>
-            </a:r>
-            <a:r>
-              <a:rPr lang="ko-KR" altLang="en-US" dirty="0" smtClean="0"/>
-              <a:t> </a:t>
-            </a:r>
-            <a:r>
-              <a:rPr lang="en-US" altLang="ko-KR" dirty="0" smtClean="0"/>
-              <a:t>– </a:t>
-            </a:r>
-            <a:r>
-              <a:rPr lang="ko-KR" altLang="en-US" dirty="0" smtClean="0"/>
-              <a:t>로그인 후</a:t>
+              <a:rPr lang="ko-KR" altLang="en-US" smtClean="0"/>
+              <a:t>조립컴퓨터 목록</a:t>
             </a:r>
             <a:endParaRPr lang="ko-KR" altLang="en-US" dirty="0"/>
           </a:p>
@@ -14956,20 +14946,8 @@
           <a:lstStyle/>
           <a:p>
             <a:r>
-              <a:rPr lang="ko-KR" altLang="en-US" dirty="0" err="1" smtClean="0"/>
-              <a:t>메인페이지</a:t>
-            </a:r>
-            <a:r>
-              <a:rPr lang="ko-KR" altLang="en-US" dirty="0" smtClean="0"/>
-              <a:t> </a:t>
-            </a:r>
-            <a:r>
-              <a:rPr lang="en-US" altLang="ko-KR" dirty="0" smtClean="0"/>
-              <a:t>– </a:t>
-            </a:r>
-            <a:r>
-              <a:rPr lang="ko-KR" altLang="en-US" dirty="0" smtClean="0"/>
-              <a:t>로그인 후</a:t>
+              <a:rPr lang="ko-KR" altLang="en-US" smtClean="0"/>
+              <a:t>조립컴퓨터 상세</a:t>
             </a:r>
             <a:endParaRPr lang="ko-KR" altLang="en-US" dirty="0"/>
           </a:p>
@@ -16644,20 +16622,8 @@
           <a:lstStyle/>
           <a:p>
             <a:r>
-              <a:rPr lang="ko-KR" altLang="en-US" dirty="0" err="1" smtClean="0"/>
-              <a:t>메인페이지</a:t>
-            </a:r>
-            <a:r>
-              <a:rPr lang="ko-KR" altLang="en-US" dirty="0" smtClean="0"/>
-              <a:t> </a:t>
-            </a:r>
-            <a:r>
-              <a:rPr lang="en-US" altLang="ko-KR" dirty="0" smtClean="0"/>
-              <a:t>– </a:t>
-            </a:r>
-            <a:r>
-              <a:rPr lang="ko-KR" altLang="en-US" dirty="0" smtClean="0"/>
-              <a:t>로그인 후</a:t>
+              <a:rPr lang="ko-KR" altLang="en-US" smtClean="0"/>
+              <a:t>컴퓨터부품 목록</a:t>
             </a:r>
             <a:endParaRPr lang="ko-KR" altLang="en-US" dirty="0"/>
           </a:p>
@@ -18855,20 +18821,8 @@
           <a:lstStyle/>
           <a:p>
             <a:r>
-              <a:rPr lang="ko-KR" altLang="en-US" dirty="0" err="1" smtClean="0"/>
-              <a:t>메인페이지</a:t>
-            </a:r>
-            <a:r>
-              <a:rPr lang="ko-KR" altLang="en-US" dirty="0" smtClean="0"/>
-              <a:t> </a:t>
-            </a:r>
-            <a:r>
-              <a:rPr lang="en-US" altLang="ko-KR" dirty="0" smtClean="0"/>
-              <a:t>– </a:t>
-            </a:r>
-            <a:r>
-              <a:rPr lang="ko-KR" altLang="en-US" dirty="0" smtClean="0"/>
-              <a:t>로그인 후</a:t>
+              <a:rPr lang="ko-KR" altLang="en-US" smtClean="0"/>
+              <a:t>컴퓨터목록 상세</a:t>
             </a:r>
             <a:endParaRPr lang="ko-KR" altLang="en-US" dirty="0"/>
           </a:p>
@@ -20416,8 +20370,8 @@
         </p:nvSpPr>
         <p:spPr>
           <a:xfrm>
-            <a:off x="777269" y="1243914"/>
-            <a:ext cx="2847380" cy="369332"/>
+            <a:off x="777268" y="1243914"/>
+            <a:ext cx="3124171" cy="646331"/>
           </a:xfrm>
           <a:prstGeom prst="rect">
             <a:avLst/>
@@ -20432,8 +20386,23 @@
           <a:p>
             <a:r>
               <a:rPr lang="ko-KR" altLang="en-US" smtClean="0"/>
-              <a:t>관리자 페이지</a:t>
-            </a:r>
+              <a:t>관리자 </a:t>
+            </a:r>
+            <a:r>
+              <a:rPr lang="ko-KR" altLang="en-US" smtClean="0"/>
+              <a:t>페이지 </a:t>
+            </a:r>
+            <a:r>
+              <a:rPr lang="en-US" altLang="ko-KR"/>
+              <a:t>– </a:t>
+            </a:r>
+            <a:r>
+              <a:rPr lang="ko-KR" altLang="en-US" smtClean="0"/>
+              <a:t>상품목록</a:t>
+            </a:r>
+            <a:endParaRPr lang="ko-KR" altLang="en-US"/>
+          </a:p>
+          <a:p>
             <a:endParaRPr lang="ko-KR" altLang="en-US" dirty="0"/>
           </a:p>
         </p:txBody>
@@ -21815,7 +21784,7 @@
           <p:cNvPr id="16" name="그룹 15">
             <a:extLst>
               <a:ext uri="{FF2B5EF4-FFF2-40B4-BE49-F238E27FC236}">
-                <a16:creationId xmlns:a16="http://schemas.microsoft.com/office/drawing/2014/main" xmlns="" id="{1592706D-EFAE-4144-BFA1-6735E09271FD}"/>
+                <a16:creationId xmlns="" xmlns:a16="http://schemas.microsoft.com/office/drawing/2014/main" id="{1592706D-EFAE-4144-BFA1-6735E09271FD}"/>
               </a:ext>
             </a:extLst>
           </p:cNvPr>
@@ -21835,7 +21804,7 @@
             <p:cNvPr id="17" name="양쪽 모서리가 둥근 사각형 5">
               <a:extLst>
                 <a:ext uri="{FF2B5EF4-FFF2-40B4-BE49-F238E27FC236}">
-                  <a16:creationId xmlns:a16="http://schemas.microsoft.com/office/drawing/2014/main" xmlns="" id="{8078EBE2-80A2-4C73-B338-3BF0725D8C61}"/>
+                  <a16:creationId xmlns="" xmlns:a16="http://schemas.microsoft.com/office/drawing/2014/main" id="{8078EBE2-80A2-4C73-B338-3BF0725D8C61}"/>
                 </a:ext>
               </a:extLst>
             </p:cNvPr>
@@ -22001,7 +21970,7 @@
             <p:cNvPr id="18" name="양쪽 모서리가 둥근 사각형 4">
               <a:extLst>
                 <a:ext uri="{FF2B5EF4-FFF2-40B4-BE49-F238E27FC236}">
-                  <a16:creationId xmlns:a16="http://schemas.microsoft.com/office/drawing/2014/main" xmlns="" id="{39BAB469-719B-4B91-8479-8CE11BC8E6B9}"/>
+                  <a16:creationId xmlns="" xmlns:a16="http://schemas.microsoft.com/office/drawing/2014/main" id="{39BAB469-719B-4B91-8479-8CE11BC8E6B9}"/>
                 </a:ext>
               </a:extLst>
             </p:cNvPr>
@@ -22067,7 +22036,7 @@
             <p:cNvPr id="19" name="직사각형 18">
               <a:extLst>
                 <a:ext uri="{FF2B5EF4-FFF2-40B4-BE49-F238E27FC236}">
-                  <a16:creationId xmlns:a16="http://schemas.microsoft.com/office/drawing/2014/main" xmlns="" id="{39F1B524-4CC7-4E30-816B-3723A5813198}"/>
+                  <a16:creationId xmlns="" xmlns:a16="http://schemas.microsoft.com/office/drawing/2014/main" id="{39F1B524-4CC7-4E30-816B-3723A5813198}"/>
                 </a:ext>
               </a:extLst>
             </p:cNvPr>
@@ -22123,7 +22092,7 @@
             <p:cNvPr id="20" name="타원 19">
               <a:extLst>
                 <a:ext uri="{FF2B5EF4-FFF2-40B4-BE49-F238E27FC236}">
-                  <a16:creationId xmlns:a16="http://schemas.microsoft.com/office/drawing/2014/main" xmlns="" id="{9F7C7939-334C-4B6E-8334-1DAF6166C2BD}"/>
+                  <a16:creationId xmlns="" xmlns:a16="http://schemas.microsoft.com/office/drawing/2014/main" id="{9F7C7939-334C-4B6E-8334-1DAF6166C2BD}"/>
                 </a:ext>
               </a:extLst>
             </p:cNvPr>
@@ -22179,7 +22148,7 @@
             <p:cNvPr id="21" name="타원 20">
               <a:extLst>
                 <a:ext uri="{FF2B5EF4-FFF2-40B4-BE49-F238E27FC236}">
-                  <a16:creationId xmlns:a16="http://schemas.microsoft.com/office/drawing/2014/main" xmlns="" id="{3ACF8C7F-31C0-4E48-9500-11CA0520BEC1}"/>
+                  <a16:creationId xmlns="" xmlns:a16="http://schemas.microsoft.com/office/drawing/2014/main" id="{3ACF8C7F-31C0-4E48-9500-11CA0520BEC1}"/>
                 </a:ext>
               </a:extLst>
             </p:cNvPr>
@@ -22235,7 +22204,7 @@
             <p:cNvPr id="22" name="타원 21">
               <a:extLst>
                 <a:ext uri="{FF2B5EF4-FFF2-40B4-BE49-F238E27FC236}">
-                  <a16:creationId xmlns:a16="http://schemas.microsoft.com/office/drawing/2014/main" xmlns="" id="{CDF524C5-87D1-45D8-B459-FDB2C64EC2DD}"/>
+                  <a16:creationId xmlns="" xmlns:a16="http://schemas.microsoft.com/office/drawing/2014/main" id="{CDF524C5-87D1-45D8-B459-FDB2C64EC2DD}"/>
                 </a:ext>
               </a:extLst>
             </p:cNvPr>
@@ -23206,36 +23175,6 @@
             <a:r>
               <a:rPr lang="ko-KR" altLang="en-US" dirty="0" smtClean="0"/>
               <a:t>관리</a:t>
-            </a:r>
-            <a:endParaRPr lang="ko-KR" altLang="en-US" dirty="0"/>
-          </a:p>
-        </p:txBody>
-      </p:sp>
-      <p:sp>
-        <p:nvSpPr>
-          <p:cNvPr id="27" name="TextBox 26"/>
-          <p:cNvSpPr txBox="1"/>
-          <p:nvPr/>
-        </p:nvSpPr>
-        <p:spPr>
-          <a:xfrm>
-            <a:off x="777269" y="1243914"/>
-            <a:ext cx="2847380" cy="369332"/>
-          </a:xfrm>
-          <a:prstGeom prst="rect">
-            <a:avLst/>
-          </a:prstGeom>
-          <a:noFill/>
-        </p:spPr>
-        <p:txBody>
-          <a:bodyPr wrap="square" rtlCol="0">
-            <a:spAutoFit/>
-          </a:bodyPr>
-          <a:lstStyle/>
-          <a:p>
-            <a:r>
-              <a:rPr lang="ko-KR" altLang="en-US" smtClean="0"/>
-              <a:t>관리자 페이지</a:t>
             </a:r>
             <a:endParaRPr lang="ko-KR" altLang="en-US" dirty="0"/>
           </a:p>
@@ -25055,6 +24994,60 @@
           </a:p>
         </p:txBody>
       </p:sp>
+      <p:sp>
+        <p:nvSpPr>
+          <p:cNvPr id="77" name="TextBox 76"/>
+          <p:cNvSpPr txBox="1"/>
+          <p:nvPr/>
+        </p:nvSpPr>
+        <p:spPr>
+          <a:xfrm>
+            <a:off x="777268" y="1243914"/>
+            <a:ext cx="3831802" cy="369332"/>
+          </a:xfrm>
+          <a:prstGeom prst="rect">
+            <a:avLst/>
+          </a:prstGeom>
+          <a:noFill/>
+        </p:spPr>
+        <p:txBody>
+          <a:bodyPr wrap="square" rtlCol="0">
+            <a:spAutoFit/>
+          </a:bodyPr>
+          <a:lstStyle/>
+          <a:p>
+            <a:r>
+              <a:rPr lang="ko-KR" altLang="en-US" smtClean="0"/>
+              <a:t>관리자 </a:t>
+            </a:r>
+            <a:r>
+              <a:rPr lang="ko-KR" altLang="en-US" smtClean="0"/>
+              <a:t>페이지 </a:t>
+            </a:r>
+            <a:r>
+              <a:rPr lang="en-US" altLang="ko-KR"/>
+              <a:t>– </a:t>
+            </a:r>
+            <a:r>
+              <a:rPr lang="ko-KR" altLang="en-US" smtClean="0"/>
+              <a:t>상품등록</a:t>
+            </a:r>
+            <a:r>
+              <a:rPr lang="en-US" altLang="ko-KR" smtClean="0"/>
+              <a:t>(</a:t>
+            </a:r>
+            <a:r>
+              <a:rPr lang="ko-KR" altLang="en-US" smtClean="0"/>
+              <a:t>조립컴</a:t>
+            </a:r>
+            <a:r>
+              <a:rPr lang="en-US" altLang="ko-KR" smtClean="0"/>
+              <a:t>)</a:t>
+            </a:r>
+            <a:endParaRPr lang="ko-KR" altLang="en-US" dirty="0"/>
+          </a:p>
+        </p:txBody>
+      </p:sp>
     </p:spTree>
     <p:extLst>
       <p:ext uri="{BB962C8B-B14F-4D97-AF65-F5344CB8AC3E}">
@@ -25974,36 +25967,6 @@
             <a:r>
               <a:rPr lang="ko-KR" altLang="en-US" dirty="0" smtClean="0"/>
               <a:t>관리</a:t>
-            </a:r>
-            <a:endParaRPr lang="ko-KR" altLang="en-US" dirty="0"/>
-          </a:p>
-        </p:txBody>
-      </p:sp>
-      <p:sp>
-        <p:nvSpPr>
-          <p:cNvPr id="27" name="TextBox 26"/>
-          <p:cNvSpPr txBox="1"/>
-          <p:nvPr/>
-        </p:nvSpPr>
-        <p:spPr>
-          <a:xfrm>
-            <a:off x="777269" y="1243914"/>
-            <a:ext cx="2847380" cy="369332"/>
-          </a:xfrm>
-          <a:prstGeom prst="rect">
-            <a:avLst/>
-          </a:prstGeom>
-          <a:noFill/>
-        </p:spPr>
-        <p:txBody>
-          <a:bodyPr wrap="square" rtlCol="0">
-            <a:spAutoFit/>
-          </a:bodyPr>
-          <a:lstStyle/>
-          <a:p>
-            <a:r>
-              <a:rPr lang="ko-KR" altLang="en-US" smtClean="0"/>
-              <a:t>관리자 페이지</a:t>
             </a:r>
             <a:endParaRPr lang="ko-KR" altLang="en-US" dirty="0"/>
           </a:p>
@@ -27201,6 +27164,60 @@
           </a:p>
         </p:txBody>
       </p:sp>
+      <p:sp>
+        <p:nvSpPr>
+          <p:cNvPr id="49" name="TextBox 48"/>
+          <p:cNvSpPr txBox="1"/>
+          <p:nvPr/>
+        </p:nvSpPr>
+        <p:spPr>
+          <a:xfrm>
+            <a:off x="777268" y="1243914"/>
+            <a:ext cx="3831802" cy="369332"/>
+          </a:xfrm>
+          <a:prstGeom prst="rect">
+            <a:avLst/>
+          </a:prstGeom>
+          <a:noFill/>
+        </p:spPr>
+        <p:txBody>
+          <a:bodyPr wrap="square" rtlCol="0">
+            <a:spAutoFit/>
+          </a:bodyPr>
+          <a:lstStyle/>
+          <a:p>
+            <a:r>
+              <a:rPr lang="ko-KR" altLang="en-US" smtClean="0"/>
+              <a:t>관리자 </a:t>
+            </a:r>
+            <a:r>
+              <a:rPr lang="ko-KR" altLang="en-US" smtClean="0"/>
+              <a:t>페이지 </a:t>
+            </a:r>
+            <a:r>
+              <a:rPr lang="en-US" altLang="ko-KR"/>
+              <a:t>– </a:t>
+            </a:r>
+            <a:r>
+              <a:rPr lang="ko-KR" altLang="en-US" smtClean="0"/>
+              <a:t>상품등록</a:t>
+            </a:r>
+            <a:r>
+              <a:rPr lang="en-US" altLang="ko-KR" smtClean="0"/>
+              <a:t>(</a:t>
+            </a:r>
+            <a:r>
+              <a:rPr lang="ko-KR" altLang="en-US" smtClean="0"/>
+              <a:t>부품</a:t>
+            </a:r>
+            <a:r>
+              <a:rPr lang="en-US" altLang="ko-KR" smtClean="0"/>
+              <a:t>)</a:t>
+            </a:r>
+            <a:endParaRPr lang="ko-KR" altLang="en-US" dirty="0"/>
+          </a:p>
+        </p:txBody>
+      </p:sp>
     </p:spTree>
     <p:extLst>
       <p:ext uri="{BB962C8B-B14F-4D97-AF65-F5344CB8AC3E}">
@@ -28120,36 +28137,6 @@
             <a:r>
               <a:rPr lang="ko-KR" altLang="en-US" dirty="0" smtClean="0"/>
               <a:t>관리</a:t>
-            </a:r>
-            <a:endParaRPr lang="ko-KR" altLang="en-US" dirty="0"/>
-          </a:p>
-        </p:txBody>
-      </p:sp>
-      <p:sp>
-        <p:nvSpPr>
-          <p:cNvPr id="27" name="TextBox 26"/>
-          <p:cNvSpPr txBox="1"/>
-          <p:nvPr/>
-        </p:nvSpPr>
-        <p:spPr>
-          <a:xfrm>
-            <a:off x="777269" y="1243914"/>
-            <a:ext cx="2847380" cy="369332"/>
-          </a:xfrm>
-          <a:prstGeom prst="rect">
-            <a:avLst/>
-          </a:prstGeom>
-          <a:noFill/>
-        </p:spPr>
-        <p:txBody>
-          <a:bodyPr wrap="square" rtlCol="0">
-            <a:spAutoFit/>
-          </a:bodyPr>
-          <a:lstStyle/>
-          <a:p>
-            <a:r>
-              <a:rPr lang="ko-KR" altLang="en-US" smtClean="0"/>
-              <a:t>관리자 페이지</a:t>
             </a:r>
             <a:endParaRPr lang="ko-KR" altLang="en-US" dirty="0"/>
           </a:p>
@@ -28834,10 +28821,1205 @@
           </a:p>
         </p:txBody>
       </p:sp>
+      <p:sp>
+        <p:nvSpPr>
+          <p:cNvPr id="5" name="직사각형 4"/>
+          <p:cNvSpPr/>
+          <p:nvPr/>
+        </p:nvSpPr>
+        <p:spPr>
+          <a:xfrm>
+            <a:off x="2035458" y="2853408"/>
+            <a:ext cx="5108396" cy="2855521"/>
+          </a:xfrm>
+          <a:prstGeom prst="rect">
+            <a:avLst/>
+          </a:prstGeom>
+          <a:solidFill>
+            <a:schemeClr val="bg1"/>
+          </a:solidFill>
+          <a:ln>
+            <a:solidFill>
+              <a:schemeClr val="tx1"/>
+            </a:solidFill>
+          </a:ln>
+        </p:spPr>
+        <p:style>
+          <a:lnRef idx="2">
+            <a:schemeClr val="accent1">
+              <a:shade val="50000"/>
+            </a:schemeClr>
+          </a:lnRef>
+          <a:fillRef idx="1">
+            <a:schemeClr val="accent1"/>
+          </a:fillRef>
+          <a:effectRef idx="0">
+            <a:schemeClr val="accent1"/>
+          </a:effectRef>
+          <a:fontRef idx="minor">
+            <a:schemeClr val="lt1"/>
+          </a:fontRef>
+        </p:style>
+        <p:txBody>
+          <a:bodyPr rtlCol="0" anchor="t"/>
+          <a:lstStyle/>
+          <a:p>
+            <a:r>
+              <a:rPr lang="ko-KR" altLang="en-US" smtClean="0">
+                <a:solidFill>
+                  <a:schemeClr val="tx1"/>
+                </a:solidFill>
+              </a:rPr>
+              <a:t>상품 </a:t>
+            </a:r>
+            <a:r>
+              <a:rPr lang="ko-KR" altLang="en-US" smtClean="0">
+                <a:solidFill>
+                  <a:schemeClr val="tx1"/>
+                </a:solidFill>
+              </a:rPr>
+              <a:t>상세</a:t>
+            </a:r>
+            <a:endParaRPr lang="ko-KR" altLang="en-US">
+              <a:solidFill>
+                <a:schemeClr val="tx1"/>
+              </a:solidFill>
+            </a:endParaRPr>
+          </a:p>
+        </p:txBody>
+      </p:sp>
+      <p:sp>
+        <p:nvSpPr>
+          <p:cNvPr id="39" name="직사각형 38"/>
+          <p:cNvSpPr/>
+          <p:nvPr/>
+        </p:nvSpPr>
+        <p:spPr>
+          <a:xfrm>
+            <a:off x="2848295" y="3308012"/>
+            <a:ext cx="1793727" cy="227830"/>
+          </a:xfrm>
+          <a:prstGeom prst="rect">
+            <a:avLst/>
+          </a:prstGeom>
+          <a:solidFill>
+            <a:schemeClr val="bg1"/>
+          </a:solidFill>
+          <a:ln>
+            <a:solidFill>
+              <a:schemeClr val="tx1"/>
+            </a:solidFill>
+          </a:ln>
+        </p:spPr>
+        <p:style>
+          <a:lnRef idx="2">
+            <a:schemeClr val="accent1">
+              <a:shade val="50000"/>
+            </a:schemeClr>
+          </a:lnRef>
+          <a:fillRef idx="1">
+            <a:schemeClr val="accent1"/>
+          </a:fillRef>
+          <a:effectRef idx="0">
+            <a:schemeClr val="accent1"/>
+          </a:effectRef>
+          <a:fontRef idx="minor">
+            <a:schemeClr val="lt1"/>
+          </a:fontRef>
+        </p:style>
+        <p:txBody>
+          <a:bodyPr rtlCol="0" anchor="ctr"/>
+          <a:lstStyle/>
+          <a:p>
+            <a:r>
+              <a:rPr lang="ko-KR" altLang="en-US" sz="900" smtClean="0">
+                <a:solidFill>
+                  <a:schemeClr val="bg1">
+                    <a:lumMod val="75000"/>
+                  </a:schemeClr>
+                </a:solidFill>
+              </a:rPr>
+              <a:t>상품</a:t>
+            </a:r>
+            <a:r>
+              <a:rPr lang="ko-KR" altLang="en-US" sz="900">
+                <a:solidFill>
+                  <a:schemeClr val="bg1">
+                    <a:lumMod val="75000"/>
+                  </a:schemeClr>
+                </a:solidFill>
+              </a:rPr>
+              <a:t>명</a:t>
+            </a:r>
+            <a:endParaRPr lang="ko-KR" altLang="en-US" sz="900" dirty="0">
+              <a:solidFill>
+                <a:schemeClr val="bg1">
+                  <a:lumMod val="75000"/>
+                </a:schemeClr>
+              </a:solidFill>
+            </a:endParaRPr>
+          </a:p>
+        </p:txBody>
+      </p:sp>
+      <p:sp>
+        <p:nvSpPr>
+          <p:cNvPr id="56" name="TextBox 55"/>
+          <p:cNvSpPr txBox="1"/>
+          <p:nvPr/>
+        </p:nvSpPr>
+        <p:spPr>
+          <a:xfrm>
+            <a:off x="2129504" y="3305009"/>
+            <a:ext cx="621935" cy="230832"/>
+          </a:xfrm>
+          <a:prstGeom prst="rect">
+            <a:avLst/>
+          </a:prstGeom>
+          <a:noFill/>
+        </p:spPr>
+        <p:txBody>
+          <a:bodyPr wrap="square" rtlCol="0">
+            <a:spAutoFit/>
+          </a:bodyPr>
+          <a:lstStyle/>
+          <a:p>
+            <a:r>
+              <a:rPr lang="ko-KR" altLang="en-US" sz="900" smtClean="0"/>
+              <a:t>상품명</a:t>
+            </a:r>
+            <a:endParaRPr lang="ko-KR" altLang="en-US" sz="900" dirty="0"/>
+          </a:p>
+        </p:txBody>
+      </p:sp>
+      <p:sp>
+        <p:nvSpPr>
+          <p:cNvPr id="59" name="직사각형 58"/>
+          <p:cNvSpPr/>
+          <p:nvPr/>
+        </p:nvSpPr>
+        <p:spPr>
+          <a:xfrm>
+            <a:off x="2848295" y="3604924"/>
+            <a:ext cx="1793727" cy="227830"/>
+          </a:xfrm>
+          <a:prstGeom prst="rect">
+            <a:avLst/>
+          </a:prstGeom>
+          <a:solidFill>
+            <a:schemeClr val="bg1"/>
+          </a:solidFill>
+          <a:ln>
+            <a:solidFill>
+              <a:schemeClr val="tx1"/>
+            </a:solidFill>
+          </a:ln>
+        </p:spPr>
+        <p:style>
+          <a:lnRef idx="2">
+            <a:schemeClr val="accent1">
+              <a:shade val="50000"/>
+            </a:schemeClr>
+          </a:lnRef>
+          <a:fillRef idx="1">
+            <a:schemeClr val="accent1"/>
+          </a:fillRef>
+          <a:effectRef idx="0">
+            <a:schemeClr val="accent1"/>
+          </a:effectRef>
+          <a:fontRef idx="minor">
+            <a:schemeClr val="lt1"/>
+          </a:fontRef>
+        </p:style>
+        <p:txBody>
+          <a:bodyPr rtlCol="0" anchor="ctr"/>
+          <a:lstStyle/>
+          <a:p>
+            <a:r>
+              <a:rPr lang="ko-KR" altLang="en-US" sz="900" smtClean="0">
+                <a:solidFill>
+                  <a:schemeClr val="bg1">
+                    <a:lumMod val="75000"/>
+                  </a:schemeClr>
+                </a:solidFill>
+              </a:rPr>
+              <a:t>상품</a:t>
+            </a:r>
+            <a:r>
+              <a:rPr lang="ko-KR" altLang="en-US" sz="900">
+                <a:solidFill>
+                  <a:schemeClr val="bg1">
+                    <a:lumMod val="75000"/>
+                  </a:schemeClr>
+                </a:solidFill>
+              </a:rPr>
+              <a:t>명</a:t>
+            </a:r>
+            <a:endParaRPr lang="ko-KR" altLang="en-US" sz="900" dirty="0">
+              <a:solidFill>
+                <a:schemeClr val="bg1">
+                  <a:lumMod val="75000"/>
+                </a:schemeClr>
+              </a:solidFill>
+            </a:endParaRPr>
+          </a:p>
+        </p:txBody>
+      </p:sp>
+      <p:sp>
+        <p:nvSpPr>
+          <p:cNvPr id="60" name="TextBox 59"/>
+          <p:cNvSpPr txBox="1"/>
+          <p:nvPr/>
+        </p:nvSpPr>
+        <p:spPr>
+          <a:xfrm>
+            <a:off x="2129504" y="3601921"/>
+            <a:ext cx="621935" cy="230832"/>
+          </a:xfrm>
+          <a:prstGeom prst="rect">
+            <a:avLst/>
+          </a:prstGeom>
+          <a:noFill/>
+        </p:spPr>
+        <p:txBody>
+          <a:bodyPr wrap="square" rtlCol="0">
+            <a:spAutoFit/>
+          </a:bodyPr>
+          <a:lstStyle/>
+          <a:p>
+            <a:r>
+              <a:rPr lang="en-US" altLang="ko-KR" sz="900" smtClean="0"/>
+              <a:t>CPU</a:t>
+            </a:r>
+            <a:endParaRPr lang="ko-KR" altLang="en-US" sz="900" dirty="0"/>
+          </a:p>
+        </p:txBody>
+      </p:sp>
+      <p:sp>
+        <p:nvSpPr>
+          <p:cNvPr id="61" name="직사각형 60"/>
+          <p:cNvSpPr/>
+          <p:nvPr/>
+        </p:nvSpPr>
+        <p:spPr>
+          <a:xfrm>
+            <a:off x="2848294" y="3881446"/>
+            <a:ext cx="1793727" cy="227830"/>
+          </a:xfrm>
+          <a:prstGeom prst="rect">
+            <a:avLst/>
+          </a:prstGeom>
+          <a:solidFill>
+            <a:schemeClr val="bg1"/>
+          </a:solidFill>
+          <a:ln>
+            <a:solidFill>
+              <a:schemeClr val="tx1"/>
+            </a:solidFill>
+          </a:ln>
+        </p:spPr>
+        <p:style>
+          <a:lnRef idx="2">
+            <a:schemeClr val="accent1">
+              <a:shade val="50000"/>
+            </a:schemeClr>
+          </a:lnRef>
+          <a:fillRef idx="1">
+            <a:schemeClr val="accent1"/>
+          </a:fillRef>
+          <a:effectRef idx="0">
+            <a:schemeClr val="accent1"/>
+          </a:effectRef>
+          <a:fontRef idx="minor">
+            <a:schemeClr val="lt1"/>
+          </a:fontRef>
+        </p:style>
+        <p:txBody>
+          <a:bodyPr rtlCol="0" anchor="ctr"/>
+          <a:lstStyle/>
+          <a:p>
+            <a:r>
+              <a:rPr lang="ko-KR" altLang="en-US" sz="900" smtClean="0">
+                <a:solidFill>
+                  <a:schemeClr val="bg1">
+                    <a:lumMod val="75000"/>
+                  </a:schemeClr>
+                </a:solidFill>
+              </a:rPr>
+              <a:t>상품</a:t>
+            </a:r>
+            <a:r>
+              <a:rPr lang="ko-KR" altLang="en-US" sz="900">
+                <a:solidFill>
+                  <a:schemeClr val="bg1">
+                    <a:lumMod val="75000"/>
+                  </a:schemeClr>
+                </a:solidFill>
+              </a:rPr>
+              <a:t>명</a:t>
+            </a:r>
+            <a:endParaRPr lang="ko-KR" altLang="en-US" sz="900" dirty="0">
+              <a:solidFill>
+                <a:schemeClr val="bg1">
+                  <a:lumMod val="75000"/>
+                </a:schemeClr>
+              </a:solidFill>
+            </a:endParaRPr>
+          </a:p>
+        </p:txBody>
+      </p:sp>
+      <p:sp>
+        <p:nvSpPr>
+          <p:cNvPr id="62" name="TextBox 61"/>
+          <p:cNvSpPr txBox="1"/>
+          <p:nvPr/>
+        </p:nvSpPr>
+        <p:spPr>
+          <a:xfrm>
+            <a:off x="2129503" y="3878443"/>
+            <a:ext cx="696075" cy="230832"/>
+          </a:xfrm>
+          <a:prstGeom prst="rect">
+            <a:avLst/>
+          </a:prstGeom>
+          <a:noFill/>
+        </p:spPr>
+        <p:txBody>
+          <a:bodyPr wrap="square" rtlCol="0">
+            <a:spAutoFit/>
+          </a:bodyPr>
+          <a:lstStyle/>
+          <a:p>
+            <a:r>
+              <a:rPr lang="ko-KR" altLang="en-US" sz="900"/>
+              <a:t>메인보드</a:t>
+            </a:r>
+            <a:endParaRPr lang="ko-KR" altLang="en-US" sz="900" dirty="0"/>
+          </a:p>
+        </p:txBody>
+      </p:sp>
+      <p:sp>
+        <p:nvSpPr>
+          <p:cNvPr id="63" name="직사각형 62"/>
+          <p:cNvSpPr/>
+          <p:nvPr/>
+        </p:nvSpPr>
+        <p:spPr>
+          <a:xfrm>
+            <a:off x="2848294" y="4201644"/>
+            <a:ext cx="1793727" cy="227830"/>
+          </a:xfrm>
+          <a:prstGeom prst="rect">
+            <a:avLst/>
+          </a:prstGeom>
+          <a:solidFill>
+            <a:schemeClr val="bg1"/>
+          </a:solidFill>
+          <a:ln>
+            <a:solidFill>
+              <a:schemeClr val="tx1"/>
+            </a:solidFill>
+          </a:ln>
+        </p:spPr>
+        <p:style>
+          <a:lnRef idx="2">
+            <a:schemeClr val="accent1">
+              <a:shade val="50000"/>
+            </a:schemeClr>
+          </a:lnRef>
+          <a:fillRef idx="1">
+            <a:schemeClr val="accent1"/>
+          </a:fillRef>
+          <a:effectRef idx="0">
+            <a:schemeClr val="accent1"/>
+          </a:effectRef>
+          <a:fontRef idx="minor">
+            <a:schemeClr val="lt1"/>
+          </a:fontRef>
+        </p:style>
+        <p:txBody>
+          <a:bodyPr rtlCol="0" anchor="ctr"/>
+          <a:lstStyle/>
+          <a:p>
+            <a:r>
+              <a:rPr lang="ko-KR" altLang="en-US" sz="900" smtClean="0">
+                <a:solidFill>
+                  <a:schemeClr val="bg1">
+                    <a:lumMod val="75000"/>
+                  </a:schemeClr>
+                </a:solidFill>
+              </a:rPr>
+              <a:t>상품</a:t>
+            </a:r>
+            <a:r>
+              <a:rPr lang="ko-KR" altLang="en-US" sz="900">
+                <a:solidFill>
+                  <a:schemeClr val="bg1">
+                    <a:lumMod val="75000"/>
+                  </a:schemeClr>
+                </a:solidFill>
+              </a:rPr>
+              <a:t>명</a:t>
+            </a:r>
+            <a:endParaRPr lang="ko-KR" altLang="en-US" sz="900" dirty="0">
+              <a:solidFill>
+                <a:schemeClr val="bg1">
+                  <a:lumMod val="75000"/>
+                </a:schemeClr>
+              </a:solidFill>
+            </a:endParaRPr>
+          </a:p>
+        </p:txBody>
+      </p:sp>
+      <p:sp>
+        <p:nvSpPr>
+          <p:cNvPr id="64" name="TextBox 63"/>
+          <p:cNvSpPr txBox="1"/>
+          <p:nvPr/>
+        </p:nvSpPr>
+        <p:spPr>
+          <a:xfrm>
+            <a:off x="2129503" y="4198641"/>
+            <a:ext cx="621935" cy="230832"/>
+          </a:xfrm>
+          <a:prstGeom prst="rect">
+            <a:avLst/>
+          </a:prstGeom>
+          <a:noFill/>
+        </p:spPr>
+        <p:txBody>
+          <a:bodyPr wrap="square" rtlCol="0">
+            <a:spAutoFit/>
+          </a:bodyPr>
+          <a:lstStyle/>
+          <a:p>
+            <a:r>
+              <a:rPr lang="en-US" altLang="ko-KR" sz="900" smtClean="0"/>
+              <a:t>RAM</a:t>
+            </a:r>
+            <a:endParaRPr lang="ko-KR" altLang="en-US" sz="900" dirty="0"/>
+          </a:p>
+        </p:txBody>
+      </p:sp>
+      <p:sp>
+        <p:nvSpPr>
+          <p:cNvPr id="65" name="직사각형 64"/>
+          <p:cNvSpPr/>
+          <p:nvPr/>
+        </p:nvSpPr>
+        <p:spPr>
+          <a:xfrm>
+            <a:off x="2848294" y="4492136"/>
+            <a:ext cx="1793727" cy="227830"/>
+          </a:xfrm>
+          <a:prstGeom prst="rect">
+            <a:avLst/>
+          </a:prstGeom>
+          <a:solidFill>
+            <a:schemeClr val="bg1"/>
+          </a:solidFill>
+          <a:ln>
+            <a:solidFill>
+              <a:schemeClr val="tx1"/>
+            </a:solidFill>
+          </a:ln>
+        </p:spPr>
+        <p:style>
+          <a:lnRef idx="2">
+            <a:schemeClr val="accent1">
+              <a:shade val="50000"/>
+            </a:schemeClr>
+          </a:lnRef>
+          <a:fillRef idx="1">
+            <a:schemeClr val="accent1"/>
+          </a:fillRef>
+          <a:effectRef idx="0">
+            <a:schemeClr val="accent1"/>
+          </a:effectRef>
+          <a:fontRef idx="minor">
+            <a:schemeClr val="lt1"/>
+          </a:fontRef>
+        </p:style>
+        <p:txBody>
+          <a:bodyPr rtlCol="0" anchor="ctr"/>
+          <a:lstStyle/>
+          <a:p>
+            <a:r>
+              <a:rPr lang="ko-KR" altLang="en-US" sz="900" smtClean="0">
+                <a:solidFill>
+                  <a:schemeClr val="bg1">
+                    <a:lumMod val="75000"/>
+                  </a:schemeClr>
+                </a:solidFill>
+              </a:rPr>
+              <a:t>상품</a:t>
+            </a:r>
+            <a:r>
+              <a:rPr lang="ko-KR" altLang="en-US" sz="900">
+                <a:solidFill>
+                  <a:schemeClr val="bg1">
+                    <a:lumMod val="75000"/>
+                  </a:schemeClr>
+                </a:solidFill>
+              </a:rPr>
+              <a:t>명</a:t>
+            </a:r>
+            <a:endParaRPr lang="ko-KR" altLang="en-US" sz="900" dirty="0">
+              <a:solidFill>
+                <a:schemeClr val="bg1">
+                  <a:lumMod val="75000"/>
+                </a:schemeClr>
+              </a:solidFill>
+            </a:endParaRPr>
+          </a:p>
+        </p:txBody>
+      </p:sp>
+      <p:sp>
+        <p:nvSpPr>
+          <p:cNvPr id="66" name="TextBox 65"/>
+          <p:cNvSpPr txBox="1"/>
+          <p:nvPr/>
+        </p:nvSpPr>
+        <p:spPr>
+          <a:xfrm>
+            <a:off x="2129503" y="4489133"/>
+            <a:ext cx="696075" cy="230832"/>
+          </a:xfrm>
+          <a:prstGeom prst="rect">
+            <a:avLst/>
+          </a:prstGeom>
+          <a:noFill/>
+        </p:spPr>
+        <p:txBody>
+          <a:bodyPr wrap="square" rtlCol="0">
+            <a:spAutoFit/>
+          </a:bodyPr>
+          <a:lstStyle/>
+          <a:p>
+            <a:r>
+              <a:rPr lang="ko-KR" altLang="en-US" sz="900" smtClean="0"/>
+              <a:t>저장</a:t>
+            </a:r>
+            <a:r>
+              <a:rPr lang="ko-KR" altLang="en-US" sz="900"/>
+              <a:t>소</a:t>
+            </a:r>
+            <a:endParaRPr lang="ko-KR" altLang="en-US" sz="900" dirty="0"/>
+          </a:p>
+        </p:txBody>
+      </p:sp>
+      <p:sp>
+        <p:nvSpPr>
+          <p:cNvPr id="67" name="직사각형 66"/>
+          <p:cNvSpPr/>
+          <p:nvPr/>
+        </p:nvSpPr>
+        <p:spPr>
+          <a:xfrm>
+            <a:off x="2848294" y="4789385"/>
+            <a:ext cx="1793727" cy="227830"/>
+          </a:xfrm>
+          <a:prstGeom prst="rect">
+            <a:avLst/>
+          </a:prstGeom>
+          <a:solidFill>
+            <a:schemeClr val="bg1"/>
+          </a:solidFill>
+          <a:ln>
+            <a:solidFill>
+              <a:schemeClr val="tx1"/>
+            </a:solidFill>
+          </a:ln>
+        </p:spPr>
+        <p:style>
+          <a:lnRef idx="2">
+            <a:schemeClr val="accent1">
+              <a:shade val="50000"/>
+            </a:schemeClr>
+          </a:lnRef>
+          <a:fillRef idx="1">
+            <a:schemeClr val="accent1"/>
+          </a:fillRef>
+          <a:effectRef idx="0">
+            <a:schemeClr val="accent1"/>
+          </a:effectRef>
+          <a:fontRef idx="minor">
+            <a:schemeClr val="lt1"/>
+          </a:fontRef>
+        </p:style>
+        <p:txBody>
+          <a:bodyPr rtlCol="0" anchor="ctr"/>
+          <a:lstStyle/>
+          <a:p>
+            <a:r>
+              <a:rPr lang="ko-KR" altLang="en-US" sz="900" smtClean="0">
+                <a:solidFill>
+                  <a:schemeClr val="bg1">
+                    <a:lumMod val="75000"/>
+                  </a:schemeClr>
+                </a:solidFill>
+              </a:rPr>
+              <a:t>상품</a:t>
+            </a:r>
+            <a:r>
+              <a:rPr lang="ko-KR" altLang="en-US" sz="900">
+                <a:solidFill>
+                  <a:schemeClr val="bg1">
+                    <a:lumMod val="75000"/>
+                  </a:schemeClr>
+                </a:solidFill>
+              </a:rPr>
+              <a:t>명</a:t>
+            </a:r>
+            <a:endParaRPr lang="ko-KR" altLang="en-US" sz="900" dirty="0">
+              <a:solidFill>
+                <a:schemeClr val="bg1">
+                  <a:lumMod val="75000"/>
+                </a:schemeClr>
+              </a:solidFill>
+            </a:endParaRPr>
+          </a:p>
+        </p:txBody>
+      </p:sp>
+      <p:sp>
+        <p:nvSpPr>
+          <p:cNvPr id="70" name="TextBox 69"/>
+          <p:cNvSpPr txBox="1"/>
+          <p:nvPr/>
+        </p:nvSpPr>
+        <p:spPr>
+          <a:xfrm>
+            <a:off x="2129503" y="4786382"/>
+            <a:ext cx="718792" cy="230832"/>
+          </a:xfrm>
+          <a:prstGeom prst="rect">
+            <a:avLst/>
+          </a:prstGeom>
+          <a:noFill/>
+        </p:spPr>
+        <p:txBody>
+          <a:bodyPr wrap="square" rtlCol="0">
+            <a:spAutoFit/>
+          </a:bodyPr>
+          <a:lstStyle/>
+          <a:p>
+            <a:r>
+              <a:rPr lang="ko-KR" altLang="en-US" sz="900" smtClean="0"/>
+              <a:t>그래픽</a:t>
+            </a:r>
+            <a:endParaRPr lang="ko-KR" altLang="en-US" sz="900" dirty="0"/>
+          </a:p>
+        </p:txBody>
+      </p:sp>
+      <p:sp>
+        <p:nvSpPr>
+          <p:cNvPr id="71" name="직사각형 70"/>
+          <p:cNvSpPr/>
+          <p:nvPr/>
+        </p:nvSpPr>
+        <p:spPr>
+          <a:xfrm>
+            <a:off x="2848294" y="5064840"/>
+            <a:ext cx="1793727" cy="227830"/>
+          </a:xfrm>
+          <a:prstGeom prst="rect">
+            <a:avLst/>
+          </a:prstGeom>
+          <a:solidFill>
+            <a:schemeClr val="bg1"/>
+          </a:solidFill>
+          <a:ln>
+            <a:solidFill>
+              <a:schemeClr val="tx1"/>
+            </a:solidFill>
+          </a:ln>
+        </p:spPr>
+        <p:style>
+          <a:lnRef idx="2">
+            <a:schemeClr val="accent1">
+              <a:shade val="50000"/>
+            </a:schemeClr>
+          </a:lnRef>
+          <a:fillRef idx="1">
+            <a:schemeClr val="accent1"/>
+          </a:fillRef>
+          <a:effectRef idx="0">
+            <a:schemeClr val="accent1"/>
+          </a:effectRef>
+          <a:fontRef idx="minor">
+            <a:schemeClr val="lt1"/>
+          </a:fontRef>
+        </p:style>
+        <p:txBody>
+          <a:bodyPr rtlCol="0" anchor="ctr"/>
+          <a:lstStyle/>
+          <a:p>
+            <a:r>
+              <a:rPr lang="ko-KR" altLang="en-US" sz="900" smtClean="0">
+                <a:solidFill>
+                  <a:schemeClr val="bg1">
+                    <a:lumMod val="75000"/>
+                  </a:schemeClr>
+                </a:solidFill>
+              </a:rPr>
+              <a:t>상품</a:t>
+            </a:r>
+            <a:r>
+              <a:rPr lang="ko-KR" altLang="en-US" sz="900">
+                <a:solidFill>
+                  <a:schemeClr val="bg1">
+                    <a:lumMod val="75000"/>
+                  </a:schemeClr>
+                </a:solidFill>
+              </a:rPr>
+              <a:t>명</a:t>
+            </a:r>
+            <a:endParaRPr lang="ko-KR" altLang="en-US" sz="900" dirty="0">
+              <a:solidFill>
+                <a:schemeClr val="bg1">
+                  <a:lumMod val="75000"/>
+                </a:schemeClr>
+              </a:solidFill>
+            </a:endParaRPr>
+          </a:p>
+        </p:txBody>
+      </p:sp>
+      <p:sp>
+        <p:nvSpPr>
+          <p:cNvPr id="72" name="TextBox 71"/>
+          <p:cNvSpPr txBox="1"/>
+          <p:nvPr/>
+        </p:nvSpPr>
+        <p:spPr>
+          <a:xfrm>
+            <a:off x="2129503" y="5061837"/>
+            <a:ext cx="621935" cy="230832"/>
+          </a:xfrm>
+          <a:prstGeom prst="rect">
+            <a:avLst/>
+          </a:prstGeom>
+          <a:noFill/>
+        </p:spPr>
+        <p:txBody>
+          <a:bodyPr wrap="square" rtlCol="0">
+            <a:spAutoFit/>
+          </a:bodyPr>
+          <a:lstStyle/>
+          <a:p>
+            <a:r>
+              <a:rPr lang="ko-KR" altLang="en-US" sz="900" smtClean="0"/>
+              <a:t>파워</a:t>
+            </a:r>
+            <a:endParaRPr lang="ko-KR" altLang="en-US" sz="900" dirty="0"/>
+          </a:p>
+        </p:txBody>
+      </p:sp>
+      <p:sp>
+        <p:nvSpPr>
+          <p:cNvPr id="6" name="직사각형 5"/>
+          <p:cNvSpPr/>
+          <p:nvPr/>
+        </p:nvSpPr>
+        <p:spPr>
+          <a:xfrm>
+            <a:off x="4806069" y="3604924"/>
+            <a:ext cx="2038868" cy="1687745"/>
+          </a:xfrm>
+          <a:prstGeom prst="rect">
+            <a:avLst/>
+          </a:prstGeom>
+          <a:solidFill>
+            <a:schemeClr val="bg1"/>
+          </a:solidFill>
+          <a:ln>
+            <a:solidFill>
+              <a:schemeClr val="tx1"/>
+            </a:solidFill>
+          </a:ln>
+        </p:spPr>
+        <p:style>
+          <a:lnRef idx="2">
+            <a:schemeClr val="accent1">
+              <a:shade val="50000"/>
+            </a:schemeClr>
+          </a:lnRef>
+          <a:fillRef idx="1">
+            <a:schemeClr val="accent1"/>
+          </a:fillRef>
+          <a:effectRef idx="0">
+            <a:schemeClr val="accent1"/>
+          </a:effectRef>
+          <a:fontRef idx="minor">
+            <a:schemeClr val="lt1"/>
+          </a:fontRef>
+        </p:style>
+        <p:txBody>
+          <a:bodyPr rtlCol="0" anchor="ctr"/>
+          <a:lstStyle/>
+          <a:p>
+            <a:pPr algn="ctr"/>
+            <a:r>
+              <a:rPr lang="ko-KR" altLang="en-US" smtClean="0">
+                <a:solidFill>
+                  <a:schemeClr val="tx1"/>
+                </a:solidFill>
+              </a:rPr>
+              <a:t>상품</a:t>
+            </a:r>
+            <a:endParaRPr lang="en-US" altLang="ko-KR" smtClean="0">
+              <a:solidFill>
+                <a:schemeClr val="tx1"/>
+              </a:solidFill>
+            </a:endParaRPr>
+          </a:p>
+          <a:p>
+            <a:pPr algn="ctr"/>
+            <a:r>
+              <a:rPr lang="ko-KR" altLang="en-US" smtClean="0">
+                <a:solidFill>
+                  <a:schemeClr val="tx1"/>
+                </a:solidFill>
+              </a:rPr>
+              <a:t>이미지등록</a:t>
+            </a:r>
+            <a:endParaRPr lang="ko-KR" altLang="en-US">
+              <a:solidFill>
+                <a:schemeClr val="tx1"/>
+              </a:solidFill>
+            </a:endParaRPr>
+          </a:p>
+        </p:txBody>
+      </p:sp>
+      <p:sp>
+        <p:nvSpPr>
+          <p:cNvPr id="74" name="직사각형 73"/>
+          <p:cNvSpPr/>
+          <p:nvPr/>
+        </p:nvSpPr>
+        <p:spPr>
+          <a:xfrm>
+            <a:off x="4177410" y="5363179"/>
+            <a:ext cx="464612" cy="249674"/>
+          </a:xfrm>
+          <a:prstGeom prst="rect">
+            <a:avLst/>
+          </a:prstGeom>
+          <a:solidFill>
+            <a:schemeClr val="tx1"/>
+          </a:solidFill>
+          <a:ln>
+            <a:solidFill>
+              <a:schemeClr val="tx1"/>
+            </a:solidFill>
+          </a:ln>
+        </p:spPr>
+        <p:style>
+          <a:lnRef idx="2">
+            <a:schemeClr val="accent1">
+              <a:shade val="50000"/>
+            </a:schemeClr>
+          </a:lnRef>
+          <a:fillRef idx="1">
+            <a:schemeClr val="accent1"/>
+          </a:fillRef>
+          <a:effectRef idx="0">
+            <a:schemeClr val="accent1"/>
+          </a:effectRef>
+          <a:fontRef idx="minor">
+            <a:schemeClr val="lt1"/>
+          </a:fontRef>
+        </p:style>
+        <p:txBody>
+          <a:bodyPr rtlCol="0" anchor="ctr"/>
+          <a:lstStyle/>
+          <a:p>
+            <a:pPr algn="ctr"/>
+            <a:r>
+              <a:rPr lang="ko-KR" altLang="en-US" sz="1000" smtClean="0">
+                <a:solidFill>
+                  <a:schemeClr val="bg1"/>
+                </a:solidFill>
+              </a:rPr>
+              <a:t>삭제</a:t>
+            </a:r>
+            <a:endParaRPr lang="ko-KR" altLang="en-US" sz="1000" dirty="0">
+              <a:solidFill>
+                <a:schemeClr val="bg1"/>
+              </a:solidFill>
+            </a:endParaRPr>
+          </a:p>
+        </p:txBody>
+      </p:sp>
+      <p:sp>
+        <p:nvSpPr>
+          <p:cNvPr id="75" name="직사각형 74"/>
+          <p:cNvSpPr/>
+          <p:nvPr/>
+        </p:nvSpPr>
+        <p:spPr>
+          <a:xfrm>
+            <a:off x="4756996" y="5363179"/>
+            <a:ext cx="464612" cy="249674"/>
+          </a:xfrm>
+          <a:prstGeom prst="rect">
+            <a:avLst/>
+          </a:prstGeom>
+          <a:solidFill>
+            <a:schemeClr val="tx1"/>
+          </a:solidFill>
+          <a:ln>
+            <a:solidFill>
+              <a:schemeClr val="tx1"/>
+            </a:solidFill>
+          </a:ln>
+        </p:spPr>
+        <p:style>
+          <a:lnRef idx="2">
+            <a:schemeClr val="accent1">
+              <a:shade val="50000"/>
+            </a:schemeClr>
+          </a:lnRef>
+          <a:fillRef idx="1">
+            <a:schemeClr val="accent1"/>
+          </a:fillRef>
+          <a:effectRef idx="0">
+            <a:schemeClr val="accent1"/>
+          </a:effectRef>
+          <a:fontRef idx="minor">
+            <a:schemeClr val="lt1"/>
+          </a:fontRef>
+        </p:style>
+        <p:txBody>
+          <a:bodyPr rtlCol="0" anchor="ctr"/>
+          <a:lstStyle/>
+          <a:p>
+            <a:pPr algn="ctr"/>
+            <a:r>
+              <a:rPr lang="ko-KR" altLang="en-US" sz="1000" smtClean="0">
+                <a:solidFill>
+                  <a:schemeClr val="bg1"/>
+                </a:solidFill>
+              </a:rPr>
+              <a:t>취소</a:t>
+            </a:r>
+            <a:endParaRPr lang="ko-KR" altLang="en-US" sz="1000" dirty="0">
+              <a:solidFill>
+                <a:schemeClr val="bg1"/>
+              </a:solidFill>
+            </a:endParaRPr>
+          </a:p>
+        </p:txBody>
+      </p:sp>
+      <p:sp>
+        <p:nvSpPr>
+          <p:cNvPr id="73" name="직사각형 72"/>
+          <p:cNvSpPr/>
+          <p:nvPr/>
+        </p:nvSpPr>
+        <p:spPr>
+          <a:xfrm>
+            <a:off x="5524860" y="3308012"/>
+            <a:ext cx="1320077" cy="227830"/>
+          </a:xfrm>
+          <a:prstGeom prst="rect">
+            <a:avLst/>
+          </a:prstGeom>
+          <a:solidFill>
+            <a:schemeClr val="bg1"/>
+          </a:solidFill>
+          <a:ln>
+            <a:solidFill>
+              <a:schemeClr val="tx1"/>
+            </a:solidFill>
+          </a:ln>
+        </p:spPr>
+        <p:style>
+          <a:lnRef idx="2">
+            <a:schemeClr val="accent1">
+              <a:shade val="50000"/>
+            </a:schemeClr>
+          </a:lnRef>
+          <a:fillRef idx="1">
+            <a:schemeClr val="accent1"/>
+          </a:fillRef>
+          <a:effectRef idx="0">
+            <a:schemeClr val="accent1"/>
+          </a:effectRef>
+          <a:fontRef idx="minor">
+            <a:schemeClr val="lt1"/>
+          </a:fontRef>
+        </p:style>
+        <p:txBody>
+          <a:bodyPr rtlCol="0" anchor="ctr"/>
+          <a:lstStyle/>
+          <a:p>
+            <a:r>
+              <a:rPr lang="ko-KR" altLang="en-US" sz="900" smtClean="0">
+                <a:solidFill>
+                  <a:schemeClr val="bg1">
+                    <a:lumMod val="75000"/>
+                  </a:schemeClr>
+                </a:solidFill>
+              </a:rPr>
+              <a:t>상품분류</a:t>
+            </a:r>
+            <a:endParaRPr lang="ko-KR" altLang="en-US" sz="900" dirty="0">
+              <a:solidFill>
+                <a:schemeClr val="bg1">
+                  <a:lumMod val="75000"/>
+                </a:schemeClr>
+              </a:solidFill>
+            </a:endParaRPr>
+          </a:p>
+        </p:txBody>
+      </p:sp>
+      <p:sp>
+        <p:nvSpPr>
+          <p:cNvPr id="76" name="TextBox 75"/>
+          <p:cNvSpPr txBox="1"/>
+          <p:nvPr/>
+        </p:nvSpPr>
+        <p:spPr>
+          <a:xfrm>
+            <a:off x="4806069" y="3305009"/>
+            <a:ext cx="688569" cy="230832"/>
+          </a:xfrm>
+          <a:prstGeom prst="rect">
+            <a:avLst/>
+          </a:prstGeom>
+          <a:noFill/>
+        </p:spPr>
+        <p:txBody>
+          <a:bodyPr wrap="square" rtlCol="0">
+            <a:spAutoFit/>
+          </a:bodyPr>
+          <a:lstStyle/>
+          <a:p>
+            <a:r>
+              <a:rPr lang="ko-KR" altLang="en-US" sz="900" smtClean="0"/>
+              <a:t>상품분류</a:t>
+            </a:r>
+            <a:endParaRPr lang="ko-KR" altLang="en-US" sz="900" dirty="0"/>
+          </a:p>
+        </p:txBody>
+      </p:sp>
+      <p:sp>
+        <p:nvSpPr>
+          <p:cNvPr id="77" name="TextBox 76"/>
+          <p:cNvSpPr txBox="1"/>
+          <p:nvPr/>
+        </p:nvSpPr>
+        <p:spPr>
+          <a:xfrm>
+            <a:off x="777268" y="1243914"/>
+            <a:ext cx="3831802" cy="369332"/>
+          </a:xfrm>
+          <a:prstGeom prst="rect">
+            <a:avLst/>
+          </a:prstGeom>
+          <a:noFill/>
+        </p:spPr>
+        <p:txBody>
+          <a:bodyPr wrap="square" rtlCol="0">
+            <a:spAutoFit/>
+          </a:bodyPr>
+          <a:lstStyle/>
+          <a:p>
+            <a:r>
+              <a:rPr lang="ko-KR" altLang="en-US" smtClean="0"/>
+              <a:t>관리자 </a:t>
+            </a:r>
+            <a:r>
+              <a:rPr lang="ko-KR" altLang="en-US" smtClean="0"/>
+              <a:t>페이지 </a:t>
+            </a:r>
+            <a:r>
+              <a:rPr lang="en-US" altLang="ko-KR"/>
+              <a:t>– </a:t>
+            </a:r>
+            <a:r>
+              <a:rPr lang="ko-KR" altLang="en-US" smtClean="0"/>
+              <a:t>상품상세</a:t>
+            </a:r>
+            <a:r>
+              <a:rPr lang="en-US" altLang="ko-KR" smtClean="0"/>
+              <a:t>(</a:t>
+            </a:r>
+            <a:r>
+              <a:rPr lang="ko-KR" altLang="en-US" smtClean="0"/>
+              <a:t>조립컴</a:t>
+            </a:r>
+            <a:r>
+              <a:rPr lang="en-US" altLang="ko-KR" smtClean="0"/>
+              <a:t>)</a:t>
+            </a:r>
+            <a:endParaRPr lang="ko-KR" altLang="en-US" dirty="0"/>
+          </a:p>
+        </p:txBody>
+      </p:sp>
+      <p:sp>
+        <p:nvSpPr>
+          <p:cNvPr id="78" name="직사각형 77"/>
+          <p:cNvSpPr/>
+          <p:nvPr/>
+        </p:nvSpPr>
+        <p:spPr>
+          <a:xfrm>
+            <a:off x="3602291" y="5363179"/>
+            <a:ext cx="464612" cy="249674"/>
+          </a:xfrm>
+          <a:prstGeom prst="rect">
+            <a:avLst/>
+          </a:prstGeom>
+          <a:solidFill>
+            <a:schemeClr val="tx1"/>
+          </a:solidFill>
+          <a:ln>
+            <a:solidFill>
+              <a:schemeClr val="tx1"/>
+            </a:solidFill>
+          </a:ln>
+        </p:spPr>
+        <p:style>
+          <a:lnRef idx="2">
+            <a:schemeClr val="accent1">
+              <a:shade val="50000"/>
+            </a:schemeClr>
+          </a:lnRef>
+          <a:fillRef idx="1">
+            <a:schemeClr val="accent1"/>
+          </a:fillRef>
+          <a:effectRef idx="0">
+            <a:schemeClr val="accent1"/>
+          </a:effectRef>
+          <a:fontRef idx="minor">
+            <a:schemeClr val="lt1"/>
+          </a:fontRef>
+        </p:style>
+        <p:txBody>
+          <a:bodyPr rtlCol="0" anchor="ctr"/>
+          <a:lstStyle/>
+          <a:p>
+            <a:pPr algn="ctr"/>
+            <a:r>
+              <a:rPr lang="ko-KR" altLang="en-US" sz="1000" smtClean="0">
+                <a:solidFill>
+                  <a:schemeClr val="bg1"/>
+                </a:solidFill>
+              </a:rPr>
+              <a:t>수정</a:t>
+            </a:r>
+            <a:endParaRPr lang="ko-KR" altLang="en-US" sz="1000" dirty="0">
+              <a:solidFill>
+                <a:schemeClr val="bg1"/>
+              </a:solidFill>
+            </a:endParaRPr>
+          </a:p>
+        </p:txBody>
+      </p:sp>
     </p:spTree>
     <p:extLst>
       <p:ext uri="{BB962C8B-B14F-4D97-AF65-F5344CB8AC3E}">
-        <p14:creationId xmlns:p14="http://schemas.microsoft.com/office/powerpoint/2010/main" val="617683220"/>
+        <p14:creationId xmlns:p14="http://schemas.microsoft.com/office/powerpoint/2010/main" val="1675462526"/>
       </p:ext>
     </p:extLst>
   </p:cSld>
@@ -29467,6 +30649,3815 @@
       </p:grpSp>
       <p:sp>
         <p:nvSpPr>
+          <p:cNvPr id="3" name="직사각형 2"/>
+          <p:cNvSpPr/>
+          <p:nvPr/>
+        </p:nvSpPr>
+        <p:spPr>
+          <a:xfrm>
+            <a:off x="8602764" y="1664043"/>
+            <a:ext cx="2811968" cy="4423719"/>
+          </a:xfrm>
+          <a:prstGeom prst="rect">
+            <a:avLst/>
+          </a:prstGeom>
+          <a:solidFill>
+            <a:schemeClr val="bg1"/>
+          </a:solidFill>
+          <a:ln>
+            <a:solidFill>
+              <a:schemeClr val="tx1"/>
+            </a:solidFill>
+          </a:ln>
+        </p:spPr>
+        <p:style>
+          <a:lnRef idx="2">
+            <a:schemeClr val="accent1">
+              <a:shade val="50000"/>
+            </a:schemeClr>
+          </a:lnRef>
+          <a:fillRef idx="1">
+            <a:schemeClr val="accent1"/>
+          </a:fillRef>
+          <a:effectRef idx="0">
+            <a:schemeClr val="accent1"/>
+          </a:effectRef>
+          <a:fontRef idx="minor">
+            <a:schemeClr val="lt1"/>
+          </a:fontRef>
+        </p:style>
+        <p:txBody>
+          <a:bodyPr rtlCol="0" anchor="ctr"/>
+          <a:lstStyle/>
+          <a:p>
+            <a:pPr algn="ctr"/>
+            <a:endParaRPr lang="ko-KR" altLang="en-US"/>
+          </a:p>
+        </p:txBody>
+      </p:sp>
+      <p:sp>
+        <p:nvSpPr>
+          <p:cNvPr id="16" name="직사각형 15"/>
+          <p:cNvSpPr/>
+          <p:nvPr/>
+        </p:nvSpPr>
+        <p:spPr>
+          <a:xfrm>
+            <a:off x="777269" y="1664044"/>
+            <a:ext cx="7569580" cy="4423719"/>
+          </a:xfrm>
+          <a:prstGeom prst="rect">
+            <a:avLst/>
+          </a:prstGeom>
+          <a:solidFill>
+            <a:schemeClr val="bg1"/>
+          </a:solidFill>
+          <a:ln>
+            <a:solidFill>
+              <a:schemeClr val="tx1"/>
+            </a:solidFill>
+          </a:ln>
+        </p:spPr>
+        <p:style>
+          <a:lnRef idx="2">
+            <a:schemeClr val="accent1">
+              <a:shade val="50000"/>
+            </a:schemeClr>
+          </a:lnRef>
+          <a:fillRef idx="1">
+            <a:schemeClr val="accent1"/>
+          </a:fillRef>
+          <a:effectRef idx="0">
+            <a:schemeClr val="accent1"/>
+          </a:effectRef>
+          <a:fontRef idx="minor">
+            <a:schemeClr val="lt1"/>
+          </a:fontRef>
+        </p:style>
+        <p:txBody>
+          <a:bodyPr rtlCol="0" anchor="ctr"/>
+          <a:lstStyle/>
+          <a:p>
+            <a:pPr algn="ctr"/>
+            <a:endParaRPr lang="ko-KR" altLang="en-US"/>
+          </a:p>
+        </p:txBody>
+      </p:sp>
+      <p:sp>
+        <p:nvSpPr>
+          <p:cNvPr id="17" name="직사각형 16"/>
+          <p:cNvSpPr/>
+          <p:nvPr/>
+        </p:nvSpPr>
+        <p:spPr>
+          <a:xfrm>
+            <a:off x="777269" y="1664042"/>
+            <a:ext cx="7569580" cy="398177"/>
+          </a:xfrm>
+          <a:prstGeom prst="rect">
+            <a:avLst/>
+          </a:prstGeom>
+          <a:solidFill>
+            <a:schemeClr val="bg1"/>
+          </a:solidFill>
+          <a:ln>
+            <a:solidFill>
+              <a:schemeClr val="tx1"/>
+            </a:solidFill>
+          </a:ln>
+        </p:spPr>
+        <p:style>
+          <a:lnRef idx="2">
+            <a:schemeClr val="accent1">
+              <a:shade val="50000"/>
+            </a:schemeClr>
+          </a:lnRef>
+          <a:fillRef idx="1">
+            <a:schemeClr val="accent1"/>
+          </a:fillRef>
+          <a:effectRef idx="0">
+            <a:schemeClr val="accent1"/>
+          </a:effectRef>
+          <a:fontRef idx="minor">
+            <a:schemeClr val="lt1"/>
+          </a:fontRef>
+        </p:style>
+        <p:txBody>
+          <a:bodyPr rtlCol="0" anchor="ctr"/>
+          <a:lstStyle/>
+          <a:p>
+            <a:pPr algn="ctr"/>
+            <a:endParaRPr lang="ko-KR" altLang="en-US"/>
+          </a:p>
+        </p:txBody>
+      </p:sp>
+      <p:sp>
+        <p:nvSpPr>
+          <p:cNvPr id="19" name="TextBox 18"/>
+          <p:cNvSpPr txBox="1"/>
+          <p:nvPr/>
+        </p:nvSpPr>
+        <p:spPr>
+          <a:xfrm>
+            <a:off x="5494638" y="1738640"/>
+            <a:ext cx="2833819" cy="246221"/>
+          </a:xfrm>
+          <a:prstGeom prst="rect">
+            <a:avLst/>
+          </a:prstGeom>
+          <a:noFill/>
+        </p:spPr>
+        <p:txBody>
+          <a:bodyPr wrap="square" rtlCol="0">
+            <a:spAutoFit/>
+          </a:bodyPr>
+          <a:lstStyle/>
+          <a:p>
+            <a:pPr algn="r"/>
+            <a:r>
+              <a:rPr lang="ko-KR" altLang="en-US" sz="1000" dirty="0" smtClean="0"/>
+              <a:t>로그아웃</a:t>
+            </a:r>
+            <a:endParaRPr lang="ko-KR" altLang="en-US" sz="1000" dirty="0"/>
+          </a:p>
+        </p:txBody>
+      </p:sp>
+      <p:sp>
+        <p:nvSpPr>
+          <p:cNvPr id="20" name="TextBox 19"/>
+          <p:cNvSpPr txBox="1"/>
+          <p:nvPr/>
+        </p:nvSpPr>
+        <p:spPr>
+          <a:xfrm>
+            <a:off x="885586" y="1739098"/>
+            <a:ext cx="2207742" cy="246221"/>
+          </a:xfrm>
+          <a:prstGeom prst="rect">
+            <a:avLst/>
+          </a:prstGeom>
+          <a:noFill/>
+        </p:spPr>
+        <p:txBody>
+          <a:bodyPr wrap="square" rtlCol="0">
+            <a:spAutoFit/>
+          </a:bodyPr>
+          <a:lstStyle/>
+          <a:p>
+            <a:r>
+              <a:rPr lang="ko-KR" altLang="en-US" sz="1000" dirty="0" smtClean="0"/>
+              <a:t>로고</a:t>
+            </a:r>
+            <a:endParaRPr lang="ko-KR" altLang="en-US" sz="1000" dirty="0"/>
+          </a:p>
+        </p:txBody>
+      </p:sp>
+      <p:cxnSp>
+        <p:nvCxnSpPr>
+          <p:cNvPr id="8" name="직선 연결선 7"/>
+          <p:cNvCxnSpPr/>
+          <p:nvPr/>
+        </p:nvCxnSpPr>
+        <p:spPr>
+          <a:xfrm>
+            <a:off x="777269" y="2517203"/>
+            <a:ext cx="7551188" cy="0"/>
+          </a:xfrm>
+          <a:prstGeom prst="line">
+            <a:avLst/>
+          </a:prstGeom>
+          <a:ln>
+            <a:solidFill>
+              <a:schemeClr val="tx1">
+                <a:lumMod val="95000"/>
+                <a:lumOff val="5000"/>
+              </a:schemeClr>
+            </a:solidFill>
+          </a:ln>
+        </p:spPr>
+        <p:style>
+          <a:lnRef idx="1">
+            <a:schemeClr val="accent1"/>
+          </a:lnRef>
+          <a:fillRef idx="0">
+            <a:schemeClr val="accent1"/>
+          </a:fillRef>
+          <a:effectRef idx="0">
+            <a:schemeClr val="accent1"/>
+          </a:effectRef>
+          <a:fontRef idx="minor">
+            <a:schemeClr val="tx1"/>
+          </a:fontRef>
+        </p:style>
+      </p:cxnSp>
+      <p:sp>
+        <p:nvSpPr>
+          <p:cNvPr id="2" name="TextBox 1"/>
+          <p:cNvSpPr txBox="1"/>
+          <p:nvPr/>
+        </p:nvSpPr>
+        <p:spPr>
+          <a:xfrm>
+            <a:off x="892601" y="2103409"/>
+            <a:ext cx="7312285" cy="369332"/>
+          </a:xfrm>
+          <a:prstGeom prst="rect">
+            <a:avLst/>
+          </a:prstGeom>
+          <a:noFill/>
+        </p:spPr>
+        <p:txBody>
+          <a:bodyPr wrap="square" rtlCol="0">
+            <a:spAutoFit/>
+          </a:bodyPr>
+          <a:lstStyle/>
+          <a:p>
+            <a:r>
+              <a:rPr lang="ko-KR" altLang="en-US" dirty="0" smtClean="0"/>
+              <a:t>회원관리</a:t>
+            </a:r>
+            <a:r>
+              <a:rPr lang="en-US" altLang="ko-KR" dirty="0"/>
+              <a:t> </a:t>
+            </a:r>
+            <a:r>
+              <a:rPr lang="en-US" altLang="ko-KR" dirty="0" smtClean="0"/>
+              <a:t>      </a:t>
+            </a:r>
+            <a:r>
+              <a:rPr lang="ko-KR" altLang="en-US" dirty="0" smtClean="0"/>
+              <a:t>상품관리       견적문의관리       주문관리       </a:t>
+            </a:r>
+            <a:r>
+              <a:rPr lang="en-US" altLang="ko-KR" dirty="0" smtClean="0"/>
+              <a:t>AS</a:t>
+            </a:r>
+            <a:r>
+              <a:rPr lang="ko-KR" altLang="en-US" dirty="0" smtClean="0"/>
+              <a:t>관리</a:t>
+            </a:r>
+            <a:endParaRPr lang="ko-KR" altLang="en-US" dirty="0"/>
+          </a:p>
+        </p:txBody>
+      </p:sp>
+      <p:sp>
+        <p:nvSpPr>
+          <p:cNvPr id="21" name="직사각형 20"/>
+          <p:cNvSpPr/>
+          <p:nvPr/>
+        </p:nvSpPr>
+        <p:spPr>
+          <a:xfrm>
+            <a:off x="3353610" y="228600"/>
+            <a:ext cx="5484781" cy="738664"/>
+          </a:xfrm>
+          <a:prstGeom prst="rect">
+            <a:avLst/>
+          </a:prstGeom>
+        </p:spPr>
+        <p:txBody>
+          <a:bodyPr wrap="square">
+            <a:spAutoFit/>
+          </a:bodyPr>
+          <a:lstStyle/>
+          <a:p>
+            <a:pPr algn="ctr">
+              <a:lnSpc>
+                <a:spcPct val="150000"/>
+              </a:lnSpc>
+            </a:pPr>
+            <a:r>
+              <a:rPr lang="ko-KR" altLang="en-US" sz="2000" i="1" dirty="0">
+                <a:solidFill>
+                  <a:schemeClr val="bg1">
+                    <a:lumMod val="50000"/>
+                  </a:schemeClr>
+                </a:solidFill>
+              </a:rPr>
+              <a:t>화면설계서 </a:t>
+            </a:r>
+            <a:r>
+              <a:rPr lang="en-US" altLang="ko-KR" sz="2800" b="1" i="1" dirty="0">
+                <a:solidFill>
+                  <a:schemeClr val="bg1">
+                    <a:lumMod val="50000"/>
+                  </a:schemeClr>
+                </a:solidFill>
+              </a:rPr>
+              <a:t>Wire Frame</a:t>
+            </a:r>
+          </a:p>
+        </p:txBody>
+      </p:sp>
+      <p:cxnSp>
+        <p:nvCxnSpPr>
+          <p:cNvPr id="22" name="직선 연결선 21"/>
+          <p:cNvCxnSpPr/>
+          <p:nvPr/>
+        </p:nvCxnSpPr>
+        <p:spPr>
+          <a:xfrm>
+            <a:off x="1713470" y="3406693"/>
+            <a:ext cx="5791200" cy="0"/>
+          </a:xfrm>
+          <a:prstGeom prst="line">
+            <a:avLst/>
+          </a:prstGeom>
+        </p:spPr>
+        <p:style>
+          <a:lnRef idx="1">
+            <a:schemeClr val="dk1"/>
+          </a:lnRef>
+          <a:fillRef idx="0">
+            <a:schemeClr val="dk1"/>
+          </a:fillRef>
+          <a:effectRef idx="0">
+            <a:schemeClr val="dk1"/>
+          </a:effectRef>
+          <a:fontRef idx="minor">
+            <a:schemeClr val="tx1"/>
+          </a:fontRef>
+        </p:style>
+      </p:cxnSp>
+      <p:sp>
+        <p:nvSpPr>
+          <p:cNvPr id="23" name="TextBox 22"/>
+          <p:cNvSpPr txBox="1"/>
+          <p:nvPr/>
+        </p:nvSpPr>
+        <p:spPr>
+          <a:xfrm>
+            <a:off x="3219295" y="3459283"/>
+            <a:ext cx="551935" cy="215444"/>
+          </a:xfrm>
+          <a:prstGeom prst="rect">
+            <a:avLst/>
+          </a:prstGeom>
+          <a:noFill/>
+        </p:spPr>
+        <p:txBody>
+          <a:bodyPr wrap="square" rtlCol="0">
+            <a:spAutoFit/>
+          </a:bodyPr>
+          <a:lstStyle/>
+          <a:p>
+            <a:r>
+              <a:rPr lang="ko-KR" altLang="en-US" sz="800" smtClean="0"/>
+              <a:t>상품</a:t>
+            </a:r>
+            <a:r>
+              <a:rPr lang="ko-KR" altLang="en-US" sz="800"/>
+              <a:t>명</a:t>
+            </a:r>
+            <a:endParaRPr lang="ko-KR" altLang="en-US" sz="800" dirty="0"/>
+          </a:p>
+        </p:txBody>
+      </p:sp>
+      <p:sp>
+        <p:nvSpPr>
+          <p:cNvPr id="24" name="TextBox 23"/>
+          <p:cNvSpPr txBox="1"/>
+          <p:nvPr/>
+        </p:nvSpPr>
+        <p:spPr>
+          <a:xfrm>
+            <a:off x="1713470" y="3464091"/>
+            <a:ext cx="643976" cy="215444"/>
+          </a:xfrm>
+          <a:prstGeom prst="rect">
+            <a:avLst/>
+          </a:prstGeom>
+          <a:noFill/>
+        </p:spPr>
+        <p:txBody>
+          <a:bodyPr wrap="square" rtlCol="0">
+            <a:spAutoFit/>
+          </a:bodyPr>
+          <a:lstStyle/>
+          <a:p>
+            <a:r>
+              <a:rPr lang="ko-KR" altLang="en-US" sz="800" smtClean="0"/>
+              <a:t>상품번호</a:t>
+            </a:r>
+            <a:endParaRPr lang="ko-KR" altLang="en-US" sz="800" dirty="0"/>
+          </a:p>
+        </p:txBody>
+      </p:sp>
+      <p:sp>
+        <p:nvSpPr>
+          <p:cNvPr id="25" name="TextBox 24"/>
+          <p:cNvSpPr txBox="1"/>
+          <p:nvPr/>
+        </p:nvSpPr>
+        <p:spPr>
+          <a:xfrm>
+            <a:off x="4806069" y="3464091"/>
+            <a:ext cx="551935" cy="215444"/>
+          </a:xfrm>
+          <a:prstGeom prst="rect">
+            <a:avLst/>
+          </a:prstGeom>
+          <a:noFill/>
+        </p:spPr>
+        <p:txBody>
+          <a:bodyPr wrap="square" rtlCol="0">
+            <a:spAutoFit/>
+          </a:bodyPr>
+          <a:lstStyle/>
+          <a:p>
+            <a:r>
+              <a:rPr lang="ko-KR" altLang="en-US" sz="800" smtClean="0"/>
+              <a:t>분</a:t>
+            </a:r>
+            <a:r>
+              <a:rPr lang="ko-KR" altLang="en-US" sz="800"/>
+              <a:t>류</a:t>
+            </a:r>
+            <a:endParaRPr lang="ko-KR" altLang="en-US" sz="800" dirty="0"/>
+          </a:p>
+        </p:txBody>
+      </p:sp>
+      <p:sp>
+        <p:nvSpPr>
+          <p:cNvPr id="28" name="TextBox 27"/>
+          <p:cNvSpPr txBox="1"/>
+          <p:nvPr/>
+        </p:nvSpPr>
+        <p:spPr>
+          <a:xfrm>
+            <a:off x="6466710" y="3464091"/>
+            <a:ext cx="551935" cy="215444"/>
+          </a:xfrm>
+          <a:prstGeom prst="rect">
+            <a:avLst/>
+          </a:prstGeom>
+          <a:noFill/>
+        </p:spPr>
+        <p:txBody>
+          <a:bodyPr wrap="square" rtlCol="0">
+            <a:spAutoFit/>
+          </a:bodyPr>
+          <a:lstStyle/>
+          <a:p>
+            <a:r>
+              <a:rPr lang="ko-KR" altLang="en-US" sz="800" smtClean="0"/>
+              <a:t>등록</a:t>
+            </a:r>
+            <a:r>
+              <a:rPr lang="ko-KR" altLang="en-US" sz="800"/>
+              <a:t>일</a:t>
+            </a:r>
+            <a:endParaRPr lang="ko-KR" altLang="en-US" sz="800" dirty="0"/>
+          </a:p>
+        </p:txBody>
+      </p:sp>
+      <p:cxnSp>
+        <p:nvCxnSpPr>
+          <p:cNvPr id="29" name="직선 연결선 28"/>
+          <p:cNvCxnSpPr/>
+          <p:nvPr/>
+        </p:nvCxnSpPr>
+        <p:spPr>
+          <a:xfrm>
+            <a:off x="1713470" y="3718839"/>
+            <a:ext cx="5791200" cy="0"/>
+          </a:xfrm>
+          <a:prstGeom prst="line">
+            <a:avLst/>
+          </a:prstGeom>
+        </p:spPr>
+        <p:style>
+          <a:lnRef idx="1">
+            <a:schemeClr val="dk1"/>
+          </a:lnRef>
+          <a:fillRef idx="0">
+            <a:schemeClr val="dk1"/>
+          </a:fillRef>
+          <a:effectRef idx="0">
+            <a:schemeClr val="dk1"/>
+          </a:effectRef>
+          <a:fontRef idx="minor">
+            <a:schemeClr val="tx1"/>
+          </a:fontRef>
+        </p:style>
+      </p:cxnSp>
+      <p:cxnSp>
+        <p:nvCxnSpPr>
+          <p:cNvPr id="30" name="직선 연결선 29"/>
+          <p:cNvCxnSpPr/>
+          <p:nvPr/>
+        </p:nvCxnSpPr>
+        <p:spPr>
+          <a:xfrm>
+            <a:off x="1713470" y="3962747"/>
+            <a:ext cx="5791200" cy="0"/>
+          </a:xfrm>
+          <a:prstGeom prst="line">
+            <a:avLst/>
+          </a:prstGeom>
+        </p:spPr>
+        <p:style>
+          <a:lnRef idx="1">
+            <a:schemeClr val="dk1"/>
+          </a:lnRef>
+          <a:fillRef idx="0">
+            <a:schemeClr val="dk1"/>
+          </a:fillRef>
+          <a:effectRef idx="0">
+            <a:schemeClr val="dk1"/>
+          </a:effectRef>
+          <a:fontRef idx="minor">
+            <a:schemeClr val="tx1"/>
+          </a:fontRef>
+        </p:style>
+      </p:cxnSp>
+      <p:cxnSp>
+        <p:nvCxnSpPr>
+          <p:cNvPr id="31" name="직선 연결선 30"/>
+          <p:cNvCxnSpPr/>
+          <p:nvPr/>
+        </p:nvCxnSpPr>
+        <p:spPr>
+          <a:xfrm>
+            <a:off x="1713470" y="4201644"/>
+            <a:ext cx="5791200" cy="0"/>
+          </a:xfrm>
+          <a:prstGeom prst="line">
+            <a:avLst/>
+          </a:prstGeom>
+        </p:spPr>
+        <p:style>
+          <a:lnRef idx="1">
+            <a:schemeClr val="dk1"/>
+          </a:lnRef>
+          <a:fillRef idx="0">
+            <a:schemeClr val="dk1"/>
+          </a:fillRef>
+          <a:effectRef idx="0">
+            <a:schemeClr val="dk1"/>
+          </a:effectRef>
+          <a:fontRef idx="minor">
+            <a:schemeClr val="tx1"/>
+          </a:fontRef>
+        </p:style>
+      </p:cxnSp>
+      <p:cxnSp>
+        <p:nvCxnSpPr>
+          <p:cNvPr id="32" name="직선 연결선 31"/>
+          <p:cNvCxnSpPr/>
+          <p:nvPr/>
+        </p:nvCxnSpPr>
+        <p:spPr>
+          <a:xfrm>
+            <a:off x="1713470" y="4448780"/>
+            <a:ext cx="5791200" cy="0"/>
+          </a:xfrm>
+          <a:prstGeom prst="line">
+            <a:avLst/>
+          </a:prstGeom>
+        </p:spPr>
+        <p:style>
+          <a:lnRef idx="1">
+            <a:schemeClr val="dk1"/>
+          </a:lnRef>
+          <a:fillRef idx="0">
+            <a:schemeClr val="dk1"/>
+          </a:fillRef>
+          <a:effectRef idx="0">
+            <a:schemeClr val="dk1"/>
+          </a:effectRef>
+          <a:fontRef idx="minor">
+            <a:schemeClr val="tx1"/>
+          </a:fontRef>
+        </p:style>
+      </p:cxnSp>
+      <p:cxnSp>
+        <p:nvCxnSpPr>
+          <p:cNvPr id="33" name="직선 연결선 32"/>
+          <p:cNvCxnSpPr/>
+          <p:nvPr/>
+        </p:nvCxnSpPr>
+        <p:spPr>
+          <a:xfrm>
+            <a:off x="1713470" y="4679439"/>
+            <a:ext cx="5791200" cy="0"/>
+          </a:xfrm>
+          <a:prstGeom prst="line">
+            <a:avLst/>
+          </a:prstGeom>
+        </p:spPr>
+        <p:style>
+          <a:lnRef idx="1">
+            <a:schemeClr val="dk1"/>
+          </a:lnRef>
+          <a:fillRef idx="0">
+            <a:schemeClr val="dk1"/>
+          </a:fillRef>
+          <a:effectRef idx="0">
+            <a:schemeClr val="dk1"/>
+          </a:effectRef>
+          <a:fontRef idx="minor">
+            <a:schemeClr val="tx1"/>
+          </a:fontRef>
+        </p:style>
+      </p:cxnSp>
+      <p:cxnSp>
+        <p:nvCxnSpPr>
+          <p:cNvPr id="34" name="직선 연결선 33"/>
+          <p:cNvCxnSpPr/>
+          <p:nvPr/>
+        </p:nvCxnSpPr>
+        <p:spPr>
+          <a:xfrm>
+            <a:off x="1713470" y="4903300"/>
+            <a:ext cx="5791200" cy="0"/>
+          </a:xfrm>
+          <a:prstGeom prst="line">
+            <a:avLst/>
+          </a:prstGeom>
+        </p:spPr>
+        <p:style>
+          <a:lnRef idx="1">
+            <a:schemeClr val="dk1"/>
+          </a:lnRef>
+          <a:fillRef idx="0">
+            <a:schemeClr val="dk1"/>
+          </a:fillRef>
+          <a:effectRef idx="0">
+            <a:schemeClr val="dk1"/>
+          </a:effectRef>
+          <a:fontRef idx="minor">
+            <a:schemeClr val="tx1"/>
+          </a:fontRef>
+        </p:style>
+      </p:cxnSp>
+      <p:cxnSp>
+        <p:nvCxnSpPr>
+          <p:cNvPr id="35" name="직선 연결선 34"/>
+          <p:cNvCxnSpPr/>
+          <p:nvPr/>
+        </p:nvCxnSpPr>
+        <p:spPr>
+          <a:xfrm>
+            <a:off x="1713470" y="5132520"/>
+            <a:ext cx="5791200" cy="0"/>
+          </a:xfrm>
+          <a:prstGeom prst="line">
+            <a:avLst/>
+          </a:prstGeom>
+        </p:spPr>
+        <p:style>
+          <a:lnRef idx="1">
+            <a:schemeClr val="dk1"/>
+          </a:lnRef>
+          <a:fillRef idx="0">
+            <a:schemeClr val="dk1"/>
+          </a:fillRef>
+          <a:effectRef idx="0">
+            <a:schemeClr val="dk1"/>
+          </a:effectRef>
+          <a:fontRef idx="minor">
+            <a:schemeClr val="tx1"/>
+          </a:fontRef>
+        </p:style>
+      </p:cxnSp>
+      <p:cxnSp>
+        <p:nvCxnSpPr>
+          <p:cNvPr id="36" name="직선 연결선 35"/>
+          <p:cNvCxnSpPr/>
+          <p:nvPr/>
+        </p:nvCxnSpPr>
+        <p:spPr>
+          <a:xfrm>
+            <a:off x="1713470" y="5363179"/>
+            <a:ext cx="5791200" cy="0"/>
+          </a:xfrm>
+          <a:prstGeom prst="line">
+            <a:avLst/>
+          </a:prstGeom>
+        </p:spPr>
+        <p:style>
+          <a:lnRef idx="1">
+            <a:schemeClr val="dk1"/>
+          </a:lnRef>
+          <a:fillRef idx="0">
+            <a:schemeClr val="dk1"/>
+          </a:fillRef>
+          <a:effectRef idx="0">
+            <a:schemeClr val="dk1"/>
+          </a:effectRef>
+          <a:fontRef idx="minor">
+            <a:schemeClr val="tx1"/>
+          </a:fontRef>
+        </p:style>
+      </p:cxnSp>
+      <p:sp>
+        <p:nvSpPr>
+          <p:cNvPr id="37" name="TextBox 36"/>
+          <p:cNvSpPr txBox="1"/>
+          <p:nvPr/>
+        </p:nvSpPr>
+        <p:spPr>
+          <a:xfrm>
+            <a:off x="3468130" y="5445211"/>
+            <a:ext cx="2347784" cy="215444"/>
+          </a:xfrm>
+          <a:prstGeom prst="rect">
+            <a:avLst/>
+          </a:prstGeom>
+          <a:noFill/>
+        </p:spPr>
+        <p:txBody>
+          <a:bodyPr wrap="square" rtlCol="0">
+            <a:spAutoFit/>
+          </a:bodyPr>
+          <a:lstStyle/>
+          <a:p>
+            <a:pPr algn="ctr"/>
+            <a:r>
+              <a:rPr lang="en-US" altLang="ko-KR" sz="800" dirty="0" smtClean="0"/>
+              <a:t>1 2 3 4</a:t>
+            </a:r>
+            <a:endParaRPr lang="ko-KR" altLang="en-US" sz="800" dirty="0"/>
+          </a:p>
+        </p:txBody>
+      </p:sp>
+      <p:sp>
+        <p:nvSpPr>
+          <p:cNvPr id="38" name="TextBox 37"/>
+          <p:cNvSpPr txBox="1"/>
+          <p:nvPr/>
+        </p:nvSpPr>
+        <p:spPr>
+          <a:xfrm>
+            <a:off x="1713470" y="2576410"/>
+            <a:ext cx="1112108" cy="276999"/>
+          </a:xfrm>
+          <a:prstGeom prst="rect">
+            <a:avLst/>
+          </a:prstGeom>
+          <a:noFill/>
+        </p:spPr>
+        <p:txBody>
+          <a:bodyPr wrap="square" rtlCol="0">
+            <a:spAutoFit/>
+          </a:bodyPr>
+          <a:lstStyle/>
+          <a:p>
+            <a:r>
+              <a:rPr lang="ko-KR" altLang="en-US" sz="1200" smtClean="0"/>
+              <a:t>상품관리</a:t>
+            </a:r>
+            <a:endParaRPr lang="ko-KR" altLang="en-US" sz="1200" dirty="0"/>
+          </a:p>
+        </p:txBody>
+      </p:sp>
+      <p:sp>
+        <p:nvSpPr>
+          <p:cNvPr id="41" name="직사각형 40"/>
+          <p:cNvSpPr/>
+          <p:nvPr/>
+        </p:nvSpPr>
+        <p:spPr>
+          <a:xfrm>
+            <a:off x="1713470" y="2951708"/>
+            <a:ext cx="1112108" cy="249674"/>
+          </a:xfrm>
+          <a:prstGeom prst="rect">
+            <a:avLst/>
+          </a:prstGeom>
+          <a:solidFill>
+            <a:schemeClr val="bg1"/>
+          </a:solidFill>
+          <a:ln>
+            <a:solidFill>
+              <a:schemeClr val="tx1"/>
+            </a:solidFill>
+          </a:ln>
+        </p:spPr>
+        <p:style>
+          <a:lnRef idx="2">
+            <a:schemeClr val="accent1">
+              <a:shade val="50000"/>
+            </a:schemeClr>
+          </a:lnRef>
+          <a:fillRef idx="1">
+            <a:schemeClr val="accent1"/>
+          </a:fillRef>
+          <a:effectRef idx="0">
+            <a:schemeClr val="accent1"/>
+          </a:effectRef>
+          <a:fontRef idx="minor">
+            <a:schemeClr val="lt1"/>
+          </a:fontRef>
+        </p:style>
+        <p:txBody>
+          <a:bodyPr rtlCol="0" anchor="ctr"/>
+          <a:lstStyle/>
+          <a:p>
+            <a:r>
+              <a:rPr lang="ko-KR" altLang="en-US" sz="1000" smtClean="0">
+                <a:solidFill>
+                  <a:schemeClr val="tx1"/>
+                </a:solidFill>
+              </a:rPr>
+              <a:t>전체</a:t>
+            </a:r>
+            <a:endParaRPr lang="ko-KR" altLang="en-US" sz="1000" dirty="0">
+              <a:solidFill>
+                <a:schemeClr val="tx1"/>
+              </a:solidFill>
+            </a:endParaRPr>
+          </a:p>
+        </p:txBody>
+      </p:sp>
+      <p:sp>
+        <p:nvSpPr>
+          <p:cNvPr id="42" name="아래쪽 화살표 41"/>
+          <p:cNvSpPr/>
+          <p:nvPr/>
+        </p:nvSpPr>
+        <p:spPr>
+          <a:xfrm>
+            <a:off x="2619635" y="3023286"/>
+            <a:ext cx="131805" cy="123568"/>
+          </a:xfrm>
+          <a:prstGeom prst="downArrow">
+            <a:avLst/>
+          </a:prstGeom>
+          <a:solidFill>
+            <a:schemeClr val="bg1"/>
+          </a:solidFill>
+          <a:ln>
+            <a:solidFill>
+              <a:schemeClr val="tx1"/>
+            </a:solidFill>
+          </a:ln>
+        </p:spPr>
+        <p:style>
+          <a:lnRef idx="2">
+            <a:schemeClr val="accent1">
+              <a:shade val="50000"/>
+            </a:schemeClr>
+          </a:lnRef>
+          <a:fillRef idx="1">
+            <a:schemeClr val="accent1"/>
+          </a:fillRef>
+          <a:effectRef idx="0">
+            <a:schemeClr val="accent1"/>
+          </a:effectRef>
+          <a:fontRef idx="minor">
+            <a:schemeClr val="lt1"/>
+          </a:fontRef>
+        </p:style>
+        <p:txBody>
+          <a:bodyPr rtlCol="0" anchor="ctr"/>
+          <a:lstStyle/>
+          <a:p>
+            <a:pPr algn="ctr"/>
+            <a:endParaRPr lang="ko-KR" altLang="en-US"/>
+          </a:p>
+        </p:txBody>
+      </p:sp>
+      <p:sp>
+        <p:nvSpPr>
+          <p:cNvPr id="43" name="직사각형 42"/>
+          <p:cNvSpPr/>
+          <p:nvPr/>
+        </p:nvSpPr>
+        <p:spPr>
+          <a:xfrm>
+            <a:off x="6911548" y="5459256"/>
+            <a:ext cx="464612" cy="249674"/>
+          </a:xfrm>
+          <a:prstGeom prst="rect">
+            <a:avLst/>
+          </a:prstGeom>
+          <a:solidFill>
+            <a:schemeClr val="tx1"/>
+          </a:solidFill>
+          <a:ln>
+            <a:solidFill>
+              <a:schemeClr val="tx1"/>
+            </a:solidFill>
+          </a:ln>
+        </p:spPr>
+        <p:style>
+          <a:lnRef idx="2">
+            <a:schemeClr val="accent1">
+              <a:shade val="50000"/>
+            </a:schemeClr>
+          </a:lnRef>
+          <a:fillRef idx="1">
+            <a:schemeClr val="accent1"/>
+          </a:fillRef>
+          <a:effectRef idx="0">
+            <a:schemeClr val="accent1"/>
+          </a:effectRef>
+          <a:fontRef idx="minor">
+            <a:schemeClr val="lt1"/>
+          </a:fontRef>
+        </p:style>
+        <p:txBody>
+          <a:bodyPr rtlCol="0" anchor="ctr"/>
+          <a:lstStyle/>
+          <a:p>
+            <a:pPr algn="ctr"/>
+            <a:r>
+              <a:rPr lang="ko-KR" altLang="en-US" sz="1000" smtClean="0">
+                <a:solidFill>
+                  <a:schemeClr val="bg1"/>
+                </a:solidFill>
+              </a:rPr>
+              <a:t>등록</a:t>
+            </a:r>
+            <a:endParaRPr lang="ko-KR" altLang="en-US" sz="1000" dirty="0">
+              <a:solidFill>
+                <a:schemeClr val="bg1"/>
+              </a:solidFill>
+            </a:endParaRPr>
+          </a:p>
+        </p:txBody>
+      </p:sp>
+      <p:sp>
+        <p:nvSpPr>
+          <p:cNvPr id="5" name="직사각형 4"/>
+          <p:cNvSpPr/>
+          <p:nvPr/>
+        </p:nvSpPr>
+        <p:spPr>
+          <a:xfrm>
+            <a:off x="2035458" y="2853408"/>
+            <a:ext cx="5108396" cy="2855521"/>
+          </a:xfrm>
+          <a:prstGeom prst="rect">
+            <a:avLst/>
+          </a:prstGeom>
+          <a:solidFill>
+            <a:schemeClr val="bg1"/>
+          </a:solidFill>
+          <a:ln>
+            <a:solidFill>
+              <a:schemeClr val="tx1"/>
+            </a:solidFill>
+          </a:ln>
+        </p:spPr>
+        <p:style>
+          <a:lnRef idx="2">
+            <a:schemeClr val="accent1">
+              <a:shade val="50000"/>
+            </a:schemeClr>
+          </a:lnRef>
+          <a:fillRef idx="1">
+            <a:schemeClr val="accent1"/>
+          </a:fillRef>
+          <a:effectRef idx="0">
+            <a:schemeClr val="accent1"/>
+          </a:effectRef>
+          <a:fontRef idx="minor">
+            <a:schemeClr val="lt1"/>
+          </a:fontRef>
+        </p:style>
+        <p:txBody>
+          <a:bodyPr rtlCol="0" anchor="t"/>
+          <a:lstStyle/>
+          <a:p>
+            <a:r>
+              <a:rPr lang="ko-KR" altLang="en-US" smtClean="0">
+                <a:solidFill>
+                  <a:schemeClr val="tx1"/>
+                </a:solidFill>
+              </a:rPr>
+              <a:t>상품 상세</a:t>
+            </a:r>
+            <a:endParaRPr lang="ko-KR" altLang="en-US">
+              <a:solidFill>
+                <a:schemeClr val="tx1"/>
+              </a:solidFill>
+            </a:endParaRPr>
+          </a:p>
+        </p:txBody>
+      </p:sp>
+      <p:sp>
+        <p:nvSpPr>
+          <p:cNvPr id="39" name="직사각형 38"/>
+          <p:cNvSpPr/>
+          <p:nvPr/>
+        </p:nvSpPr>
+        <p:spPr>
+          <a:xfrm>
+            <a:off x="2848295" y="3308012"/>
+            <a:ext cx="1793727" cy="227830"/>
+          </a:xfrm>
+          <a:prstGeom prst="rect">
+            <a:avLst/>
+          </a:prstGeom>
+          <a:solidFill>
+            <a:schemeClr val="bg1"/>
+          </a:solidFill>
+          <a:ln>
+            <a:solidFill>
+              <a:schemeClr val="tx1"/>
+            </a:solidFill>
+          </a:ln>
+        </p:spPr>
+        <p:style>
+          <a:lnRef idx="2">
+            <a:schemeClr val="accent1">
+              <a:shade val="50000"/>
+            </a:schemeClr>
+          </a:lnRef>
+          <a:fillRef idx="1">
+            <a:schemeClr val="accent1"/>
+          </a:fillRef>
+          <a:effectRef idx="0">
+            <a:schemeClr val="accent1"/>
+          </a:effectRef>
+          <a:fontRef idx="minor">
+            <a:schemeClr val="lt1"/>
+          </a:fontRef>
+        </p:style>
+        <p:txBody>
+          <a:bodyPr rtlCol="0" anchor="ctr"/>
+          <a:lstStyle/>
+          <a:p>
+            <a:r>
+              <a:rPr lang="ko-KR" altLang="en-US" sz="900" smtClean="0">
+                <a:solidFill>
+                  <a:schemeClr val="bg1">
+                    <a:lumMod val="75000"/>
+                  </a:schemeClr>
+                </a:solidFill>
+              </a:rPr>
+              <a:t>상품</a:t>
+            </a:r>
+            <a:r>
+              <a:rPr lang="ko-KR" altLang="en-US" sz="900">
+                <a:solidFill>
+                  <a:schemeClr val="bg1">
+                    <a:lumMod val="75000"/>
+                  </a:schemeClr>
+                </a:solidFill>
+              </a:rPr>
+              <a:t>명</a:t>
+            </a:r>
+            <a:endParaRPr lang="ko-KR" altLang="en-US" sz="900" dirty="0">
+              <a:solidFill>
+                <a:schemeClr val="bg1">
+                  <a:lumMod val="75000"/>
+                </a:schemeClr>
+              </a:solidFill>
+            </a:endParaRPr>
+          </a:p>
+        </p:txBody>
+      </p:sp>
+      <p:sp>
+        <p:nvSpPr>
+          <p:cNvPr id="56" name="TextBox 55"/>
+          <p:cNvSpPr txBox="1"/>
+          <p:nvPr/>
+        </p:nvSpPr>
+        <p:spPr>
+          <a:xfrm>
+            <a:off x="2129504" y="3305009"/>
+            <a:ext cx="621935" cy="230832"/>
+          </a:xfrm>
+          <a:prstGeom prst="rect">
+            <a:avLst/>
+          </a:prstGeom>
+          <a:noFill/>
+        </p:spPr>
+        <p:txBody>
+          <a:bodyPr wrap="square" rtlCol="0">
+            <a:spAutoFit/>
+          </a:bodyPr>
+          <a:lstStyle/>
+          <a:p>
+            <a:r>
+              <a:rPr lang="ko-KR" altLang="en-US" sz="900" smtClean="0"/>
+              <a:t>상품명</a:t>
+            </a:r>
+            <a:endParaRPr lang="ko-KR" altLang="en-US" sz="900" dirty="0"/>
+          </a:p>
+        </p:txBody>
+      </p:sp>
+      <p:sp>
+        <p:nvSpPr>
+          <p:cNvPr id="59" name="직사각형 58"/>
+          <p:cNvSpPr/>
+          <p:nvPr/>
+        </p:nvSpPr>
+        <p:spPr>
+          <a:xfrm>
+            <a:off x="2848295" y="3604924"/>
+            <a:ext cx="1793727" cy="227830"/>
+          </a:xfrm>
+          <a:prstGeom prst="rect">
+            <a:avLst/>
+          </a:prstGeom>
+          <a:solidFill>
+            <a:schemeClr val="bg1"/>
+          </a:solidFill>
+          <a:ln>
+            <a:solidFill>
+              <a:schemeClr val="tx1"/>
+            </a:solidFill>
+          </a:ln>
+        </p:spPr>
+        <p:style>
+          <a:lnRef idx="2">
+            <a:schemeClr val="accent1">
+              <a:shade val="50000"/>
+            </a:schemeClr>
+          </a:lnRef>
+          <a:fillRef idx="1">
+            <a:schemeClr val="accent1"/>
+          </a:fillRef>
+          <a:effectRef idx="0">
+            <a:schemeClr val="accent1"/>
+          </a:effectRef>
+          <a:fontRef idx="minor">
+            <a:schemeClr val="lt1"/>
+          </a:fontRef>
+        </p:style>
+        <p:txBody>
+          <a:bodyPr rtlCol="0" anchor="ctr"/>
+          <a:lstStyle/>
+          <a:p>
+            <a:r>
+              <a:rPr lang="ko-KR" altLang="en-US" sz="900" smtClean="0">
+                <a:solidFill>
+                  <a:schemeClr val="bg1">
+                    <a:lumMod val="75000"/>
+                  </a:schemeClr>
+                </a:solidFill>
+              </a:rPr>
+              <a:t>상품분류</a:t>
+            </a:r>
+            <a:endParaRPr lang="ko-KR" altLang="en-US" sz="900" dirty="0">
+              <a:solidFill>
+                <a:schemeClr val="bg1">
+                  <a:lumMod val="75000"/>
+                </a:schemeClr>
+              </a:solidFill>
+            </a:endParaRPr>
+          </a:p>
+        </p:txBody>
+      </p:sp>
+      <p:sp>
+        <p:nvSpPr>
+          <p:cNvPr id="60" name="TextBox 59"/>
+          <p:cNvSpPr txBox="1"/>
+          <p:nvPr/>
+        </p:nvSpPr>
+        <p:spPr>
+          <a:xfrm>
+            <a:off x="2129504" y="3601921"/>
+            <a:ext cx="696074" cy="230832"/>
+          </a:xfrm>
+          <a:prstGeom prst="rect">
+            <a:avLst/>
+          </a:prstGeom>
+          <a:noFill/>
+        </p:spPr>
+        <p:txBody>
+          <a:bodyPr wrap="square" rtlCol="0">
+            <a:spAutoFit/>
+          </a:bodyPr>
+          <a:lstStyle/>
+          <a:p>
+            <a:r>
+              <a:rPr lang="ko-KR" altLang="en-US" sz="900" smtClean="0"/>
+              <a:t>상품분류</a:t>
+            </a:r>
+            <a:endParaRPr lang="ko-KR" altLang="en-US" sz="900" dirty="0"/>
+          </a:p>
+        </p:txBody>
+      </p:sp>
+      <p:sp>
+        <p:nvSpPr>
+          <p:cNvPr id="6" name="직사각형 5"/>
+          <p:cNvSpPr/>
+          <p:nvPr/>
+        </p:nvSpPr>
+        <p:spPr>
+          <a:xfrm>
+            <a:off x="4806069" y="3305009"/>
+            <a:ext cx="2038868" cy="1987660"/>
+          </a:xfrm>
+          <a:prstGeom prst="rect">
+            <a:avLst/>
+          </a:prstGeom>
+          <a:solidFill>
+            <a:schemeClr val="bg1"/>
+          </a:solidFill>
+          <a:ln>
+            <a:solidFill>
+              <a:schemeClr val="tx1"/>
+            </a:solidFill>
+          </a:ln>
+        </p:spPr>
+        <p:style>
+          <a:lnRef idx="2">
+            <a:schemeClr val="accent1">
+              <a:shade val="50000"/>
+            </a:schemeClr>
+          </a:lnRef>
+          <a:fillRef idx="1">
+            <a:schemeClr val="accent1"/>
+          </a:fillRef>
+          <a:effectRef idx="0">
+            <a:schemeClr val="accent1"/>
+          </a:effectRef>
+          <a:fontRef idx="minor">
+            <a:schemeClr val="lt1"/>
+          </a:fontRef>
+        </p:style>
+        <p:txBody>
+          <a:bodyPr rtlCol="0" anchor="ctr"/>
+          <a:lstStyle/>
+          <a:p>
+            <a:pPr algn="ctr"/>
+            <a:r>
+              <a:rPr lang="ko-KR" altLang="en-US" smtClean="0">
+                <a:solidFill>
+                  <a:schemeClr val="tx1"/>
+                </a:solidFill>
+              </a:rPr>
+              <a:t>상품</a:t>
+            </a:r>
+            <a:endParaRPr lang="en-US" altLang="ko-KR" smtClean="0">
+              <a:solidFill>
+                <a:schemeClr val="tx1"/>
+              </a:solidFill>
+            </a:endParaRPr>
+          </a:p>
+          <a:p>
+            <a:pPr algn="ctr"/>
+            <a:r>
+              <a:rPr lang="ko-KR" altLang="en-US" smtClean="0">
+                <a:solidFill>
+                  <a:schemeClr val="tx1"/>
+                </a:solidFill>
+              </a:rPr>
+              <a:t>이미지등록</a:t>
+            </a:r>
+            <a:endParaRPr lang="ko-KR" altLang="en-US">
+              <a:solidFill>
+                <a:schemeClr val="tx1"/>
+              </a:solidFill>
+            </a:endParaRPr>
+          </a:p>
+        </p:txBody>
+      </p:sp>
+      <p:sp>
+        <p:nvSpPr>
+          <p:cNvPr id="74" name="직사각형 73"/>
+          <p:cNvSpPr/>
+          <p:nvPr/>
+        </p:nvSpPr>
+        <p:spPr>
+          <a:xfrm>
+            <a:off x="4177410" y="5363179"/>
+            <a:ext cx="464612" cy="249674"/>
+          </a:xfrm>
+          <a:prstGeom prst="rect">
+            <a:avLst/>
+          </a:prstGeom>
+          <a:solidFill>
+            <a:schemeClr val="tx1"/>
+          </a:solidFill>
+          <a:ln>
+            <a:solidFill>
+              <a:schemeClr val="tx1"/>
+            </a:solidFill>
+          </a:ln>
+        </p:spPr>
+        <p:style>
+          <a:lnRef idx="2">
+            <a:schemeClr val="accent1">
+              <a:shade val="50000"/>
+            </a:schemeClr>
+          </a:lnRef>
+          <a:fillRef idx="1">
+            <a:schemeClr val="accent1"/>
+          </a:fillRef>
+          <a:effectRef idx="0">
+            <a:schemeClr val="accent1"/>
+          </a:effectRef>
+          <a:fontRef idx="minor">
+            <a:schemeClr val="lt1"/>
+          </a:fontRef>
+        </p:style>
+        <p:txBody>
+          <a:bodyPr rtlCol="0" anchor="ctr"/>
+          <a:lstStyle/>
+          <a:p>
+            <a:pPr algn="ctr"/>
+            <a:r>
+              <a:rPr lang="ko-KR" altLang="en-US" sz="1000" smtClean="0">
+                <a:solidFill>
+                  <a:schemeClr val="bg1"/>
+                </a:solidFill>
+              </a:rPr>
+              <a:t>삭</a:t>
+            </a:r>
+            <a:r>
+              <a:rPr lang="ko-KR" altLang="en-US" sz="1000">
+                <a:solidFill>
+                  <a:schemeClr val="bg1"/>
+                </a:solidFill>
+              </a:rPr>
+              <a:t>제</a:t>
+            </a:r>
+            <a:endParaRPr lang="ko-KR" altLang="en-US" sz="1000" dirty="0">
+              <a:solidFill>
+                <a:schemeClr val="bg1"/>
+              </a:solidFill>
+            </a:endParaRPr>
+          </a:p>
+        </p:txBody>
+      </p:sp>
+      <p:sp>
+        <p:nvSpPr>
+          <p:cNvPr id="75" name="직사각형 74"/>
+          <p:cNvSpPr/>
+          <p:nvPr/>
+        </p:nvSpPr>
+        <p:spPr>
+          <a:xfrm>
+            <a:off x="4756996" y="5363179"/>
+            <a:ext cx="464612" cy="249674"/>
+          </a:xfrm>
+          <a:prstGeom prst="rect">
+            <a:avLst/>
+          </a:prstGeom>
+          <a:solidFill>
+            <a:schemeClr val="tx1"/>
+          </a:solidFill>
+          <a:ln>
+            <a:solidFill>
+              <a:schemeClr val="tx1"/>
+            </a:solidFill>
+          </a:ln>
+        </p:spPr>
+        <p:style>
+          <a:lnRef idx="2">
+            <a:schemeClr val="accent1">
+              <a:shade val="50000"/>
+            </a:schemeClr>
+          </a:lnRef>
+          <a:fillRef idx="1">
+            <a:schemeClr val="accent1"/>
+          </a:fillRef>
+          <a:effectRef idx="0">
+            <a:schemeClr val="accent1"/>
+          </a:effectRef>
+          <a:fontRef idx="minor">
+            <a:schemeClr val="lt1"/>
+          </a:fontRef>
+        </p:style>
+        <p:txBody>
+          <a:bodyPr rtlCol="0" anchor="ctr"/>
+          <a:lstStyle/>
+          <a:p>
+            <a:pPr algn="ctr"/>
+            <a:r>
+              <a:rPr lang="ko-KR" altLang="en-US" sz="1000" smtClean="0">
+                <a:solidFill>
+                  <a:schemeClr val="bg1"/>
+                </a:solidFill>
+              </a:rPr>
+              <a:t>취소</a:t>
+            </a:r>
+            <a:endParaRPr lang="ko-KR" altLang="en-US" sz="1000" dirty="0">
+              <a:solidFill>
+                <a:schemeClr val="bg1"/>
+              </a:solidFill>
+            </a:endParaRPr>
+          </a:p>
+        </p:txBody>
+      </p:sp>
+      <p:sp>
+        <p:nvSpPr>
+          <p:cNvPr id="49" name="TextBox 48"/>
+          <p:cNvSpPr txBox="1"/>
+          <p:nvPr/>
+        </p:nvSpPr>
+        <p:spPr>
+          <a:xfrm>
+            <a:off x="777268" y="1243914"/>
+            <a:ext cx="3831802" cy="369332"/>
+          </a:xfrm>
+          <a:prstGeom prst="rect">
+            <a:avLst/>
+          </a:prstGeom>
+          <a:noFill/>
+        </p:spPr>
+        <p:txBody>
+          <a:bodyPr wrap="square" rtlCol="0">
+            <a:spAutoFit/>
+          </a:bodyPr>
+          <a:lstStyle/>
+          <a:p>
+            <a:r>
+              <a:rPr lang="ko-KR" altLang="en-US" smtClean="0"/>
+              <a:t>관리자 </a:t>
+            </a:r>
+            <a:r>
+              <a:rPr lang="ko-KR" altLang="en-US" smtClean="0"/>
+              <a:t>페이지 </a:t>
+            </a:r>
+            <a:r>
+              <a:rPr lang="en-US" altLang="ko-KR"/>
+              <a:t>– </a:t>
+            </a:r>
+            <a:r>
+              <a:rPr lang="ko-KR" altLang="en-US" smtClean="0"/>
+              <a:t>상품등록</a:t>
+            </a:r>
+            <a:r>
+              <a:rPr lang="en-US" altLang="ko-KR" smtClean="0"/>
+              <a:t>(</a:t>
+            </a:r>
+            <a:r>
+              <a:rPr lang="ko-KR" altLang="en-US" smtClean="0"/>
+              <a:t>부품</a:t>
+            </a:r>
+            <a:r>
+              <a:rPr lang="en-US" altLang="ko-KR" smtClean="0"/>
+              <a:t>)</a:t>
+            </a:r>
+            <a:endParaRPr lang="ko-KR" altLang="en-US" dirty="0"/>
+          </a:p>
+        </p:txBody>
+      </p:sp>
+      <p:sp>
+        <p:nvSpPr>
+          <p:cNvPr id="48" name="직사각형 47"/>
+          <p:cNvSpPr/>
+          <p:nvPr/>
+        </p:nvSpPr>
+        <p:spPr>
+          <a:xfrm>
+            <a:off x="3602291" y="5363179"/>
+            <a:ext cx="464612" cy="249674"/>
+          </a:xfrm>
+          <a:prstGeom prst="rect">
+            <a:avLst/>
+          </a:prstGeom>
+          <a:solidFill>
+            <a:schemeClr val="tx1"/>
+          </a:solidFill>
+          <a:ln>
+            <a:solidFill>
+              <a:schemeClr val="tx1"/>
+            </a:solidFill>
+          </a:ln>
+        </p:spPr>
+        <p:style>
+          <a:lnRef idx="2">
+            <a:schemeClr val="accent1">
+              <a:shade val="50000"/>
+            </a:schemeClr>
+          </a:lnRef>
+          <a:fillRef idx="1">
+            <a:schemeClr val="accent1"/>
+          </a:fillRef>
+          <a:effectRef idx="0">
+            <a:schemeClr val="accent1"/>
+          </a:effectRef>
+          <a:fontRef idx="minor">
+            <a:schemeClr val="lt1"/>
+          </a:fontRef>
+        </p:style>
+        <p:txBody>
+          <a:bodyPr rtlCol="0" anchor="ctr"/>
+          <a:lstStyle/>
+          <a:p>
+            <a:pPr algn="ctr"/>
+            <a:r>
+              <a:rPr lang="ko-KR" altLang="en-US" sz="1000" smtClean="0">
+                <a:solidFill>
+                  <a:schemeClr val="bg1"/>
+                </a:solidFill>
+              </a:rPr>
+              <a:t>수정</a:t>
+            </a:r>
+            <a:endParaRPr lang="ko-KR" altLang="en-US" sz="1000" dirty="0">
+              <a:solidFill>
+                <a:schemeClr val="bg1"/>
+              </a:solidFill>
+            </a:endParaRPr>
+          </a:p>
+        </p:txBody>
+      </p:sp>
+    </p:spTree>
+    <p:extLst>
+      <p:ext uri="{BB962C8B-B14F-4D97-AF65-F5344CB8AC3E}">
+        <p14:creationId xmlns:p14="http://schemas.microsoft.com/office/powerpoint/2010/main" val="1796784330"/>
+      </p:ext>
+    </p:extLst>
+  </p:cSld>
+  <p:clrMapOvr>
+    <a:masterClrMapping/>
+  </p:clrMapOvr>
+</p:sld>
+</file>
+
+<file path=ppt/slides/slide24.xml><?xml version="1.0" encoding="utf-8"?>
+<p:sld xmlns:a="http://schemas.openxmlformats.org/drawingml/2006/main" xmlns:r="http://schemas.openxmlformats.org/officeDocument/2006/relationships" xmlns:p="http://schemas.openxmlformats.org/presentationml/2006/main">
+  <p:cSld>
+    <p:spTree>
+      <p:nvGrpSpPr>
+        <p:cNvPr id="1" name=""/>
+        <p:cNvGrpSpPr/>
+        <p:nvPr/>
+      </p:nvGrpSpPr>
+      <p:grpSpPr>
+        <a:xfrm>
+          <a:off x="0" y="0"/>
+          <a:ext cx="0" cy="0"/>
+          <a:chOff x="0" y="0"/>
+          <a:chExt cx="0" cy="0"/>
+        </a:xfrm>
+      </p:grpSpPr>
+      <p:grpSp>
+        <p:nvGrpSpPr>
+          <p:cNvPr id="4" name="그룹 3"/>
+          <p:cNvGrpSpPr/>
+          <p:nvPr/>
+        </p:nvGrpSpPr>
+        <p:grpSpPr>
+          <a:xfrm>
+            <a:off x="152400" y="83680"/>
+            <a:ext cx="11903770" cy="6774320"/>
+            <a:chOff x="152400" y="83680"/>
+            <a:chExt cx="11903770" cy="6774320"/>
+          </a:xfrm>
+        </p:grpSpPr>
+        <p:sp>
+          <p:nvSpPr>
+            <p:cNvPr id="68" name="양쪽 모서리가 둥근 사각형 67"/>
+            <p:cNvSpPr/>
+            <p:nvPr/>
+          </p:nvSpPr>
+          <p:spPr>
+            <a:xfrm>
+              <a:off x="338203" y="83680"/>
+              <a:ext cx="11548997" cy="6482219"/>
+            </a:xfrm>
+            <a:prstGeom prst="round2SameRect">
+              <a:avLst>
+                <a:gd name="adj1" fmla="val 4566"/>
+                <a:gd name="adj2" fmla="val 0"/>
+              </a:avLst>
+            </a:prstGeom>
+            <a:pattFill prst="ltDnDiag">
+              <a:fgClr>
+                <a:schemeClr val="bg1">
+                  <a:lumMod val="75000"/>
+                </a:schemeClr>
+              </a:fgClr>
+              <a:bgClr>
+                <a:schemeClr val="bg1">
+                  <a:lumMod val="95000"/>
+                </a:schemeClr>
+              </a:bgClr>
+            </a:pattFill>
+            <a:ln w="28575">
+              <a:solidFill>
+                <a:schemeClr val="bg1">
+                  <a:lumMod val="50000"/>
+                </a:schemeClr>
+              </a:solidFill>
+            </a:ln>
+          </p:spPr>
+          <p:style>
+            <a:lnRef idx="2">
+              <a:schemeClr val="accent1">
+                <a:shade val="50000"/>
+              </a:schemeClr>
+            </a:lnRef>
+            <a:fillRef idx="1">
+              <a:schemeClr val="accent1"/>
+            </a:fillRef>
+            <a:effectRef idx="0">
+              <a:schemeClr val="accent1"/>
+            </a:effectRef>
+            <a:fontRef idx="minor">
+              <a:schemeClr val="lt1"/>
+            </a:fontRef>
+          </p:style>
+          <p:txBody>
+            <a:bodyPr rtlCol="0" anchor="ctr"/>
+            <a:lstStyle/>
+            <a:p>
+              <a:pPr algn="ctr"/>
+              <a:endParaRPr lang="ko-KR" altLang="en-US"/>
+            </a:p>
+          </p:txBody>
+        </p:sp>
+        <p:sp>
+          <p:nvSpPr>
+            <p:cNvPr id="69" name="양쪽 모서리가 둥근 사각형 68"/>
+            <p:cNvSpPr/>
+            <p:nvPr/>
+          </p:nvSpPr>
+          <p:spPr>
+            <a:xfrm>
+              <a:off x="524266" y="241300"/>
+              <a:ext cx="11176871" cy="6133424"/>
+            </a:xfrm>
+            <a:prstGeom prst="round2SameRect">
+              <a:avLst>
+                <a:gd name="adj1" fmla="val 3284"/>
+                <a:gd name="adj2" fmla="val 0"/>
+              </a:avLst>
+            </a:prstGeom>
+            <a:solidFill>
+              <a:schemeClr val="bg1"/>
+            </a:solidFill>
+            <a:ln w="19050">
+              <a:solidFill>
+                <a:schemeClr val="bg1">
+                  <a:lumMod val="50000"/>
+                </a:schemeClr>
+              </a:solidFill>
+            </a:ln>
+          </p:spPr>
+          <p:style>
+            <a:lnRef idx="2">
+              <a:schemeClr val="accent1">
+                <a:shade val="50000"/>
+              </a:schemeClr>
+            </a:lnRef>
+            <a:fillRef idx="1">
+              <a:schemeClr val="accent1"/>
+            </a:fillRef>
+            <a:effectRef idx="0">
+              <a:schemeClr val="accent1"/>
+            </a:effectRef>
+            <a:fontRef idx="minor">
+              <a:schemeClr val="lt1"/>
+            </a:fontRef>
+          </p:style>
+          <p:txBody>
+            <a:bodyPr rtlCol="0" anchor="ctr"/>
+            <a:lstStyle/>
+            <a:p>
+              <a:pPr algn="ctr"/>
+              <a:endParaRPr lang="ko-KR" altLang="en-US"/>
+            </a:p>
+          </p:txBody>
+        </p:sp>
+        <p:sp>
+          <p:nvSpPr>
+            <p:cNvPr id="84" name="양쪽 모서리가 둥근 사각형 83"/>
+            <p:cNvSpPr/>
+            <p:nvPr/>
+          </p:nvSpPr>
+          <p:spPr>
+            <a:xfrm rot="16200000">
+              <a:off x="1176083" y="5641873"/>
+              <a:ext cx="108000" cy="1798840"/>
+            </a:xfrm>
+            <a:prstGeom prst="round2SameRect">
+              <a:avLst>
+                <a:gd name="adj1" fmla="val 19304"/>
+                <a:gd name="adj2" fmla="val 0"/>
+              </a:avLst>
+            </a:prstGeom>
+            <a:gradFill flip="none" rotWithShape="1">
+              <a:gsLst>
+                <a:gs pos="17000">
+                  <a:schemeClr val="bg1">
+                    <a:lumMod val="50000"/>
+                  </a:schemeClr>
+                </a:gs>
+                <a:gs pos="59000">
+                  <a:schemeClr val="bg1">
+                    <a:shade val="100000"/>
+                    <a:satMod val="115000"/>
+                  </a:schemeClr>
+                </a:gs>
+              </a:gsLst>
+              <a:lin ang="0" scaled="1"/>
+              <a:tileRect/>
+            </a:gradFill>
+            <a:ln w="19050">
+              <a:solidFill>
+                <a:schemeClr val="bg1">
+                  <a:lumMod val="50000"/>
+                </a:schemeClr>
+              </a:solidFill>
+            </a:ln>
+          </p:spPr>
+          <p:style>
+            <a:lnRef idx="2">
+              <a:schemeClr val="accent1">
+                <a:shade val="50000"/>
+              </a:schemeClr>
+            </a:lnRef>
+            <a:fillRef idx="1">
+              <a:schemeClr val="accent1"/>
+            </a:fillRef>
+            <a:effectRef idx="0">
+              <a:schemeClr val="accent1"/>
+            </a:effectRef>
+            <a:fontRef idx="minor">
+              <a:schemeClr val="lt1"/>
+            </a:fontRef>
+          </p:style>
+          <p:txBody>
+            <a:bodyPr rtlCol="0" anchor="ctr"/>
+            <a:lstStyle/>
+            <a:p>
+              <a:pPr algn="ctr"/>
+              <a:endParaRPr lang="ko-KR" altLang="en-US">
+                <a:solidFill>
+                  <a:prstClr val="white"/>
+                </a:solidFill>
+              </a:endParaRPr>
+            </a:p>
+          </p:txBody>
+        </p:sp>
+        <p:sp>
+          <p:nvSpPr>
+            <p:cNvPr id="85" name="양쪽 모서리가 둥근 사각형 84"/>
+            <p:cNvSpPr/>
+            <p:nvPr/>
+          </p:nvSpPr>
+          <p:spPr>
+            <a:xfrm rot="5400000" flipH="1">
+              <a:off x="10930593" y="5641871"/>
+              <a:ext cx="108000" cy="1798840"/>
+            </a:xfrm>
+            <a:prstGeom prst="round2SameRect">
+              <a:avLst>
+                <a:gd name="adj1" fmla="val 19304"/>
+                <a:gd name="adj2" fmla="val 0"/>
+              </a:avLst>
+            </a:prstGeom>
+            <a:gradFill flip="none" rotWithShape="1">
+              <a:gsLst>
+                <a:gs pos="17000">
+                  <a:schemeClr val="bg1">
+                    <a:lumMod val="50000"/>
+                  </a:schemeClr>
+                </a:gs>
+                <a:gs pos="59000">
+                  <a:schemeClr val="bg1">
+                    <a:shade val="100000"/>
+                    <a:satMod val="115000"/>
+                  </a:schemeClr>
+                </a:gs>
+              </a:gsLst>
+              <a:lin ang="0" scaled="1"/>
+              <a:tileRect/>
+            </a:gradFill>
+            <a:ln w="19050">
+              <a:solidFill>
+                <a:schemeClr val="bg1">
+                  <a:lumMod val="50000"/>
+                </a:schemeClr>
+              </a:solidFill>
+            </a:ln>
+          </p:spPr>
+          <p:style>
+            <a:lnRef idx="2">
+              <a:schemeClr val="accent1">
+                <a:shade val="50000"/>
+              </a:schemeClr>
+            </a:lnRef>
+            <a:fillRef idx="1">
+              <a:schemeClr val="accent1"/>
+            </a:fillRef>
+            <a:effectRef idx="0">
+              <a:schemeClr val="accent1"/>
+            </a:effectRef>
+            <a:fontRef idx="minor">
+              <a:schemeClr val="lt1"/>
+            </a:fontRef>
+          </p:style>
+          <p:txBody>
+            <a:bodyPr rtlCol="0" anchor="ctr"/>
+            <a:lstStyle/>
+            <a:p>
+              <a:pPr algn="ctr"/>
+              <a:endParaRPr lang="ko-KR" altLang="en-US">
+                <a:solidFill>
+                  <a:prstClr val="white"/>
+                </a:solidFill>
+              </a:endParaRPr>
+            </a:p>
+          </p:txBody>
+        </p:sp>
+        <p:sp>
+          <p:nvSpPr>
+            <p:cNvPr id="86" name="양쪽 모서리가 둥근 사각형 85"/>
+            <p:cNvSpPr/>
+            <p:nvPr/>
+          </p:nvSpPr>
+          <p:spPr>
+            <a:xfrm rot="16200000">
+              <a:off x="6053339" y="2563457"/>
+              <a:ext cx="108000" cy="7955668"/>
+            </a:xfrm>
+            <a:prstGeom prst="round2SameRect">
+              <a:avLst>
+                <a:gd name="adj1" fmla="val 0"/>
+                <a:gd name="adj2" fmla="val 0"/>
+              </a:avLst>
+            </a:prstGeom>
+            <a:gradFill flip="none" rotWithShape="1">
+              <a:gsLst>
+                <a:gs pos="17000">
+                  <a:schemeClr val="bg1">
+                    <a:lumMod val="50000"/>
+                  </a:schemeClr>
+                </a:gs>
+                <a:gs pos="59000">
+                  <a:schemeClr val="bg1">
+                    <a:shade val="100000"/>
+                    <a:satMod val="115000"/>
+                  </a:schemeClr>
+                </a:gs>
+              </a:gsLst>
+              <a:lin ang="0" scaled="1"/>
+              <a:tileRect/>
+            </a:gradFill>
+            <a:ln w="19050">
+              <a:solidFill>
+                <a:schemeClr val="bg1">
+                  <a:lumMod val="50000"/>
+                </a:schemeClr>
+              </a:solidFill>
+            </a:ln>
+          </p:spPr>
+          <p:style>
+            <a:lnRef idx="2">
+              <a:schemeClr val="accent1">
+                <a:shade val="50000"/>
+              </a:schemeClr>
+            </a:lnRef>
+            <a:fillRef idx="1">
+              <a:schemeClr val="accent1"/>
+            </a:fillRef>
+            <a:effectRef idx="0">
+              <a:schemeClr val="accent1"/>
+            </a:effectRef>
+            <a:fontRef idx="minor">
+              <a:schemeClr val="lt1"/>
+            </a:fontRef>
+          </p:style>
+          <p:txBody>
+            <a:bodyPr rtlCol="0" anchor="ctr"/>
+            <a:lstStyle/>
+            <a:p>
+              <a:pPr algn="ctr"/>
+              <a:endParaRPr lang="ko-KR" altLang="en-US">
+                <a:solidFill>
+                  <a:prstClr val="white"/>
+                </a:solidFill>
+              </a:endParaRPr>
+            </a:p>
+          </p:txBody>
+        </p:sp>
+        <p:sp>
+          <p:nvSpPr>
+            <p:cNvPr id="14" name="자유형 13"/>
+            <p:cNvSpPr/>
+            <p:nvPr/>
+          </p:nvSpPr>
+          <p:spPr>
+            <a:xfrm>
+              <a:off x="158507" y="6590451"/>
+              <a:ext cx="11897663" cy="267549"/>
+            </a:xfrm>
+            <a:custGeom>
+              <a:avLst/>
+              <a:gdLst>
+                <a:gd name="connsiteX0" fmla="*/ 195955 w 11897663"/>
+                <a:gd name="connsiteY0" fmla="*/ 0 h 267549"/>
+                <a:gd name="connsiteX1" fmla="*/ 11701708 w 11897663"/>
+                <a:gd name="connsiteY1" fmla="*/ 0 h 267549"/>
+                <a:gd name="connsiteX2" fmla="*/ 11897663 w 11897663"/>
+                <a:gd name="connsiteY2" fmla="*/ 267549 h 267549"/>
+                <a:gd name="connsiteX3" fmla="*/ 0 w 11897663"/>
+                <a:gd name="connsiteY3" fmla="*/ 267549 h 267549"/>
+              </a:gdLst>
+              <a:ahLst/>
+              <a:cxnLst>
+                <a:cxn ang="0">
+                  <a:pos x="connsiteX0" y="connsiteY0"/>
+                </a:cxn>
+                <a:cxn ang="0">
+                  <a:pos x="connsiteX1" y="connsiteY1"/>
+                </a:cxn>
+                <a:cxn ang="0">
+                  <a:pos x="connsiteX2" y="connsiteY2"/>
+                </a:cxn>
+                <a:cxn ang="0">
+                  <a:pos x="connsiteX3" y="connsiteY3"/>
+                </a:cxn>
+              </a:cxnLst>
+              <a:rect l="l" t="t" r="r" b="b"/>
+              <a:pathLst>
+                <a:path w="11897663" h="267549">
+                  <a:moveTo>
+                    <a:pt x="195955" y="0"/>
+                  </a:moveTo>
+                  <a:lnTo>
+                    <a:pt x="11701708" y="0"/>
+                  </a:lnTo>
+                  <a:lnTo>
+                    <a:pt x="11897663" y="267549"/>
+                  </a:lnTo>
+                  <a:lnTo>
+                    <a:pt x="0" y="267549"/>
+                  </a:lnTo>
+                  <a:close/>
+                </a:path>
+              </a:pathLst>
+            </a:custGeom>
+            <a:solidFill>
+              <a:schemeClr val="bg1"/>
+            </a:solidFill>
+            <a:ln w="19050">
+              <a:solidFill>
+                <a:schemeClr val="bg1">
+                  <a:lumMod val="50000"/>
+                </a:schemeClr>
+              </a:solidFill>
+            </a:ln>
+          </p:spPr>
+          <p:style>
+            <a:lnRef idx="2">
+              <a:schemeClr val="accent1">
+                <a:shade val="50000"/>
+              </a:schemeClr>
+            </a:lnRef>
+            <a:fillRef idx="1">
+              <a:schemeClr val="accent1"/>
+            </a:fillRef>
+            <a:effectRef idx="0">
+              <a:schemeClr val="accent1"/>
+            </a:effectRef>
+            <a:fontRef idx="minor">
+              <a:schemeClr val="lt1"/>
+            </a:fontRef>
+          </p:style>
+          <p:txBody>
+            <a:bodyPr wrap="square" rtlCol="0" anchor="ctr">
+              <a:noAutofit/>
+            </a:bodyPr>
+            <a:lstStyle/>
+            <a:p>
+              <a:pPr algn="ctr"/>
+              <a:endParaRPr lang="ko-KR" altLang="en-US">
+                <a:solidFill>
+                  <a:prstClr val="white"/>
+                </a:solidFill>
+              </a:endParaRPr>
+            </a:p>
+          </p:txBody>
+        </p:sp>
+        <p:sp>
+          <p:nvSpPr>
+            <p:cNvPr id="26" name="자유형 25"/>
+            <p:cNvSpPr/>
+            <p:nvPr/>
+          </p:nvSpPr>
+          <p:spPr>
+            <a:xfrm>
+              <a:off x="152400" y="6565900"/>
+              <a:ext cx="11750381" cy="292100"/>
+            </a:xfrm>
+            <a:custGeom>
+              <a:avLst/>
+              <a:gdLst>
+                <a:gd name="connsiteX0" fmla="*/ 177800 w 11722100"/>
+                <a:gd name="connsiteY0" fmla="*/ 0 h 292100"/>
+                <a:gd name="connsiteX1" fmla="*/ 0 w 11722100"/>
+                <a:gd name="connsiteY1" fmla="*/ 292100 h 292100"/>
+                <a:gd name="connsiteX2" fmla="*/ 11722100 w 11722100"/>
+                <a:gd name="connsiteY2" fmla="*/ 50800 h 292100"/>
+                <a:gd name="connsiteX3" fmla="*/ 177800 w 11722100"/>
+                <a:gd name="connsiteY3" fmla="*/ 0 h 292100"/>
+                <a:gd name="connsiteX0" fmla="*/ 206081 w 11722100"/>
+                <a:gd name="connsiteY0" fmla="*/ 0 h 292100"/>
+                <a:gd name="connsiteX1" fmla="*/ 0 w 11722100"/>
+                <a:gd name="connsiteY1" fmla="*/ 292100 h 292100"/>
+                <a:gd name="connsiteX2" fmla="*/ 11722100 w 11722100"/>
+                <a:gd name="connsiteY2" fmla="*/ 50800 h 292100"/>
+                <a:gd name="connsiteX3" fmla="*/ 206081 w 11722100"/>
+                <a:gd name="connsiteY3" fmla="*/ 0 h 292100"/>
+                <a:gd name="connsiteX0" fmla="*/ 206081 w 11750381"/>
+                <a:gd name="connsiteY0" fmla="*/ 0 h 292100"/>
+                <a:gd name="connsiteX1" fmla="*/ 0 w 11750381"/>
+                <a:gd name="connsiteY1" fmla="*/ 292100 h 292100"/>
+                <a:gd name="connsiteX2" fmla="*/ 11750381 w 11750381"/>
+                <a:gd name="connsiteY2" fmla="*/ 31947 h 292100"/>
+                <a:gd name="connsiteX3" fmla="*/ 206081 w 11750381"/>
+                <a:gd name="connsiteY3" fmla="*/ 0 h 292100"/>
+              </a:gdLst>
+              <a:ahLst/>
+              <a:cxnLst>
+                <a:cxn ang="0">
+                  <a:pos x="connsiteX0" y="connsiteY0"/>
+                </a:cxn>
+                <a:cxn ang="0">
+                  <a:pos x="connsiteX1" y="connsiteY1"/>
+                </a:cxn>
+                <a:cxn ang="0">
+                  <a:pos x="connsiteX2" y="connsiteY2"/>
+                </a:cxn>
+                <a:cxn ang="0">
+                  <a:pos x="connsiteX3" y="connsiteY3"/>
+                </a:cxn>
+              </a:cxnLst>
+              <a:rect l="l" t="t" r="r" b="b"/>
+              <a:pathLst>
+                <a:path w="11750381" h="292100">
+                  <a:moveTo>
+                    <a:pt x="206081" y="0"/>
+                  </a:moveTo>
+                  <a:lnTo>
+                    <a:pt x="0" y="292100"/>
+                  </a:lnTo>
+                  <a:lnTo>
+                    <a:pt x="11750381" y="31947"/>
+                  </a:lnTo>
+                  <a:lnTo>
+                    <a:pt x="206081" y="0"/>
+                  </a:lnTo>
+                  <a:close/>
+                </a:path>
+              </a:pathLst>
+            </a:custGeom>
+            <a:solidFill>
+              <a:schemeClr val="tx1">
+                <a:alpha val="13000"/>
+              </a:schemeClr>
+            </a:solidFill>
+            <a:ln>
+              <a:noFill/>
+            </a:ln>
+          </p:spPr>
+          <p:style>
+            <a:lnRef idx="2">
+              <a:schemeClr val="accent1">
+                <a:shade val="50000"/>
+              </a:schemeClr>
+            </a:lnRef>
+            <a:fillRef idx="1">
+              <a:schemeClr val="accent1"/>
+            </a:fillRef>
+            <a:effectRef idx="0">
+              <a:schemeClr val="accent1"/>
+            </a:effectRef>
+            <a:fontRef idx="minor">
+              <a:schemeClr val="lt1"/>
+            </a:fontRef>
+          </p:style>
+          <p:txBody>
+            <a:bodyPr rtlCol="0" anchor="ctr"/>
+            <a:lstStyle/>
+            <a:p>
+              <a:pPr algn="ctr"/>
+              <a:endParaRPr lang="ko-KR" altLang="en-US"/>
+            </a:p>
+          </p:txBody>
+        </p:sp>
+        <p:sp>
+          <p:nvSpPr>
+            <p:cNvPr id="15" name="모서리가 둥근 직사각형 14"/>
+            <p:cNvSpPr/>
+            <p:nvPr/>
+          </p:nvSpPr>
+          <p:spPr>
+            <a:xfrm>
+              <a:off x="524266" y="6670585"/>
+              <a:ext cx="597524" cy="64121"/>
+            </a:xfrm>
+            <a:prstGeom prst="roundRect">
+              <a:avLst>
+                <a:gd name="adj" fmla="val 50000"/>
+              </a:avLst>
+            </a:prstGeom>
+            <a:solidFill>
+              <a:srgbClr val="00B0F0"/>
+            </a:solidFill>
+            <a:ln>
+              <a:solidFill>
+                <a:schemeClr val="bg1">
+                  <a:lumMod val="50000"/>
+                </a:schemeClr>
+              </a:solidFill>
+            </a:ln>
+          </p:spPr>
+          <p:style>
+            <a:lnRef idx="2">
+              <a:schemeClr val="accent1">
+                <a:shade val="50000"/>
+              </a:schemeClr>
+            </a:lnRef>
+            <a:fillRef idx="1">
+              <a:schemeClr val="accent1"/>
+            </a:fillRef>
+            <a:effectRef idx="0">
+              <a:schemeClr val="accent1"/>
+            </a:effectRef>
+            <a:fontRef idx="minor">
+              <a:schemeClr val="lt1"/>
+            </a:fontRef>
+          </p:style>
+          <p:txBody>
+            <a:bodyPr rtlCol="0" anchor="ctr"/>
+            <a:lstStyle/>
+            <a:p>
+              <a:pPr algn="ctr"/>
+              <a:endParaRPr lang="ko-KR" altLang="en-US"/>
+            </a:p>
+          </p:txBody>
+        </p:sp>
+      </p:grpSp>
+      <p:sp>
+        <p:nvSpPr>
+          <p:cNvPr id="3" name="직사각형 2"/>
+          <p:cNvSpPr/>
+          <p:nvPr/>
+        </p:nvSpPr>
+        <p:spPr>
+          <a:xfrm>
+            <a:off x="8602764" y="1664043"/>
+            <a:ext cx="2811968" cy="4423719"/>
+          </a:xfrm>
+          <a:prstGeom prst="rect">
+            <a:avLst/>
+          </a:prstGeom>
+          <a:solidFill>
+            <a:schemeClr val="bg1"/>
+          </a:solidFill>
+          <a:ln>
+            <a:solidFill>
+              <a:schemeClr val="tx1"/>
+            </a:solidFill>
+          </a:ln>
+        </p:spPr>
+        <p:style>
+          <a:lnRef idx="2">
+            <a:schemeClr val="accent1">
+              <a:shade val="50000"/>
+            </a:schemeClr>
+          </a:lnRef>
+          <a:fillRef idx="1">
+            <a:schemeClr val="accent1"/>
+          </a:fillRef>
+          <a:effectRef idx="0">
+            <a:schemeClr val="accent1"/>
+          </a:effectRef>
+          <a:fontRef idx="minor">
+            <a:schemeClr val="lt1"/>
+          </a:fontRef>
+        </p:style>
+        <p:txBody>
+          <a:bodyPr rtlCol="0" anchor="ctr"/>
+          <a:lstStyle/>
+          <a:p>
+            <a:pPr algn="ctr"/>
+            <a:endParaRPr lang="ko-KR" altLang="en-US"/>
+          </a:p>
+        </p:txBody>
+      </p:sp>
+      <p:sp>
+        <p:nvSpPr>
+          <p:cNvPr id="16" name="직사각형 15"/>
+          <p:cNvSpPr/>
+          <p:nvPr/>
+        </p:nvSpPr>
+        <p:spPr>
+          <a:xfrm>
+            <a:off x="777269" y="1664044"/>
+            <a:ext cx="7569580" cy="4423719"/>
+          </a:xfrm>
+          <a:prstGeom prst="rect">
+            <a:avLst/>
+          </a:prstGeom>
+          <a:solidFill>
+            <a:schemeClr val="bg1"/>
+          </a:solidFill>
+          <a:ln>
+            <a:solidFill>
+              <a:schemeClr val="tx1"/>
+            </a:solidFill>
+          </a:ln>
+        </p:spPr>
+        <p:style>
+          <a:lnRef idx="2">
+            <a:schemeClr val="accent1">
+              <a:shade val="50000"/>
+            </a:schemeClr>
+          </a:lnRef>
+          <a:fillRef idx="1">
+            <a:schemeClr val="accent1"/>
+          </a:fillRef>
+          <a:effectRef idx="0">
+            <a:schemeClr val="accent1"/>
+          </a:effectRef>
+          <a:fontRef idx="minor">
+            <a:schemeClr val="lt1"/>
+          </a:fontRef>
+        </p:style>
+        <p:txBody>
+          <a:bodyPr rtlCol="0" anchor="ctr"/>
+          <a:lstStyle/>
+          <a:p>
+            <a:pPr algn="ctr"/>
+            <a:endParaRPr lang="ko-KR" altLang="en-US"/>
+          </a:p>
+        </p:txBody>
+      </p:sp>
+      <p:sp>
+        <p:nvSpPr>
+          <p:cNvPr id="17" name="직사각형 16"/>
+          <p:cNvSpPr/>
+          <p:nvPr/>
+        </p:nvSpPr>
+        <p:spPr>
+          <a:xfrm>
+            <a:off x="777269" y="1664042"/>
+            <a:ext cx="7569580" cy="398177"/>
+          </a:xfrm>
+          <a:prstGeom prst="rect">
+            <a:avLst/>
+          </a:prstGeom>
+          <a:solidFill>
+            <a:schemeClr val="bg1"/>
+          </a:solidFill>
+          <a:ln>
+            <a:solidFill>
+              <a:schemeClr val="tx1"/>
+            </a:solidFill>
+          </a:ln>
+        </p:spPr>
+        <p:style>
+          <a:lnRef idx="2">
+            <a:schemeClr val="accent1">
+              <a:shade val="50000"/>
+            </a:schemeClr>
+          </a:lnRef>
+          <a:fillRef idx="1">
+            <a:schemeClr val="accent1"/>
+          </a:fillRef>
+          <a:effectRef idx="0">
+            <a:schemeClr val="accent1"/>
+          </a:effectRef>
+          <a:fontRef idx="minor">
+            <a:schemeClr val="lt1"/>
+          </a:fontRef>
+        </p:style>
+        <p:txBody>
+          <a:bodyPr rtlCol="0" anchor="ctr"/>
+          <a:lstStyle/>
+          <a:p>
+            <a:pPr algn="ctr"/>
+            <a:endParaRPr lang="ko-KR" altLang="en-US"/>
+          </a:p>
+        </p:txBody>
+      </p:sp>
+      <p:sp>
+        <p:nvSpPr>
+          <p:cNvPr id="19" name="TextBox 18"/>
+          <p:cNvSpPr txBox="1"/>
+          <p:nvPr/>
+        </p:nvSpPr>
+        <p:spPr>
+          <a:xfrm>
+            <a:off x="5494638" y="1738640"/>
+            <a:ext cx="2833819" cy="246221"/>
+          </a:xfrm>
+          <a:prstGeom prst="rect">
+            <a:avLst/>
+          </a:prstGeom>
+          <a:noFill/>
+        </p:spPr>
+        <p:txBody>
+          <a:bodyPr wrap="square" rtlCol="0">
+            <a:spAutoFit/>
+          </a:bodyPr>
+          <a:lstStyle/>
+          <a:p>
+            <a:pPr algn="r"/>
+            <a:r>
+              <a:rPr lang="ko-KR" altLang="en-US" sz="1000" dirty="0" smtClean="0"/>
+              <a:t>로그아웃</a:t>
+            </a:r>
+            <a:endParaRPr lang="ko-KR" altLang="en-US" sz="1000" dirty="0"/>
+          </a:p>
+        </p:txBody>
+      </p:sp>
+      <p:sp>
+        <p:nvSpPr>
+          <p:cNvPr id="20" name="TextBox 19"/>
+          <p:cNvSpPr txBox="1"/>
+          <p:nvPr/>
+        </p:nvSpPr>
+        <p:spPr>
+          <a:xfrm>
+            <a:off x="885586" y="1739098"/>
+            <a:ext cx="2207742" cy="246221"/>
+          </a:xfrm>
+          <a:prstGeom prst="rect">
+            <a:avLst/>
+          </a:prstGeom>
+          <a:noFill/>
+        </p:spPr>
+        <p:txBody>
+          <a:bodyPr wrap="square" rtlCol="0">
+            <a:spAutoFit/>
+          </a:bodyPr>
+          <a:lstStyle/>
+          <a:p>
+            <a:r>
+              <a:rPr lang="ko-KR" altLang="en-US" sz="1000" dirty="0" smtClean="0"/>
+              <a:t>로고</a:t>
+            </a:r>
+            <a:endParaRPr lang="ko-KR" altLang="en-US" sz="1000" dirty="0"/>
+          </a:p>
+        </p:txBody>
+      </p:sp>
+      <p:cxnSp>
+        <p:nvCxnSpPr>
+          <p:cNvPr id="8" name="직선 연결선 7"/>
+          <p:cNvCxnSpPr/>
+          <p:nvPr/>
+        </p:nvCxnSpPr>
+        <p:spPr>
+          <a:xfrm>
+            <a:off x="777269" y="2517203"/>
+            <a:ext cx="7551188" cy="0"/>
+          </a:xfrm>
+          <a:prstGeom prst="line">
+            <a:avLst/>
+          </a:prstGeom>
+          <a:ln>
+            <a:solidFill>
+              <a:schemeClr val="tx1">
+                <a:lumMod val="95000"/>
+                <a:lumOff val="5000"/>
+              </a:schemeClr>
+            </a:solidFill>
+          </a:ln>
+        </p:spPr>
+        <p:style>
+          <a:lnRef idx="1">
+            <a:schemeClr val="accent1"/>
+          </a:lnRef>
+          <a:fillRef idx="0">
+            <a:schemeClr val="accent1"/>
+          </a:fillRef>
+          <a:effectRef idx="0">
+            <a:schemeClr val="accent1"/>
+          </a:effectRef>
+          <a:fontRef idx="minor">
+            <a:schemeClr val="tx1"/>
+          </a:fontRef>
+        </p:style>
+      </p:cxnSp>
+      <p:sp>
+        <p:nvSpPr>
+          <p:cNvPr id="2" name="TextBox 1"/>
+          <p:cNvSpPr txBox="1"/>
+          <p:nvPr/>
+        </p:nvSpPr>
+        <p:spPr>
+          <a:xfrm>
+            <a:off x="892601" y="2103409"/>
+            <a:ext cx="7312285" cy="369332"/>
+          </a:xfrm>
+          <a:prstGeom prst="rect">
+            <a:avLst/>
+          </a:prstGeom>
+          <a:noFill/>
+        </p:spPr>
+        <p:txBody>
+          <a:bodyPr wrap="square" rtlCol="0">
+            <a:spAutoFit/>
+          </a:bodyPr>
+          <a:lstStyle/>
+          <a:p>
+            <a:r>
+              <a:rPr lang="ko-KR" altLang="en-US" dirty="0" smtClean="0"/>
+              <a:t>회원관리</a:t>
+            </a:r>
+            <a:r>
+              <a:rPr lang="en-US" altLang="ko-KR" dirty="0"/>
+              <a:t> </a:t>
+            </a:r>
+            <a:r>
+              <a:rPr lang="en-US" altLang="ko-KR" dirty="0" smtClean="0"/>
+              <a:t>      </a:t>
+            </a:r>
+            <a:r>
+              <a:rPr lang="ko-KR" altLang="en-US" dirty="0" smtClean="0"/>
+              <a:t>상품관리       견적문의관리       주문관리       </a:t>
+            </a:r>
+            <a:r>
+              <a:rPr lang="en-US" altLang="ko-KR" dirty="0" smtClean="0"/>
+              <a:t>AS</a:t>
+            </a:r>
+            <a:r>
+              <a:rPr lang="ko-KR" altLang="en-US" dirty="0" smtClean="0"/>
+              <a:t>관리</a:t>
+            </a:r>
+            <a:endParaRPr lang="ko-KR" altLang="en-US" dirty="0"/>
+          </a:p>
+        </p:txBody>
+      </p:sp>
+      <p:sp>
+        <p:nvSpPr>
+          <p:cNvPr id="27" name="TextBox 26"/>
+          <p:cNvSpPr txBox="1"/>
+          <p:nvPr/>
+        </p:nvSpPr>
+        <p:spPr>
+          <a:xfrm>
+            <a:off x="777269" y="1243914"/>
+            <a:ext cx="2847380" cy="369332"/>
+          </a:xfrm>
+          <a:prstGeom prst="rect">
+            <a:avLst/>
+          </a:prstGeom>
+          <a:noFill/>
+        </p:spPr>
+        <p:txBody>
+          <a:bodyPr wrap="square" rtlCol="0">
+            <a:spAutoFit/>
+          </a:bodyPr>
+          <a:lstStyle/>
+          <a:p>
+            <a:r>
+              <a:rPr lang="ko-KR" altLang="en-US" smtClean="0"/>
+              <a:t>관리자 페이지</a:t>
+            </a:r>
+            <a:endParaRPr lang="ko-KR" altLang="en-US" dirty="0"/>
+          </a:p>
+        </p:txBody>
+      </p:sp>
+      <p:sp>
+        <p:nvSpPr>
+          <p:cNvPr id="21" name="직사각형 20"/>
+          <p:cNvSpPr/>
+          <p:nvPr/>
+        </p:nvSpPr>
+        <p:spPr>
+          <a:xfrm>
+            <a:off x="3353610" y="228600"/>
+            <a:ext cx="5484781" cy="738664"/>
+          </a:xfrm>
+          <a:prstGeom prst="rect">
+            <a:avLst/>
+          </a:prstGeom>
+        </p:spPr>
+        <p:txBody>
+          <a:bodyPr wrap="square">
+            <a:spAutoFit/>
+          </a:bodyPr>
+          <a:lstStyle/>
+          <a:p>
+            <a:pPr algn="ctr">
+              <a:lnSpc>
+                <a:spcPct val="150000"/>
+              </a:lnSpc>
+            </a:pPr>
+            <a:r>
+              <a:rPr lang="ko-KR" altLang="en-US" sz="2000" i="1" dirty="0">
+                <a:solidFill>
+                  <a:schemeClr val="bg1">
+                    <a:lumMod val="50000"/>
+                  </a:schemeClr>
+                </a:solidFill>
+              </a:rPr>
+              <a:t>화면설계서 </a:t>
+            </a:r>
+            <a:r>
+              <a:rPr lang="en-US" altLang="ko-KR" sz="2800" b="1" i="1" dirty="0">
+                <a:solidFill>
+                  <a:schemeClr val="bg1">
+                    <a:lumMod val="50000"/>
+                  </a:schemeClr>
+                </a:solidFill>
+              </a:rPr>
+              <a:t>Wire Frame</a:t>
+            </a:r>
+          </a:p>
+        </p:txBody>
+      </p:sp>
+      <p:cxnSp>
+        <p:nvCxnSpPr>
+          <p:cNvPr id="22" name="직선 연결선 21"/>
+          <p:cNvCxnSpPr/>
+          <p:nvPr/>
+        </p:nvCxnSpPr>
+        <p:spPr>
+          <a:xfrm>
+            <a:off x="1713470" y="3406693"/>
+            <a:ext cx="5791200" cy="0"/>
+          </a:xfrm>
+          <a:prstGeom prst="line">
+            <a:avLst/>
+          </a:prstGeom>
+        </p:spPr>
+        <p:style>
+          <a:lnRef idx="1">
+            <a:schemeClr val="dk1"/>
+          </a:lnRef>
+          <a:fillRef idx="0">
+            <a:schemeClr val="dk1"/>
+          </a:fillRef>
+          <a:effectRef idx="0">
+            <a:schemeClr val="dk1"/>
+          </a:effectRef>
+          <a:fontRef idx="minor">
+            <a:schemeClr val="tx1"/>
+          </a:fontRef>
+        </p:style>
+      </p:cxnSp>
+      <p:sp>
+        <p:nvSpPr>
+          <p:cNvPr id="23" name="TextBox 22"/>
+          <p:cNvSpPr txBox="1"/>
+          <p:nvPr/>
+        </p:nvSpPr>
+        <p:spPr>
+          <a:xfrm>
+            <a:off x="3219295" y="3459283"/>
+            <a:ext cx="551935" cy="215444"/>
+          </a:xfrm>
+          <a:prstGeom prst="rect">
+            <a:avLst/>
+          </a:prstGeom>
+          <a:noFill/>
+        </p:spPr>
+        <p:txBody>
+          <a:bodyPr wrap="square" rtlCol="0">
+            <a:spAutoFit/>
+          </a:bodyPr>
+          <a:lstStyle/>
+          <a:p>
+            <a:r>
+              <a:rPr lang="ko-KR" altLang="en-US" sz="800" smtClean="0"/>
+              <a:t>상품</a:t>
+            </a:r>
+            <a:r>
+              <a:rPr lang="ko-KR" altLang="en-US" sz="800"/>
+              <a:t>명</a:t>
+            </a:r>
+            <a:endParaRPr lang="ko-KR" altLang="en-US" sz="800" dirty="0"/>
+          </a:p>
+        </p:txBody>
+      </p:sp>
+      <p:sp>
+        <p:nvSpPr>
+          <p:cNvPr id="24" name="TextBox 23"/>
+          <p:cNvSpPr txBox="1"/>
+          <p:nvPr/>
+        </p:nvSpPr>
+        <p:spPr>
+          <a:xfrm>
+            <a:off x="1713470" y="3464091"/>
+            <a:ext cx="643976" cy="215444"/>
+          </a:xfrm>
+          <a:prstGeom prst="rect">
+            <a:avLst/>
+          </a:prstGeom>
+          <a:noFill/>
+        </p:spPr>
+        <p:txBody>
+          <a:bodyPr wrap="square" rtlCol="0">
+            <a:spAutoFit/>
+          </a:bodyPr>
+          <a:lstStyle/>
+          <a:p>
+            <a:r>
+              <a:rPr lang="ko-KR" altLang="en-US" sz="800" smtClean="0"/>
+              <a:t>상품번호</a:t>
+            </a:r>
+            <a:endParaRPr lang="ko-KR" altLang="en-US" sz="800" dirty="0"/>
+          </a:p>
+        </p:txBody>
+      </p:sp>
+      <p:sp>
+        <p:nvSpPr>
+          <p:cNvPr id="25" name="TextBox 24"/>
+          <p:cNvSpPr txBox="1"/>
+          <p:nvPr/>
+        </p:nvSpPr>
+        <p:spPr>
+          <a:xfrm>
+            <a:off x="4806069" y="3464091"/>
+            <a:ext cx="551935" cy="215444"/>
+          </a:xfrm>
+          <a:prstGeom prst="rect">
+            <a:avLst/>
+          </a:prstGeom>
+          <a:noFill/>
+        </p:spPr>
+        <p:txBody>
+          <a:bodyPr wrap="square" rtlCol="0">
+            <a:spAutoFit/>
+          </a:bodyPr>
+          <a:lstStyle/>
+          <a:p>
+            <a:r>
+              <a:rPr lang="ko-KR" altLang="en-US" sz="800" smtClean="0"/>
+              <a:t>분</a:t>
+            </a:r>
+            <a:r>
+              <a:rPr lang="ko-KR" altLang="en-US" sz="800"/>
+              <a:t>류</a:t>
+            </a:r>
+            <a:endParaRPr lang="ko-KR" altLang="en-US" sz="800" dirty="0"/>
+          </a:p>
+        </p:txBody>
+      </p:sp>
+      <p:sp>
+        <p:nvSpPr>
+          <p:cNvPr id="28" name="TextBox 27"/>
+          <p:cNvSpPr txBox="1"/>
+          <p:nvPr/>
+        </p:nvSpPr>
+        <p:spPr>
+          <a:xfrm>
+            <a:off x="6466710" y="3464091"/>
+            <a:ext cx="551935" cy="215444"/>
+          </a:xfrm>
+          <a:prstGeom prst="rect">
+            <a:avLst/>
+          </a:prstGeom>
+          <a:noFill/>
+        </p:spPr>
+        <p:txBody>
+          <a:bodyPr wrap="square" rtlCol="0">
+            <a:spAutoFit/>
+          </a:bodyPr>
+          <a:lstStyle/>
+          <a:p>
+            <a:r>
+              <a:rPr lang="ko-KR" altLang="en-US" sz="800" smtClean="0"/>
+              <a:t>등록</a:t>
+            </a:r>
+            <a:r>
+              <a:rPr lang="ko-KR" altLang="en-US" sz="800"/>
+              <a:t>일</a:t>
+            </a:r>
+            <a:endParaRPr lang="ko-KR" altLang="en-US" sz="800" dirty="0"/>
+          </a:p>
+        </p:txBody>
+      </p:sp>
+      <p:cxnSp>
+        <p:nvCxnSpPr>
+          <p:cNvPr id="29" name="직선 연결선 28"/>
+          <p:cNvCxnSpPr/>
+          <p:nvPr/>
+        </p:nvCxnSpPr>
+        <p:spPr>
+          <a:xfrm>
+            <a:off x="1713470" y="3718839"/>
+            <a:ext cx="5791200" cy="0"/>
+          </a:xfrm>
+          <a:prstGeom prst="line">
+            <a:avLst/>
+          </a:prstGeom>
+        </p:spPr>
+        <p:style>
+          <a:lnRef idx="1">
+            <a:schemeClr val="dk1"/>
+          </a:lnRef>
+          <a:fillRef idx="0">
+            <a:schemeClr val="dk1"/>
+          </a:fillRef>
+          <a:effectRef idx="0">
+            <a:schemeClr val="dk1"/>
+          </a:effectRef>
+          <a:fontRef idx="minor">
+            <a:schemeClr val="tx1"/>
+          </a:fontRef>
+        </p:style>
+      </p:cxnSp>
+      <p:cxnSp>
+        <p:nvCxnSpPr>
+          <p:cNvPr id="30" name="직선 연결선 29"/>
+          <p:cNvCxnSpPr/>
+          <p:nvPr/>
+        </p:nvCxnSpPr>
+        <p:spPr>
+          <a:xfrm>
+            <a:off x="1713470" y="3962747"/>
+            <a:ext cx="5791200" cy="0"/>
+          </a:xfrm>
+          <a:prstGeom prst="line">
+            <a:avLst/>
+          </a:prstGeom>
+        </p:spPr>
+        <p:style>
+          <a:lnRef idx="1">
+            <a:schemeClr val="dk1"/>
+          </a:lnRef>
+          <a:fillRef idx="0">
+            <a:schemeClr val="dk1"/>
+          </a:fillRef>
+          <a:effectRef idx="0">
+            <a:schemeClr val="dk1"/>
+          </a:effectRef>
+          <a:fontRef idx="minor">
+            <a:schemeClr val="tx1"/>
+          </a:fontRef>
+        </p:style>
+      </p:cxnSp>
+      <p:cxnSp>
+        <p:nvCxnSpPr>
+          <p:cNvPr id="31" name="직선 연결선 30"/>
+          <p:cNvCxnSpPr/>
+          <p:nvPr/>
+        </p:nvCxnSpPr>
+        <p:spPr>
+          <a:xfrm>
+            <a:off x="1713470" y="4201644"/>
+            <a:ext cx="5791200" cy="0"/>
+          </a:xfrm>
+          <a:prstGeom prst="line">
+            <a:avLst/>
+          </a:prstGeom>
+        </p:spPr>
+        <p:style>
+          <a:lnRef idx="1">
+            <a:schemeClr val="dk1"/>
+          </a:lnRef>
+          <a:fillRef idx="0">
+            <a:schemeClr val="dk1"/>
+          </a:fillRef>
+          <a:effectRef idx="0">
+            <a:schemeClr val="dk1"/>
+          </a:effectRef>
+          <a:fontRef idx="minor">
+            <a:schemeClr val="tx1"/>
+          </a:fontRef>
+        </p:style>
+      </p:cxnSp>
+      <p:cxnSp>
+        <p:nvCxnSpPr>
+          <p:cNvPr id="32" name="직선 연결선 31"/>
+          <p:cNvCxnSpPr/>
+          <p:nvPr/>
+        </p:nvCxnSpPr>
+        <p:spPr>
+          <a:xfrm>
+            <a:off x="1713470" y="4448780"/>
+            <a:ext cx="5791200" cy="0"/>
+          </a:xfrm>
+          <a:prstGeom prst="line">
+            <a:avLst/>
+          </a:prstGeom>
+        </p:spPr>
+        <p:style>
+          <a:lnRef idx="1">
+            <a:schemeClr val="dk1"/>
+          </a:lnRef>
+          <a:fillRef idx="0">
+            <a:schemeClr val="dk1"/>
+          </a:fillRef>
+          <a:effectRef idx="0">
+            <a:schemeClr val="dk1"/>
+          </a:effectRef>
+          <a:fontRef idx="minor">
+            <a:schemeClr val="tx1"/>
+          </a:fontRef>
+        </p:style>
+      </p:cxnSp>
+      <p:cxnSp>
+        <p:nvCxnSpPr>
+          <p:cNvPr id="33" name="직선 연결선 32"/>
+          <p:cNvCxnSpPr/>
+          <p:nvPr/>
+        </p:nvCxnSpPr>
+        <p:spPr>
+          <a:xfrm>
+            <a:off x="1713470" y="4679439"/>
+            <a:ext cx="5791200" cy="0"/>
+          </a:xfrm>
+          <a:prstGeom prst="line">
+            <a:avLst/>
+          </a:prstGeom>
+        </p:spPr>
+        <p:style>
+          <a:lnRef idx="1">
+            <a:schemeClr val="dk1"/>
+          </a:lnRef>
+          <a:fillRef idx="0">
+            <a:schemeClr val="dk1"/>
+          </a:fillRef>
+          <a:effectRef idx="0">
+            <a:schemeClr val="dk1"/>
+          </a:effectRef>
+          <a:fontRef idx="minor">
+            <a:schemeClr val="tx1"/>
+          </a:fontRef>
+        </p:style>
+      </p:cxnSp>
+      <p:cxnSp>
+        <p:nvCxnSpPr>
+          <p:cNvPr id="34" name="직선 연결선 33"/>
+          <p:cNvCxnSpPr/>
+          <p:nvPr/>
+        </p:nvCxnSpPr>
+        <p:spPr>
+          <a:xfrm>
+            <a:off x="1713470" y="4903300"/>
+            <a:ext cx="5791200" cy="0"/>
+          </a:xfrm>
+          <a:prstGeom prst="line">
+            <a:avLst/>
+          </a:prstGeom>
+        </p:spPr>
+        <p:style>
+          <a:lnRef idx="1">
+            <a:schemeClr val="dk1"/>
+          </a:lnRef>
+          <a:fillRef idx="0">
+            <a:schemeClr val="dk1"/>
+          </a:fillRef>
+          <a:effectRef idx="0">
+            <a:schemeClr val="dk1"/>
+          </a:effectRef>
+          <a:fontRef idx="minor">
+            <a:schemeClr val="tx1"/>
+          </a:fontRef>
+        </p:style>
+      </p:cxnSp>
+      <p:cxnSp>
+        <p:nvCxnSpPr>
+          <p:cNvPr id="35" name="직선 연결선 34"/>
+          <p:cNvCxnSpPr/>
+          <p:nvPr/>
+        </p:nvCxnSpPr>
+        <p:spPr>
+          <a:xfrm>
+            <a:off x="1713470" y="5132520"/>
+            <a:ext cx="5791200" cy="0"/>
+          </a:xfrm>
+          <a:prstGeom prst="line">
+            <a:avLst/>
+          </a:prstGeom>
+        </p:spPr>
+        <p:style>
+          <a:lnRef idx="1">
+            <a:schemeClr val="dk1"/>
+          </a:lnRef>
+          <a:fillRef idx="0">
+            <a:schemeClr val="dk1"/>
+          </a:fillRef>
+          <a:effectRef idx="0">
+            <a:schemeClr val="dk1"/>
+          </a:effectRef>
+          <a:fontRef idx="minor">
+            <a:schemeClr val="tx1"/>
+          </a:fontRef>
+        </p:style>
+      </p:cxnSp>
+      <p:cxnSp>
+        <p:nvCxnSpPr>
+          <p:cNvPr id="36" name="직선 연결선 35"/>
+          <p:cNvCxnSpPr/>
+          <p:nvPr/>
+        </p:nvCxnSpPr>
+        <p:spPr>
+          <a:xfrm>
+            <a:off x="1713470" y="5363179"/>
+            <a:ext cx="5791200" cy="0"/>
+          </a:xfrm>
+          <a:prstGeom prst="line">
+            <a:avLst/>
+          </a:prstGeom>
+        </p:spPr>
+        <p:style>
+          <a:lnRef idx="1">
+            <a:schemeClr val="dk1"/>
+          </a:lnRef>
+          <a:fillRef idx="0">
+            <a:schemeClr val="dk1"/>
+          </a:fillRef>
+          <a:effectRef idx="0">
+            <a:schemeClr val="dk1"/>
+          </a:effectRef>
+          <a:fontRef idx="minor">
+            <a:schemeClr val="tx1"/>
+          </a:fontRef>
+        </p:style>
+      </p:cxnSp>
+      <p:sp>
+        <p:nvSpPr>
+          <p:cNvPr id="37" name="TextBox 36"/>
+          <p:cNvSpPr txBox="1"/>
+          <p:nvPr/>
+        </p:nvSpPr>
+        <p:spPr>
+          <a:xfrm>
+            <a:off x="3468130" y="5445211"/>
+            <a:ext cx="2347784" cy="215444"/>
+          </a:xfrm>
+          <a:prstGeom prst="rect">
+            <a:avLst/>
+          </a:prstGeom>
+          <a:noFill/>
+        </p:spPr>
+        <p:txBody>
+          <a:bodyPr wrap="square" rtlCol="0">
+            <a:spAutoFit/>
+          </a:bodyPr>
+          <a:lstStyle/>
+          <a:p>
+            <a:pPr algn="ctr"/>
+            <a:r>
+              <a:rPr lang="en-US" altLang="ko-KR" sz="800" dirty="0" smtClean="0"/>
+              <a:t>1 2 3 4</a:t>
+            </a:r>
+            <a:endParaRPr lang="ko-KR" altLang="en-US" sz="800" dirty="0"/>
+          </a:p>
+        </p:txBody>
+      </p:sp>
+      <p:sp>
+        <p:nvSpPr>
+          <p:cNvPr id="38" name="TextBox 37"/>
+          <p:cNvSpPr txBox="1"/>
+          <p:nvPr/>
+        </p:nvSpPr>
+        <p:spPr>
+          <a:xfrm>
+            <a:off x="1713470" y="2576410"/>
+            <a:ext cx="1112108" cy="276999"/>
+          </a:xfrm>
+          <a:prstGeom prst="rect">
+            <a:avLst/>
+          </a:prstGeom>
+          <a:noFill/>
+        </p:spPr>
+        <p:txBody>
+          <a:bodyPr wrap="square" rtlCol="0">
+            <a:spAutoFit/>
+          </a:bodyPr>
+          <a:lstStyle/>
+          <a:p>
+            <a:r>
+              <a:rPr lang="ko-KR" altLang="en-US" sz="1200" smtClean="0"/>
+              <a:t>상품관리</a:t>
+            </a:r>
+            <a:endParaRPr lang="ko-KR" altLang="en-US" sz="1200" dirty="0"/>
+          </a:p>
+        </p:txBody>
+      </p:sp>
+      <p:sp>
+        <p:nvSpPr>
+          <p:cNvPr id="41" name="직사각형 40"/>
+          <p:cNvSpPr/>
+          <p:nvPr/>
+        </p:nvSpPr>
+        <p:spPr>
+          <a:xfrm>
+            <a:off x="1713470" y="2951708"/>
+            <a:ext cx="1112108" cy="249674"/>
+          </a:xfrm>
+          <a:prstGeom prst="rect">
+            <a:avLst/>
+          </a:prstGeom>
+          <a:solidFill>
+            <a:schemeClr val="bg1"/>
+          </a:solidFill>
+          <a:ln>
+            <a:solidFill>
+              <a:schemeClr val="tx1"/>
+            </a:solidFill>
+          </a:ln>
+        </p:spPr>
+        <p:style>
+          <a:lnRef idx="2">
+            <a:schemeClr val="accent1">
+              <a:shade val="50000"/>
+            </a:schemeClr>
+          </a:lnRef>
+          <a:fillRef idx="1">
+            <a:schemeClr val="accent1"/>
+          </a:fillRef>
+          <a:effectRef idx="0">
+            <a:schemeClr val="accent1"/>
+          </a:effectRef>
+          <a:fontRef idx="minor">
+            <a:schemeClr val="lt1"/>
+          </a:fontRef>
+        </p:style>
+        <p:txBody>
+          <a:bodyPr rtlCol="0" anchor="ctr"/>
+          <a:lstStyle/>
+          <a:p>
+            <a:r>
+              <a:rPr lang="ko-KR" altLang="en-US" sz="1000" smtClean="0">
+                <a:solidFill>
+                  <a:schemeClr val="tx1"/>
+                </a:solidFill>
+              </a:rPr>
+              <a:t>전체</a:t>
+            </a:r>
+            <a:endParaRPr lang="ko-KR" altLang="en-US" sz="1000" dirty="0">
+              <a:solidFill>
+                <a:schemeClr val="tx1"/>
+              </a:solidFill>
+            </a:endParaRPr>
+          </a:p>
+        </p:txBody>
+      </p:sp>
+      <p:sp>
+        <p:nvSpPr>
+          <p:cNvPr id="42" name="아래쪽 화살표 41"/>
+          <p:cNvSpPr/>
+          <p:nvPr/>
+        </p:nvSpPr>
+        <p:spPr>
+          <a:xfrm>
+            <a:off x="2619635" y="3023286"/>
+            <a:ext cx="131805" cy="123568"/>
+          </a:xfrm>
+          <a:prstGeom prst="downArrow">
+            <a:avLst/>
+          </a:prstGeom>
+          <a:solidFill>
+            <a:schemeClr val="bg1"/>
+          </a:solidFill>
+          <a:ln>
+            <a:solidFill>
+              <a:schemeClr val="tx1"/>
+            </a:solidFill>
+          </a:ln>
+        </p:spPr>
+        <p:style>
+          <a:lnRef idx="2">
+            <a:schemeClr val="accent1">
+              <a:shade val="50000"/>
+            </a:schemeClr>
+          </a:lnRef>
+          <a:fillRef idx="1">
+            <a:schemeClr val="accent1"/>
+          </a:fillRef>
+          <a:effectRef idx="0">
+            <a:schemeClr val="accent1"/>
+          </a:effectRef>
+          <a:fontRef idx="minor">
+            <a:schemeClr val="lt1"/>
+          </a:fontRef>
+        </p:style>
+        <p:txBody>
+          <a:bodyPr rtlCol="0" anchor="ctr"/>
+          <a:lstStyle/>
+          <a:p>
+            <a:pPr algn="ctr"/>
+            <a:endParaRPr lang="ko-KR" altLang="en-US"/>
+          </a:p>
+        </p:txBody>
+      </p:sp>
+      <p:sp>
+        <p:nvSpPr>
+          <p:cNvPr id="43" name="직사각형 42"/>
+          <p:cNvSpPr/>
+          <p:nvPr/>
+        </p:nvSpPr>
+        <p:spPr>
+          <a:xfrm>
+            <a:off x="6911548" y="5459256"/>
+            <a:ext cx="464612" cy="249674"/>
+          </a:xfrm>
+          <a:prstGeom prst="rect">
+            <a:avLst/>
+          </a:prstGeom>
+          <a:solidFill>
+            <a:schemeClr val="tx1"/>
+          </a:solidFill>
+          <a:ln>
+            <a:solidFill>
+              <a:schemeClr val="tx1"/>
+            </a:solidFill>
+          </a:ln>
+        </p:spPr>
+        <p:style>
+          <a:lnRef idx="2">
+            <a:schemeClr val="accent1">
+              <a:shade val="50000"/>
+            </a:schemeClr>
+          </a:lnRef>
+          <a:fillRef idx="1">
+            <a:schemeClr val="accent1"/>
+          </a:fillRef>
+          <a:effectRef idx="0">
+            <a:schemeClr val="accent1"/>
+          </a:effectRef>
+          <a:fontRef idx="minor">
+            <a:schemeClr val="lt1"/>
+          </a:fontRef>
+        </p:style>
+        <p:txBody>
+          <a:bodyPr rtlCol="0" anchor="ctr"/>
+          <a:lstStyle/>
+          <a:p>
+            <a:pPr algn="ctr"/>
+            <a:r>
+              <a:rPr lang="ko-KR" altLang="en-US" sz="1000" smtClean="0">
+                <a:solidFill>
+                  <a:schemeClr val="bg1"/>
+                </a:solidFill>
+              </a:rPr>
+              <a:t>등록</a:t>
+            </a:r>
+            <a:endParaRPr lang="ko-KR" altLang="en-US" sz="1000" dirty="0">
+              <a:solidFill>
+                <a:schemeClr val="bg1"/>
+              </a:solidFill>
+            </a:endParaRPr>
+          </a:p>
+        </p:txBody>
+      </p:sp>
+    </p:spTree>
+    <p:extLst>
+      <p:ext uri="{BB962C8B-B14F-4D97-AF65-F5344CB8AC3E}">
+        <p14:creationId xmlns:p14="http://schemas.microsoft.com/office/powerpoint/2010/main" val="617683220"/>
+      </p:ext>
+    </p:extLst>
+  </p:cSld>
+  <p:clrMapOvr>
+    <a:masterClrMapping/>
+  </p:clrMapOvr>
+</p:sld>
+</file>
+
+<file path=ppt/slides/slide25.xml><?xml version="1.0" encoding="utf-8"?>
+<p:sld xmlns:a="http://schemas.openxmlformats.org/drawingml/2006/main" xmlns:r="http://schemas.openxmlformats.org/officeDocument/2006/relationships" xmlns:p="http://schemas.openxmlformats.org/presentationml/2006/main">
+  <p:cSld>
+    <p:spTree>
+      <p:nvGrpSpPr>
+        <p:cNvPr id="1" name=""/>
+        <p:cNvGrpSpPr/>
+        <p:nvPr/>
+      </p:nvGrpSpPr>
+      <p:grpSpPr>
+        <a:xfrm>
+          <a:off x="0" y="0"/>
+          <a:ext cx="0" cy="0"/>
+          <a:chOff x="0" y="0"/>
+          <a:chExt cx="0" cy="0"/>
+        </a:xfrm>
+      </p:grpSpPr>
+      <p:grpSp>
+        <p:nvGrpSpPr>
+          <p:cNvPr id="4" name="그룹 3"/>
+          <p:cNvGrpSpPr/>
+          <p:nvPr/>
+        </p:nvGrpSpPr>
+        <p:grpSpPr>
+          <a:xfrm>
+            <a:off x="152400" y="83680"/>
+            <a:ext cx="11903770" cy="6774320"/>
+            <a:chOff x="152400" y="83680"/>
+            <a:chExt cx="11903770" cy="6774320"/>
+          </a:xfrm>
+        </p:grpSpPr>
+        <p:sp>
+          <p:nvSpPr>
+            <p:cNvPr id="68" name="양쪽 모서리가 둥근 사각형 67"/>
+            <p:cNvSpPr/>
+            <p:nvPr/>
+          </p:nvSpPr>
+          <p:spPr>
+            <a:xfrm>
+              <a:off x="338203" y="83680"/>
+              <a:ext cx="11548997" cy="6482219"/>
+            </a:xfrm>
+            <a:prstGeom prst="round2SameRect">
+              <a:avLst>
+                <a:gd name="adj1" fmla="val 4566"/>
+                <a:gd name="adj2" fmla="val 0"/>
+              </a:avLst>
+            </a:prstGeom>
+            <a:pattFill prst="ltDnDiag">
+              <a:fgClr>
+                <a:schemeClr val="bg1">
+                  <a:lumMod val="75000"/>
+                </a:schemeClr>
+              </a:fgClr>
+              <a:bgClr>
+                <a:schemeClr val="bg1">
+                  <a:lumMod val="95000"/>
+                </a:schemeClr>
+              </a:bgClr>
+            </a:pattFill>
+            <a:ln w="28575">
+              <a:solidFill>
+                <a:schemeClr val="bg1">
+                  <a:lumMod val="50000"/>
+                </a:schemeClr>
+              </a:solidFill>
+            </a:ln>
+          </p:spPr>
+          <p:style>
+            <a:lnRef idx="2">
+              <a:schemeClr val="accent1">
+                <a:shade val="50000"/>
+              </a:schemeClr>
+            </a:lnRef>
+            <a:fillRef idx="1">
+              <a:schemeClr val="accent1"/>
+            </a:fillRef>
+            <a:effectRef idx="0">
+              <a:schemeClr val="accent1"/>
+            </a:effectRef>
+            <a:fontRef idx="minor">
+              <a:schemeClr val="lt1"/>
+            </a:fontRef>
+          </p:style>
+          <p:txBody>
+            <a:bodyPr rtlCol="0" anchor="ctr"/>
+            <a:lstStyle/>
+            <a:p>
+              <a:pPr algn="ctr"/>
+              <a:endParaRPr lang="ko-KR" altLang="en-US"/>
+            </a:p>
+          </p:txBody>
+        </p:sp>
+        <p:sp>
+          <p:nvSpPr>
+            <p:cNvPr id="69" name="양쪽 모서리가 둥근 사각형 68"/>
+            <p:cNvSpPr/>
+            <p:nvPr/>
+          </p:nvSpPr>
+          <p:spPr>
+            <a:xfrm>
+              <a:off x="524266" y="241300"/>
+              <a:ext cx="11176871" cy="6133424"/>
+            </a:xfrm>
+            <a:prstGeom prst="round2SameRect">
+              <a:avLst>
+                <a:gd name="adj1" fmla="val 3284"/>
+                <a:gd name="adj2" fmla="val 0"/>
+              </a:avLst>
+            </a:prstGeom>
+            <a:solidFill>
+              <a:schemeClr val="bg1"/>
+            </a:solidFill>
+            <a:ln w="19050">
+              <a:solidFill>
+                <a:schemeClr val="bg1">
+                  <a:lumMod val="50000"/>
+                </a:schemeClr>
+              </a:solidFill>
+            </a:ln>
+          </p:spPr>
+          <p:style>
+            <a:lnRef idx="2">
+              <a:schemeClr val="accent1">
+                <a:shade val="50000"/>
+              </a:schemeClr>
+            </a:lnRef>
+            <a:fillRef idx="1">
+              <a:schemeClr val="accent1"/>
+            </a:fillRef>
+            <a:effectRef idx="0">
+              <a:schemeClr val="accent1"/>
+            </a:effectRef>
+            <a:fontRef idx="minor">
+              <a:schemeClr val="lt1"/>
+            </a:fontRef>
+          </p:style>
+          <p:txBody>
+            <a:bodyPr rtlCol="0" anchor="ctr"/>
+            <a:lstStyle/>
+            <a:p>
+              <a:pPr algn="ctr"/>
+              <a:endParaRPr lang="ko-KR" altLang="en-US"/>
+            </a:p>
+          </p:txBody>
+        </p:sp>
+        <p:sp>
+          <p:nvSpPr>
+            <p:cNvPr id="84" name="양쪽 모서리가 둥근 사각형 83"/>
+            <p:cNvSpPr/>
+            <p:nvPr/>
+          </p:nvSpPr>
+          <p:spPr>
+            <a:xfrm rot="16200000">
+              <a:off x="1176083" y="5641873"/>
+              <a:ext cx="108000" cy="1798840"/>
+            </a:xfrm>
+            <a:prstGeom prst="round2SameRect">
+              <a:avLst>
+                <a:gd name="adj1" fmla="val 19304"/>
+                <a:gd name="adj2" fmla="val 0"/>
+              </a:avLst>
+            </a:prstGeom>
+            <a:gradFill flip="none" rotWithShape="1">
+              <a:gsLst>
+                <a:gs pos="17000">
+                  <a:schemeClr val="bg1">
+                    <a:lumMod val="50000"/>
+                  </a:schemeClr>
+                </a:gs>
+                <a:gs pos="59000">
+                  <a:schemeClr val="bg1">
+                    <a:shade val="100000"/>
+                    <a:satMod val="115000"/>
+                  </a:schemeClr>
+                </a:gs>
+              </a:gsLst>
+              <a:lin ang="0" scaled="1"/>
+              <a:tileRect/>
+            </a:gradFill>
+            <a:ln w="19050">
+              <a:solidFill>
+                <a:schemeClr val="bg1">
+                  <a:lumMod val="50000"/>
+                </a:schemeClr>
+              </a:solidFill>
+            </a:ln>
+          </p:spPr>
+          <p:style>
+            <a:lnRef idx="2">
+              <a:schemeClr val="accent1">
+                <a:shade val="50000"/>
+              </a:schemeClr>
+            </a:lnRef>
+            <a:fillRef idx="1">
+              <a:schemeClr val="accent1"/>
+            </a:fillRef>
+            <a:effectRef idx="0">
+              <a:schemeClr val="accent1"/>
+            </a:effectRef>
+            <a:fontRef idx="minor">
+              <a:schemeClr val="lt1"/>
+            </a:fontRef>
+          </p:style>
+          <p:txBody>
+            <a:bodyPr rtlCol="0" anchor="ctr"/>
+            <a:lstStyle/>
+            <a:p>
+              <a:pPr algn="ctr"/>
+              <a:endParaRPr lang="ko-KR" altLang="en-US">
+                <a:solidFill>
+                  <a:prstClr val="white"/>
+                </a:solidFill>
+              </a:endParaRPr>
+            </a:p>
+          </p:txBody>
+        </p:sp>
+        <p:sp>
+          <p:nvSpPr>
+            <p:cNvPr id="85" name="양쪽 모서리가 둥근 사각형 84"/>
+            <p:cNvSpPr/>
+            <p:nvPr/>
+          </p:nvSpPr>
+          <p:spPr>
+            <a:xfrm rot="5400000" flipH="1">
+              <a:off x="10930593" y="5641871"/>
+              <a:ext cx="108000" cy="1798840"/>
+            </a:xfrm>
+            <a:prstGeom prst="round2SameRect">
+              <a:avLst>
+                <a:gd name="adj1" fmla="val 19304"/>
+                <a:gd name="adj2" fmla="val 0"/>
+              </a:avLst>
+            </a:prstGeom>
+            <a:gradFill flip="none" rotWithShape="1">
+              <a:gsLst>
+                <a:gs pos="17000">
+                  <a:schemeClr val="bg1">
+                    <a:lumMod val="50000"/>
+                  </a:schemeClr>
+                </a:gs>
+                <a:gs pos="59000">
+                  <a:schemeClr val="bg1">
+                    <a:shade val="100000"/>
+                    <a:satMod val="115000"/>
+                  </a:schemeClr>
+                </a:gs>
+              </a:gsLst>
+              <a:lin ang="0" scaled="1"/>
+              <a:tileRect/>
+            </a:gradFill>
+            <a:ln w="19050">
+              <a:solidFill>
+                <a:schemeClr val="bg1">
+                  <a:lumMod val="50000"/>
+                </a:schemeClr>
+              </a:solidFill>
+            </a:ln>
+          </p:spPr>
+          <p:style>
+            <a:lnRef idx="2">
+              <a:schemeClr val="accent1">
+                <a:shade val="50000"/>
+              </a:schemeClr>
+            </a:lnRef>
+            <a:fillRef idx="1">
+              <a:schemeClr val="accent1"/>
+            </a:fillRef>
+            <a:effectRef idx="0">
+              <a:schemeClr val="accent1"/>
+            </a:effectRef>
+            <a:fontRef idx="minor">
+              <a:schemeClr val="lt1"/>
+            </a:fontRef>
+          </p:style>
+          <p:txBody>
+            <a:bodyPr rtlCol="0" anchor="ctr"/>
+            <a:lstStyle/>
+            <a:p>
+              <a:pPr algn="ctr"/>
+              <a:endParaRPr lang="ko-KR" altLang="en-US">
+                <a:solidFill>
+                  <a:prstClr val="white"/>
+                </a:solidFill>
+              </a:endParaRPr>
+            </a:p>
+          </p:txBody>
+        </p:sp>
+        <p:sp>
+          <p:nvSpPr>
+            <p:cNvPr id="86" name="양쪽 모서리가 둥근 사각형 85"/>
+            <p:cNvSpPr/>
+            <p:nvPr/>
+          </p:nvSpPr>
+          <p:spPr>
+            <a:xfrm rot="16200000">
+              <a:off x="6053339" y="2563457"/>
+              <a:ext cx="108000" cy="7955668"/>
+            </a:xfrm>
+            <a:prstGeom prst="round2SameRect">
+              <a:avLst>
+                <a:gd name="adj1" fmla="val 0"/>
+                <a:gd name="adj2" fmla="val 0"/>
+              </a:avLst>
+            </a:prstGeom>
+            <a:gradFill flip="none" rotWithShape="1">
+              <a:gsLst>
+                <a:gs pos="17000">
+                  <a:schemeClr val="bg1">
+                    <a:lumMod val="50000"/>
+                  </a:schemeClr>
+                </a:gs>
+                <a:gs pos="59000">
+                  <a:schemeClr val="bg1">
+                    <a:shade val="100000"/>
+                    <a:satMod val="115000"/>
+                  </a:schemeClr>
+                </a:gs>
+              </a:gsLst>
+              <a:lin ang="0" scaled="1"/>
+              <a:tileRect/>
+            </a:gradFill>
+            <a:ln w="19050">
+              <a:solidFill>
+                <a:schemeClr val="bg1">
+                  <a:lumMod val="50000"/>
+                </a:schemeClr>
+              </a:solidFill>
+            </a:ln>
+          </p:spPr>
+          <p:style>
+            <a:lnRef idx="2">
+              <a:schemeClr val="accent1">
+                <a:shade val="50000"/>
+              </a:schemeClr>
+            </a:lnRef>
+            <a:fillRef idx="1">
+              <a:schemeClr val="accent1"/>
+            </a:fillRef>
+            <a:effectRef idx="0">
+              <a:schemeClr val="accent1"/>
+            </a:effectRef>
+            <a:fontRef idx="minor">
+              <a:schemeClr val="lt1"/>
+            </a:fontRef>
+          </p:style>
+          <p:txBody>
+            <a:bodyPr rtlCol="0" anchor="ctr"/>
+            <a:lstStyle/>
+            <a:p>
+              <a:pPr algn="ctr"/>
+              <a:endParaRPr lang="ko-KR" altLang="en-US">
+                <a:solidFill>
+                  <a:prstClr val="white"/>
+                </a:solidFill>
+              </a:endParaRPr>
+            </a:p>
+          </p:txBody>
+        </p:sp>
+        <p:sp>
+          <p:nvSpPr>
+            <p:cNvPr id="14" name="자유형 13"/>
+            <p:cNvSpPr/>
+            <p:nvPr/>
+          </p:nvSpPr>
+          <p:spPr>
+            <a:xfrm>
+              <a:off x="158507" y="6590451"/>
+              <a:ext cx="11897663" cy="267549"/>
+            </a:xfrm>
+            <a:custGeom>
+              <a:avLst/>
+              <a:gdLst>
+                <a:gd name="connsiteX0" fmla="*/ 195955 w 11897663"/>
+                <a:gd name="connsiteY0" fmla="*/ 0 h 267549"/>
+                <a:gd name="connsiteX1" fmla="*/ 11701708 w 11897663"/>
+                <a:gd name="connsiteY1" fmla="*/ 0 h 267549"/>
+                <a:gd name="connsiteX2" fmla="*/ 11897663 w 11897663"/>
+                <a:gd name="connsiteY2" fmla="*/ 267549 h 267549"/>
+                <a:gd name="connsiteX3" fmla="*/ 0 w 11897663"/>
+                <a:gd name="connsiteY3" fmla="*/ 267549 h 267549"/>
+              </a:gdLst>
+              <a:ahLst/>
+              <a:cxnLst>
+                <a:cxn ang="0">
+                  <a:pos x="connsiteX0" y="connsiteY0"/>
+                </a:cxn>
+                <a:cxn ang="0">
+                  <a:pos x="connsiteX1" y="connsiteY1"/>
+                </a:cxn>
+                <a:cxn ang="0">
+                  <a:pos x="connsiteX2" y="connsiteY2"/>
+                </a:cxn>
+                <a:cxn ang="0">
+                  <a:pos x="connsiteX3" y="connsiteY3"/>
+                </a:cxn>
+              </a:cxnLst>
+              <a:rect l="l" t="t" r="r" b="b"/>
+              <a:pathLst>
+                <a:path w="11897663" h="267549">
+                  <a:moveTo>
+                    <a:pt x="195955" y="0"/>
+                  </a:moveTo>
+                  <a:lnTo>
+                    <a:pt x="11701708" y="0"/>
+                  </a:lnTo>
+                  <a:lnTo>
+                    <a:pt x="11897663" y="267549"/>
+                  </a:lnTo>
+                  <a:lnTo>
+                    <a:pt x="0" y="267549"/>
+                  </a:lnTo>
+                  <a:close/>
+                </a:path>
+              </a:pathLst>
+            </a:custGeom>
+            <a:solidFill>
+              <a:schemeClr val="bg1"/>
+            </a:solidFill>
+            <a:ln w="19050">
+              <a:solidFill>
+                <a:schemeClr val="bg1">
+                  <a:lumMod val="50000"/>
+                </a:schemeClr>
+              </a:solidFill>
+            </a:ln>
+          </p:spPr>
+          <p:style>
+            <a:lnRef idx="2">
+              <a:schemeClr val="accent1">
+                <a:shade val="50000"/>
+              </a:schemeClr>
+            </a:lnRef>
+            <a:fillRef idx="1">
+              <a:schemeClr val="accent1"/>
+            </a:fillRef>
+            <a:effectRef idx="0">
+              <a:schemeClr val="accent1"/>
+            </a:effectRef>
+            <a:fontRef idx="minor">
+              <a:schemeClr val="lt1"/>
+            </a:fontRef>
+          </p:style>
+          <p:txBody>
+            <a:bodyPr wrap="square" rtlCol="0" anchor="ctr">
+              <a:noAutofit/>
+            </a:bodyPr>
+            <a:lstStyle/>
+            <a:p>
+              <a:pPr algn="ctr"/>
+              <a:endParaRPr lang="ko-KR" altLang="en-US">
+                <a:solidFill>
+                  <a:prstClr val="white"/>
+                </a:solidFill>
+              </a:endParaRPr>
+            </a:p>
+          </p:txBody>
+        </p:sp>
+        <p:sp>
+          <p:nvSpPr>
+            <p:cNvPr id="26" name="자유형 25"/>
+            <p:cNvSpPr/>
+            <p:nvPr/>
+          </p:nvSpPr>
+          <p:spPr>
+            <a:xfrm>
+              <a:off x="152400" y="6565900"/>
+              <a:ext cx="11750381" cy="292100"/>
+            </a:xfrm>
+            <a:custGeom>
+              <a:avLst/>
+              <a:gdLst>
+                <a:gd name="connsiteX0" fmla="*/ 177800 w 11722100"/>
+                <a:gd name="connsiteY0" fmla="*/ 0 h 292100"/>
+                <a:gd name="connsiteX1" fmla="*/ 0 w 11722100"/>
+                <a:gd name="connsiteY1" fmla="*/ 292100 h 292100"/>
+                <a:gd name="connsiteX2" fmla="*/ 11722100 w 11722100"/>
+                <a:gd name="connsiteY2" fmla="*/ 50800 h 292100"/>
+                <a:gd name="connsiteX3" fmla="*/ 177800 w 11722100"/>
+                <a:gd name="connsiteY3" fmla="*/ 0 h 292100"/>
+                <a:gd name="connsiteX0" fmla="*/ 206081 w 11722100"/>
+                <a:gd name="connsiteY0" fmla="*/ 0 h 292100"/>
+                <a:gd name="connsiteX1" fmla="*/ 0 w 11722100"/>
+                <a:gd name="connsiteY1" fmla="*/ 292100 h 292100"/>
+                <a:gd name="connsiteX2" fmla="*/ 11722100 w 11722100"/>
+                <a:gd name="connsiteY2" fmla="*/ 50800 h 292100"/>
+                <a:gd name="connsiteX3" fmla="*/ 206081 w 11722100"/>
+                <a:gd name="connsiteY3" fmla="*/ 0 h 292100"/>
+                <a:gd name="connsiteX0" fmla="*/ 206081 w 11750381"/>
+                <a:gd name="connsiteY0" fmla="*/ 0 h 292100"/>
+                <a:gd name="connsiteX1" fmla="*/ 0 w 11750381"/>
+                <a:gd name="connsiteY1" fmla="*/ 292100 h 292100"/>
+                <a:gd name="connsiteX2" fmla="*/ 11750381 w 11750381"/>
+                <a:gd name="connsiteY2" fmla="*/ 31947 h 292100"/>
+                <a:gd name="connsiteX3" fmla="*/ 206081 w 11750381"/>
+                <a:gd name="connsiteY3" fmla="*/ 0 h 292100"/>
+              </a:gdLst>
+              <a:ahLst/>
+              <a:cxnLst>
+                <a:cxn ang="0">
+                  <a:pos x="connsiteX0" y="connsiteY0"/>
+                </a:cxn>
+                <a:cxn ang="0">
+                  <a:pos x="connsiteX1" y="connsiteY1"/>
+                </a:cxn>
+                <a:cxn ang="0">
+                  <a:pos x="connsiteX2" y="connsiteY2"/>
+                </a:cxn>
+                <a:cxn ang="0">
+                  <a:pos x="connsiteX3" y="connsiteY3"/>
+                </a:cxn>
+              </a:cxnLst>
+              <a:rect l="l" t="t" r="r" b="b"/>
+              <a:pathLst>
+                <a:path w="11750381" h="292100">
+                  <a:moveTo>
+                    <a:pt x="206081" y="0"/>
+                  </a:moveTo>
+                  <a:lnTo>
+                    <a:pt x="0" y="292100"/>
+                  </a:lnTo>
+                  <a:lnTo>
+                    <a:pt x="11750381" y="31947"/>
+                  </a:lnTo>
+                  <a:lnTo>
+                    <a:pt x="206081" y="0"/>
+                  </a:lnTo>
+                  <a:close/>
+                </a:path>
+              </a:pathLst>
+            </a:custGeom>
+            <a:solidFill>
+              <a:schemeClr val="tx1">
+                <a:alpha val="13000"/>
+              </a:schemeClr>
+            </a:solidFill>
+            <a:ln>
+              <a:noFill/>
+            </a:ln>
+          </p:spPr>
+          <p:style>
+            <a:lnRef idx="2">
+              <a:schemeClr val="accent1">
+                <a:shade val="50000"/>
+              </a:schemeClr>
+            </a:lnRef>
+            <a:fillRef idx="1">
+              <a:schemeClr val="accent1"/>
+            </a:fillRef>
+            <a:effectRef idx="0">
+              <a:schemeClr val="accent1"/>
+            </a:effectRef>
+            <a:fontRef idx="minor">
+              <a:schemeClr val="lt1"/>
+            </a:fontRef>
+          </p:style>
+          <p:txBody>
+            <a:bodyPr rtlCol="0" anchor="ctr"/>
+            <a:lstStyle/>
+            <a:p>
+              <a:pPr algn="ctr"/>
+              <a:endParaRPr lang="ko-KR" altLang="en-US"/>
+            </a:p>
+          </p:txBody>
+        </p:sp>
+        <p:sp>
+          <p:nvSpPr>
+            <p:cNvPr id="15" name="모서리가 둥근 직사각형 14"/>
+            <p:cNvSpPr/>
+            <p:nvPr/>
+          </p:nvSpPr>
+          <p:spPr>
+            <a:xfrm>
+              <a:off x="524266" y="6670585"/>
+              <a:ext cx="597524" cy="64121"/>
+            </a:xfrm>
+            <a:prstGeom prst="roundRect">
+              <a:avLst>
+                <a:gd name="adj" fmla="val 50000"/>
+              </a:avLst>
+            </a:prstGeom>
+            <a:solidFill>
+              <a:srgbClr val="00B0F0"/>
+            </a:solidFill>
+            <a:ln>
+              <a:solidFill>
+                <a:schemeClr val="bg1">
+                  <a:lumMod val="50000"/>
+                </a:schemeClr>
+              </a:solidFill>
+            </a:ln>
+          </p:spPr>
+          <p:style>
+            <a:lnRef idx="2">
+              <a:schemeClr val="accent1">
+                <a:shade val="50000"/>
+              </a:schemeClr>
+            </a:lnRef>
+            <a:fillRef idx="1">
+              <a:schemeClr val="accent1"/>
+            </a:fillRef>
+            <a:effectRef idx="0">
+              <a:schemeClr val="accent1"/>
+            </a:effectRef>
+            <a:fontRef idx="minor">
+              <a:schemeClr val="lt1"/>
+            </a:fontRef>
+          </p:style>
+          <p:txBody>
+            <a:bodyPr rtlCol="0" anchor="ctr"/>
+            <a:lstStyle/>
+            <a:p>
+              <a:pPr algn="ctr"/>
+              <a:endParaRPr lang="ko-KR" altLang="en-US"/>
+            </a:p>
+          </p:txBody>
+        </p:sp>
+      </p:grpSp>
+      <p:sp>
+        <p:nvSpPr>
           <p:cNvPr id="82" name="직사각형 81"/>
           <p:cNvSpPr/>
           <p:nvPr/>
@@ -29589,7 +34580,7 @@
 </p:sld>
 </file>
 
-<file path=ppt/slides/slide24.xml><?xml version="1.0" encoding="utf-8"?>
+<file path=ppt/slides/slide26.xml><?xml version="1.0" encoding="utf-8"?>
 <p:sld xmlns:a="http://schemas.openxmlformats.org/drawingml/2006/main" xmlns:r="http://schemas.openxmlformats.org/officeDocument/2006/relationships" xmlns:p="http://schemas.openxmlformats.org/presentationml/2006/main">
   <p:cSld>
     <p:bg>
@@ -30378,7 +35369,7 @@
 </p:sld>
 </file>
 
-<file path=ppt/slides/slide25.xml><?xml version="1.0" encoding="utf-8"?>
+<file path=ppt/slides/slide27.xml><?xml version="1.0" encoding="utf-8"?>
 <p:sld xmlns:a="http://schemas.openxmlformats.org/drawingml/2006/main" xmlns:r="http://schemas.openxmlformats.org/officeDocument/2006/relationships" xmlns:p="http://schemas.openxmlformats.org/presentationml/2006/main">
   <p:cSld>
     <p:spTree>
@@ -31164,7 +36155,7 @@
 </p:sld>
 </file>
 
-<file path=ppt/slides/slide26.xml><?xml version="1.0" encoding="utf-8"?>
+<file path=ppt/slides/slide28.xml><?xml version="1.0" encoding="utf-8"?>
 <p:sld xmlns:a="http://schemas.openxmlformats.org/drawingml/2006/main" xmlns:r="http://schemas.openxmlformats.org/officeDocument/2006/relationships" xmlns:p="http://schemas.openxmlformats.org/presentationml/2006/main">
   <p:cSld>
     <p:spTree>
@@ -31977,7 +36968,7 @@
 </p:sld>
 </file>
 
-<file path=ppt/slides/slide27.xml><?xml version="1.0" encoding="utf-8"?>
+<file path=ppt/slides/slide29.xml><?xml version="1.0" encoding="utf-8"?>
 <p:sld xmlns:a="http://schemas.openxmlformats.org/drawingml/2006/main" xmlns:r="http://schemas.openxmlformats.org/officeDocument/2006/relationships" xmlns:p="http://schemas.openxmlformats.org/presentationml/2006/main">
   <p:cSld>
     <p:spTree>
@@ -32657,9 +37648,22 @@
 </p:sld>
 </file>
 
-<file path=ppt/slides/slide28.xml><?xml version="1.0" encoding="utf-8"?>
+<file path=ppt/slides/slide3.xml><?xml version="1.0" encoding="utf-8"?>
 <p:sld xmlns:a="http://schemas.openxmlformats.org/drawingml/2006/main" xmlns:r="http://schemas.openxmlformats.org/officeDocument/2006/relationships" xmlns:p="http://schemas.openxmlformats.org/presentationml/2006/main">
   <p:cSld>
+    <p:bg>
+      <p:bgPr>
+        <a:blipFill dpi="0" rotWithShape="1">
+          <a:blip r:embed="rId2">
+            <a:alphaModFix amt="36000"/>
+            <a:lum/>
+          </a:blip>
+          <a:srcRect/>
+          <a:tile tx="0" ty="0" sx="70000" sy="70000" flip="none" algn="tl"/>
+        </a:blipFill>
+        <a:effectLst/>
+      </p:bgPr>
+    </p:bg>
     <p:spTree>
       <p:nvGrpSpPr>
         <p:cNvPr id="1" name=""/>
@@ -33283,8 +38287,8 @@
         </p:nvSpPr>
         <p:spPr>
           <a:xfrm>
-            <a:off x="3353610" y="228600"/>
-            <a:ext cx="5484781" cy="655372"/>
+            <a:off x="3025537" y="2500098"/>
+            <a:ext cx="6163601" cy="1431995"/>
           </a:xfrm>
           <a:prstGeom prst="rect">
             <a:avLst/>
@@ -33302,24 +38306,35 @@
               </a:lnSpc>
             </a:pPr>
             <a:r>
-              <a:rPr lang="ko-KR" altLang="en-US" sz="2000" i="1" dirty="0">
-                <a:solidFill>
-                  <a:schemeClr val="bg1">
-                    <a:lumMod val="50000"/>
+              <a:rPr lang="en-US" altLang="ko-KR" sz="6600" b="1" i="1" dirty="0">
+                <a:solidFill>
+                  <a:schemeClr val="bg2">
+                    <a:lumMod val="25000"/>
                   </a:schemeClr>
                 </a:solidFill>
+                <a:latin typeface="Broadway" panose="04040905080B02020502" pitchFamily="82" charset="0"/>
               </a:rPr>
-              <a:t>논의 </a:t>
-            </a:r>
-            <a:r>
-              <a:rPr lang="en-US" altLang="ko-KR" sz="2800" b="1" i="1" dirty="0">
-                <a:solidFill>
-                  <a:schemeClr val="bg1">
-                    <a:lumMod val="50000"/>
+              <a:t>01. </a:t>
+            </a:r>
+            <a:r>
+              <a:rPr lang="ko-KR" altLang="en-US" sz="4800" i="1" dirty="0">
+                <a:solidFill>
+                  <a:schemeClr val="bg2">
+                    <a:lumMod val="25000"/>
                   </a:schemeClr>
                 </a:solidFill>
               </a:rPr>
-              <a:t>Issue</a:t>
+              <a:t>개요 </a:t>
+            </a:r>
+            <a:r>
+              <a:rPr lang="en-US" altLang="ko-KR" sz="6000" b="1" i="1" dirty="0">
+                <a:solidFill>
+                  <a:schemeClr val="bg2">
+                    <a:lumMod val="25000"/>
+                  </a:schemeClr>
+                </a:solidFill>
+              </a:rPr>
+              <a:t>Outline</a:t>
             </a:r>
           </a:p>
         </p:txBody>
@@ -33327,7 +38342,7 @@
     </p:spTree>
     <p:extLst>
       <p:ext uri="{BB962C8B-B14F-4D97-AF65-F5344CB8AC3E}">
-        <p14:creationId xmlns:p14="http://schemas.microsoft.com/office/powerpoint/2010/main" val="3821294017"/>
+        <p14:creationId xmlns:p14="http://schemas.microsoft.com/office/powerpoint/2010/main" val="3074889684"/>
       </p:ext>
     </p:extLst>
   </p:cSld>
@@ -33337,22 +38352,9 @@
 </p:sld>
 </file>
 
-<file path=ppt/slides/slide3.xml><?xml version="1.0" encoding="utf-8"?>
+<file path=ppt/slides/slide30.xml><?xml version="1.0" encoding="utf-8"?>
 <p:sld xmlns:a="http://schemas.openxmlformats.org/drawingml/2006/main" xmlns:r="http://schemas.openxmlformats.org/officeDocument/2006/relationships" xmlns:p="http://schemas.openxmlformats.org/presentationml/2006/main">
   <p:cSld>
-    <p:bg>
-      <p:bgPr>
-        <a:blipFill dpi="0" rotWithShape="1">
-          <a:blip r:embed="rId2">
-            <a:alphaModFix amt="36000"/>
-            <a:lum/>
-          </a:blip>
-          <a:srcRect/>
-          <a:tile tx="0" ty="0" sx="70000" sy="70000" flip="none" algn="tl"/>
-        </a:blipFill>
-        <a:effectLst/>
-      </p:bgPr>
-    </p:bg>
     <p:spTree>
       <p:nvGrpSpPr>
         <p:cNvPr id="1" name=""/>
@@ -33976,8 +38978,8 @@
         </p:nvSpPr>
         <p:spPr>
           <a:xfrm>
-            <a:off x="3025537" y="2500098"/>
-            <a:ext cx="6163601" cy="1431995"/>
+            <a:off x="3353610" y="228600"/>
+            <a:ext cx="5484781" cy="655372"/>
           </a:xfrm>
           <a:prstGeom prst="rect">
             <a:avLst/>
@@ -33995,35 +38997,24 @@
               </a:lnSpc>
             </a:pPr>
             <a:r>
-              <a:rPr lang="en-US" altLang="ko-KR" sz="6600" b="1" i="1" dirty="0">
-                <a:solidFill>
-                  <a:schemeClr val="bg2">
-                    <a:lumMod val="25000"/>
+              <a:rPr lang="ko-KR" altLang="en-US" sz="2000" i="1" dirty="0">
+                <a:solidFill>
+                  <a:schemeClr val="bg1">
+                    <a:lumMod val="50000"/>
                   </a:schemeClr>
                 </a:solidFill>
-                <a:latin typeface="Broadway" panose="04040905080B02020502" pitchFamily="82" charset="0"/>
               </a:rPr>
-              <a:t>01. </a:t>
-            </a:r>
-            <a:r>
-              <a:rPr lang="ko-KR" altLang="en-US" sz="4800" i="1" dirty="0">
-                <a:solidFill>
-                  <a:schemeClr val="bg2">
-                    <a:lumMod val="25000"/>
+              <a:t>논의 </a:t>
+            </a:r>
+            <a:r>
+              <a:rPr lang="en-US" altLang="ko-KR" sz="2800" b="1" i="1" dirty="0">
+                <a:solidFill>
+                  <a:schemeClr val="bg1">
+                    <a:lumMod val="50000"/>
                   </a:schemeClr>
                 </a:solidFill>
               </a:rPr>
-              <a:t>개요 </a:t>
-            </a:r>
-            <a:r>
-              <a:rPr lang="en-US" altLang="ko-KR" sz="6000" b="1" i="1" dirty="0">
-                <a:solidFill>
-                  <a:schemeClr val="bg2">
-                    <a:lumMod val="25000"/>
-                  </a:schemeClr>
-                </a:solidFill>
-              </a:rPr>
-              <a:t>Outline</a:t>
+              <a:t>Issue</a:t>
             </a:r>
           </a:p>
         </p:txBody>
@@ -34031,7 +39022,7 @@
     </p:spTree>
     <p:extLst>
       <p:ext uri="{BB962C8B-B14F-4D97-AF65-F5344CB8AC3E}">
-        <p14:creationId xmlns:p14="http://schemas.microsoft.com/office/powerpoint/2010/main" val="3074889684"/>
+        <p14:creationId xmlns:p14="http://schemas.microsoft.com/office/powerpoint/2010/main" val="3821294017"/>
       </p:ext>
     </p:extLst>
   </p:cSld>
@@ -38573,7 +43564,7 @@
   <a:extraClrSchemeLst/>
   <a:extLst>
     <a:ext uri="{05A4C25C-085E-4340-85A3-A5531E510DB2}">
-      <thm15:themeFamily xmlns="" xmlns:thm15="http://schemas.microsoft.com/office/thememl/2012/main" name="Office Theme" id="{62F939B6-93AF-4DB8-9C6B-D6C7DFDC589F}" vid="{4A3C46E8-61CC-4603-A589-7422A47A8E4A}"/>
+      <thm15:themeFamily xmlns:thm15="http://schemas.microsoft.com/office/thememl/2012/main" xmlns="" name="Office Theme" id="{62F939B6-93AF-4DB8-9C6B-D6C7DFDC589F}" vid="{4A3C46E8-61CC-4603-A589-7422A47A8E4A}"/>
     </a:ext>
   </a:extLst>
 </a:theme>

--- a/WebContent/jhk/프로젝트5_jhk.pptx
+++ b/WebContent/jhk/프로젝트5_jhk.pptx
@@ -10553,6 +10553,213 @@
           </a:p>
         </p:txBody>
       </p:sp>
+      <p:sp>
+        <p:nvSpPr>
+          <p:cNvPr id="29" name="직사각형 28"/>
+          <p:cNvSpPr/>
+          <p:nvPr/>
+        </p:nvSpPr>
+        <p:spPr>
+          <a:xfrm>
+            <a:off x="8602764" y="1664042"/>
+            <a:ext cx="2811968" cy="398177"/>
+          </a:xfrm>
+          <a:prstGeom prst="rect">
+            <a:avLst/>
+          </a:prstGeom>
+          <a:solidFill>
+            <a:schemeClr val="bg1"/>
+          </a:solidFill>
+          <a:ln>
+            <a:solidFill>
+              <a:schemeClr val="tx1"/>
+            </a:solidFill>
+          </a:ln>
+        </p:spPr>
+        <p:style>
+          <a:lnRef idx="2">
+            <a:schemeClr val="accent1">
+              <a:shade val="50000"/>
+            </a:schemeClr>
+          </a:lnRef>
+          <a:fillRef idx="1">
+            <a:schemeClr val="accent1"/>
+          </a:fillRef>
+          <a:effectRef idx="0">
+            <a:schemeClr val="accent1"/>
+          </a:effectRef>
+          <a:fontRef idx="minor">
+            <a:schemeClr val="lt1"/>
+          </a:fontRef>
+        </p:style>
+        <p:txBody>
+          <a:bodyPr rtlCol="0" anchor="ctr"/>
+          <a:lstStyle/>
+          <a:p>
+            <a:pPr algn="ctr"/>
+            <a:endParaRPr lang="ko-KR" altLang="en-US"/>
+          </a:p>
+        </p:txBody>
+      </p:sp>
+      <p:sp>
+        <p:nvSpPr>
+          <p:cNvPr id="30" name="TextBox 29"/>
+          <p:cNvSpPr txBox="1"/>
+          <p:nvPr/>
+        </p:nvSpPr>
+        <p:spPr>
+          <a:xfrm>
+            <a:off x="8708571" y="1739098"/>
+            <a:ext cx="460083" cy="246221"/>
+          </a:xfrm>
+          <a:prstGeom prst="rect">
+            <a:avLst/>
+          </a:prstGeom>
+          <a:noFill/>
+        </p:spPr>
+        <p:txBody>
+          <a:bodyPr wrap="square" rtlCol="0">
+            <a:spAutoFit/>
+          </a:bodyPr>
+          <a:lstStyle/>
+          <a:p>
+            <a:r>
+              <a:rPr lang="ko-KR" altLang="en-US" sz="1000" dirty="0" smtClean="0"/>
+              <a:t>로고</a:t>
+            </a:r>
+            <a:endParaRPr lang="ko-KR" altLang="en-US" sz="1000" dirty="0"/>
+          </a:p>
+        </p:txBody>
+      </p:sp>
+      <p:sp>
+        <p:nvSpPr>
+          <p:cNvPr id="31" name="TextBox 30"/>
+          <p:cNvSpPr txBox="1"/>
+          <p:nvPr/>
+        </p:nvSpPr>
+        <p:spPr>
+          <a:xfrm>
+            <a:off x="9168655" y="1738640"/>
+            <a:ext cx="2155552" cy="215444"/>
+          </a:xfrm>
+          <a:prstGeom prst="rect">
+            <a:avLst/>
+          </a:prstGeom>
+          <a:noFill/>
+        </p:spPr>
+        <p:txBody>
+          <a:bodyPr wrap="square" rtlCol="0">
+            <a:spAutoFit/>
+          </a:bodyPr>
+          <a:lstStyle/>
+          <a:p>
+            <a:pPr algn="r"/>
+            <a:r>
+              <a:rPr lang="ko-KR" altLang="en-US" sz="800" smtClean="0"/>
+              <a:t>로그인  </a:t>
+            </a:r>
+            <a:r>
+              <a:rPr lang="ko-KR" altLang="en-US" sz="800" smtClean="0"/>
+              <a:t>고객센터</a:t>
+            </a:r>
+            <a:endParaRPr lang="ko-KR" altLang="en-US" sz="800" dirty="0"/>
+          </a:p>
+        </p:txBody>
+      </p:sp>
+      <p:sp>
+        <p:nvSpPr>
+          <p:cNvPr id="32" name="직사각형 31"/>
+          <p:cNvSpPr/>
+          <p:nvPr/>
+        </p:nvSpPr>
+        <p:spPr>
+          <a:xfrm>
+            <a:off x="8602764" y="2060507"/>
+            <a:ext cx="2811968" cy="398177"/>
+          </a:xfrm>
+          <a:prstGeom prst="rect">
+            <a:avLst/>
+          </a:prstGeom>
+          <a:solidFill>
+            <a:schemeClr val="bg1"/>
+          </a:solidFill>
+          <a:ln>
+            <a:solidFill>
+              <a:schemeClr val="tx1"/>
+            </a:solidFill>
+          </a:ln>
+        </p:spPr>
+        <p:style>
+          <a:lnRef idx="2">
+            <a:schemeClr val="accent1">
+              <a:shade val="50000"/>
+            </a:schemeClr>
+          </a:lnRef>
+          <a:fillRef idx="1">
+            <a:schemeClr val="accent1"/>
+          </a:fillRef>
+          <a:effectRef idx="0">
+            <a:schemeClr val="accent1"/>
+          </a:effectRef>
+          <a:fontRef idx="minor">
+            <a:schemeClr val="lt1"/>
+          </a:fontRef>
+        </p:style>
+        <p:txBody>
+          <a:bodyPr rtlCol="0" anchor="ctr"/>
+          <a:lstStyle/>
+          <a:p>
+            <a:pPr algn="ctr"/>
+            <a:endParaRPr lang="ko-KR" altLang="en-US"/>
+          </a:p>
+        </p:txBody>
+      </p:sp>
+      <p:sp>
+        <p:nvSpPr>
+          <p:cNvPr id="34" name="TextBox 33"/>
+          <p:cNvSpPr txBox="1"/>
+          <p:nvPr/>
+        </p:nvSpPr>
+        <p:spPr>
+          <a:xfrm>
+            <a:off x="8708571" y="2135105"/>
+            <a:ext cx="2615635" cy="246221"/>
+          </a:xfrm>
+          <a:prstGeom prst="rect">
+            <a:avLst/>
+          </a:prstGeom>
+          <a:noFill/>
+        </p:spPr>
+        <p:txBody>
+          <a:bodyPr wrap="square" rtlCol="0">
+            <a:spAutoFit/>
+          </a:bodyPr>
+          <a:lstStyle/>
+          <a:p>
+            <a:r>
+              <a:rPr lang="ko-KR" altLang="en-US" sz="1000" smtClean="0"/>
+              <a:t>조립컴퓨터 </a:t>
+            </a:r>
+            <a:r>
+              <a:rPr lang="en-US" altLang="ko-KR" sz="1000" smtClean="0"/>
+              <a:t>	</a:t>
+            </a:r>
+            <a:r>
+              <a:rPr lang="ko-KR" altLang="en-US" sz="1000" smtClean="0"/>
+              <a:t>컴퓨터부품</a:t>
+            </a:r>
+            <a:r>
+              <a:rPr lang="en-US" altLang="ko-KR" sz="1000" smtClean="0"/>
+              <a:t>	</a:t>
+            </a:r>
+            <a:r>
+              <a:rPr lang="ko-KR" altLang="en-US" sz="1000" smtClean="0"/>
+              <a:t> 견적문의</a:t>
+            </a:r>
+            <a:endParaRPr lang="ko-KR" altLang="en-US" sz="1000" dirty="0"/>
+          </a:p>
+        </p:txBody>
+      </p:sp>
     </p:spTree>
     <p:extLst>
       <p:ext uri="{BB962C8B-B14F-4D97-AF65-F5344CB8AC3E}">
@@ -11186,54 +11393,6 @@
       </p:grpSp>
       <p:sp>
         <p:nvSpPr>
-          <p:cNvPr id="3" name="직사각형 2"/>
-          <p:cNvSpPr/>
-          <p:nvPr/>
-        </p:nvSpPr>
-        <p:spPr>
-          <a:xfrm>
-            <a:off x="8602764" y="1664043"/>
-            <a:ext cx="2811968" cy="4423719"/>
-          </a:xfrm>
-          <a:prstGeom prst="rect">
-            <a:avLst/>
-          </a:prstGeom>
-          <a:solidFill>
-            <a:schemeClr val="bg1"/>
-          </a:solidFill>
-          <a:ln>
-            <a:solidFill>
-              <a:schemeClr val="tx1"/>
-            </a:solidFill>
-          </a:ln>
-        </p:spPr>
-        <p:style>
-          <a:lnRef idx="2">
-            <a:schemeClr val="accent1">
-              <a:shade val="50000"/>
-            </a:schemeClr>
-          </a:lnRef>
-          <a:fillRef idx="1">
-            <a:schemeClr val="accent1"/>
-          </a:fillRef>
-          <a:effectRef idx="0">
-            <a:schemeClr val="accent1"/>
-          </a:effectRef>
-          <a:fontRef idx="minor">
-            <a:schemeClr val="lt1"/>
-          </a:fontRef>
-        </p:style>
-        <p:txBody>
-          <a:bodyPr rtlCol="0" anchor="ctr"/>
-          <a:lstStyle/>
-          <a:p>
-            <a:pPr algn="ctr"/>
-            <a:endParaRPr lang="ko-KR" altLang="en-US"/>
-          </a:p>
-        </p:txBody>
-      </p:sp>
-      <p:sp>
-        <p:nvSpPr>
           <p:cNvPr id="16" name="직사각형 15"/>
           <p:cNvSpPr/>
           <p:nvPr/>
@@ -11872,6 +12031,257 @@
               </a:rPr>
               <a:t>Wire Frame</a:t>
             </a:r>
+          </a:p>
+        </p:txBody>
+      </p:sp>
+      <p:sp>
+        <p:nvSpPr>
+          <p:cNvPr id="35" name="직사각형 34"/>
+          <p:cNvSpPr/>
+          <p:nvPr/>
+        </p:nvSpPr>
+        <p:spPr>
+          <a:xfrm>
+            <a:off x="8602764" y="1664043"/>
+            <a:ext cx="2811968" cy="4423719"/>
+          </a:xfrm>
+          <a:prstGeom prst="rect">
+            <a:avLst/>
+          </a:prstGeom>
+          <a:solidFill>
+            <a:schemeClr val="bg1"/>
+          </a:solidFill>
+          <a:ln>
+            <a:solidFill>
+              <a:schemeClr val="tx1"/>
+            </a:solidFill>
+          </a:ln>
+        </p:spPr>
+        <p:style>
+          <a:lnRef idx="2">
+            <a:schemeClr val="accent1">
+              <a:shade val="50000"/>
+            </a:schemeClr>
+          </a:lnRef>
+          <a:fillRef idx="1">
+            <a:schemeClr val="accent1"/>
+          </a:fillRef>
+          <a:effectRef idx="0">
+            <a:schemeClr val="accent1"/>
+          </a:effectRef>
+          <a:fontRef idx="minor">
+            <a:schemeClr val="lt1"/>
+          </a:fontRef>
+        </p:style>
+        <p:txBody>
+          <a:bodyPr rtlCol="0" anchor="ctr"/>
+          <a:lstStyle/>
+          <a:p>
+            <a:pPr algn="ctr"/>
+            <a:endParaRPr lang="ko-KR" altLang="en-US"/>
+          </a:p>
+        </p:txBody>
+      </p:sp>
+      <p:sp>
+        <p:nvSpPr>
+          <p:cNvPr id="36" name="직사각형 35"/>
+          <p:cNvSpPr/>
+          <p:nvPr/>
+        </p:nvSpPr>
+        <p:spPr>
+          <a:xfrm>
+            <a:off x="8602764" y="1664042"/>
+            <a:ext cx="2811968" cy="398177"/>
+          </a:xfrm>
+          <a:prstGeom prst="rect">
+            <a:avLst/>
+          </a:prstGeom>
+          <a:solidFill>
+            <a:schemeClr val="bg1"/>
+          </a:solidFill>
+          <a:ln>
+            <a:solidFill>
+              <a:schemeClr val="tx1"/>
+            </a:solidFill>
+          </a:ln>
+        </p:spPr>
+        <p:style>
+          <a:lnRef idx="2">
+            <a:schemeClr val="accent1">
+              <a:shade val="50000"/>
+            </a:schemeClr>
+          </a:lnRef>
+          <a:fillRef idx="1">
+            <a:schemeClr val="accent1"/>
+          </a:fillRef>
+          <a:effectRef idx="0">
+            <a:schemeClr val="accent1"/>
+          </a:effectRef>
+          <a:fontRef idx="minor">
+            <a:schemeClr val="lt1"/>
+          </a:fontRef>
+        </p:style>
+        <p:txBody>
+          <a:bodyPr rtlCol="0" anchor="ctr"/>
+          <a:lstStyle/>
+          <a:p>
+            <a:pPr algn="ctr"/>
+            <a:endParaRPr lang="ko-KR" altLang="en-US"/>
+          </a:p>
+        </p:txBody>
+      </p:sp>
+      <p:sp>
+        <p:nvSpPr>
+          <p:cNvPr id="37" name="TextBox 36"/>
+          <p:cNvSpPr txBox="1"/>
+          <p:nvPr/>
+        </p:nvSpPr>
+        <p:spPr>
+          <a:xfrm>
+            <a:off x="8708571" y="1739098"/>
+            <a:ext cx="460083" cy="246221"/>
+          </a:xfrm>
+          <a:prstGeom prst="rect">
+            <a:avLst/>
+          </a:prstGeom>
+          <a:noFill/>
+        </p:spPr>
+        <p:txBody>
+          <a:bodyPr wrap="square" rtlCol="0">
+            <a:spAutoFit/>
+          </a:bodyPr>
+          <a:lstStyle/>
+          <a:p>
+            <a:r>
+              <a:rPr lang="ko-KR" altLang="en-US" sz="1000" dirty="0" smtClean="0"/>
+              <a:t>로고</a:t>
+            </a:r>
+            <a:endParaRPr lang="ko-KR" altLang="en-US" sz="1000" dirty="0"/>
+          </a:p>
+        </p:txBody>
+      </p:sp>
+      <p:sp>
+        <p:nvSpPr>
+          <p:cNvPr id="38" name="TextBox 37"/>
+          <p:cNvSpPr txBox="1"/>
+          <p:nvPr/>
+        </p:nvSpPr>
+        <p:spPr>
+          <a:xfrm>
+            <a:off x="9168655" y="1755408"/>
+            <a:ext cx="2155552" cy="215444"/>
+          </a:xfrm>
+          <a:prstGeom prst="rect">
+            <a:avLst/>
+          </a:prstGeom>
+          <a:noFill/>
+        </p:spPr>
+        <p:txBody>
+          <a:bodyPr wrap="square" rtlCol="0">
+            <a:spAutoFit/>
+          </a:bodyPr>
+          <a:lstStyle/>
+          <a:p>
+            <a:pPr algn="r"/>
+            <a:r>
+              <a:rPr lang="ko-KR" altLang="en-US" sz="800" smtClean="0"/>
+              <a:t>로그아웃 장바구니 마이페이지 고객센터</a:t>
+            </a:r>
+            <a:endParaRPr lang="ko-KR" altLang="en-US" sz="800" dirty="0"/>
+          </a:p>
+        </p:txBody>
+      </p:sp>
+      <p:sp>
+        <p:nvSpPr>
+          <p:cNvPr id="39" name="직사각형 38"/>
+          <p:cNvSpPr/>
+          <p:nvPr/>
+        </p:nvSpPr>
+        <p:spPr>
+          <a:xfrm>
+            <a:off x="8602764" y="2060507"/>
+            <a:ext cx="2811968" cy="398177"/>
+          </a:xfrm>
+          <a:prstGeom prst="rect">
+            <a:avLst/>
+          </a:prstGeom>
+          <a:solidFill>
+            <a:schemeClr val="bg1"/>
+          </a:solidFill>
+          <a:ln>
+            <a:solidFill>
+              <a:schemeClr val="tx1"/>
+            </a:solidFill>
+          </a:ln>
+        </p:spPr>
+        <p:style>
+          <a:lnRef idx="2">
+            <a:schemeClr val="accent1">
+              <a:shade val="50000"/>
+            </a:schemeClr>
+          </a:lnRef>
+          <a:fillRef idx="1">
+            <a:schemeClr val="accent1"/>
+          </a:fillRef>
+          <a:effectRef idx="0">
+            <a:schemeClr val="accent1"/>
+          </a:effectRef>
+          <a:fontRef idx="minor">
+            <a:schemeClr val="lt1"/>
+          </a:fontRef>
+        </p:style>
+        <p:txBody>
+          <a:bodyPr rtlCol="0" anchor="ctr"/>
+          <a:lstStyle/>
+          <a:p>
+            <a:pPr algn="ctr"/>
+            <a:endParaRPr lang="ko-KR" altLang="en-US"/>
+          </a:p>
+        </p:txBody>
+      </p:sp>
+      <p:sp>
+        <p:nvSpPr>
+          <p:cNvPr id="40" name="TextBox 39"/>
+          <p:cNvSpPr txBox="1"/>
+          <p:nvPr/>
+        </p:nvSpPr>
+        <p:spPr>
+          <a:xfrm>
+            <a:off x="8708571" y="2135105"/>
+            <a:ext cx="2615635" cy="246221"/>
+          </a:xfrm>
+          <a:prstGeom prst="rect">
+            <a:avLst/>
+          </a:prstGeom>
+          <a:noFill/>
+        </p:spPr>
+        <p:txBody>
+          <a:bodyPr wrap="square" rtlCol="0">
+            <a:spAutoFit/>
+          </a:bodyPr>
+          <a:lstStyle/>
+          <a:p>
+            <a:r>
+              <a:rPr lang="ko-KR" altLang="en-US" sz="1000" smtClean="0"/>
+              <a:t>조립컴퓨터 </a:t>
+            </a:r>
+            <a:r>
+              <a:rPr lang="en-US" altLang="ko-KR" sz="1000" smtClean="0"/>
+              <a:t>	</a:t>
+            </a:r>
+            <a:r>
+              <a:rPr lang="ko-KR" altLang="en-US" sz="1000" smtClean="0"/>
+              <a:t>컴퓨터부품</a:t>
+            </a:r>
+            <a:r>
+              <a:rPr lang="en-US" altLang="ko-KR" sz="1000" smtClean="0"/>
+              <a:t>	</a:t>
+            </a:r>
+            <a:r>
+              <a:rPr lang="ko-KR" altLang="en-US" sz="1000" smtClean="0"/>
+              <a:t> 견적문의</a:t>
+            </a:r>
+            <a:endParaRPr lang="ko-KR" altLang="en-US" sz="1000" dirty="0"/>
           </a:p>
         </p:txBody>
       </p:sp>
@@ -14010,6 +14420,534 @@
           </a:p>
         </p:txBody>
       </p:sp>
+      <p:sp>
+        <p:nvSpPr>
+          <p:cNvPr id="37" name="직사각형 36"/>
+          <p:cNvSpPr/>
+          <p:nvPr/>
+        </p:nvSpPr>
+        <p:spPr>
+          <a:xfrm>
+            <a:off x="8800566" y="2969623"/>
+            <a:ext cx="700485" cy="676578"/>
+          </a:xfrm>
+          <a:prstGeom prst="rect">
+            <a:avLst/>
+          </a:prstGeom>
+          <a:noFill/>
+          <a:ln>
+            <a:solidFill>
+              <a:schemeClr val="tx1"/>
+            </a:solidFill>
+          </a:ln>
+        </p:spPr>
+        <p:style>
+          <a:lnRef idx="2">
+            <a:schemeClr val="accent1">
+              <a:shade val="50000"/>
+            </a:schemeClr>
+          </a:lnRef>
+          <a:fillRef idx="1">
+            <a:schemeClr val="accent1"/>
+          </a:fillRef>
+          <a:effectRef idx="0">
+            <a:schemeClr val="accent1"/>
+          </a:effectRef>
+          <a:fontRef idx="minor">
+            <a:schemeClr val="lt1"/>
+          </a:fontRef>
+        </p:style>
+        <p:txBody>
+          <a:bodyPr rtlCol="0" anchor="ctr"/>
+          <a:lstStyle/>
+          <a:p>
+            <a:pPr algn="ctr"/>
+            <a:r>
+              <a:rPr lang="ko-KR" altLang="en-US" sz="1200" smtClean="0">
+                <a:solidFill>
+                  <a:schemeClr val="tx1"/>
+                </a:solidFill>
+              </a:rPr>
+              <a:t>상품</a:t>
+            </a:r>
+            <a:endParaRPr lang="en-US" altLang="ko-KR" sz="1200" smtClean="0">
+              <a:solidFill>
+                <a:schemeClr val="tx1"/>
+              </a:solidFill>
+            </a:endParaRPr>
+          </a:p>
+          <a:p>
+            <a:pPr algn="ctr"/>
+            <a:r>
+              <a:rPr lang="ko-KR" altLang="en-US" sz="1200" smtClean="0">
+                <a:solidFill>
+                  <a:schemeClr val="tx1"/>
+                </a:solidFill>
+              </a:rPr>
+              <a:t>이미지</a:t>
+            </a:r>
+            <a:endParaRPr lang="ko-KR" altLang="en-US" sz="1200">
+              <a:solidFill>
+                <a:schemeClr val="tx1"/>
+              </a:solidFill>
+            </a:endParaRPr>
+          </a:p>
+        </p:txBody>
+      </p:sp>
+      <p:sp>
+        <p:nvSpPr>
+          <p:cNvPr id="42" name="직사각형 41"/>
+          <p:cNvSpPr/>
+          <p:nvPr/>
+        </p:nvSpPr>
+        <p:spPr>
+          <a:xfrm>
+            <a:off x="9501050" y="2969623"/>
+            <a:ext cx="1593669" cy="676578"/>
+          </a:xfrm>
+          <a:prstGeom prst="rect">
+            <a:avLst/>
+          </a:prstGeom>
+          <a:noFill/>
+          <a:ln>
+            <a:solidFill>
+              <a:schemeClr val="tx1"/>
+            </a:solidFill>
+          </a:ln>
+        </p:spPr>
+        <p:style>
+          <a:lnRef idx="2">
+            <a:schemeClr val="accent1">
+              <a:shade val="50000"/>
+            </a:schemeClr>
+          </a:lnRef>
+          <a:fillRef idx="1">
+            <a:schemeClr val="accent1"/>
+          </a:fillRef>
+          <a:effectRef idx="0">
+            <a:schemeClr val="accent1"/>
+          </a:effectRef>
+          <a:fontRef idx="minor">
+            <a:schemeClr val="lt1"/>
+          </a:fontRef>
+        </p:style>
+        <p:txBody>
+          <a:bodyPr rtlCol="0" anchor="ctr"/>
+          <a:lstStyle/>
+          <a:p>
+            <a:pPr algn="ctr"/>
+            <a:r>
+              <a:rPr lang="ko-KR" altLang="en-US" sz="1100" smtClean="0">
+                <a:solidFill>
+                  <a:schemeClr val="tx1"/>
+                </a:solidFill>
+              </a:rPr>
+              <a:t>상품명 등 간략정보</a:t>
+            </a:r>
+            <a:endParaRPr lang="ko-KR" altLang="en-US" sz="1100">
+              <a:solidFill>
+                <a:schemeClr val="tx1"/>
+              </a:solidFill>
+            </a:endParaRPr>
+          </a:p>
+        </p:txBody>
+      </p:sp>
+      <p:sp>
+        <p:nvSpPr>
+          <p:cNvPr id="53" name="직사각형 52"/>
+          <p:cNvSpPr/>
+          <p:nvPr/>
+        </p:nvSpPr>
+        <p:spPr>
+          <a:xfrm>
+            <a:off x="8800566" y="3798282"/>
+            <a:ext cx="700485" cy="676578"/>
+          </a:xfrm>
+          <a:prstGeom prst="rect">
+            <a:avLst/>
+          </a:prstGeom>
+          <a:noFill/>
+          <a:ln>
+            <a:solidFill>
+              <a:schemeClr val="tx1"/>
+            </a:solidFill>
+          </a:ln>
+        </p:spPr>
+        <p:style>
+          <a:lnRef idx="2">
+            <a:schemeClr val="accent1">
+              <a:shade val="50000"/>
+            </a:schemeClr>
+          </a:lnRef>
+          <a:fillRef idx="1">
+            <a:schemeClr val="accent1"/>
+          </a:fillRef>
+          <a:effectRef idx="0">
+            <a:schemeClr val="accent1"/>
+          </a:effectRef>
+          <a:fontRef idx="minor">
+            <a:schemeClr val="lt1"/>
+          </a:fontRef>
+        </p:style>
+        <p:txBody>
+          <a:bodyPr rtlCol="0" anchor="ctr"/>
+          <a:lstStyle/>
+          <a:p>
+            <a:pPr algn="ctr"/>
+            <a:r>
+              <a:rPr lang="ko-KR" altLang="en-US" sz="1200" smtClean="0">
+                <a:solidFill>
+                  <a:schemeClr val="tx1"/>
+                </a:solidFill>
+              </a:rPr>
+              <a:t>상품</a:t>
+            </a:r>
+            <a:endParaRPr lang="en-US" altLang="ko-KR" sz="1200" smtClean="0">
+              <a:solidFill>
+                <a:schemeClr val="tx1"/>
+              </a:solidFill>
+            </a:endParaRPr>
+          </a:p>
+          <a:p>
+            <a:pPr algn="ctr"/>
+            <a:r>
+              <a:rPr lang="ko-KR" altLang="en-US" sz="1200" smtClean="0">
+                <a:solidFill>
+                  <a:schemeClr val="tx1"/>
+                </a:solidFill>
+              </a:rPr>
+              <a:t>이미지</a:t>
+            </a:r>
+            <a:endParaRPr lang="ko-KR" altLang="en-US" sz="1200">
+              <a:solidFill>
+                <a:schemeClr val="tx1"/>
+              </a:solidFill>
+            </a:endParaRPr>
+          </a:p>
+        </p:txBody>
+      </p:sp>
+      <p:sp>
+        <p:nvSpPr>
+          <p:cNvPr id="54" name="직사각형 53"/>
+          <p:cNvSpPr/>
+          <p:nvPr/>
+        </p:nvSpPr>
+        <p:spPr>
+          <a:xfrm>
+            <a:off x="9501050" y="3798282"/>
+            <a:ext cx="1593669" cy="676578"/>
+          </a:xfrm>
+          <a:prstGeom prst="rect">
+            <a:avLst/>
+          </a:prstGeom>
+          <a:noFill/>
+          <a:ln>
+            <a:solidFill>
+              <a:schemeClr val="tx1"/>
+            </a:solidFill>
+          </a:ln>
+        </p:spPr>
+        <p:style>
+          <a:lnRef idx="2">
+            <a:schemeClr val="accent1">
+              <a:shade val="50000"/>
+            </a:schemeClr>
+          </a:lnRef>
+          <a:fillRef idx="1">
+            <a:schemeClr val="accent1"/>
+          </a:fillRef>
+          <a:effectRef idx="0">
+            <a:schemeClr val="accent1"/>
+          </a:effectRef>
+          <a:fontRef idx="minor">
+            <a:schemeClr val="lt1"/>
+          </a:fontRef>
+        </p:style>
+        <p:txBody>
+          <a:bodyPr rtlCol="0" anchor="ctr"/>
+          <a:lstStyle/>
+          <a:p>
+            <a:pPr algn="ctr"/>
+            <a:r>
+              <a:rPr lang="ko-KR" altLang="en-US" sz="1100" smtClean="0">
+                <a:solidFill>
+                  <a:schemeClr val="tx1"/>
+                </a:solidFill>
+              </a:rPr>
+              <a:t>상품명 등 간략정보</a:t>
+            </a:r>
+            <a:endParaRPr lang="ko-KR" altLang="en-US" sz="1100">
+              <a:solidFill>
+                <a:schemeClr val="tx1"/>
+              </a:solidFill>
+            </a:endParaRPr>
+          </a:p>
+        </p:txBody>
+      </p:sp>
+      <p:sp>
+        <p:nvSpPr>
+          <p:cNvPr id="55" name="직사각형 54"/>
+          <p:cNvSpPr/>
+          <p:nvPr/>
+        </p:nvSpPr>
+        <p:spPr>
+          <a:xfrm>
+            <a:off x="8800566" y="4582526"/>
+            <a:ext cx="700485" cy="676578"/>
+          </a:xfrm>
+          <a:prstGeom prst="rect">
+            <a:avLst/>
+          </a:prstGeom>
+          <a:noFill/>
+          <a:ln>
+            <a:solidFill>
+              <a:schemeClr val="tx1"/>
+            </a:solidFill>
+          </a:ln>
+        </p:spPr>
+        <p:style>
+          <a:lnRef idx="2">
+            <a:schemeClr val="accent1">
+              <a:shade val="50000"/>
+            </a:schemeClr>
+          </a:lnRef>
+          <a:fillRef idx="1">
+            <a:schemeClr val="accent1"/>
+          </a:fillRef>
+          <a:effectRef idx="0">
+            <a:schemeClr val="accent1"/>
+          </a:effectRef>
+          <a:fontRef idx="minor">
+            <a:schemeClr val="lt1"/>
+          </a:fontRef>
+        </p:style>
+        <p:txBody>
+          <a:bodyPr rtlCol="0" anchor="ctr"/>
+          <a:lstStyle/>
+          <a:p>
+            <a:pPr algn="ctr"/>
+            <a:r>
+              <a:rPr lang="ko-KR" altLang="en-US" sz="1200" smtClean="0">
+                <a:solidFill>
+                  <a:schemeClr val="tx1"/>
+                </a:solidFill>
+              </a:rPr>
+              <a:t>상품</a:t>
+            </a:r>
+            <a:endParaRPr lang="en-US" altLang="ko-KR" sz="1200" smtClean="0">
+              <a:solidFill>
+                <a:schemeClr val="tx1"/>
+              </a:solidFill>
+            </a:endParaRPr>
+          </a:p>
+          <a:p>
+            <a:pPr algn="ctr"/>
+            <a:r>
+              <a:rPr lang="ko-KR" altLang="en-US" sz="1200" smtClean="0">
+                <a:solidFill>
+                  <a:schemeClr val="tx1"/>
+                </a:solidFill>
+              </a:rPr>
+              <a:t>이미지</a:t>
+            </a:r>
+            <a:endParaRPr lang="ko-KR" altLang="en-US" sz="1200">
+              <a:solidFill>
+                <a:schemeClr val="tx1"/>
+              </a:solidFill>
+            </a:endParaRPr>
+          </a:p>
+        </p:txBody>
+      </p:sp>
+      <p:sp>
+        <p:nvSpPr>
+          <p:cNvPr id="56" name="직사각형 55"/>
+          <p:cNvSpPr/>
+          <p:nvPr/>
+        </p:nvSpPr>
+        <p:spPr>
+          <a:xfrm>
+            <a:off x="9501050" y="4582526"/>
+            <a:ext cx="1593669" cy="676578"/>
+          </a:xfrm>
+          <a:prstGeom prst="rect">
+            <a:avLst/>
+          </a:prstGeom>
+          <a:noFill/>
+          <a:ln>
+            <a:solidFill>
+              <a:schemeClr val="tx1"/>
+            </a:solidFill>
+          </a:ln>
+        </p:spPr>
+        <p:style>
+          <a:lnRef idx="2">
+            <a:schemeClr val="accent1">
+              <a:shade val="50000"/>
+            </a:schemeClr>
+          </a:lnRef>
+          <a:fillRef idx="1">
+            <a:schemeClr val="accent1"/>
+          </a:fillRef>
+          <a:effectRef idx="0">
+            <a:schemeClr val="accent1"/>
+          </a:effectRef>
+          <a:fontRef idx="minor">
+            <a:schemeClr val="lt1"/>
+          </a:fontRef>
+        </p:style>
+        <p:txBody>
+          <a:bodyPr rtlCol="0" anchor="ctr"/>
+          <a:lstStyle/>
+          <a:p>
+            <a:pPr algn="ctr"/>
+            <a:r>
+              <a:rPr lang="ko-KR" altLang="en-US" sz="1100" smtClean="0">
+                <a:solidFill>
+                  <a:schemeClr val="tx1"/>
+                </a:solidFill>
+              </a:rPr>
+              <a:t>상품명 등 간략정보</a:t>
+            </a:r>
+            <a:endParaRPr lang="ko-KR" altLang="en-US" sz="1100">
+              <a:solidFill>
+                <a:schemeClr val="tx1"/>
+              </a:solidFill>
+            </a:endParaRPr>
+          </a:p>
+        </p:txBody>
+      </p:sp>
+      <p:sp>
+        <p:nvSpPr>
+          <p:cNvPr id="57" name="직사각형 56"/>
+          <p:cNvSpPr/>
+          <p:nvPr/>
+        </p:nvSpPr>
+        <p:spPr>
+          <a:xfrm>
+            <a:off x="8800566" y="5392894"/>
+            <a:ext cx="700485" cy="676578"/>
+          </a:xfrm>
+          <a:prstGeom prst="rect">
+            <a:avLst/>
+          </a:prstGeom>
+          <a:noFill/>
+          <a:ln>
+            <a:solidFill>
+              <a:schemeClr val="tx1"/>
+            </a:solidFill>
+          </a:ln>
+        </p:spPr>
+        <p:style>
+          <a:lnRef idx="2">
+            <a:schemeClr val="accent1">
+              <a:shade val="50000"/>
+            </a:schemeClr>
+          </a:lnRef>
+          <a:fillRef idx="1">
+            <a:schemeClr val="accent1"/>
+          </a:fillRef>
+          <a:effectRef idx="0">
+            <a:schemeClr val="accent1"/>
+          </a:effectRef>
+          <a:fontRef idx="minor">
+            <a:schemeClr val="lt1"/>
+          </a:fontRef>
+        </p:style>
+        <p:txBody>
+          <a:bodyPr rtlCol="0" anchor="ctr"/>
+          <a:lstStyle/>
+          <a:p>
+            <a:pPr algn="ctr"/>
+            <a:r>
+              <a:rPr lang="ko-KR" altLang="en-US" sz="1200" smtClean="0">
+                <a:solidFill>
+                  <a:schemeClr val="tx1"/>
+                </a:solidFill>
+              </a:rPr>
+              <a:t>상품</a:t>
+            </a:r>
+            <a:endParaRPr lang="en-US" altLang="ko-KR" sz="1200" smtClean="0">
+              <a:solidFill>
+                <a:schemeClr val="tx1"/>
+              </a:solidFill>
+            </a:endParaRPr>
+          </a:p>
+          <a:p>
+            <a:pPr algn="ctr"/>
+            <a:r>
+              <a:rPr lang="ko-KR" altLang="en-US" sz="1200" smtClean="0">
+                <a:solidFill>
+                  <a:schemeClr val="tx1"/>
+                </a:solidFill>
+              </a:rPr>
+              <a:t>이미지</a:t>
+            </a:r>
+            <a:endParaRPr lang="ko-KR" altLang="en-US" sz="1200">
+              <a:solidFill>
+                <a:schemeClr val="tx1"/>
+              </a:solidFill>
+            </a:endParaRPr>
+          </a:p>
+        </p:txBody>
+      </p:sp>
+      <p:sp>
+        <p:nvSpPr>
+          <p:cNvPr id="58" name="직사각형 57"/>
+          <p:cNvSpPr/>
+          <p:nvPr/>
+        </p:nvSpPr>
+        <p:spPr>
+          <a:xfrm>
+            <a:off x="9501050" y="5392894"/>
+            <a:ext cx="1593669" cy="676578"/>
+          </a:xfrm>
+          <a:prstGeom prst="rect">
+            <a:avLst/>
+          </a:prstGeom>
+          <a:noFill/>
+          <a:ln>
+            <a:solidFill>
+              <a:schemeClr val="tx1"/>
+            </a:solidFill>
+          </a:ln>
+        </p:spPr>
+        <p:style>
+          <a:lnRef idx="2">
+            <a:schemeClr val="accent1">
+              <a:shade val="50000"/>
+            </a:schemeClr>
+          </a:lnRef>
+          <a:fillRef idx="1">
+            <a:schemeClr val="accent1"/>
+          </a:fillRef>
+          <a:effectRef idx="0">
+            <a:schemeClr val="accent1"/>
+          </a:effectRef>
+          <a:fontRef idx="minor">
+            <a:schemeClr val="lt1"/>
+          </a:fontRef>
+        </p:style>
+        <p:txBody>
+          <a:bodyPr rtlCol="0" anchor="ctr"/>
+          <a:lstStyle/>
+          <a:p>
+            <a:pPr algn="ctr"/>
+            <a:r>
+              <a:rPr lang="ko-KR" altLang="en-US" sz="1100" smtClean="0">
+                <a:solidFill>
+                  <a:schemeClr val="tx1"/>
+                </a:solidFill>
+              </a:rPr>
+              <a:t>상품명 등 간략정보</a:t>
+            </a:r>
+            <a:endParaRPr lang="ko-KR" altLang="en-US" sz="1100">
+              <a:solidFill>
+                <a:schemeClr val="tx1"/>
+              </a:solidFill>
+            </a:endParaRPr>
+          </a:p>
+        </p:txBody>
+      </p:sp>
     </p:spTree>
     <p:extLst>
       <p:ext uri="{BB962C8B-B14F-4D97-AF65-F5344CB8AC3E}">
@@ -15686,6 +16624,312 @@
           </a:p>
         </p:txBody>
       </p:sp>
+      <p:sp>
+        <p:nvSpPr>
+          <p:cNvPr id="31" name="직사각형 30"/>
+          <p:cNvSpPr/>
+          <p:nvPr/>
+        </p:nvSpPr>
+        <p:spPr>
+          <a:xfrm>
+            <a:off x="8760823" y="2669390"/>
+            <a:ext cx="2447108" cy="1832942"/>
+          </a:xfrm>
+          <a:prstGeom prst="rect">
+            <a:avLst/>
+          </a:prstGeom>
+          <a:noFill/>
+          <a:ln>
+            <a:solidFill>
+              <a:schemeClr val="tx1"/>
+            </a:solidFill>
+          </a:ln>
+        </p:spPr>
+        <p:style>
+          <a:lnRef idx="2">
+            <a:schemeClr val="accent1">
+              <a:shade val="50000"/>
+            </a:schemeClr>
+          </a:lnRef>
+          <a:fillRef idx="1">
+            <a:schemeClr val="accent1"/>
+          </a:fillRef>
+          <a:effectRef idx="0">
+            <a:schemeClr val="accent1"/>
+          </a:effectRef>
+          <a:fontRef idx="minor">
+            <a:schemeClr val="lt1"/>
+          </a:fontRef>
+        </p:style>
+        <p:txBody>
+          <a:bodyPr rtlCol="0" anchor="ctr"/>
+          <a:lstStyle/>
+          <a:p>
+            <a:pPr algn="ctr"/>
+            <a:r>
+              <a:rPr lang="ko-KR" altLang="en-US" smtClean="0">
+                <a:solidFill>
+                  <a:schemeClr val="tx1"/>
+                </a:solidFill>
+              </a:rPr>
+              <a:t>상품</a:t>
+            </a:r>
+            <a:endParaRPr lang="en-US" altLang="ko-KR" smtClean="0">
+              <a:solidFill>
+                <a:schemeClr val="tx1"/>
+              </a:solidFill>
+            </a:endParaRPr>
+          </a:p>
+          <a:p>
+            <a:pPr algn="ctr"/>
+            <a:r>
+              <a:rPr lang="ko-KR" altLang="en-US" smtClean="0">
+                <a:solidFill>
+                  <a:schemeClr val="tx1"/>
+                </a:solidFill>
+              </a:rPr>
+              <a:t>이미지</a:t>
+            </a:r>
+            <a:endParaRPr lang="ko-KR" altLang="en-US">
+              <a:solidFill>
+                <a:schemeClr val="tx1"/>
+              </a:solidFill>
+            </a:endParaRPr>
+          </a:p>
+        </p:txBody>
+      </p:sp>
+      <p:sp>
+        <p:nvSpPr>
+          <p:cNvPr id="32" name="직사각형 31"/>
+          <p:cNvSpPr/>
+          <p:nvPr/>
+        </p:nvSpPr>
+        <p:spPr>
+          <a:xfrm>
+            <a:off x="8760823" y="4659083"/>
+            <a:ext cx="2447108" cy="705397"/>
+          </a:xfrm>
+          <a:prstGeom prst="rect">
+            <a:avLst/>
+          </a:prstGeom>
+          <a:noFill/>
+          <a:ln>
+            <a:solidFill>
+              <a:schemeClr val="tx1"/>
+            </a:solidFill>
+          </a:ln>
+        </p:spPr>
+        <p:style>
+          <a:lnRef idx="2">
+            <a:schemeClr val="accent1">
+              <a:shade val="50000"/>
+            </a:schemeClr>
+          </a:lnRef>
+          <a:fillRef idx="1">
+            <a:schemeClr val="accent1"/>
+          </a:fillRef>
+          <a:effectRef idx="0">
+            <a:schemeClr val="accent1"/>
+          </a:effectRef>
+          <a:fontRef idx="minor">
+            <a:schemeClr val="lt1"/>
+          </a:fontRef>
+        </p:style>
+        <p:txBody>
+          <a:bodyPr rtlCol="0" anchor="ctr"/>
+          <a:lstStyle/>
+          <a:p>
+            <a:pPr algn="ctr"/>
+            <a:r>
+              <a:rPr lang="ko-KR" altLang="en-US" smtClean="0">
+                <a:solidFill>
+                  <a:schemeClr val="tx1"/>
+                </a:solidFill>
+              </a:rPr>
+              <a:t>선택사항</a:t>
+            </a:r>
+            <a:endParaRPr lang="ko-KR" altLang="en-US">
+              <a:solidFill>
+                <a:schemeClr val="tx1"/>
+              </a:solidFill>
+            </a:endParaRPr>
+          </a:p>
+        </p:txBody>
+      </p:sp>
+      <p:sp>
+        <p:nvSpPr>
+          <p:cNvPr id="33" name="직사각형 32"/>
+          <p:cNvSpPr/>
+          <p:nvPr/>
+        </p:nvSpPr>
+        <p:spPr>
+          <a:xfrm>
+            <a:off x="8760823" y="5453742"/>
+            <a:ext cx="1036319" cy="169818"/>
+          </a:xfrm>
+          <a:prstGeom prst="rect">
+            <a:avLst/>
+          </a:prstGeom>
+          <a:noFill/>
+          <a:ln>
+            <a:solidFill>
+              <a:schemeClr val="tx1"/>
+            </a:solidFill>
+          </a:ln>
+        </p:spPr>
+        <p:style>
+          <a:lnRef idx="2">
+            <a:schemeClr val="accent1">
+              <a:shade val="50000"/>
+            </a:schemeClr>
+          </a:lnRef>
+          <a:fillRef idx="1">
+            <a:schemeClr val="accent1"/>
+          </a:fillRef>
+          <a:effectRef idx="0">
+            <a:schemeClr val="accent1"/>
+          </a:effectRef>
+          <a:fontRef idx="minor">
+            <a:schemeClr val="lt1"/>
+          </a:fontRef>
+        </p:style>
+        <p:txBody>
+          <a:bodyPr rtlCol="0" anchor="ctr"/>
+          <a:lstStyle/>
+          <a:p>
+            <a:pPr algn="ctr"/>
+            <a:r>
+              <a:rPr lang="ko-KR" altLang="en-US" sz="1100" smtClean="0">
+                <a:solidFill>
+                  <a:schemeClr val="tx1"/>
+                </a:solidFill>
+              </a:rPr>
+              <a:t>장바구니</a:t>
+            </a:r>
+            <a:endParaRPr lang="ko-KR" altLang="en-US" sz="1100">
+              <a:solidFill>
+                <a:schemeClr val="tx1"/>
+              </a:solidFill>
+            </a:endParaRPr>
+          </a:p>
+        </p:txBody>
+      </p:sp>
+      <p:sp>
+        <p:nvSpPr>
+          <p:cNvPr id="34" name="직사각형 33"/>
+          <p:cNvSpPr/>
+          <p:nvPr/>
+        </p:nvSpPr>
+        <p:spPr>
+          <a:xfrm>
+            <a:off x="10189028" y="5453742"/>
+            <a:ext cx="1036319" cy="169818"/>
+          </a:xfrm>
+          <a:prstGeom prst="rect">
+            <a:avLst/>
+          </a:prstGeom>
+          <a:noFill/>
+          <a:ln>
+            <a:solidFill>
+              <a:schemeClr val="tx1"/>
+            </a:solidFill>
+          </a:ln>
+        </p:spPr>
+        <p:style>
+          <a:lnRef idx="2">
+            <a:schemeClr val="accent1">
+              <a:shade val="50000"/>
+            </a:schemeClr>
+          </a:lnRef>
+          <a:fillRef idx="1">
+            <a:schemeClr val="accent1"/>
+          </a:fillRef>
+          <a:effectRef idx="0">
+            <a:schemeClr val="accent1"/>
+          </a:effectRef>
+          <a:fontRef idx="minor">
+            <a:schemeClr val="lt1"/>
+          </a:fontRef>
+        </p:style>
+        <p:txBody>
+          <a:bodyPr rtlCol="0" anchor="ctr"/>
+          <a:lstStyle/>
+          <a:p>
+            <a:pPr algn="ctr"/>
+            <a:r>
+              <a:rPr lang="ko-KR" altLang="en-US" sz="1100" smtClean="0">
+                <a:solidFill>
+                  <a:schemeClr val="tx1"/>
+                </a:solidFill>
+              </a:rPr>
+              <a:t>구매하기</a:t>
+            </a:r>
+            <a:endParaRPr lang="ko-KR" altLang="en-US" sz="1100">
+              <a:solidFill>
+                <a:schemeClr val="tx1"/>
+              </a:solidFill>
+            </a:endParaRPr>
+          </a:p>
+        </p:txBody>
+      </p:sp>
+      <p:sp>
+        <p:nvSpPr>
+          <p:cNvPr id="35" name="직사각형 34"/>
+          <p:cNvSpPr/>
+          <p:nvPr/>
+        </p:nvSpPr>
+        <p:spPr>
+          <a:xfrm>
+            <a:off x="8760823" y="5708468"/>
+            <a:ext cx="2447108" cy="339635"/>
+          </a:xfrm>
+          <a:prstGeom prst="rect">
+            <a:avLst/>
+          </a:prstGeom>
+          <a:noFill/>
+          <a:ln>
+            <a:solidFill>
+              <a:schemeClr val="tx1"/>
+            </a:solidFill>
+          </a:ln>
+        </p:spPr>
+        <p:style>
+          <a:lnRef idx="2">
+            <a:schemeClr val="accent1">
+              <a:shade val="50000"/>
+            </a:schemeClr>
+          </a:lnRef>
+          <a:fillRef idx="1">
+            <a:schemeClr val="accent1"/>
+          </a:fillRef>
+          <a:effectRef idx="0">
+            <a:schemeClr val="accent1"/>
+          </a:effectRef>
+          <a:fontRef idx="minor">
+            <a:schemeClr val="lt1"/>
+          </a:fontRef>
+        </p:style>
+        <p:txBody>
+          <a:bodyPr rtlCol="0" anchor="ctr"/>
+          <a:lstStyle/>
+          <a:p>
+            <a:pPr algn="ctr"/>
+            <a:r>
+              <a:rPr lang="ko-KR" altLang="en-US" sz="1400" smtClean="0">
+                <a:solidFill>
+                  <a:schemeClr val="tx1"/>
+                </a:solidFill>
+              </a:rPr>
+              <a:t>상품상세</a:t>
+            </a:r>
+            <a:endParaRPr lang="ko-KR" altLang="en-US" sz="1400">
+              <a:solidFill>
+                <a:schemeClr val="tx1"/>
+              </a:solidFill>
+            </a:endParaRPr>
+          </a:p>
+        </p:txBody>
+      </p:sp>
     </p:spTree>
     <p:extLst>
       <p:ext uri="{BB962C8B-B14F-4D97-AF65-F5344CB8AC3E}">
@@ -17885,6 +19129,534 @@
           </a:p>
         </p:txBody>
       </p:sp>
+      <p:sp>
+        <p:nvSpPr>
+          <p:cNvPr id="37" name="직사각형 36"/>
+          <p:cNvSpPr/>
+          <p:nvPr/>
+        </p:nvSpPr>
+        <p:spPr>
+          <a:xfrm>
+            <a:off x="8800566" y="2969623"/>
+            <a:ext cx="700485" cy="676578"/>
+          </a:xfrm>
+          <a:prstGeom prst="rect">
+            <a:avLst/>
+          </a:prstGeom>
+          <a:noFill/>
+          <a:ln>
+            <a:solidFill>
+              <a:schemeClr val="tx1"/>
+            </a:solidFill>
+          </a:ln>
+        </p:spPr>
+        <p:style>
+          <a:lnRef idx="2">
+            <a:schemeClr val="accent1">
+              <a:shade val="50000"/>
+            </a:schemeClr>
+          </a:lnRef>
+          <a:fillRef idx="1">
+            <a:schemeClr val="accent1"/>
+          </a:fillRef>
+          <a:effectRef idx="0">
+            <a:schemeClr val="accent1"/>
+          </a:effectRef>
+          <a:fontRef idx="minor">
+            <a:schemeClr val="lt1"/>
+          </a:fontRef>
+        </p:style>
+        <p:txBody>
+          <a:bodyPr rtlCol="0" anchor="ctr"/>
+          <a:lstStyle/>
+          <a:p>
+            <a:pPr algn="ctr"/>
+            <a:r>
+              <a:rPr lang="ko-KR" altLang="en-US" sz="1200" smtClean="0">
+                <a:solidFill>
+                  <a:schemeClr val="tx1"/>
+                </a:solidFill>
+              </a:rPr>
+              <a:t>상품</a:t>
+            </a:r>
+            <a:endParaRPr lang="en-US" altLang="ko-KR" sz="1200" smtClean="0">
+              <a:solidFill>
+                <a:schemeClr val="tx1"/>
+              </a:solidFill>
+            </a:endParaRPr>
+          </a:p>
+          <a:p>
+            <a:pPr algn="ctr"/>
+            <a:r>
+              <a:rPr lang="ko-KR" altLang="en-US" sz="1200" smtClean="0">
+                <a:solidFill>
+                  <a:schemeClr val="tx1"/>
+                </a:solidFill>
+              </a:rPr>
+              <a:t>이미지</a:t>
+            </a:r>
+            <a:endParaRPr lang="ko-KR" altLang="en-US" sz="1200">
+              <a:solidFill>
+                <a:schemeClr val="tx1"/>
+              </a:solidFill>
+            </a:endParaRPr>
+          </a:p>
+        </p:txBody>
+      </p:sp>
+      <p:sp>
+        <p:nvSpPr>
+          <p:cNvPr id="42" name="직사각형 41"/>
+          <p:cNvSpPr/>
+          <p:nvPr/>
+        </p:nvSpPr>
+        <p:spPr>
+          <a:xfrm>
+            <a:off x="9501050" y="2969623"/>
+            <a:ext cx="1593669" cy="676578"/>
+          </a:xfrm>
+          <a:prstGeom prst="rect">
+            <a:avLst/>
+          </a:prstGeom>
+          <a:noFill/>
+          <a:ln>
+            <a:solidFill>
+              <a:schemeClr val="tx1"/>
+            </a:solidFill>
+          </a:ln>
+        </p:spPr>
+        <p:style>
+          <a:lnRef idx="2">
+            <a:schemeClr val="accent1">
+              <a:shade val="50000"/>
+            </a:schemeClr>
+          </a:lnRef>
+          <a:fillRef idx="1">
+            <a:schemeClr val="accent1"/>
+          </a:fillRef>
+          <a:effectRef idx="0">
+            <a:schemeClr val="accent1"/>
+          </a:effectRef>
+          <a:fontRef idx="minor">
+            <a:schemeClr val="lt1"/>
+          </a:fontRef>
+        </p:style>
+        <p:txBody>
+          <a:bodyPr rtlCol="0" anchor="ctr"/>
+          <a:lstStyle/>
+          <a:p>
+            <a:pPr algn="ctr"/>
+            <a:r>
+              <a:rPr lang="ko-KR" altLang="en-US" sz="1100" smtClean="0">
+                <a:solidFill>
+                  <a:schemeClr val="tx1"/>
+                </a:solidFill>
+              </a:rPr>
+              <a:t>상품명 등 간략정보</a:t>
+            </a:r>
+            <a:endParaRPr lang="ko-KR" altLang="en-US" sz="1100">
+              <a:solidFill>
+                <a:schemeClr val="tx1"/>
+              </a:solidFill>
+            </a:endParaRPr>
+          </a:p>
+        </p:txBody>
+      </p:sp>
+      <p:sp>
+        <p:nvSpPr>
+          <p:cNvPr id="43" name="직사각형 42"/>
+          <p:cNvSpPr/>
+          <p:nvPr/>
+        </p:nvSpPr>
+        <p:spPr>
+          <a:xfrm>
+            <a:off x="8800566" y="3798282"/>
+            <a:ext cx="700485" cy="676578"/>
+          </a:xfrm>
+          <a:prstGeom prst="rect">
+            <a:avLst/>
+          </a:prstGeom>
+          <a:noFill/>
+          <a:ln>
+            <a:solidFill>
+              <a:schemeClr val="tx1"/>
+            </a:solidFill>
+          </a:ln>
+        </p:spPr>
+        <p:style>
+          <a:lnRef idx="2">
+            <a:schemeClr val="accent1">
+              <a:shade val="50000"/>
+            </a:schemeClr>
+          </a:lnRef>
+          <a:fillRef idx="1">
+            <a:schemeClr val="accent1"/>
+          </a:fillRef>
+          <a:effectRef idx="0">
+            <a:schemeClr val="accent1"/>
+          </a:effectRef>
+          <a:fontRef idx="minor">
+            <a:schemeClr val="lt1"/>
+          </a:fontRef>
+        </p:style>
+        <p:txBody>
+          <a:bodyPr rtlCol="0" anchor="ctr"/>
+          <a:lstStyle/>
+          <a:p>
+            <a:pPr algn="ctr"/>
+            <a:r>
+              <a:rPr lang="ko-KR" altLang="en-US" sz="1200" smtClean="0">
+                <a:solidFill>
+                  <a:schemeClr val="tx1"/>
+                </a:solidFill>
+              </a:rPr>
+              <a:t>상품</a:t>
+            </a:r>
+            <a:endParaRPr lang="en-US" altLang="ko-KR" sz="1200" smtClean="0">
+              <a:solidFill>
+                <a:schemeClr val="tx1"/>
+              </a:solidFill>
+            </a:endParaRPr>
+          </a:p>
+          <a:p>
+            <a:pPr algn="ctr"/>
+            <a:r>
+              <a:rPr lang="ko-KR" altLang="en-US" sz="1200" smtClean="0">
+                <a:solidFill>
+                  <a:schemeClr val="tx1"/>
+                </a:solidFill>
+              </a:rPr>
+              <a:t>이미지</a:t>
+            </a:r>
+            <a:endParaRPr lang="ko-KR" altLang="en-US" sz="1200">
+              <a:solidFill>
+                <a:schemeClr val="tx1"/>
+              </a:solidFill>
+            </a:endParaRPr>
+          </a:p>
+        </p:txBody>
+      </p:sp>
+      <p:sp>
+        <p:nvSpPr>
+          <p:cNvPr id="44" name="직사각형 43"/>
+          <p:cNvSpPr/>
+          <p:nvPr/>
+        </p:nvSpPr>
+        <p:spPr>
+          <a:xfrm>
+            <a:off x="9501050" y="3798282"/>
+            <a:ext cx="1593669" cy="676578"/>
+          </a:xfrm>
+          <a:prstGeom prst="rect">
+            <a:avLst/>
+          </a:prstGeom>
+          <a:noFill/>
+          <a:ln>
+            <a:solidFill>
+              <a:schemeClr val="tx1"/>
+            </a:solidFill>
+          </a:ln>
+        </p:spPr>
+        <p:style>
+          <a:lnRef idx="2">
+            <a:schemeClr val="accent1">
+              <a:shade val="50000"/>
+            </a:schemeClr>
+          </a:lnRef>
+          <a:fillRef idx="1">
+            <a:schemeClr val="accent1"/>
+          </a:fillRef>
+          <a:effectRef idx="0">
+            <a:schemeClr val="accent1"/>
+          </a:effectRef>
+          <a:fontRef idx="minor">
+            <a:schemeClr val="lt1"/>
+          </a:fontRef>
+        </p:style>
+        <p:txBody>
+          <a:bodyPr rtlCol="0" anchor="ctr"/>
+          <a:lstStyle/>
+          <a:p>
+            <a:pPr algn="ctr"/>
+            <a:r>
+              <a:rPr lang="ko-KR" altLang="en-US" sz="1100" smtClean="0">
+                <a:solidFill>
+                  <a:schemeClr val="tx1"/>
+                </a:solidFill>
+              </a:rPr>
+              <a:t>상품명 등 간략정보</a:t>
+            </a:r>
+            <a:endParaRPr lang="ko-KR" altLang="en-US" sz="1100">
+              <a:solidFill>
+                <a:schemeClr val="tx1"/>
+              </a:solidFill>
+            </a:endParaRPr>
+          </a:p>
+        </p:txBody>
+      </p:sp>
+      <p:sp>
+        <p:nvSpPr>
+          <p:cNvPr id="52" name="직사각형 51"/>
+          <p:cNvSpPr/>
+          <p:nvPr/>
+        </p:nvSpPr>
+        <p:spPr>
+          <a:xfrm>
+            <a:off x="8800566" y="4582526"/>
+            <a:ext cx="700485" cy="676578"/>
+          </a:xfrm>
+          <a:prstGeom prst="rect">
+            <a:avLst/>
+          </a:prstGeom>
+          <a:noFill/>
+          <a:ln>
+            <a:solidFill>
+              <a:schemeClr val="tx1"/>
+            </a:solidFill>
+          </a:ln>
+        </p:spPr>
+        <p:style>
+          <a:lnRef idx="2">
+            <a:schemeClr val="accent1">
+              <a:shade val="50000"/>
+            </a:schemeClr>
+          </a:lnRef>
+          <a:fillRef idx="1">
+            <a:schemeClr val="accent1"/>
+          </a:fillRef>
+          <a:effectRef idx="0">
+            <a:schemeClr val="accent1"/>
+          </a:effectRef>
+          <a:fontRef idx="minor">
+            <a:schemeClr val="lt1"/>
+          </a:fontRef>
+        </p:style>
+        <p:txBody>
+          <a:bodyPr rtlCol="0" anchor="ctr"/>
+          <a:lstStyle/>
+          <a:p>
+            <a:pPr algn="ctr"/>
+            <a:r>
+              <a:rPr lang="ko-KR" altLang="en-US" sz="1200" smtClean="0">
+                <a:solidFill>
+                  <a:schemeClr val="tx1"/>
+                </a:solidFill>
+              </a:rPr>
+              <a:t>상품</a:t>
+            </a:r>
+            <a:endParaRPr lang="en-US" altLang="ko-KR" sz="1200" smtClean="0">
+              <a:solidFill>
+                <a:schemeClr val="tx1"/>
+              </a:solidFill>
+            </a:endParaRPr>
+          </a:p>
+          <a:p>
+            <a:pPr algn="ctr"/>
+            <a:r>
+              <a:rPr lang="ko-KR" altLang="en-US" sz="1200" smtClean="0">
+                <a:solidFill>
+                  <a:schemeClr val="tx1"/>
+                </a:solidFill>
+              </a:rPr>
+              <a:t>이미지</a:t>
+            </a:r>
+            <a:endParaRPr lang="ko-KR" altLang="en-US" sz="1200">
+              <a:solidFill>
+                <a:schemeClr val="tx1"/>
+              </a:solidFill>
+            </a:endParaRPr>
+          </a:p>
+        </p:txBody>
+      </p:sp>
+      <p:sp>
+        <p:nvSpPr>
+          <p:cNvPr id="53" name="직사각형 52"/>
+          <p:cNvSpPr/>
+          <p:nvPr/>
+        </p:nvSpPr>
+        <p:spPr>
+          <a:xfrm>
+            <a:off x="9501050" y="4582526"/>
+            <a:ext cx="1593669" cy="676578"/>
+          </a:xfrm>
+          <a:prstGeom prst="rect">
+            <a:avLst/>
+          </a:prstGeom>
+          <a:noFill/>
+          <a:ln>
+            <a:solidFill>
+              <a:schemeClr val="tx1"/>
+            </a:solidFill>
+          </a:ln>
+        </p:spPr>
+        <p:style>
+          <a:lnRef idx="2">
+            <a:schemeClr val="accent1">
+              <a:shade val="50000"/>
+            </a:schemeClr>
+          </a:lnRef>
+          <a:fillRef idx="1">
+            <a:schemeClr val="accent1"/>
+          </a:fillRef>
+          <a:effectRef idx="0">
+            <a:schemeClr val="accent1"/>
+          </a:effectRef>
+          <a:fontRef idx="minor">
+            <a:schemeClr val="lt1"/>
+          </a:fontRef>
+        </p:style>
+        <p:txBody>
+          <a:bodyPr rtlCol="0" anchor="ctr"/>
+          <a:lstStyle/>
+          <a:p>
+            <a:pPr algn="ctr"/>
+            <a:r>
+              <a:rPr lang="ko-KR" altLang="en-US" sz="1100" smtClean="0">
+                <a:solidFill>
+                  <a:schemeClr val="tx1"/>
+                </a:solidFill>
+              </a:rPr>
+              <a:t>상품명 등 간략정보</a:t>
+            </a:r>
+            <a:endParaRPr lang="ko-KR" altLang="en-US" sz="1100">
+              <a:solidFill>
+                <a:schemeClr val="tx1"/>
+              </a:solidFill>
+            </a:endParaRPr>
+          </a:p>
+        </p:txBody>
+      </p:sp>
+      <p:sp>
+        <p:nvSpPr>
+          <p:cNvPr id="54" name="직사각형 53"/>
+          <p:cNvSpPr/>
+          <p:nvPr/>
+        </p:nvSpPr>
+        <p:spPr>
+          <a:xfrm>
+            <a:off x="8800566" y="5392894"/>
+            <a:ext cx="700485" cy="676578"/>
+          </a:xfrm>
+          <a:prstGeom prst="rect">
+            <a:avLst/>
+          </a:prstGeom>
+          <a:noFill/>
+          <a:ln>
+            <a:solidFill>
+              <a:schemeClr val="tx1"/>
+            </a:solidFill>
+          </a:ln>
+        </p:spPr>
+        <p:style>
+          <a:lnRef idx="2">
+            <a:schemeClr val="accent1">
+              <a:shade val="50000"/>
+            </a:schemeClr>
+          </a:lnRef>
+          <a:fillRef idx="1">
+            <a:schemeClr val="accent1"/>
+          </a:fillRef>
+          <a:effectRef idx="0">
+            <a:schemeClr val="accent1"/>
+          </a:effectRef>
+          <a:fontRef idx="minor">
+            <a:schemeClr val="lt1"/>
+          </a:fontRef>
+        </p:style>
+        <p:txBody>
+          <a:bodyPr rtlCol="0" anchor="ctr"/>
+          <a:lstStyle/>
+          <a:p>
+            <a:pPr algn="ctr"/>
+            <a:r>
+              <a:rPr lang="ko-KR" altLang="en-US" sz="1200" smtClean="0">
+                <a:solidFill>
+                  <a:schemeClr val="tx1"/>
+                </a:solidFill>
+              </a:rPr>
+              <a:t>상품</a:t>
+            </a:r>
+            <a:endParaRPr lang="en-US" altLang="ko-KR" sz="1200" smtClean="0">
+              <a:solidFill>
+                <a:schemeClr val="tx1"/>
+              </a:solidFill>
+            </a:endParaRPr>
+          </a:p>
+          <a:p>
+            <a:pPr algn="ctr"/>
+            <a:r>
+              <a:rPr lang="ko-KR" altLang="en-US" sz="1200" smtClean="0">
+                <a:solidFill>
+                  <a:schemeClr val="tx1"/>
+                </a:solidFill>
+              </a:rPr>
+              <a:t>이미지</a:t>
+            </a:r>
+            <a:endParaRPr lang="ko-KR" altLang="en-US" sz="1200">
+              <a:solidFill>
+                <a:schemeClr val="tx1"/>
+              </a:solidFill>
+            </a:endParaRPr>
+          </a:p>
+        </p:txBody>
+      </p:sp>
+      <p:sp>
+        <p:nvSpPr>
+          <p:cNvPr id="55" name="직사각형 54"/>
+          <p:cNvSpPr/>
+          <p:nvPr/>
+        </p:nvSpPr>
+        <p:spPr>
+          <a:xfrm>
+            <a:off x="9501050" y="5392894"/>
+            <a:ext cx="1593669" cy="676578"/>
+          </a:xfrm>
+          <a:prstGeom prst="rect">
+            <a:avLst/>
+          </a:prstGeom>
+          <a:noFill/>
+          <a:ln>
+            <a:solidFill>
+              <a:schemeClr val="tx1"/>
+            </a:solidFill>
+          </a:ln>
+        </p:spPr>
+        <p:style>
+          <a:lnRef idx="2">
+            <a:schemeClr val="accent1">
+              <a:shade val="50000"/>
+            </a:schemeClr>
+          </a:lnRef>
+          <a:fillRef idx="1">
+            <a:schemeClr val="accent1"/>
+          </a:fillRef>
+          <a:effectRef idx="0">
+            <a:schemeClr val="accent1"/>
+          </a:effectRef>
+          <a:fontRef idx="minor">
+            <a:schemeClr val="lt1"/>
+          </a:fontRef>
+        </p:style>
+        <p:txBody>
+          <a:bodyPr rtlCol="0" anchor="ctr"/>
+          <a:lstStyle/>
+          <a:p>
+            <a:pPr algn="ctr"/>
+            <a:r>
+              <a:rPr lang="ko-KR" altLang="en-US" sz="1100" smtClean="0">
+                <a:solidFill>
+                  <a:schemeClr val="tx1"/>
+                </a:solidFill>
+              </a:rPr>
+              <a:t>상품명 등 간략정보</a:t>
+            </a:r>
+            <a:endParaRPr lang="ko-KR" altLang="en-US" sz="1100">
+              <a:solidFill>
+                <a:schemeClr val="tx1"/>
+              </a:solidFill>
+            </a:endParaRPr>
+          </a:p>
+        </p:txBody>
+      </p:sp>
     </p:spTree>
     <p:extLst>
       <p:ext uri="{BB962C8B-B14F-4D97-AF65-F5344CB8AC3E}">
@@ -19431,6 +21203,312 @@
               <a:t>구매하기</a:t>
             </a:r>
             <a:endParaRPr lang="ko-KR" altLang="en-US" sz="1100">
+              <a:solidFill>
+                <a:schemeClr val="tx1"/>
+              </a:solidFill>
+            </a:endParaRPr>
+          </a:p>
+        </p:txBody>
+      </p:sp>
+      <p:sp>
+        <p:nvSpPr>
+          <p:cNvPr id="31" name="직사각형 30"/>
+          <p:cNvSpPr/>
+          <p:nvPr/>
+        </p:nvSpPr>
+        <p:spPr>
+          <a:xfrm>
+            <a:off x="8760823" y="2669390"/>
+            <a:ext cx="2447108" cy="1832942"/>
+          </a:xfrm>
+          <a:prstGeom prst="rect">
+            <a:avLst/>
+          </a:prstGeom>
+          <a:noFill/>
+          <a:ln>
+            <a:solidFill>
+              <a:schemeClr val="tx1"/>
+            </a:solidFill>
+          </a:ln>
+        </p:spPr>
+        <p:style>
+          <a:lnRef idx="2">
+            <a:schemeClr val="accent1">
+              <a:shade val="50000"/>
+            </a:schemeClr>
+          </a:lnRef>
+          <a:fillRef idx="1">
+            <a:schemeClr val="accent1"/>
+          </a:fillRef>
+          <a:effectRef idx="0">
+            <a:schemeClr val="accent1"/>
+          </a:effectRef>
+          <a:fontRef idx="minor">
+            <a:schemeClr val="lt1"/>
+          </a:fontRef>
+        </p:style>
+        <p:txBody>
+          <a:bodyPr rtlCol="0" anchor="ctr"/>
+          <a:lstStyle/>
+          <a:p>
+            <a:pPr algn="ctr"/>
+            <a:r>
+              <a:rPr lang="ko-KR" altLang="en-US" smtClean="0">
+                <a:solidFill>
+                  <a:schemeClr val="tx1"/>
+                </a:solidFill>
+              </a:rPr>
+              <a:t>상품</a:t>
+            </a:r>
+            <a:endParaRPr lang="en-US" altLang="ko-KR" smtClean="0">
+              <a:solidFill>
+                <a:schemeClr val="tx1"/>
+              </a:solidFill>
+            </a:endParaRPr>
+          </a:p>
+          <a:p>
+            <a:pPr algn="ctr"/>
+            <a:r>
+              <a:rPr lang="ko-KR" altLang="en-US" smtClean="0">
+                <a:solidFill>
+                  <a:schemeClr val="tx1"/>
+                </a:solidFill>
+              </a:rPr>
+              <a:t>이미지</a:t>
+            </a:r>
+            <a:endParaRPr lang="ko-KR" altLang="en-US">
+              <a:solidFill>
+                <a:schemeClr val="tx1"/>
+              </a:solidFill>
+            </a:endParaRPr>
+          </a:p>
+        </p:txBody>
+      </p:sp>
+      <p:sp>
+        <p:nvSpPr>
+          <p:cNvPr id="33" name="직사각형 32"/>
+          <p:cNvSpPr/>
+          <p:nvPr/>
+        </p:nvSpPr>
+        <p:spPr>
+          <a:xfrm>
+            <a:off x="8760823" y="4593769"/>
+            <a:ext cx="1036319" cy="169818"/>
+          </a:xfrm>
+          <a:prstGeom prst="rect">
+            <a:avLst/>
+          </a:prstGeom>
+          <a:noFill/>
+          <a:ln>
+            <a:solidFill>
+              <a:schemeClr val="tx1"/>
+            </a:solidFill>
+          </a:ln>
+        </p:spPr>
+        <p:style>
+          <a:lnRef idx="2">
+            <a:schemeClr val="accent1">
+              <a:shade val="50000"/>
+            </a:schemeClr>
+          </a:lnRef>
+          <a:fillRef idx="1">
+            <a:schemeClr val="accent1"/>
+          </a:fillRef>
+          <a:effectRef idx="0">
+            <a:schemeClr val="accent1"/>
+          </a:effectRef>
+          <a:fontRef idx="minor">
+            <a:schemeClr val="lt1"/>
+          </a:fontRef>
+        </p:style>
+        <p:txBody>
+          <a:bodyPr rtlCol="0" anchor="ctr"/>
+          <a:lstStyle/>
+          <a:p>
+            <a:pPr algn="ctr"/>
+            <a:r>
+              <a:rPr lang="ko-KR" altLang="en-US" sz="1100" smtClean="0">
+                <a:solidFill>
+                  <a:schemeClr val="tx1"/>
+                </a:solidFill>
+              </a:rPr>
+              <a:t>장바구니</a:t>
+            </a:r>
+            <a:endParaRPr lang="ko-KR" altLang="en-US" sz="1100">
+              <a:solidFill>
+                <a:schemeClr val="tx1"/>
+              </a:solidFill>
+            </a:endParaRPr>
+          </a:p>
+        </p:txBody>
+      </p:sp>
+      <p:sp>
+        <p:nvSpPr>
+          <p:cNvPr id="34" name="직사각형 33"/>
+          <p:cNvSpPr/>
+          <p:nvPr/>
+        </p:nvSpPr>
+        <p:spPr>
+          <a:xfrm>
+            <a:off x="10189028" y="4593769"/>
+            <a:ext cx="1036319" cy="169818"/>
+          </a:xfrm>
+          <a:prstGeom prst="rect">
+            <a:avLst/>
+          </a:prstGeom>
+          <a:noFill/>
+          <a:ln>
+            <a:solidFill>
+              <a:schemeClr val="tx1"/>
+            </a:solidFill>
+          </a:ln>
+        </p:spPr>
+        <p:style>
+          <a:lnRef idx="2">
+            <a:schemeClr val="accent1">
+              <a:shade val="50000"/>
+            </a:schemeClr>
+          </a:lnRef>
+          <a:fillRef idx="1">
+            <a:schemeClr val="accent1"/>
+          </a:fillRef>
+          <a:effectRef idx="0">
+            <a:schemeClr val="accent1"/>
+          </a:effectRef>
+          <a:fontRef idx="minor">
+            <a:schemeClr val="lt1"/>
+          </a:fontRef>
+        </p:style>
+        <p:txBody>
+          <a:bodyPr rtlCol="0" anchor="ctr"/>
+          <a:lstStyle/>
+          <a:p>
+            <a:pPr algn="ctr"/>
+            <a:r>
+              <a:rPr lang="ko-KR" altLang="en-US" sz="1100" smtClean="0">
+                <a:solidFill>
+                  <a:schemeClr val="tx1"/>
+                </a:solidFill>
+              </a:rPr>
+              <a:t>구매하기</a:t>
+            </a:r>
+            <a:endParaRPr lang="ko-KR" altLang="en-US" sz="1100">
+              <a:solidFill>
+                <a:schemeClr val="tx1"/>
+              </a:solidFill>
+            </a:endParaRPr>
+          </a:p>
+        </p:txBody>
+      </p:sp>
+      <p:sp>
+        <p:nvSpPr>
+          <p:cNvPr id="35" name="직사각형 34"/>
+          <p:cNvSpPr/>
+          <p:nvPr/>
+        </p:nvSpPr>
+        <p:spPr>
+          <a:xfrm>
+            <a:off x="8760823" y="4848495"/>
+            <a:ext cx="2447108" cy="507277"/>
+          </a:xfrm>
+          <a:prstGeom prst="rect">
+            <a:avLst/>
+          </a:prstGeom>
+          <a:noFill/>
+          <a:ln>
+            <a:solidFill>
+              <a:schemeClr val="tx1"/>
+            </a:solidFill>
+          </a:ln>
+        </p:spPr>
+        <p:style>
+          <a:lnRef idx="2">
+            <a:schemeClr val="accent1">
+              <a:shade val="50000"/>
+            </a:schemeClr>
+          </a:lnRef>
+          <a:fillRef idx="1">
+            <a:schemeClr val="accent1"/>
+          </a:fillRef>
+          <a:effectRef idx="0">
+            <a:schemeClr val="accent1"/>
+          </a:effectRef>
+          <a:fontRef idx="minor">
+            <a:schemeClr val="lt1"/>
+          </a:fontRef>
+        </p:style>
+        <p:txBody>
+          <a:bodyPr rtlCol="0" anchor="ctr"/>
+          <a:lstStyle/>
+          <a:p>
+            <a:pPr algn="ctr"/>
+            <a:r>
+              <a:rPr lang="ko-KR" altLang="en-US" sz="1400" smtClean="0">
+                <a:solidFill>
+                  <a:schemeClr val="tx1"/>
+                </a:solidFill>
+              </a:rPr>
+              <a:t>상품상세</a:t>
+            </a:r>
+            <a:endParaRPr lang="ko-KR" altLang="en-US" sz="1400">
+              <a:solidFill>
+                <a:schemeClr val="tx1"/>
+              </a:solidFill>
+            </a:endParaRPr>
+          </a:p>
+        </p:txBody>
+      </p:sp>
+      <p:sp>
+        <p:nvSpPr>
+          <p:cNvPr id="36" name="직사각형 35"/>
+          <p:cNvSpPr/>
+          <p:nvPr/>
+        </p:nvSpPr>
+        <p:spPr>
+          <a:xfrm>
+            <a:off x="8760823" y="5454829"/>
+            <a:ext cx="2447108" cy="507277"/>
+          </a:xfrm>
+          <a:prstGeom prst="rect">
+            <a:avLst/>
+          </a:prstGeom>
+          <a:noFill/>
+          <a:ln>
+            <a:solidFill>
+              <a:schemeClr val="tx1"/>
+            </a:solidFill>
+          </a:ln>
+        </p:spPr>
+        <p:style>
+          <a:lnRef idx="2">
+            <a:schemeClr val="accent1">
+              <a:shade val="50000"/>
+            </a:schemeClr>
+          </a:lnRef>
+          <a:fillRef idx="1">
+            <a:schemeClr val="accent1"/>
+          </a:fillRef>
+          <a:effectRef idx="0">
+            <a:schemeClr val="accent1"/>
+          </a:effectRef>
+          <a:fontRef idx="minor">
+            <a:schemeClr val="lt1"/>
+          </a:fontRef>
+        </p:style>
+        <p:txBody>
+          <a:bodyPr rtlCol="0" anchor="ctr"/>
+          <a:lstStyle/>
+          <a:p>
+            <a:pPr algn="ctr"/>
+            <a:r>
+              <a:rPr lang="ko-KR" altLang="en-US" sz="1400" smtClean="0">
+                <a:solidFill>
+                  <a:schemeClr val="tx1"/>
+                </a:solidFill>
+              </a:rPr>
+              <a:t>상품구매안내</a:t>
+            </a:r>
+            <a:endParaRPr lang="ko-KR" altLang="en-US" sz="1400">
               <a:solidFill>
                 <a:schemeClr val="tx1"/>
               </a:solidFill>
